--- a/cmsc125/ostep/slides/01.Virtualization/05.Interlude_process_api.pptx
+++ b/cmsc125/ostep/slides/01.Virtualization/05.Interlude_process_api.pptx
@@ -5,21 +5,26 @@
     <p:sldMasterId id="2147483670" r:id="rId1"/>
   </p:sldMasterIdLst>
   <p:notesMasterIdLst>
-    <p:notesMasterId r:id="rId14"/>
+    <p:notesMasterId r:id="rId19"/>
   </p:notesMasterIdLst>
   <p:sldIdLst>
     <p:sldId id="298" r:id="rId2"/>
     <p:sldId id="297" r:id="rId3"/>
     <p:sldId id="279" r:id="rId4"/>
     <p:sldId id="270" r:id="rId5"/>
-    <p:sldId id="271" r:id="rId6"/>
-    <p:sldId id="272" r:id="rId7"/>
-    <p:sldId id="273" r:id="rId8"/>
-    <p:sldId id="274" r:id="rId9"/>
-    <p:sldId id="275" r:id="rId10"/>
-    <p:sldId id="276" r:id="rId11"/>
-    <p:sldId id="277" r:id="rId12"/>
-    <p:sldId id="278" r:id="rId13"/>
+    <p:sldId id="299" r:id="rId6"/>
+    <p:sldId id="271" r:id="rId7"/>
+    <p:sldId id="272" r:id="rId8"/>
+    <p:sldId id="273" r:id="rId9"/>
+    <p:sldId id="274" r:id="rId10"/>
+    <p:sldId id="275" r:id="rId11"/>
+    <p:sldId id="276" r:id="rId12"/>
+    <p:sldId id="300" r:id="rId13"/>
+    <p:sldId id="301" r:id="rId14"/>
+    <p:sldId id="277" r:id="rId15"/>
+    <p:sldId id="278" r:id="rId16"/>
+    <p:sldId id="302" r:id="rId17"/>
+    <p:sldId id="303" r:id="rId18"/>
   </p:sldIdLst>
   <p:sldSz cx="12192000" cy="6858000"/>
   <p:notesSz cx="6797675" cy="9928225"/>
@@ -249,7 +254,7 @@
           <a:p>
             <a:fld id="{050F0499-AE52-4672-879B-3107B2FC2A9F}" type="datetimeFigureOut">
               <a:rPr lang="ko-KR" altLang="en-US" smtClean="0"/>
-              <a:t>2021-07-20</a:t>
+              <a:t>2021-08-18</a:t>
             </a:fld>
             <a:endParaRPr lang="ko-KR" altLang="en-US"/>
           </a:p>
@@ -455,6 +460,102 @@
     </a:lvl9pPr>
   </p:notesStyle>
 </p:notesMaster>
+</file>
+
+<file path=ppt/notesSlides/notesSlide1.xml><?xml version="1.0" encoding="utf-8"?>
+<p:notes xmlns:a="http://schemas.openxmlformats.org/drawingml/2006/main" xmlns:r="http://schemas.openxmlformats.org/officeDocument/2006/relationships" xmlns:p="http://schemas.openxmlformats.org/presentationml/2006/main">
+  <p:cSld>
+    <p:spTree>
+      <p:nvGrpSpPr>
+        <p:cNvPr id="1" name=""/>
+        <p:cNvGrpSpPr/>
+        <p:nvPr/>
+      </p:nvGrpSpPr>
+      <p:grpSpPr>
+        <a:xfrm>
+          <a:off x="0" y="0"/>
+          <a:ext cx="0" cy="0"/>
+          <a:chOff x="0" y="0"/>
+          <a:chExt cx="0" cy="0"/>
+        </a:xfrm>
+      </p:grpSpPr>
+      <p:sp>
+        <p:nvSpPr>
+          <p:cNvPr id="2" name="Slide Image Placeholder 1"/>
+          <p:cNvSpPr>
+            <a:spLocks noGrp="1" noRot="1" noChangeAspect="1"/>
+          </p:cNvSpPr>
+          <p:nvPr>
+            <p:ph type="sldImg"/>
+          </p:nvPr>
+        </p:nvSpPr>
+        <p:spPr/>
+      </p:sp>
+      <p:sp>
+        <p:nvSpPr>
+          <p:cNvPr id="3" name="Notes Placeholder 2"/>
+          <p:cNvSpPr>
+            <a:spLocks noGrp="1"/>
+          </p:cNvSpPr>
+          <p:nvPr>
+            <p:ph type="body" idx="1"/>
+          </p:nvPr>
+        </p:nvSpPr>
+        <p:spPr>
+          <a:xfrm>
+            <a:off x="679450" y="4778375"/>
+            <a:ext cx="5438775" cy="3908425"/>
+          </a:xfrm>
+          <a:prstGeom prst="rect">
+            <a:avLst/>
+          </a:prstGeom>
+        </p:spPr>
+        <p:txBody>
+          <a:bodyPr/>
+          <a:lstStyle/>
+          <a:p>
+            <a:r>
+              <a:rPr lang="en-US" dirty="0"/>
+              <a:t>Emphasize that processes has a PID</a:t>
+            </a:r>
+            <a:endParaRPr lang="en-PH" dirty="0"/>
+          </a:p>
+        </p:txBody>
+      </p:sp>
+      <p:sp>
+        <p:nvSpPr>
+          <p:cNvPr id="4" name="Slide Number Placeholder 3"/>
+          <p:cNvSpPr>
+            <a:spLocks noGrp="1"/>
+          </p:cNvSpPr>
+          <p:nvPr>
+            <p:ph type="sldNum" sz="quarter" idx="5"/>
+          </p:nvPr>
+        </p:nvSpPr>
+        <p:spPr/>
+        <p:txBody>
+          <a:bodyPr/>
+          <a:lstStyle/>
+          <a:p>
+            <a:fld id="{E9CED1A8-8C93-4BD0-9402-1D92621696DA}" type="slidenum">
+              <a:rPr lang="ko-KR" altLang="en-US" smtClean="0"/>
+              <a:t>7</a:t>
+            </a:fld>
+            <a:endParaRPr lang="ko-KR" altLang="en-US"/>
+          </a:p>
+        </p:txBody>
+      </p:sp>
+    </p:spTree>
+    <p:extLst>
+      <p:ext uri="{BB962C8B-B14F-4D97-AF65-F5344CB8AC3E}">
+        <p14:creationId xmlns:p14="http://schemas.microsoft.com/office/powerpoint/2010/main" val="610998315"/>
+      </p:ext>
+    </p:extLst>
+  </p:cSld>
+  <p:clrMapOvr>
+    <a:masterClrMapping/>
+  </p:clrMapOvr>
+</p:notes>
 </file>
 
 <file path=ppt/slideLayouts/slideLayout1.xml><?xml version="1.0" encoding="utf-8"?>
@@ -1659,9 +1760,107 @@
           <a:p>
             <a:r>
               <a:rPr lang="en-US" altLang="ko-KR" dirty="0"/>
-              <a:t>The exec() System Call (Cont.)</a:t>
+              <a:t>The exec() system call</a:t>
             </a:r>
             <a:endParaRPr lang="ko-KR" altLang="en-US" dirty="0"/>
+          </a:p>
+        </p:txBody>
+      </p:sp>
+      <p:sp>
+        <p:nvSpPr>
+          <p:cNvPr id="3" name="내용 개체 틀 2"/>
+          <p:cNvSpPr>
+            <a:spLocks noGrp="1"/>
+          </p:cNvSpPr>
+          <p:nvPr>
+            <p:ph idx="1"/>
+          </p:nvPr>
+        </p:nvSpPr>
+        <p:spPr/>
+        <p:txBody>
+          <a:bodyPr/>
+          <a:lstStyle/>
+          <a:p>
+            <a:r>
+              <a:rPr lang="en-US" altLang="ko-KR" dirty="0"/>
+              <a:t>Run a program that is different from the calling program </a:t>
+            </a:r>
+          </a:p>
+          <a:p>
+            <a:r>
+              <a:rPr lang="en-US" altLang="ko-KR" dirty="0"/>
+              <a:t>The child process will have different </a:t>
+            </a:r>
+            <a:r>
+              <a:rPr lang="en-US" altLang="ko-KR" b="1" u="sng" dirty="0"/>
+              <a:t>code</a:t>
+            </a:r>
+            <a:r>
+              <a:rPr lang="en-US" altLang="ko-KR" dirty="0"/>
+              <a:t>, </a:t>
+            </a:r>
+            <a:r>
+              <a:rPr lang="en-US" altLang="ko-KR" b="1" u="sng" dirty="0"/>
+              <a:t>static data</a:t>
+            </a:r>
+            <a:r>
+              <a:rPr lang="en-US" altLang="ko-KR" dirty="0"/>
+              <a:t>, </a:t>
+            </a:r>
+            <a:r>
+              <a:rPr lang="en-US" altLang="ko-KR" b="1" dirty="0"/>
+              <a:t>address space</a:t>
+            </a:r>
+            <a:r>
+              <a:rPr lang="en-US" altLang="ko-KR" dirty="0"/>
+              <a:t>, </a:t>
+            </a:r>
+            <a:r>
+              <a:rPr lang="en-US" altLang="ko-KR" b="1" dirty="0"/>
+              <a:t>registers</a:t>
+            </a:r>
+            <a:r>
+              <a:rPr lang="en-US" altLang="ko-KR" dirty="0"/>
+              <a:t>, </a:t>
+            </a:r>
+            <a:r>
+              <a:rPr lang="en-US" altLang="ko-KR" b="1" dirty="0"/>
+              <a:t>PC</a:t>
+            </a:r>
+          </a:p>
+          <a:p>
+            <a:pPr lvl="1"/>
+            <a:r>
+              <a:rPr lang="en-US" altLang="ko-KR" dirty="0"/>
+              <a:t>In the previous examples, </a:t>
+            </a:r>
+            <a:r>
+              <a:rPr lang="en-US" altLang="ko-KR" b="1" dirty="0"/>
+              <a:t>code</a:t>
+            </a:r>
+            <a:r>
+              <a:rPr lang="en-US" altLang="ko-KR" dirty="0"/>
+              <a:t> and </a:t>
+            </a:r>
+            <a:r>
+              <a:rPr lang="en-US" altLang="ko-KR" b="1" dirty="0"/>
+              <a:t>static data</a:t>
+            </a:r>
+            <a:r>
+              <a:rPr lang="en-US" altLang="ko-KR" dirty="0"/>
+              <a:t> of the child process are the same as the parent process after a call to </a:t>
+            </a:r>
+            <a:r>
+              <a:rPr lang="en-US" altLang="ko-KR" dirty="0">
+                <a:latin typeface="Courier New" panose="02070309020205020404" pitchFamily="49" charset="0"/>
+                <a:cs typeface="Courier New" panose="02070309020205020404" pitchFamily="49" charset="0"/>
+              </a:rPr>
+              <a:t>fork()</a:t>
+            </a:r>
+            <a:endParaRPr lang="ko-KR" altLang="en-US" dirty="0">
+              <a:latin typeface="Courier New" panose="02070309020205020404" pitchFamily="49" charset="0"/>
+              <a:cs typeface="Courier New" panose="02070309020205020404" pitchFamily="49" charset="0"/>
+            </a:endParaRPr>
           </a:p>
         </p:txBody>
       </p:sp>
@@ -1673,8 +1872,8 @@
         </p:nvSpPr>
         <p:spPr>
           <a:xfrm>
-            <a:off x="2135560" y="1326248"/>
-            <a:ext cx="7992888" cy="2246769"/>
+            <a:off x="2135560" y="2627615"/>
+            <a:ext cx="7992888" cy="4185761"/>
           </a:xfrm>
           <a:prstGeom prst="rect">
             <a:avLst/>
@@ -1812,20 +2011,7 @@
                 <a:ea typeface="맑은 고딕" pitchFamily="50" charset="-127"/>
                 <a:cs typeface="Courier New" pitchFamily="49" charset="0"/>
               </a:rPr>
-              <a:t>…</a:t>
-            </a:r>
-          </a:p>
-          <a:p>
-            <a:r>
-              <a:rPr lang="en-US" altLang="ko-KR" sz="1400" dirty="0">
-                <a:solidFill>
-                  <a:prstClr val="black"/>
-                </a:solidFill>
-                <a:latin typeface="Courier New" pitchFamily="49" charset="0"/>
-                <a:ea typeface="맑은 고딕" pitchFamily="50" charset="-127"/>
-                <a:cs typeface="Courier New" pitchFamily="49" charset="0"/>
-              </a:rPr>
-              <a:t>        </a:t>
+              <a:t>#include &lt;</a:t>
             </a:r>
             <a:r>
               <a:rPr lang="en-US" altLang="ko-KR" sz="1400" dirty="0" err="1">
@@ -1836,18 +2022,31 @@
                 <a:ea typeface="맑은 고딕" pitchFamily="50" charset="-127"/>
                 <a:cs typeface="Courier New" pitchFamily="49" charset="0"/>
               </a:rPr>
-              <a:t>execvp</a:t>
-            </a:r>
-            <a:r>
-              <a:rPr lang="en-US" altLang="ko-KR" sz="1400" dirty="0">
-                <a:solidFill>
-                  <a:prstClr val="black"/>
-                </a:solidFill>
-                <a:latin typeface="Courier New" pitchFamily="49" charset="0"/>
-                <a:ea typeface="맑은 고딕" pitchFamily="50" charset="-127"/>
-                <a:cs typeface="Courier New" pitchFamily="49" charset="0"/>
-              </a:rPr>
-              <a:t>(</a:t>
+              <a:t>stdio.h</a:t>
+            </a:r>
+            <a:r>
+              <a:rPr lang="en-US" altLang="ko-KR" sz="1400" dirty="0">
+                <a:solidFill>
+                  <a:prstClr val="black"/>
+                </a:solidFill>
+                <a:latin typeface="Courier New" pitchFamily="49" charset="0"/>
+                <a:ea typeface="맑은 고딕" pitchFamily="50" charset="-127"/>
+                <a:cs typeface="Courier New" pitchFamily="49" charset="0"/>
+              </a:rPr>
+              <a:t>&gt;</a:t>
+            </a:r>
+          </a:p>
+          <a:p>
+            <a:r>
+              <a:rPr lang="en-US" altLang="ko-KR" sz="1400" dirty="0">
+                <a:solidFill>
+                  <a:prstClr val="black"/>
+                </a:solidFill>
+                <a:latin typeface="Courier New" pitchFamily="49" charset="0"/>
+                <a:ea typeface="맑은 고딕" pitchFamily="50" charset="-127"/>
+                <a:cs typeface="Courier New" pitchFamily="49" charset="0"/>
+              </a:rPr>
+              <a:t>#include &lt;</a:t>
             </a:r>
             <a:r>
               <a:rPr lang="en-US" altLang="ko-KR" sz="1400" dirty="0" err="1">
@@ -1858,40 +2057,31 @@
                 <a:ea typeface="맑은 고딕" pitchFamily="50" charset="-127"/>
                 <a:cs typeface="Courier New" pitchFamily="49" charset="0"/>
               </a:rPr>
-              <a:t>myargs</a:t>
-            </a:r>
-            <a:r>
-              <a:rPr lang="en-US" altLang="ko-KR" sz="1400" dirty="0">
-                <a:solidFill>
-                  <a:prstClr val="black"/>
-                </a:solidFill>
-                <a:latin typeface="Courier New" pitchFamily="49" charset="0"/>
-                <a:ea typeface="맑은 고딕" pitchFamily="50" charset="-127"/>
-                <a:cs typeface="Courier New" pitchFamily="49" charset="0"/>
-              </a:rPr>
-              <a:t>[</a:t>
-            </a:r>
-            <a:r>
-              <a:rPr lang="en-US" altLang="ko-KR" sz="1400" dirty="0">
-                <a:solidFill>
-                  <a:srgbClr val="FF0000"/>
-                </a:solidFill>
-                <a:latin typeface="Courier New" pitchFamily="49" charset="0"/>
-                <a:ea typeface="맑은 고딕" pitchFamily="50" charset="-127"/>
-                <a:cs typeface="Courier New" pitchFamily="49" charset="0"/>
-              </a:rPr>
-              <a:t>0</a:t>
-            </a:r>
-            <a:r>
-              <a:rPr lang="en-US" altLang="ko-KR" sz="1400" dirty="0">
-                <a:solidFill>
-                  <a:prstClr val="black"/>
-                </a:solidFill>
-                <a:latin typeface="Courier New" pitchFamily="49" charset="0"/>
-                <a:ea typeface="맑은 고딕" pitchFamily="50" charset="-127"/>
-                <a:cs typeface="Courier New" pitchFamily="49" charset="0"/>
-              </a:rPr>
-              <a:t>], </a:t>
+              <a:t>stdlib.h</a:t>
+            </a:r>
+            <a:r>
+              <a:rPr lang="en-US" altLang="ko-KR" sz="1400" dirty="0">
+                <a:solidFill>
+                  <a:prstClr val="black"/>
+                </a:solidFill>
+                <a:latin typeface="Courier New" pitchFamily="49" charset="0"/>
+                <a:ea typeface="맑은 고딕" pitchFamily="50" charset="-127"/>
+                <a:cs typeface="Courier New" pitchFamily="49" charset="0"/>
+              </a:rPr>
+              <a:t>&gt;</a:t>
+            </a:r>
+          </a:p>
+          <a:p>
+            <a:r>
+              <a:rPr lang="en-US" altLang="ko-KR" sz="1400" dirty="0">
+                <a:solidFill>
+                  <a:prstClr val="black"/>
+                </a:solidFill>
+                <a:latin typeface="Courier New" pitchFamily="49" charset="0"/>
+                <a:ea typeface="맑은 고딕" pitchFamily="50" charset="-127"/>
+                <a:cs typeface="Courier New" pitchFamily="49" charset="0"/>
+              </a:rPr>
+              <a:t>#include &lt;</a:t>
             </a:r>
             <a:r>
               <a:rPr lang="en-US" altLang="ko-KR" sz="1400" dirty="0" err="1">
@@ -1902,42 +2092,31 @@
                 <a:ea typeface="맑은 고딕" pitchFamily="50" charset="-127"/>
                 <a:cs typeface="Courier New" pitchFamily="49" charset="0"/>
               </a:rPr>
-              <a:t>myargs</a:t>
-            </a:r>
-            <a:r>
-              <a:rPr lang="en-US" altLang="ko-KR" sz="1400" dirty="0">
-                <a:solidFill>
-                  <a:prstClr val="black"/>
-                </a:solidFill>
-                <a:latin typeface="Courier New" pitchFamily="49" charset="0"/>
-                <a:ea typeface="맑은 고딕" pitchFamily="50" charset="-127"/>
-                <a:cs typeface="Courier New" pitchFamily="49" charset="0"/>
-              </a:rPr>
-              <a:t>); </a:t>
-            </a:r>
-            <a:r>
-              <a:rPr lang="en-US" altLang="ko-KR" sz="1400" dirty="0">
-                <a:solidFill>
-                  <a:srgbClr val="00B0F0"/>
-                </a:solidFill>
-                <a:latin typeface="Courier New" pitchFamily="49" charset="0"/>
-                <a:ea typeface="맑은 고딕" pitchFamily="50" charset="-127"/>
-                <a:cs typeface="Courier New" pitchFamily="49" charset="0"/>
-              </a:rPr>
-              <a:t>// runs word count</a:t>
-            </a:r>
-          </a:p>
-          <a:p>
-            <a:r>
-              <a:rPr lang="en-US" altLang="ko-KR" sz="1400" dirty="0">
-                <a:solidFill>
-                  <a:prstClr val="black"/>
-                </a:solidFill>
-                <a:latin typeface="Courier New" pitchFamily="49" charset="0"/>
-                <a:ea typeface="맑은 고딕" pitchFamily="50" charset="-127"/>
-                <a:cs typeface="Courier New" pitchFamily="49" charset="0"/>
-              </a:rPr>
-              <a:t>        </a:t>
+              <a:t>unistd.h</a:t>
+            </a:r>
+            <a:r>
+              <a:rPr lang="en-US" altLang="ko-KR" sz="1400" dirty="0">
+                <a:solidFill>
+                  <a:prstClr val="black"/>
+                </a:solidFill>
+                <a:latin typeface="Courier New" pitchFamily="49" charset="0"/>
+                <a:ea typeface="맑은 고딕" pitchFamily="50" charset="-127"/>
+                <a:cs typeface="Courier New" pitchFamily="49" charset="0"/>
+              </a:rPr>
+              <a:t>&gt;</a:t>
+            </a:r>
+          </a:p>
+          <a:p>
+            <a:r>
+              <a:rPr lang="en-US" altLang="ko-KR" sz="1400" dirty="0">
+                <a:solidFill>
+                  <a:prstClr val="black"/>
+                </a:solidFill>
+                <a:latin typeface="Courier New" pitchFamily="49" charset="0"/>
+                <a:ea typeface="맑은 고딕" pitchFamily="50" charset="-127"/>
+                <a:cs typeface="Courier New" pitchFamily="49" charset="0"/>
+              </a:rPr>
+              <a:t>#include &lt;</a:t>
             </a:r>
             <a:r>
               <a:rPr lang="en-US" altLang="ko-KR" sz="1400" dirty="0" err="1">
@@ -1948,6 +2127,198 @@
                 <a:ea typeface="맑은 고딕" pitchFamily="50" charset="-127"/>
                 <a:cs typeface="Courier New" pitchFamily="49" charset="0"/>
               </a:rPr>
+              <a:t>string.h</a:t>
+            </a:r>
+            <a:r>
+              <a:rPr lang="en-US" altLang="ko-KR" sz="1400" dirty="0">
+                <a:solidFill>
+                  <a:prstClr val="black"/>
+                </a:solidFill>
+                <a:latin typeface="Courier New" pitchFamily="49" charset="0"/>
+                <a:ea typeface="맑은 고딕" pitchFamily="50" charset="-127"/>
+                <a:cs typeface="Courier New" pitchFamily="49" charset="0"/>
+              </a:rPr>
+              <a:t>&gt;</a:t>
+            </a:r>
+          </a:p>
+          <a:p>
+            <a:r>
+              <a:rPr lang="en-US" altLang="ko-KR" sz="1400" dirty="0">
+                <a:solidFill>
+                  <a:prstClr val="black"/>
+                </a:solidFill>
+                <a:latin typeface="Courier New" pitchFamily="49" charset="0"/>
+                <a:ea typeface="맑은 고딕" pitchFamily="50" charset="-127"/>
+                <a:cs typeface="Courier New" pitchFamily="49" charset="0"/>
+              </a:rPr>
+              <a:t>#include &lt;sys/</a:t>
+            </a:r>
+            <a:r>
+              <a:rPr lang="en-US" altLang="ko-KR" sz="1400" dirty="0" err="1">
+                <a:solidFill>
+                  <a:prstClr val="black"/>
+                </a:solidFill>
+                <a:latin typeface="Courier New" pitchFamily="49" charset="0"/>
+                <a:ea typeface="맑은 고딕" pitchFamily="50" charset="-127"/>
+                <a:cs typeface="Courier New" pitchFamily="49" charset="0"/>
+              </a:rPr>
+              <a:t>wait.h</a:t>
+            </a:r>
+            <a:r>
+              <a:rPr lang="en-US" altLang="ko-KR" sz="1400" dirty="0">
+                <a:solidFill>
+                  <a:prstClr val="black"/>
+                </a:solidFill>
+                <a:latin typeface="Courier New" pitchFamily="49" charset="0"/>
+                <a:ea typeface="맑은 고딕" pitchFamily="50" charset="-127"/>
+                <a:cs typeface="Courier New" pitchFamily="49" charset="0"/>
+              </a:rPr>
+              <a:t>&gt;</a:t>
+            </a:r>
+          </a:p>
+          <a:p>
+            <a:endParaRPr lang="en-US" altLang="ko-KR" sz="1400" dirty="0">
+              <a:solidFill>
+                <a:prstClr val="black"/>
+              </a:solidFill>
+              <a:latin typeface="Courier New" pitchFamily="49" charset="0"/>
+              <a:ea typeface="맑은 고딕" pitchFamily="50" charset="-127"/>
+              <a:cs typeface="Courier New" pitchFamily="49" charset="0"/>
+            </a:endParaRPr>
+          </a:p>
+          <a:p>
+            <a:r>
+              <a:rPr lang="en-US" altLang="ko-KR" sz="1400" dirty="0" err="1">
+                <a:solidFill>
+                  <a:srgbClr val="00B050"/>
+                </a:solidFill>
+                <a:latin typeface="Courier New" pitchFamily="49" charset="0"/>
+                <a:ea typeface="맑은 고딕" pitchFamily="50" charset="-127"/>
+                <a:cs typeface="Courier New" pitchFamily="49" charset="0"/>
+              </a:rPr>
+              <a:t>int</a:t>
+            </a:r>
+            <a:r>
+              <a:rPr lang="en-US" altLang="ko-KR" sz="1400" dirty="0">
+                <a:solidFill>
+                  <a:prstClr val="black"/>
+                </a:solidFill>
+                <a:latin typeface="Courier New" pitchFamily="49" charset="0"/>
+                <a:ea typeface="맑은 고딕" pitchFamily="50" charset="-127"/>
+                <a:cs typeface="Courier New" pitchFamily="49" charset="0"/>
+              </a:rPr>
+              <a:t> main(</a:t>
+            </a:r>
+            <a:r>
+              <a:rPr lang="en-US" altLang="ko-KR" sz="1400" dirty="0" err="1">
+                <a:solidFill>
+                  <a:srgbClr val="00B050"/>
+                </a:solidFill>
+                <a:latin typeface="Courier New" pitchFamily="49" charset="0"/>
+                <a:ea typeface="맑은 고딕" pitchFamily="50" charset="-127"/>
+                <a:cs typeface="Courier New" pitchFamily="49" charset="0"/>
+              </a:rPr>
+              <a:t>int</a:t>
+            </a:r>
+            <a:r>
+              <a:rPr lang="en-US" altLang="ko-KR" sz="1400" dirty="0">
+                <a:solidFill>
+                  <a:prstClr val="black"/>
+                </a:solidFill>
+                <a:latin typeface="Courier New" pitchFamily="49" charset="0"/>
+                <a:ea typeface="맑은 고딕" pitchFamily="50" charset="-127"/>
+                <a:cs typeface="Courier New" pitchFamily="49" charset="0"/>
+              </a:rPr>
+              <a:t> </a:t>
+            </a:r>
+            <a:r>
+              <a:rPr lang="en-US" altLang="ko-KR" sz="1400" dirty="0" err="1">
+                <a:solidFill>
+                  <a:prstClr val="black"/>
+                </a:solidFill>
+                <a:latin typeface="Courier New" pitchFamily="49" charset="0"/>
+                <a:ea typeface="맑은 고딕" pitchFamily="50" charset="-127"/>
+                <a:cs typeface="Courier New" pitchFamily="49" charset="0"/>
+              </a:rPr>
+              <a:t>argc</a:t>
+            </a:r>
+            <a:r>
+              <a:rPr lang="en-US" altLang="ko-KR" sz="1400" dirty="0">
+                <a:solidFill>
+                  <a:prstClr val="black"/>
+                </a:solidFill>
+                <a:latin typeface="Courier New" pitchFamily="49" charset="0"/>
+                <a:ea typeface="맑은 고딕" pitchFamily="50" charset="-127"/>
+                <a:cs typeface="Courier New" pitchFamily="49" charset="0"/>
+              </a:rPr>
+              <a:t>, </a:t>
+            </a:r>
+            <a:r>
+              <a:rPr lang="en-US" altLang="ko-KR" sz="1400" dirty="0">
+                <a:solidFill>
+                  <a:srgbClr val="00B050"/>
+                </a:solidFill>
+                <a:latin typeface="Courier New" pitchFamily="49" charset="0"/>
+                <a:ea typeface="맑은 고딕" pitchFamily="50" charset="-127"/>
+                <a:cs typeface="Courier New" pitchFamily="49" charset="0"/>
+              </a:rPr>
+              <a:t>char </a:t>
+            </a:r>
+            <a:r>
+              <a:rPr lang="en-US" altLang="ko-KR" sz="1400" dirty="0">
+                <a:solidFill>
+                  <a:prstClr val="black"/>
+                </a:solidFill>
+                <a:latin typeface="Courier New" pitchFamily="49" charset="0"/>
+                <a:ea typeface="맑은 고딕" pitchFamily="50" charset="-127"/>
+                <a:cs typeface="Courier New" pitchFamily="49" charset="0"/>
+              </a:rPr>
+              <a:t>*</a:t>
+            </a:r>
+            <a:r>
+              <a:rPr lang="en-US" altLang="ko-KR" sz="1400" dirty="0" err="1">
+                <a:solidFill>
+                  <a:prstClr val="black"/>
+                </a:solidFill>
+                <a:latin typeface="Courier New" pitchFamily="49" charset="0"/>
+                <a:ea typeface="맑은 고딕" pitchFamily="50" charset="-127"/>
+                <a:cs typeface="Courier New" pitchFamily="49" charset="0"/>
+              </a:rPr>
+              <a:t>argv</a:t>
+            </a:r>
+            <a:r>
+              <a:rPr lang="en-US" altLang="ko-KR" sz="1400" dirty="0">
+                <a:solidFill>
+                  <a:prstClr val="black"/>
+                </a:solidFill>
+                <a:latin typeface="Courier New" pitchFamily="49" charset="0"/>
+                <a:ea typeface="맑은 고딕" pitchFamily="50" charset="-127"/>
+                <a:cs typeface="Courier New" pitchFamily="49" charset="0"/>
+              </a:rPr>
+              <a:t>[]){</a:t>
+            </a:r>
+          </a:p>
+          <a:p>
+            <a:r>
+              <a:rPr lang="en-US" altLang="ko-KR" sz="1400" dirty="0">
+                <a:solidFill>
+                  <a:prstClr val="black"/>
+                </a:solidFill>
+                <a:latin typeface="Courier New" pitchFamily="49" charset="0"/>
+                <a:ea typeface="맑은 고딕" pitchFamily="50" charset="-127"/>
+                <a:cs typeface="Courier New" pitchFamily="49" charset="0"/>
+              </a:rPr>
+              <a:t>    </a:t>
+            </a:r>
+            <a:r>
+              <a:rPr lang="en-US" altLang="ko-KR" sz="1400" dirty="0" err="1">
+                <a:solidFill>
+                  <a:prstClr val="black"/>
+                </a:solidFill>
+                <a:latin typeface="Courier New" pitchFamily="49" charset="0"/>
+                <a:ea typeface="맑은 고딕" pitchFamily="50" charset="-127"/>
+                <a:cs typeface="Courier New" pitchFamily="49" charset="0"/>
+              </a:rPr>
               <a:t>printf</a:t>
             </a:r>
             <a:r>
@@ -1959,20 +2330,143 @@
                 <a:ea typeface="맑은 고딕" pitchFamily="50" charset="-127"/>
                 <a:cs typeface="Courier New" pitchFamily="49" charset="0"/>
               </a:rPr>
-              <a:t>("this shouldn’t print out");</a:t>
-            </a:r>
-          </a:p>
-          <a:p>
-            <a:r>
-              <a:rPr lang="en-US" altLang="ko-KR" sz="1400" dirty="0">
-                <a:solidFill>
-                  <a:prstClr val="black"/>
-                </a:solidFill>
-                <a:latin typeface="Courier New" pitchFamily="49" charset="0"/>
-                <a:ea typeface="맑은 고딕" pitchFamily="50" charset="-127"/>
-                <a:cs typeface="Courier New" pitchFamily="49" charset="0"/>
-              </a:rPr>
-              <a:t>    } </a:t>
+              <a:t>("hello world (</a:t>
+            </a:r>
+            <a:r>
+              <a:rPr lang="en-US" altLang="ko-KR" sz="1400" dirty="0" err="1">
+                <a:solidFill>
+                  <a:prstClr val="black"/>
+                </a:solidFill>
+                <a:latin typeface="Courier New" pitchFamily="49" charset="0"/>
+                <a:ea typeface="맑은 고딕" pitchFamily="50" charset="-127"/>
+                <a:cs typeface="Courier New" pitchFamily="49" charset="0"/>
+              </a:rPr>
+              <a:t>pid</a:t>
+            </a:r>
+            <a:r>
+              <a:rPr lang="en-US" altLang="ko-KR" sz="1400" dirty="0">
+                <a:solidFill>
+                  <a:prstClr val="black"/>
+                </a:solidFill>
+                <a:latin typeface="Courier New" pitchFamily="49" charset="0"/>
+                <a:ea typeface="맑은 고딕" pitchFamily="50" charset="-127"/>
+                <a:cs typeface="Courier New" pitchFamily="49" charset="0"/>
+              </a:rPr>
+              <a:t>:%d)\n", (</a:t>
+            </a:r>
+            <a:r>
+              <a:rPr lang="en-US" altLang="ko-KR" sz="1400" dirty="0" err="1">
+                <a:solidFill>
+                  <a:srgbClr val="00B050"/>
+                </a:solidFill>
+                <a:latin typeface="Courier New" pitchFamily="49" charset="0"/>
+                <a:ea typeface="맑은 고딕" pitchFamily="50" charset="-127"/>
+                <a:cs typeface="Courier New" pitchFamily="49" charset="0"/>
+              </a:rPr>
+              <a:t>int</a:t>
+            </a:r>
+            <a:r>
+              <a:rPr lang="en-US" altLang="ko-KR" sz="1400" dirty="0">
+                <a:solidFill>
+                  <a:prstClr val="black"/>
+                </a:solidFill>
+                <a:latin typeface="Courier New" pitchFamily="49" charset="0"/>
+                <a:ea typeface="맑은 고딕" pitchFamily="50" charset="-127"/>
+                <a:cs typeface="Courier New" pitchFamily="49" charset="0"/>
+              </a:rPr>
+              <a:t>) </a:t>
+            </a:r>
+            <a:r>
+              <a:rPr lang="en-US" altLang="ko-KR" sz="1400" dirty="0" err="1">
+                <a:solidFill>
+                  <a:prstClr val="black"/>
+                </a:solidFill>
+                <a:latin typeface="Courier New" pitchFamily="49" charset="0"/>
+                <a:ea typeface="맑은 고딕" pitchFamily="50" charset="-127"/>
+                <a:cs typeface="Courier New" pitchFamily="49" charset="0"/>
+              </a:rPr>
+              <a:t>getpid</a:t>
+            </a:r>
+            <a:r>
+              <a:rPr lang="en-US" altLang="ko-KR" sz="1400" dirty="0">
+                <a:solidFill>
+                  <a:prstClr val="black"/>
+                </a:solidFill>
+                <a:latin typeface="Courier New" pitchFamily="49" charset="0"/>
+                <a:ea typeface="맑은 고딕" pitchFamily="50" charset="-127"/>
+                <a:cs typeface="Courier New" pitchFamily="49" charset="0"/>
+              </a:rPr>
+              <a:t>());</a:t>
+            </a:r>
+          </a:p>
+          <a:p>
+            <a:r>
+              <a:rPr lang="en-US" altLang="ko-KR" sz="1400" dirty="0">
+                <a:solidFill>
+                  <a:prstClr val="black"/>
+                </a:solidFill>
+                <a:latin typeface="Courier New" pitchFamily="49" charset="0"/>
+                <a:ea typeface="맑은 고딕" pitchFamily="50" charset="-127"/>
+                <a:cs typeface="Courier New" pitchFamily="49" charset="0"/>
+              </a:rPr>
+              <a:t>    </a:t>
+            </a:r>
+            <a:r>
+              <a:rPr lang="en-US" altLang="ko-KR" sz="1400" dirty="0" err="1">
+                <a:solidFill>
+                  <a:srgbClr val="00B050"/>
+                </a:solidFill>
+                <a:latin typeface="Courier New" pitchFamily="49" charset="0"/>
+                <a:ea typeface="맑은 고딕" pitchFamily="50" charset="-127"/>
+                <a:cs typeface="Courier New" pitchFamily="49" charset="0"/>
+              </a:rPr>
+              <a:t>int</a:t>
+            </a:r>
+            <a:r>
+              <a:rPr lang="en-US" altLang="ko-KR" sz="1400" dirty="0">
+                <a:solidFill>
+                  <a:prstClr val="black"/>
+                </a:solidFill>
+                <a:latin typeface="Courier New" pitchFamily="49" charset="0"/>
+                <a:ea typeface="맑은 고딕" pitchFamily="50" charset="-127"/>
+                <a:cs typeface="Courier New" pitchFamily="49" charset="0"/>
+              </a:rPr>
+              <a:t> </a:t>
+            </a:r>
+            <a:r>
+              <a:rPr lang="en-US" altLang="ko-KR" sz="1400" dirty="0" err="1">
+                <a:solidFill>
+                  <a:prstClr val="black"/>
+                </a:solidFill>
+                <a:latin typeface="Courier New" pitchFamily="49" charset="0"/>
+                <a:ea typeface="맑은 고딕" pitchFamily="50" charset="-127"/>
+                <a:cs typeface="Courier New" pitchFamily="49" charset="0"/>
+              </a:rPr>
+              <a:t>rc</a:t>
+            </a:r>
+            <a:r>
+              <a:rPr lang="en-US" altLang="ko-KR" sz="1400" dirty="0">
+                <a:solidFill>
+                  <a:prstClr val="black"/>
+                </a:solidFill>
+                <a:latin typeface="Courier New" pitchFamily="49" charset="0"/>
+                <a:ea typeface="맑은 고딕" pitchFamily="50" charset="-127"/>
+                <a:cs typeface="Courier New" pitchFamily="49" charset="0"/>
+              </a:rPr>
+              <a:t> = fork();</a:t>
+            </a:r>
+          </a:p>
+          <a:p>
+            <a:r>
+              <a:rPr lang="en-US" altLang="ko-KR" sz="1400" dirty="0">
+                <a:solidFill>
+                  <a:prstClr val="black"/>
+                </a:solidFill>
+                <a:latin typeface="Courier New" pitchFamily="49" charset="0"/>
+                <a:ea typeface="맑은 고딕" pitchFamily="50" charset="-127"/>
+                <a:cs typeface="Courier New" pitchFamily="49" charset="0"/>
+              </a:rPr>
+              <a:t>    </a:t>
             </a:r>
             <a:r>
               <a:rPr lang="en-US" altLang="ko-KR" sz="1400" dirty="0">
@@ -1985,18 +2479,62 @@
                 <a:ea typeface="맑은 고딕" pitchFamily="50" charset="-127"/>
                 <a:cs typeface="Courier New" pitchFamily="49" charset="0"/>
               </a:rPr>
-              <a:t>else</a:t>
-            </a:r>
-            <a:r>
-              <a:rPr lang="en-US" altLang="ko-KR" sz="1400" dirty="0">
-                <a:solidFill>
-                  <a:prstClr val="black"/>
-                </a:solidFill>
-                <a:latin typeface="Courier New" pitchFamily="49" charset="0"/>
-                <a:ea typeface="맑은 고딕" pitchFamily="50" charset="-127"/>
-                <a:cs typeface="Courier New" pitchFamily="49" charset="0"/>
-              </a:rPr>
-              <a:t> { 			</a:t>
+              <a:t>if</a:t>
+            </a:r>
+            <a:r>
+              <a:rPr lang="en-US" altLang="ko-KR" sz="1400" dirty="0">
+                <a:solidFill>
+                  <a:prstClr val="black"/>
+                </a:solidFill>
+                <a:latin typeface="Courier New" pitchFamily="49" charset="0"/>
+                <a:ea typeface="맑은 고딕" pitchFamily="50" charset="-127"/>
+                <a:cs typeface="Courier New" pitchFamily="49" charset="0"/>
+              </a:rPr>
+              <a:t> (</a:t>
+            </a:r>
+            <a:r>
+              <a:rPr lang="en-US" altLang="ko-KR" sz="1400" dirty="0" err="1">
+                <a:solidFill>
+                  <a:prstClr val="black"/>
+                </a:solidFill>
+                <a:latin typeface="Courier New" pitchFamily="49" charset="0"/>
+                <a:ea typeface="맑은 고딕" pitchFamily="50" charset="-127"/>
+                <a:cs typeface="Courier New" pitchFamily="49" charset="0"/>
+              </a:rPr>
+              <a:t>rc</a:t>
+            </a:r>
+            <a:r>
+              <a:rPr lang="en-US" altLang="ko-KR" sz="1400" dirty="0">
+                <a:solidFill>
+                  <a:prstClr val="black"/>
+                </a:solidFill>
+                <a:latin typeface="Courier New" pitchFamily="49" charset="0"/>
+                <a:ea typeface="맑은 고딕" pitchFamily="50" charset="-127"/>
+                <a:cs typeface="Courier New" pitchFamily="49" charset="0"/>
+              </a:rPr>
+              <a:t> &lt; </a:t>
+            </a:r>
+            <a:r>
+              <a:rPr lang="en-US" altLang="ko-KR" sz="1400" dirty="0">
+                <a:solidFill>
+                  <a:srgbClr val="FF0000"/>
+                </a:solidFill>
+                <a:latin typeface="Courier New" pitchFamily="49" charset="0"/>
+                <a:ea typeface="맑은 고딕" pitchFamily="50" charset="-127"/>
+                <a:cs typeface="Courier New" pitchFamily="49" charset="0"/>
+              </a:rPr>
+              <a:t>0</a:t>
+            </a:r>
+            <a:r>
+              <a:rPr lang="en-US" altLang="ko-KR" sz="1400" dirty="0">
+                <a:solidFill>
+                  <a:prstClr val="black"/>
+                </a:solidFill>
+                <a:latin typeface="Courier New" pitchFamily="49" charset="0"/>
+                <a:ea typeface="맑은 고딕" pitchFamily="50" charset="-127"/>
+                <a:cs typeface="Courier New" pitchFamily="49" charset="0"/>
+              </a:rPr>
+              <a:t>) { 		</a:t>
             </a:r>
             <a:r>
               <a:rPr lang="en-US" altLang="ko-KR" sz="1400" dirty="0">
@@ -2007,7 +2545,7 @@
                 <a:ea typeface="맑은 고딕" pitchFamily="50" charset="-127"/>
                 <a:cs typeface="Courier New" pitchFamily="49" charset="0"/>
               </a:rPr>
-              <a:t>// parent goes down this path (main)</a:t>
+              <a:t>// fork failed; exit</a:t>
             </a:r>
           </a:p>
           <a:p>
@@ -2025,24 +2563,24 @@
             <a:r>
               <a:rPr lang="en-US" altLang="ko-KR" sz="1400" dirty="0" err="1">
                 <a:solidFill>
-                  <a:srgbClr val="00B050"/>
-                </a:solidFill>
-                <a:latin typeface="Courier New" pitchFamily="49" charset="0"/>
-                <a:ea typeface="맑은 고딕" pitchFamily="50" charset="-127"/>
-                <a:cs typeface="Courier New" pitchFamily="49" charset="0"/>
-              </a:rPr>
-              <a:t>int</a:t>
-            </a:r>
-            <a:r>
-              <a:rPr lang="en-US" altLang="ko-KR" sz="1400" dirty="0">
-                <a:solidFill>
-                  <a:srgbClr val="00B050"/>
-                </a:solidFill>
-                <a:latin typeface="Courier New" pitchFamily="49" charset="0"/>
-                <a:ea typeface="맑은 고딕" pitchFamily="50" charset="-127"/>
-                <a:cs typeface="Courier New" pitchFamily="49" charset="0"/>
-              </a:rPr>
-              <a:t> </a:t>
+                  <a:prstClr val="black"/>
+                </a:solidFill>
+                <a:latin typeface="Courier New" pitchFamily="49" charset="0"/>
+                <a:ea typeface="맑은 고딕" pitchFamily="50" charset="-127"/>
+                <a:cs typeface="Courier New" pitchFamily="49" charset="0"/>
+              </a:rPr>
+              <a:t>fprintf</a:t>
+            </a:r>
+            <a:r>
+              <a:rPr lang="en-US" altLang="ko-KR" sz="1400" dirty="0">
+                <a:solidFill>
+                  <a:prstClr val="black"/>
+                </a:solidFill>
+                <a:latin typeface="Courier New" pitchFamily="49" charset="0"/>
+                <a:ea typeface="맑은 고딕" pitchFamily="50" charset="-127"/>
+                <a:cs typeface="Courier New" pitchFamily="49" charset="0"/>
+              </a:rPr>
+              <a:t>(</a:t>
             </a:r>
             <a:r>
               <a:rPr lang="en-US" altLang="ko-KR" sz="1400" dirty="0" err="1">
@@ -2053,224 +2591,66 @@
                 <a:ea typeface="맑은 고딕" pitchFamily="50" charset="-127"/>
                 <a:cs typeface="Courier New" pitchFamily="49" charset="0"/>
               </a:rPr>
-              <a:t>wc</a:t>
-            </a:r>
-            <a:r>
-              <a:rPr lang="en-US" altLang="ko-KR" sz="1400" dirty="0">
-                <a:solidFill>
-                  <a:prstClr val="black"/>
-                </a:solidFill>
-                <a:latin typeface="Courier New" pitchFamily="49" charset="0"/>
-                <a:ea typeface="맑은 고딕" pitchFamily="50" charset="-127"/>
-                <a:cs typeface="Courier New" pitchFamily="49" charset="0"/>
-              </a:rPr>
-              <a:t> = wait(NULL);</a:t>
-            </a:r>
-          </a:p>
-          <a:p>
-            <a:r>
-              <a:rPr lang="en-US" altLang="ko-KR" sz="1400" dirty="0">
-                <a:solidFill>
-                  <a:prstClr val="black"/>
-                </a:solidFill>
-                <a:latin typeface="Courier New" pitchFamily="49" charset="0"/>
-                <a:ea typeface="맑은 고딕" pitchFamily="50" charset="-127"/>
-                <a:cs typeface="Courier New" pitchFamily="49" charset="0"/>
-              </a:rPr>
-              <a:t>        </a:t>
-            </a:r>
-            <a:r>
-              <a:rPr lang="en-US" altLang="ko-KR" sz="1400" dirty="0" err="1">
-                <a:solidFill>
-                  <a:prstClr val="black"/>
-                </a:solidFill>
-                <a:latin typeface="Courier New" pitchFamily="49" charset="0"/>
-                <a:ea typeface="맑은 고딕" pitchFamily="50" charset="-127"/>
-                <a:cs typeface="Courier New" pitchFamily="49" charset="0"/>
-              </a:rPr>
-              <a:t>printf</a:t>
-            </a:r>
-            <a:r>
-              <a:rPr lang="en-US" altLang="ko-KR" sz="1400" dirty="0">
-                <a:solidFill>
-                  <a:prstClr val="black"/>
-                </a:solidFill>
-                <a:latin typeface="Courier New" pitchFamily="49" charset="0"/>
-                <a:ea typeface="맑은 고딕" pitchFamily="50" charset="-127"/>
-                <a:cs typeface="Courier New" pitchFamily="49" charset="0"/>
-              </a:rPr>
-              <a:t>("hello, I am parent of %d (</a:t>
-            </a:r>
-            <a:r>
-              <a:rPr lang="en-US" altLang="ko-KR" sz="1400" dirty="0" err="1">
-                <a:solidFill>
-                  <a:prstClr val="black"/>
-                </a:solidFill>
-                <a:latin typeface="Courier New" pitchFamily="49" charset="0"/>
-                <a:ea typeface="맑은 고딕" pitchFamily="50" charset="-127"/>
-                <a:cs typeface="Courier New" pitchFamily="49" charset="0"/>
-              </a:rPr>
-              <a:t>wc</a:t>
-            </a:r>
-            <a:r>
-              <a:rPr lang="en-US" altLang="ko-KR" sz="1400" dirty="0">
-                <a:solidFill>
-                  <a:prstClr val="black"/>
-                </a:solidFill>
-                <a:latin typeface="Courier New" pitchFamily="49" charset="0"/>
-                <a:ea typeface="맑은 고딕" pitchFamily="50" charset="-127"/>
-                <a:cs typeface="Courier New" pitchFamily="49" charset="0"/>
-              </a:rPr>
-              <a:t>:%d) (</a:t>
-            </a:r>
-            <a:r>
-              <a:rPr lang="en-US" altLang="ko-KR" sz="1400" dirty="0" err="1">
-                <a:solidFill>
-                  <a:prstClr val="black"/>
-                </a:solidFill>
-                <a:latin typeface="Courier New" pitchFamily="49" charset="0"/>
-                <a:ea typeface="맑은 고딕" pitchFamily="50" charset="-127"/>
-                <a:cs typeface="Courier New" pitchFamily="49" charset="0"/>
-              </a:rPr>
-              <a:t>pid</a:t>
-            </a:r>
-            <a:r>
-              <a:rPr lang="en-US" altLang="ko-KR" sz="1400" dirty="0">
-                <a:solidFill>
-                  <a:prstClr val="black"/>
-                </a:solidFill>
-                <a:latin typeface="Courier New" pitchFamily="49" charset="0"/>
-                <a:ea typeface="맑은 고딕" pitchFamily="50" charset="-127"/>
-                <a:cs typeface="Courier New" pitchFamily="49" charset="0"/>
-              </a:rPr>
-              <a:t>:%d)\n",</a:t>
-            </a:r>
-          </a:p>
-          <a:p>
-            <a:r>
-              <a:rPr lang="en-US" altLang="ko-KR" sz="1400" dirty="0">
-                <a:solidFill>
-                  <a:prstClr val="black"/>
-                </a:solidFill>
-                <a:latin typeface="Courier New" pitchFamily="49" charset="0"/>
-                <a:ea typeface="맑은 고딕" pitchFamily="50" charset="-127"/>
-                <a:cs typeface="Courier New" pitchFamily="49" charset="0"/>
-              </a:rPr>
-              <a:t>            </a:t>
-            </a:r>
-            <a:r>
-              <a:rPr lang="en-US" altLang="ko-KR" sz="1400" dirty="0" err="1">
-                <a:solidFill>
-                  <a:prstClr val="black"/>
-                </a:solidFill>
-                <a:latin typeface="Courier New" pitchFamily="49" charset="0"/>
-                <a:ea typeface="맑은 고딕" pitchFamily="50" charset="-127"/>
-                <a:cs typeface="Courier New" pitchFamily="49" charset="0"/>
-              </a:rPr>
-              <a:t>rc</a:t>
-            </a:r>
-            <a:r>
-              <a:rPr lang="en-US" altLang="ko-KR" sz="1400" dirty="0">
-                <a:solidFill>
-                  <a:prstClr val="black"/>
-                </a:solidFill>
-                <a:latin typeface="Courier New" pitchFamily="49" charset="0"/>
-                <a:ea typeface="맑은 고딕" pitchFamily="50" charset="-127"/>
-                <a:cs typeface="Courier New" pitchFamily="49" charset="0"/>
-              </a:rPr>
-              <a:t>, </a:t>
-            </a:r>
-            <a:r>
-              <a:rPr lang="en-US" altLang="ko-KR" sz="1400" dirty="0" err="1">
-                <a:solidFill>
-                  <a:prstClr val="black"/>
-                </a:solidFill>
-                <a:latin typeface="Courier New" pitchFamily="49" charset="0"/>
-                <a:ea typeface="맑은 고딕" pitchFamily="50" charset="-127"/>
-                <a:cs typeface="Courier New" pitchFamily="49" charset="0"/>
-              </a:rPr>
-              <a:t>wc</a:t>
-            </a:r>
-            <a:r>
-              <a:rPr lang="en-US" altLang="ko-KR" sz="1400" dirty="0">
-                <a:solidFill>
-                  <a:prstClr val="black"/>
-                </a:solidFill>
-                <a:latin typeface="Courier New" pitchFamily="49" charset="0"/>
-                <a:ea typeface="맑은 고딕" pitchFamily="50" charset="-127"/>
-                <a:cs typeface="Courier New" pitchFamily="49" charset="0"/>
-              </a:rPr>
-              <a:t>, (</a:t>
-            </a:r>
-            <a:r>
-              <a:rPr lang="en-US" altLang="ko-KR" sz="1400" dirty="0" err="1">
-                <a:solidFill>
-                  <a:srgbClr val="00B050"/>
-                </a:solidFill>
-                <a:latin typeface="Courier New" pitchFamily="49" charset="0"/>
-                <a:ea typeface="맑은 고딕" pitchFamily="50" charset="-127"/>
-                <a:cs typeface="Courier New" pitchFamily="49" charset="0"/>
-              </a:rPr>
-              <a:t>int</a:t>
-            </a:r>
-            <a:r>
-              <a:rPr lang="en-US" altLang="ko-KR" sz="1400" dirty="0">
-                <a:solidFill>
-                  <a:prstClr val="black"/>
-                </a:solidFill>
-                <a:latin typeface="Courier New" pitchFamily="49" charset="0"/>
-                <a:ea typeface="맑은 고딕" pitchFamily="50" charset="-127"/>
-                <a:cs typeface="Courier New" pitchFamily="49" charset="0"/>
-              </a:rPr>
-              <a:t>) </a:t>
-            </a:r>
-            <a:r>
-              <a:rPr lang="en-US" altLang="ko-KR" sz="1400" dirty="0" err="1">
-                <a:solidFill>
-                  <a:prstClr val="black"/>
-                </a:solidFill>
-                <a:latin typeface="Courier New" pitchFamily="49" charset="0"/>
-                <a:ea typeface="맑은 고딕" pitchFamily="50" charset="-127"/>
-                <a:cs typeface="Courier New" pitchFamily="49" charset="0"/>
-              </a:rPr>
-              <a:t>getpid</a:t>
-            </a:r>
-            <a:r>
-              <a:rPr lang="en-US" altLang="ko-KR" sz="1400" dirty="0">
-                <a:solidFill>
-                  <a:prstClr val="black"/>
-                </a:solidFill>
-                <a:latin typeface="Courier New" pitchFamily="49" charset="0"/>
-                <a:ea typeface="맑은 고딕" pitchFamily="50" charset="-127"/>
-                <a:cs typeface="Courier New" pitchFamily="49" charset="0"/>
-              </a:rPr>
-              <a:t>());</a:t>
-            </a:r>
-          </a:p>
-          <a:p>
-            <a:r>
-              <a:rPr lang="en-US" altLang="ko-KR" sz="1400" dirty="0">
-                <a:solidFill>
-                  <a:prstClr val="black"/>
-                </a:solidFill>
-                <a:latin typeface="Courier New" pitchFamily="49" charset="0"/>
-                <a:ea typeface="맑은 고딕" pitchFamily="50" charset="-127"/>
-                <a:cs typeface="Courier New" pitchFamily="49" charset="0"/>
-              </a:rPr>
-              <a:t>    }</a:t>
-            </a:r>
-          </a:p>
-          <a:p>
-            <a:r>
-              <a:rPr lang="en-US" altLang="ko-KR" sz="1400" dirty="0">
-                <a:solidFill>
-                  <a:prstClr val="black"/>
-                </a:solidFill>
-                <a:latin typeface="Courier New" pitchFamily="49" charset="0"/>
-                <a:ea typeface="맑은 고딕" pitchFamily="50" charset="-127"/>
-                <a:cs typeface="Courier New" pitchFamily="49" charset="0"/>
-              </a:rPr>
-              <a:t>   </a:t>
+              <a:t>stderr</a:t>
+            </a:r>
+            <a:r>
+              <a:rPr lang="en-US" altLang="ko-KR" sz="1400" dirty="0">
+                <a:solidFill>
+                  <a:prstClr val="black"/>
+                </a:solidFill>
+                <a:latin typeface="Courier New" pitchFamily="49" charset="0"/>
+                <a:ea typeface="맑은 고딕" pitchFamily="50" charset="-127"/>
+                <a:cs typeface="Courier New" pitchFamily="49" charset="0"/>
+              </a:rPr>
+              <a:t>, "fork failed\n");</a:t>
+            </a:r>
+          </a:p>
+          <a:p>
+            <a:r>
+              <a:rPr lang="en-US" altLang="ko-KR" sz="1400" dirty="0">
+                <a:solidFill>
+                  <a:prstClr val="black"/>
+                </a:solidFill>
+                <a:latin typeface="Courier New" pitchFamily="49" charset="0"/>
+                <a:ea typeface="맑은 고딕" pitchFamily="50" charset="-127"/>
+                <a:cs typeface="Courier New" pitchFamily="49" charset="0"/>
+              </a:rPr>
+              <a:t>        exit(</a:t>
+            </a:r>
+            <a:r>
+              <a:rPr lang="en-US" altLang="ko-KR" sz="1400" dirty="0">
+                <a:solidFill>
+                  <a:srgbClr val="FF0000"/>
+                </a:solidFill>
+                <a:latin typeface="Courier New" pitchFamily="49" charset="0"/>
+                <a:ea typeface="맑은 고딕" pitchFamily="50" charset="-127"/>
+                <a:cs typeface="Courier New" pitchFamily="49" charset="0"/>
+              </a:rPr>
+              <a:t>1</a:t>
+            </a:r>
+            <a:r>
+              <a:rPr lang="en-US" altLang="ko-KR" sz="1400" dirty="0">
+                <a:solidFill>
+                  <a:prstClr val="black"/>
+                </a:solidFill>
+                <a:latin typeface="Courier New" pitchFamily="49" charset="0"/>
+                <a:ea typeface="맑은 고딕" pitchFamily="50" charset="-127"/>
+                <a:cs typeface="Courier New" pitchFamily="49" charset="0"/>
+              </a:rPr>
+              <a:t>);</a:t>
+            </a:r>
+          </a:p>
+          <a:p>
+            <a:r>
+              <a:rPr lang="en-US" altLang="ko-KR" sz="1400" dirty="0">
+                <a:solidFill>
+                  <a:prstClr val="black"/>
+                </a:solidFill>
+                <a:latin typeface="Courier New" pitchFamily="49" charset="0"/>
+                <a:ea typeface="맑은 고딕" pitchFamily="50" charset="-127"/>
+                <a:cs typeface="Courier New" pitchFamily="49" charset="0"/>
+              </a:rPr>
+              <a:t>    } </a:t>
             </a:r>
             <a:r>
               <a:rPr lang="en-US" altLang="ko-KR" sz="1400" dirty="0">
@@ -2283,7 +2663,40 @@
                 <a:ea typeface="맑은 고딕" pitchFamily="50" charset="-127"/>
                 <a:cs typeface="Courier New" pitchFamily="49" charset="0"/>
               </a:rPr>
-              <a:t> return </a:t>
+              <a:t>else if </a:t>
+            </a:r>
+            <a:r>
+              <a:rPr lang="en-US" altLang="ko-KR" sz="1400" dirty="0">
+                <a:solidFill>
+                  <a:prstClr val="black"/>
+                </a:solidFill>
+                <a:latin typeface="Courier New" pitchFamily="49" charset="0"/>
+                <a:ea typeface="맑은 고딕" pitchFamily="50" charset="-127"/>
+                <a:cs typeface="Courier New" pitchFamily="49" charset="0"/>
+              </a:rPr>
+              <a:t>(</a:t>
+            </a:r>
+            <a:r>
+              <a:rPr lang="en-US" altLang="ko-KR" sz="1400" dirty="0" err="1">
+                <a:solidFill>
+                  <a:prstClr val="black"/>
+                </a:solidFill>
+                <a:latin typeface="Courier New" pitchFamily="49" charset="0"/>
+                <a:ea typeface="맑은 고딕" pitchFamily="50" charset="-127"/>
+                <a:cs typeface="Courier New" pitchFamily="49" charset="0"/>
+              </a:rPr>
+              <a:t>rc</a:t>
+            </a:r>
+            <a:r>
+              <a:rPr lang="en-US" altLang="ko-KR" sz="1400" dirty="0">
+                <a:solidFill>
+                  <a:prstClr val="black"/>
+                </a:solidFill>
+                <a:latin typeface="Courier New" pitchFamily="49" charset="0"/>
+                <a:ea typeface="맑은 고딕" pitchFamily="50" charset="-127"/>
+                <a:cs typeface="Courier New" pitchFamily="49" charset="0"/>
+              </a:rPr>
+              <a:t> == </a:t>
             </a:r>
             <a:r>
               <a:rPr lang="en-US" altLang="ko-KR" sz="1400" dirty="0">
@@ -2305,20 +2718,481 @@
                 <a:ea typeface="맑은 고딕" pitchFamily="50" charset="-127"/>
                 <a:cs typeface="Courier New" pitchFamily="49" charset="0"/>
               </a:rPr>
-              <a:t>;</a:t>
-            </a:r>
-          </a:p>
-          <a:p>
-            <a:r>
-              <a:rPr lang="en-US" altLang="ko-KR" sz="1400" dirty="0">
-                <a:solidFill>
-                  <a:prstClr val="black"/>
-                </a:solidFill>
-                <a:latin typeface="Courier New" pitchFamily="49" charset="0"/>
-                <a:ea typeface="맑은 고딕" pitchFamily="50" charset="-127"/>
-                <a:cs typeface="Courier New" pitchFamily="49" charset="0"/>
-              </a:rPr>
-              <a:t>}</a:t>
+              <a:t>) { 	</a:t>
+            </a:r>
+            <a:r>
+              <a:rPr lang="en-US" altLang="ko-KR" sz="1400" dirty="0">
+                <a:solidFill>
+                  <a:srgbClr val="00B0F0"/>
+                </a:solidFill>
+                <a:latin typeface="Courier New" pitchFamily="49" charset="0"/>
+                <a:ea typeface="맑은 고딕" pitchFamily="50" charset="-127"/>
+                <a:cs typeface="Courier New" pitchFamily="49" charset="0"/>
+              </a:rPr>
+              <a:t>// child (new process)</a:t>
+            </a:r>
+          </a:p>
+          <a:p>
+            <a:r>
+              <a:rPr lang="en-US" altLang="ko-KR" sz="1400" dirty="0">
+                <a:solidFill>
+                  <a:prstClr val="black"/>
+                </a:solidFill>
+                <a:latin typeface="Courier New" pitchFamily="49" charset="0"/>
+                <a:ea typeface="맑은 고딕" pitchFamily="50" charset="-127"/>
+                <a:cs typeface="Courier New" pitchFamily="49" charset="0"/>
+              </a:rPr>
+              <a:t>        </a:t>
+            </a:r>
+            <a:r>
+              <a:rPr lang="en-US" altLang="ko-KR" sz="1400" dirty="0" err="1">
+                <a:solidFill>
+                  <a:prstClr val="black"/>
+                </a:solidFill>
+                <a:latin typeface="Courier New" pitchFamily="49" charset="0"/>
+                <a:ea typeface="맑은 고딕" pitchFamily="50" charset="-127"/>
+                <a:cs typeface="Courier New" pitchFamily="49" charset="0"/>
+              </a:rPr>
+              <a:t>printf</a:t>
+            </a:r>
+            <a:r>
+              <a:rPr lang="en-US" altLang="ko-KR" sz="1400" dirty="0">
+                <a:solidFill>
+                  <a:prstClr val="black"/>
+                </a:solidFill>
+                <a:latin typeface="Courier New" pitchFamily="49" charset="0"/>
+                <a:ea typeface="맑은 고딕" pitchFamily="50" charset="-127"/>
+                <a:cs typeface="Courier New" pitchFamily="49" charset="0"/>
+              </a:rPr>
+              <a:t>("hello, I am child (</a:t>
+            </a:r>
+            <a:r>
+              <a:rPr lang="en-US" altLang="ko-KR" sz="1400" dirty="0" err="1">
+                <a:solidFill>
+                  <a:prstClr val="black"/>
+                </a:solidFill>
+                <a:latin typeface="Courier New" pitchFamily="49" charset="0"/>
+                <a:ea typeface="맑은 고딕" pitchFamily="50" charset="-127"/>
+                <a:cs typeface="Courier New" pitchFamily="49" charset="0"/>
+              </a:rPr>
+              <a:t>pid</a:t>
+            </a:r>
+            <a:r>
+              <a:rPr lang="en-US" altLang="ko-KR" sz="1400" dirty="0">
+                <a:solidFill>
+                  <a:prstClr val="black"/>
+                </a:solidFill>
+                <a:latin typeface="Courier New" pitchFamily="49" charset="0"/>
+                <a:ea typeface="맑은 고딕" pitchFamily="50" charset="-127"/>
+                <a:cs typeface="Courier New" pitchFamily="49" charset="0"/>
+              </a:rPr>
+              <a:t>:%d)\n", (</a:t>
+            </a:r>
+            <a:r>
+              <a:rPr lang="en-US" altLang="ko-KR" sz="1400" dirty="0" err="1">
+                <a:solidFill>
+                  <a:srgbClr val="00B050"/>
+                </a:solidFill>
+                <a:latin typeface="Courier New" pitchFamily="49" charset="0"/>
+                <a:ea typeface="맑은 고딕" pitchFamily="50" charset="-127"/>
+                <a:cs typeface="Courier New" pitchFamily="49" charset="0"/>
+              </a:rPr>
+              <a:t>int</a:t>
+            </a:r>
+            <a:r>
+              <a:rPr lang="en-US" altLang="ko-KR" sz="1400" dirty="0">
+                <a:solidFill>
+                  <a:prstClr val="black"/>
+                </a:solidFill>
+                <a:latin typeface="Courier New" pitchFamily="49" charset="0"/>
+                <a:ea typeface="맑은 고딕" pitchFamily="50" charset="-127"/>
+                <a:cs typeface="Courier New" pitchFamily="49" charset="0"/>
+              </a:rPr>
+              <a:t>) </a:t>
+            </a:r>
+            <a:r>
+              <a:rPr lang="en-US" altLang="ko-KR" sz="1400" dirty="0" err="1">
+                <a:solidFill>
+                  <a:prstClr val="black"/>
+                </a:solidFill>
+                <a:latin typeface="Courier New" pitchFamily="49" charset="0"/>
+                <a:ea typeface="맑은 고딕" pitchFamily="50" charset="-127"/>
+                <a:cs typeface="Courier New" pitchFamily="49" charset="0"/>
+              </a:rPr>
+              <a:t>getpid</a:t>
+            </a:r>
+            <a:r>
+              <a:rPr lang="en-US" altLang="ko-KR" sz="1400" dirty="0">
+                <a:solidFill>
+                  <a:prstClr val="black"/>
+                </a:solidFill>
+                <a:latin typeface="Courier New" pitchFamily="49" charset="0"/>
+                <a:ea typeface="맑은 고딕" pitchFamily="50" charset="-127"/>
+                <a:cs typeface="Courier New" pitchFamily="49" charset="0"/>
+              </a:rPr>
+              <a:t>());</a:t>
+            </a:r>
+          </a:p>
+          <a:p>
+            <a:r>
+              <a:rPr lang="en-US" altLang="ko-KR" sz="1400" dirty="0">
+                <a:solidFill>
+                  <a:prstClr val="black"/>
+                </a:solidFill>
+                <a:latin typeface="Courier New" pitchFamily="49" charset="0"/>
+                <a:ea typeface="맑은 고딕" pitchFamily="50" charset="-127"/>
+                <a:cs typeface="Courier New" pitchFamily="49" charset="0"/>
+              </a:rPr>
+              <a:t>        char *</a:t>
+            </a:r>
+            <a:r>
+              <a:rPr lang="en-US" altLang="ko-KR" sz="1400" dirty="0" err="1">
+                <a:solidFill>
+                  <a:prstClr val="black"/>
+                </a:solidFill>
+                <a:latin typeface="Courier New" pitchFamily="49" charset="0"/>
+                <a:ea typeface="맑은 고딕" pitchFamily="50" charset="-127"/>
+                <a:cs typeface="Courier New" pitchFamily="49" charset="0"/>
+              </a:rPr>
+              <a:t>myargs</a:t>
+            </a:r>
+            <a:r>
+              <a:rPr lang="en-US" altLang="ko-KR" sz="1400" dirty="0">
+                <a:solidFill>
+                  <a:prstClr val="black"/>
+                </a:solidFill>
+                <a:latin typeface="Courier New" pitchFamily="49" charset="0"/>
+                <a:ea typeface="맑은 고딕" pitchFamily="50" charset="-127"/>
+                <a:cs typeface="Courier New" pitchFamily="49" charset="0"/>
+              </a:rPr>
+              <a:t>[</a:t>
+            </a:r>
+            <a:r>
+              <a:rPr lang="en-US" altLang="ko-KR" sz="1400" dirty="0">
+                <a:solidFill>
+                  <a:srgbClr val="FF0000"/>
+                </a:solidFill>
+                <a:latin typeface="Courier New" pitchFamily="49" charset="0"/>
+                <a:ea typeface="맑은 고딕" pitchFamily="50" charset="-127"/>
+                <a:cs typeface="Courier New" pitchFamily="49" charset="0"/>
+              </a:rPr>
+              <a:t>3</a:t>
+            </a:r>
+            <a:r>
+              <a:rPr lang="en-US" altLang="ko-KR" sz="1400" dirty="0">
+                <a:solidFill>
+                  <a:prstClr val="black"/>
+                </a:solidFill>
+                <a:latin typeface="Courier New" pitchFamily="49" charset="0"/>
+                <a:ea typeface="맑은 고딕" pitchFamily="50" charset="-127"/>
+                <a:cs typeface="Courier New" pitchFamily="49" charset="0"/>
+              </a:rPr>
+              <a:t>];</a:t>
+            </a:r>
+          </a:p>
+          <a:p>
+            <a:r>
+              <a:rPr lang="en-US" altLang="ko-KR" sz="1400" dirty="0">
+                <a:solidFill>
+                  <a:prstClr val="black"/>
+                </a:solidFill>
+                <a:latin typeface="Courier New" pitchFamily="49" charset="0"/>
+                <a:ea typeface="맑은 고딕" pitchFamily="50" charset="-127"/>
+                <a:cs typeface="Courier New" pitchFamily="49" charset="0"/>
+              </a:rPr>
+              <a:t>        </a:t>
+            </a:r>
+            <a:r>
+              <a:rPr lang="en-US" altLang="ko-KR" sz="1400" dirty="0" err="1">
+                <a:solidFill>
+                  <a:prstClr val="black"/>
+                </a:solidFill>
+                <a:latin typeface="Courier New" pitchFamily="49" charset="0"/>
+                <a:ea typeface="맑은 고딕" pitchFamily="50" charset="-127"/>
+                <a:cs typeface="Courier New" pitchFamily="49" charset="0"/>
+              </a:rPr>
+              <a:t>myargs</a:t>
+            </a:r>
+            <a:r>
+              <a:rPr lang="en-US" altLang="ko-KR" sz="1400" dirty="0">
+                <a:solidFill>
+                  <a:prstClr val="black"/>
+                </a:solidFill>
+                <a:latin typeface="Courier New" pitchFamily="49" charset="0"/>
+                <a:ea typeface="맑은 고딕" pitchFamily="50" charset="-127"/>
+                <a:cs typeface="Courier New" pitchFamily="49" charset="0"/>
+              </a:rPr>
+              <a:t>[</a:t>
+            </a:r>
+            <a:r>
+              <a:rPr lang="en-US" altLang="ko-KR" sz="1400" dirty="0">
+                <a:solidFill>
+                  <a:srgbClr val="FF0000"/>
+                </a:solidFill>
+                <a:latin typeface="Courier New" pitchFamily="49" charset="0"/>
+                <a:ea typeface="맑은 고딕" pitchFamily="50" charset="-127"/>
+                <a:cs typeface="Courier New" pitchFamily="49" charset="0"/>
+              </a:rPr>
+              <a:t>0</a:t>
+            </a:r>
+            <a:r>
+              <a:rPr lang="en-US" altLang="ko-KR" sz="1400" dirty="0">
+                <a:solidFill>
+                  <a:prstClr val="black"/>
+                </a:solidFill>
+                <a:latin typeface="Courier New" pitchFamily="49" charset="0"/>
+                <a:ea typeface="맑은 고딕" pitchFamily="50" charset="-127"/>
+                <a:cs typeface="Courier New" pitchFamily="49" charset="0"/>
+              </a:rPr>
+              <a:t>] = </a:t>
+            </a:r>
+            <a:r>
+              <a:rPr lang="en-US" altLang="ko-KR" sz="1400" dirty="0" err="1">
+                <a:solidFill>
+                  <a:prstClr val="black"/>
+                </a:solidFill>
+                <a:latin typeface="Courier New" pitchFamily="49" charset="0"/>
+                <a:ea typeface="맑은 고딕" pitchFamily="50" charset="-127"/>
+                <a:cs typeface="Courier New" pitchFamily="49" charset="0"/>
+              </a:rPr>
+              <a:t>strdup</a:t>
+            </a:r>
+            <a:r>
+              <a:rPr lang="en-US" altLang="ko-KR" sz="1400" dirty="0">
+                <a:solidFill>
+                  <a:prstClr val="black"/>
+                </a:solidFill>
+                <a:latin typeface="Courier New" pitchFamily="49" charset="0"/>
+                <a:ea typeface="맑은 고딕" pitchFamily="50" charset="-127"/>
+                <a:cs typeface="Courier New" pitchFamily="49" charset="0"/>
+              </a:rPr>
+              <a:t>("</a:t>
+            </a:r>
+            <a:r>
+              <a:rPr lang="en-US" altLang="ko-KR" sz="1400" dirty="0" err="1">
+                <a:solidFill>
+                  <a:prstClr val="black"/>
+                </a:solidFill>
+                <a:latin typeface="Courier New" pitchFamily="49" charset="0"/>
+                <a:ea typeface="맑은 고딕" pitchFamily="50" charset="-127"/>
+                <a:cs typeface="Courier New" pitchFamily="49" charset="0"/>
+              </a:rPr>
+              <a:t>wc</a:t>
+            </a:r>
+            <a:r>
+              <a:rPr lang="en-US" altLang="ko-KR" sz="1400" dirty="0">
+                <a:solidFill>
+                  <a:prstClr val="black"/>
+                </a:solidFill>
+                <a:latin typeface="Courier New" pitchFamily="49" charset="0"/>
+                <a:ea typeface="맑은 고딕" pitchFamily="50" charset="-127"/>
+                <a:cs typeface="Courier New" pitchFamily="49" charset="0"/>
+              </a:rPr>
+              <a:t>"); 		</a:t>
+            </a:r>
+            <a:r>
+              <a:rPr lang="en-US" altLang="ko-KR" sz="1400" dirty="0">
+                <a:solidFill>
+                  <a:srgbClr val="00B0F0"/>
+                </a:solidFill>
+                <a:latin typeface="Courier New" pitchFamily="49" charset="0"/>
+                <a:ea typeface="맑은 고딕" pitchFamily="50" charset="-127"/>
+                <a:cs typeface="Courier New" pitchFamily="49" charset="0"/>
+              </a:rPr>
+              <a:t>// program: "</a:t>
+            </a:r>
+            <a:r>
+              <a:rPr lang="en-US" altLang="ko-KR" sz="1400" dirty="0" err="1">
+                <a:solidFill>
+                  <a:srgbClr val="00B0F0"/>
+                </a:solidFill>
+                <a:latin typeface="Courier New" pitchFamily="49" charset="0"/>
+                <a:ea typeface="맑은 고딕" pitchFamily="50" charset="-127"/>
+                <a:cs typeface="Courier New" pitchFamily="49" charset="0"/>
+              </a:rPr>
+              <a:t>wc</a:t>
+            </a:r>
+            <a:r>
+              <a:rPr lang="en-US" altLang="ko-KR" sz="1400" dirty="0">
+                <a:solidFill>
+                  <a:srgbClr val="00B0F0"/>
+                </a:solidFill>
+                <a:latin typeface="Courier New" pitchFamily="49" charset="0"/>
+                <a:ea typeface="맑은 고딕" pitchFamily="50" charset="-127"/>
+                <a:cs typeface="Courier New" pitchFamily="49" charset="0"/>
+              </a:rPr>
+              <a:t>" (word count)</a:t>
+            </a:r>
+          </a:p>
+          <a:p>
+            <a:r>
+              <a:rPr lang="en-US" altLang="ko-KR" sz="1400" dirty="0">
+                <a:solidFill>
+                  <a:prstClr val="black"/>
+                </a:solidFill>
+                <a:latin typeface="Courier New" pitchFamily="49" charset="0"/>
+                <a:ea typeface="맑은 고딕" pitchFamily="50" charset="-127"/>
+                <a:cs typeface="Courier New" pitchFamily="49" charset="0"/>
+              </a:rPr>
+              <a:t>        </a:t>
+            </a:r>
+            <a:r>
+              <a:rPr lang="en-US" altLang="ko-KR" sz="1400" dirty="0" err="1">
+                <a:solidFill>
+                  <a:prstClr val="black"/>
+                </a:solidFill>
+                <a:latin typeface="Courier New" pitchFamily="49" charset="0"/>
+                <a:ea typeface="맑은 고딕" pitchFamily="50" charset="-127"/>
+                <a:cs typeface="Courier New" pitchFamily="49" charset="0"/>
+              </a:rPr>
+              <a:t>myargs</a:t>
+            </a:r>
+            <a:r>
+              <a:rPr lang="en-US" altLang="ko-KR" sz="1400" dirty="0">
+                <a:solidFill>
+                  <a:prstClr val="black"/>
+                </a:solidFill>
+                <a:latin typeface="Courier New" pitchFamily="49" charset="0"/>
+                <a:ea typeface="맑은 고딕" pitchFamily="50" charset="-127"/>
+                <a:cs typeface="Courier New" pitchFamily="49" charset="0"/>
+              </a:rPr>
+              <a:t>[</a:t>
+            </a:r>
+            <a:r>
+              <a:rPr lang="en-US" altLang="ko-KR" sz="1400" dirty="0">
+                <a:solidFill>
+                  <a:srgbClr val="FF0000"/>
+                </a:solidFill>
+                <a:latin typeface="Courier New" pitchFamily="49" charset="0"/>
+                <a:ea typeface="맑은 고딕" pitchFamily="50" charset="-127"/>
+                <a:cs typeface="Courier New" pitchFamily="49" charset="0"/>
+              </a:rPr>
+              <a:t>1</a:t>
+            </a:r>
+            <a:r>
+              <a:rPr lang="en-US" altLang="ko-KR" sz="1400" dirty="0">
+                <a:solidFill>
+                  <a:prstClr val="black"/>
+                </a:solidFill>
+                <a:latin typeface="Courier New" pitchFamily="49" charset="0"/>
+                <a:ea typeface="맑은 고딕" pitchFamily="50" charset="-127"/>
+                <a:cs typeface="Courier New" pitchFamily="49" charset="0"/>
+              </a:rPr>
+              <a:t>] = </a:t>
+            </a:r>
+            <a:r>
+              <a:rPr lang="en-US" altLang="ko-KR" sz="1400" dirty="0" err="1">
+                <a:solidFill>
+                  <a:prstClr val="black"/>
+                </a:solidFill>
+                <a:latin typeface="Courier New" pitchFamily="49" charset="0"/>
+                <a:ea typeface="맑은 고딕" pitchFamily="50" charset="-127"/>
+                <a:cs typeface="Courier New" pitchFamily="49" charset="0"/>
+              </a:rPr>
+              <a:t>strdup</a:t>
+            </a:r>
+            <a:r>
+              <a:rPr lang="en-US" altLang="ko-KR" sz="1400" dirty="0">
+                <a:solidFill>
+                  <a:prstClr val="black"/>
+                </a:solidFill>
+                <a:latin typeface="Courier New" pitchFamily="49" charset="0"/>
+                <a:ea typeface="맑은 고딕" pitchFamily="50" charset="-127"/>
+                <a:cs typeface="Courier New" pitchFamily="49" charset="0"/>
+              </a:rPr>
+              <a:t>("p3.c"); 	</a:t>
+            </a:r>
+            <a:r>
+              <a:rPr lang="en-US" altLang="ko-KR" sz="1400" dirty="0">
+                <a:solidFill>
+                  <a:srgbClr val="00B0F0"/>
+                </a:solidFill>
+                <a:latin typeface="Courier New" pitchFamily="49" charset="0"/>
+                <a:ea typeface="맑은 고딕" pitchFamily="50" charset="-127"/>
+                <a:cs typeface="Courier New" pitchFamily="49" charset="0"/>
+              </a:rPr>
+              <a:t>// argument: file to count</a:t>
+            </a:r>
+          </a:p>
+          <a:p>
+            <a:r>
+              <a:rPr lang="en-US" altLang="ko-KR" sz="1400" dirty="0">
+                <a:solidFill>
+                  <a:prstClr val="black"/>
+                </a:solidFill>
+                <a:latin typeface="Courier New" pitchFamily="49" charset="0"/>
+                <a:ea typeface="맑은 고딕" pitchFamily="50" charset="-127"/>
+                <a:cs typeface="Courier New" pitchFamily="49" charset="0"/>
+              </a:rPr>
+              <a:t>        </a:t>
+            </a:r>
+            <a:r>
+              <a:rPr lang="en-US" altLang="ko-KR" sz="1400" dirty="0" err="1">
+                <a:solidFill>
+                  <a:prstClr val="black"/>
+                </a:solidFill>
+                <a:latin typeface="Courier New" pitchFamily="49" charset="0"/>
+                <a:ea typeface="맑은 고딕" pitchFamily="50" charset="-127"/>
+                <a:cs typeface="Courier New" pitchFamily="49" charset="0"/>
+              </a:rPr>
+              <a:t>myargs</a:t>
+            </a:r>
+            <a:r>
+              <a:rPr lang="en-US" altLang="ko-KR" sz="1400" dirty="0">
+                <a:solidFill>
+                  <a:prstClr val="black"/>
+                </a:solidFill>
+                <a:latin typeface="Courier New" pitchFamily="49" charset="0"/>
+                <a:ea typeface="맑은 고딕" pitchFamily="50" charset="-127"/>
+                <a:cs typeface="Courier New" pitchFamily="49" charset="0"/>
+              </a:rPr>
+              <a:t>[</a:t>
+            </a:r>
+            <a:r>
+              <a:rPr lang="en-US" altLang="ko-KR" sz="1400" dirty="0">
+                <a:solidFill>
+                  <a:srgbClr val="FF0000"/>
+                </a:solidFill>
+                <a:latin typeface="Courier New" pitchFamily="49" charset="0"/>
+                <a:ea typeface="맑은 고딕" pitchFamily="50" charset="-127"/>
+                <a:cs typeface="Courier New" pitchFamily="49" charset="0"/>
+              </a:rPr>
+              <a:t>2</a:t>
+            </a:r>
+            <a:r>
+              <a:rPr lang="en-US" altLang="ko-KR" sz="1400" dirty="0">
+                <a:solidFill>
+                  <a:prstClr val="black"/>
+                </a:solidFill>
+                <a:latin typeface="Courier New" pitchFamily="49" charset="0"/>
+                <a:ea typeface="맑은 고딕" pitchFamily="50" charset="-127"/>
+                <a:cs typeface="Courier New" pitchFamily="49" charset="0"/>
+              </a:rPr>
+              <a:t>] = NULL; 		</a:t>
+            </a:r>
+            <a:r>
+              <a:rPr lang="en-US" altLang="ko-KR" sz="1400" dirty="0">
+                <a:solidFill>
+                  <a:srgbClr val="00B0F0"/>
+                </a:solidFill>
+                <a:latin typeface="Courier New" pitchFamily="49" charset="0"/>
+                <a:ea typeface="맑은 고딕" pitchFamily="50" charset="-127"/>
+                <a:cs typeface="Courier New" pitchFamily="49" charset="0"/>
+              </a:rPr>
+              <a:t>// marks end of array</a:t>
+            </a:r>
+          </a:p>
+          <a:p>
+            <a:r>
+              <a:rPr lang="en-US" altLang="ko-KR" sz="1400" dirty="0">
+                <a:solidFill>
+                  <a:prstClr val="black"/>
+                </a:solidFill>
+                <a:latin typeface="Courier New" pitchFamily="49" charset="0"/>
+                <a:ea typeface="맑은 고딕" pitchFamily="50" charset="-127"/>
+                <a:cs typeface="Courier New" pitchFamily="49" charset="0"/>
+              </a:rPr>
+              <a:t>        …</a:t>
             </a:r>
           </a:p>
         </p:txBody>
@@ -2331,8 +3205,8 @@
         </p:nvSpPr>
         <p:spPr>
           <a:xfrm>
-            <a:off x="2063552" y="987693"/>
-            <a:ext cx="1296144" cy="338554"/>
+            <a:off x="2063552" y="2289060"/>
+            <a:ext cx="720080" cy="338554"/>
           </a:xfrm>
           <a:prstGeom prst="rect">
             <a:avLst/>
@@ -2353,7 +3227,7 @@
                 <a:latin typeface="맑은 고딕" pitchFamily="50" charset="-127"/>
                 <a:ea typeface="맑은 고딕" pitchFamily="50" charset="-127"/>
               </a:rPr>
-              <a:t>p3.c (Cont.)</a:t>
+              <a:t>p3.c</a:t>
             </a:r>
             <a:endParaRPr lang="ko-KR" altLang="en-US" sz="1600" b="1" dirty="0">
               <a:solidFill>
@@ -2365,277 +3239,10 @@
           </a:p>
         </p:txBody>
       </p:sp>
-      <p:sp>
-        <p:nvSpPr>
-          <p:cNvPr id="9" name="직사각형 8"/>
-          <p:cNvSpPr/>
-          <p:nvPr/>
-        </p:nvSpPr>
-        <p:spPr>
-          <a:xfrm>
-            <a:off x="2135560" y="4420270"/>
-            <a:ext cx="7992888" cy="1384995"/>
-          </a:xfrm>
-          <a:prstGeom prst="rect">
-            <a:avLst/>
-          </a:prstGeom>
-          <a:solidFill>
-            <a:schemeClr val="bg1"/>
-          </a:solidFill>
-          <a:ln w="12700">
-            <a:solidFill>
-              <a:schemeClr val="tx1"/>
-            </a:solidFill>
-          </a:ln>
-          <a:effectLst/>
-        </p:spPr>
-        <p:style>
-          <a:lnRef idx="3">
-            <a:schemeClr val="lt1"/>
-          </a:lnRef>
-          <a:fillRef idx="1">
-            <a:schemeClr val="accent1"/>
-          </a:fillRef>
-          <a:effectRef idx="1">
-            <a:schemeClr val="accent1"/>
-          </a:effectRef>
-          <a:fontRef idx="minor">
-            <a:schemeClr val="lt1"/>
-          </a:fontRef>
-        </p:style>
-        <p:txBody>
-          <a:bodyPr lIns="252000" rtlCol="0" anchor="ctr">
-            <a:spAutoFit/>
-          </a:bodyPr>
-          <a:lstStyle>
-            <a:defPPr>
-              <a:defRPr lang="ko-KR"/>
-            </a:defPPr>
-            <a:lvl1pPr marL="0" algn="l" defTabSz="914400" rtl="0" eaLnBrk="1" latinLnBrk="1" hangingPunct="1">
-              <a:defRPr sz="1800" kern="1200">
-                <a:solidFill>
-                  <a:schemeClr val="lt1"/>
-                </a:solidFill>
-                <a:latin typeface="+mn-lt"/>
-                <a:ea typeface="+mn-ea"/>
-                <a:cs typeface="+mn-cs"/>
-              </a:defRPr>
-            </a:lvl1pPr>
-            <a:lvl2pPr marL="457200" algn="l" defTabSz="914400" rtl="0" eaLnBrk="1" latinLnBrk="1" hangingPunct="1">
-              <a:defRPr sz="1800" kern="1200">
-                <a:solidFill>
-                  <a:schemeClr val="lt1"/>
-                </a:solidFill>
-                <a:latin typeface="+mn-lt"/>
-                <a:ea typeface="+mn-ea"/>
-                <a:cs typeface="+mn-cs"/>
-              </a:defRPr>
-            </a:lvl2pPr>
-            <a:lvl3pPr marL="914400" algn="l" defTabSz="914400" rtl="0" eaLnBrk="1" latinLnBrk="1" hangingPunct="1">
-              <a:defRPr sz="1800" kern="1200">
-                <a:solidFill>
-                  <a:schemeClr val="lt1"/>
-                </a:solidFill>
-                <a:latin typeface="+mn-lt"/>
-                <a:ea typeface="+mn-ea"/>
-                <a:cs typeface="+mn-cs"/>
-              </a:defRPr>
-            </a:lvl3pPr>
-            <a:lvl4pPr marL="1371600" algn="l" defTabSz="914400" rtl="0" eaLnBrk="1" latinLnBrk="1" hangingPunct="1">
-              <a:defRPr sz="1800" kern="1200">
-                <a:solidFill>
-                  <a:schemeClr val="lt1"/>
-                </a:solidFill>
-                <a:latin typeface="+mn-lt"/>
-                <a:ea typeface="+mn-ea"/>
-                <a:cs typeface="+mn-cs"/>
-              </a:defRPr>
-            </a:lvl4pPr>
-            <a:lvl5pPr marL="1828800" algn="l" defTabSz="914400" rtl="0" eaLnBrk="1" latinLnBrk="1" hangingPunct="1">
-              <a:defRPr sz="1800" kern="1200">
-                <a:solidFill>
-                  <a:schemeClr val="lt1"/>
-                </a:solidFill>
-                <a:latin typeface="+mn-lt"/>
-                <a:ea typeface="+mn-ea"/>
-                <a:cs typeface="+mn-cs"/>
-              </a:defRPr>
-            </a:lvl5pPr>
-            <a:lvl6pPr marL="2286000" algn="l" defTabSz="914400" rtl="0" eaLnBrk="1" latinLnBrk="1" hangingPunct="1">
-              <a:defRPr sz="1800" kern="1200">
-                <a:solidFill>
-                  <a:schemeClr val="lt1"/>
-                </a:solidFill>
-                <a:latin typeface="+mn-lt"/>
-                <a:ea typeface="+mn-ea"/>
-                <a:cs typeface="+mn-cs"/>
-              </a:defRPr>
-            </a:lvl6pPr>
-            <a:lvl7pPr marL="2743200" algn="l" defTabSz="914400" rtl="0" eaLnBrk="1" latinLnBrk="1" hangingPunct="1">
-              <a:defRPr sz="1800" kern="1200">
-                <a:solidFill>
-                  <a:schemeClr val="lt1"/>
-                </a:solidFill>
-                <a:latin typeface="+mn-lt"/>
-                <a:ea typeface="+mn-ea"/>
-                <a:cs typeface="+mn-cs"/>
-              </a:defRPr>
-            </a:lvl7pPr>
-            <a:lvl8pPr marL="3200400" algn="l" defTabSz="914400" rtl="0" eaLnBrk="1" latinLnBrk="1" hangingPunct="1">
-              <a:defRPr sz="1800" kern="1200">
-                <a:solidFill>
-                  <a:schemeClr val="lt1"/>
-                </a:solidFill>
-                <a:latin typeface="+mn-lt"/>
-                <a:ea typeface="+mn-ea"/>
-                <a:cs typeface="+mn-cs"/>
-              </a:defRPr>
-            </a:lvl8pPr>
-            <a:lvl9pPr marL="3657600" algn="l" defTabSz="914400" rtl="0" eaLnBrk="1" latinLnBrk="1" hangingPunct="1">
-              <a:defRPr sz="1800" kern="1200">
-                <a:solidFill>
-                  <a:schemeClr val="lt1"/>
-                </a:solidFill>
-                <a:latin typeface="+mn-lt"/>
-                <a:ea typeface="+mn-ea"/>
-                <a:cs typeface="+mn-cs"/>
-              </a:defRPr>
-            </a:lvl9pPr>
-          </a:lstStyle>
-          <a:p>
-            <a:r>
-              <a:rPr lang="en-US" altLang="ko-KR" sz="1400" dirty="0">
-                <a:solidFill>
-                  <a:prstClr val="black"/>
-                </a:solidFill>
-                <a:latin typeface="Courier New" pitchFamily="49" charset="0"/>
-                <a:ea typeface="맑은 고딕" pitchFamily="50" charset="-127"/>
-                <a:cs typeface="Courier New" pitchFamily="49" charset="0"/>
-              </a:rPr>
-              <a:t>prompt&gt; ./p3</a:t>
-            </a:r>
-          </a:p>
-          <a:p>
-            <a:r>
-              <a:rPr lang="en-US" altLang="ko-KR" sz="1400" dirty="0">
-                <a:solidFill>
-                  <a:prstClr val="black"/>
-                </a:solidFill>
-                <a:latin typeface="Courier New" pitchFamily="49" charset="0"/>
-                <a:ea typeface="맑은 고딕" pitchFamily="50" charset="-127"/>
-                <a:cs typeface="Courier New" pitchFamily="49" charset="0"/>
-              </a:rPr>
-              <a:t>hello world (pid:29383)</a:t>
-            </a:r>
-          </a:p>
-          <a:p>
-            <a:r>
-              <a:rPr lang="en-US" altLang="ko-KR" sz="1400" dirty="0">
-                <a:solidFill>
-                  <a:prstClr val="black"/>
-                </a:solidFill>
-                <a:latin typeface="Courier New" pitchFamily="49" charset="0"/>
-                <a:ea typeface="맑은 고딕" pitchFamily="50" charset="-127"/>
-                <a:cs typeface="Courier New" pitchFamily="49" charset="0"/>
-              </a:rPr>
-              <a:t>hello, I am child (pid:29384)</a:t>
-            </a:r>
-          </a:p>
-          <a:p>
-            <a:r>
-              <a:rPr lang="en-US" altLang="ko-KR" sz="1400" dirty="0">
-                <a:solidFill>
-                  <a:prstClr val="black"/>
-                </a:solidFill>
-                <a:latin typeface="Courier New" pitchFamily="49" charset="0"/>
-                <a:ea typeface="맑은 고딕" pitchFamily="50" charset="-127"/>
-                <a:cs typeface="Courier New" pitchFamily="49" charset="0"/>
-              </a:rPr>
-              <a:t>29 107 1030 p3.c</a:t>
-            </a:r>
-          </a:p>
-          <a:p>
-            <a:r>
-              <a:rPr lang="en-US" altLang="ko-KR" sz="1400" dirty="0">
-                <a:solidFill>
-                  <a:prstClr val="black"/>
-                </a:solidFill>
-                <a:latin typeface="Courier New" pitchFamily="49" charset="0"/>
-                <a:ea typeface="맑은 고딕" pitchFamily="50" charset="-127"/>
-                <a:cs typeface="Courier New" pitchFamily="49" charset="0"/>
-              </a:rPr>
-              <a:t>hello, I am parent of 29384 (wc:29384) (pid:29383)</a:t>
-            </a:r>
-          </a:p>
-          <a:p>
-            <a:r>
-              <a:rPr lang="en-US" altLang="ko-KR" sz="1400" dirty="0">
-                <a:solidFill>
-                  <a:prstClr val="black"/>
-                </a:solidFill>
-                <a:latin typeface="Courier New" pitchFamily="49" charset="0"/>
-                <a:ea typeface="맑은 고딕" pitchFamily="50" charset="-127"/>
-                <a:cs typeface="Courier New" pitchFamily="49" charset="0"/>
-              </a:rPr>
-              <a:t>prompt&gt;</a:t>
-            </a:r>
-            <a:endParaRPr lang="ko-KR" altLang="en-US" sz="1400" dirty="0">
-              <a:solidFill>
-                <a:prstClr val="black"/>
-              </a:solidFill>
-              <a:latin typeface="Courier New" pitchFamily="49" charset="0"/>
-              <a:ea typeface="맑은 고딕" pitchFamily="50" charset="-127"/>
-              <a:cs typeface="Courier New" pitchFamily="49" charset="0"/>
-            </a:endParaRPr>
-          </a:p>
-        </p:txBody>
-      </p:sp>
-      <p:sp>
-        <p:nvSpPr>
-          <p:cNvPr id="10" name="TextBox 9"/>
-          <p:cNvSpPr txBox="1"/>
-          <p:nvPr/>
-        </p:nvSpPr>
-        <p:spPr>
-          <a:xfrm>
-            <a:off x="2071936" y="4009936"/>
-            <a:ext cx="2655912" cy="338554"/>
-          </a:xfrm>
-          <a:prstGeom prst="rect">
-            <a:avLst/>
-          </a:prstGeom>
-          <a:noFill/>
-        </p:spPr>
-        <p:txBody>
-          <a:bodyPr wrap="square" rtlCol="0">
-            <a:spAutoFit/>
-          </a:bodyPr>
-          <a:lstStyle/>
-          <a:p>
-            <a:r>
-              <a:rPr lang="en-US" altLang="ko-KR" sz="1600" b="1" dirty="0">
-                <a:solidFill>
-                  <a:prstClr val="black"/>
-                </a:solidFill>
-                <a:latin typeface="맑은 고딕" pitchFamily="50" charset="-127"/>
-                <a:ea typeface="맑은 고딕" pitchFamily="50" charset="-127"/>
-              </a:rPr>
-              <a:t>Result</a:t>
-            </a:r>
-            <a:endParaRPr lang="ko-KR" altLang="en-US" sz="1600" b="1" dirty="0">
-              <a:solidFill>
-                <a:prstClr val="black"/>
-              </a:solidFill>
-              <a:latin typeface="맑은 고딕" pitchFamily="50" charset="-127"/>
-              <a:ea typeface="맑은 고딕" pitchFamily="50" charset="-127"/>
-            </a:endParaRPr>
-          </a:p>
-        </p:txBody>
-      </p:sp>
     </p:spTree>
     <p:extLst>
       <p:ext uri="{BB962C8B-B14F-4D97-AF65-F5344CB8AC3E}">
-        <p14:creationId xmlns:p14="http://schemas.microsoft.com/office/powerpoint/2010/main" val="2199836585"/>
+        <p14:creationId xmlns:p14="http://schemas.microsoft.com/office/powerpoint/2010/main" val="684598283"/>
       </p:ext>
     </p:extLst>
   </p:cSld>
@@ -2682,7 +3289,2122 @@
           <a:p>
             <a:r>
               <a:rPr lang="en-US" altLang="ko-KR" dirty="0"/>
-              <a:t>All of the above with redirection</a:t>
+              <a:t>The exec() system call (Cont.)</a:t>
+            </a:r>
+            <a:endParaRPr lang="ko-KR" altLang="en-US" dirty="0"/>
+          </a:p>
+        </p:txBody>
+      </p:sp>
+      <p:sp>
+        <p:nvSpPr>
+          <p:cNvPr id="6" name="직사각형 5"/>
+          <p:cNvSpPr/>
+          <p:nvPr/>
+        </p:nvSpPr>
+        <p:spPr>
+          <a:xfrm>
+            <a:off x="2135560" y="959243"/>
+            <a:ext cx="7992888" cy="2246769"/>
+          </a:xfrm>
+          <a:prstGeom prst="rect">
+            <a:avLst/>
+          </a:prstGeom>
+          <a:solidFill>
+            <a:schemeClr val="bg1"/>
+          </a:solidFill>
+          <a:ln w="12700">
+            <a:solidFill>
+              <a:schemeClr val="tx1"/>
+            </a:solidFill>
+          </a:ln>
+          <a:effectLst/>
+        </p:spPr>
+        <p:style>
+          <a:lnRef idx="3">
+            <a:schemeClr val="lt1"/>
+          </a:lnRef>
+          <a:fillRef idx="1">
+            <a:schemeClr val="accent1"/>
+          </a:fillRef>
+          <a:effectRef idx="1">
+            <a:schemeClr val="accent1"/>
+          </a:effectRef>
+          <a:fontRef idx="minor">
+            <a:schemeClr val="lt1"/>
+          </a:fontRef>
+        </p:style>
+        <p:txBody>
+          <a:bodyPr lIns="252000" rtlCol="0" anchor="ctr">
+            <a:spAutoFit/>
+          </a:bodyPr>
+          <a:lstStyle>
+            <a:defPPr>
+              <a:defRPr lang="ko-KR"/>
+            </a:defPPr>
+            <a:lvl1pPr marL="0" algn="l" defTabSz="914400" rtl="0" eaLnBrk="1" latinLnBrk="1" hangingPunct="1">
+              <a:defRPr sz="1800" kern="1200">
+                <a:solidFill>
+                  <a:schemeClr val="lt1"/>
+                </a:solidFill>
+                <a:latin typeface="+mn-lt"/>
+                <a:ea typeface="+mn-ea"/>
+                <a:cs typeface="+mn-cs"/>
+              </a:defRPr>
+            </a:lvl1pPr>
+            <a:lvl2pPr marL="457200" algn="l" defTabSz="914400" rtl="0" eaLnBrk="1" latinLnBrk="1" hangingPunct="1">
+              <a:defRPr sz="1800" kern="1200">
+                <a:solidFill>
+                  <a:schemeClr val="lt1"/>
+                </a:solidFill>
+                <a:latin typeface="+mn-lt"/>
+                <a:ea typeface="+mn-ea"/>
+                <a:cs typeface="+mn-cs"/>
+              </a:defRPr>
+            </a:lvl2pPr>
+            <a:lvl3pPr marL="914400" algn="l" defTabSz="914400" rtl="0" eaLnBrk="1" latinLnBrk="1" hangingPunct="1">
+              <a:defRPr sz="1800" kern="1200">
+                <a:solidFill>
+                  <a:schemeClr val="lt1"/>
+                </a:solidFill>
+                <a:latin typeface="+mn-lt"/>
+                <a:ea typeface="+mn-ea"/>
+                <a:cs typeface="+mn-cs"/>
+              </a:defRPr>
+            </a:lvl3pPr>
+            <a:lvl4pPr marL="1371600" algn="l" defTabSz="914400" rtl="0" eaLnBrk="1" latinLnBrk="1" hangingPunct="1">
+              <a:defRPr sz="1800" kern="1200">
+                <a:solidFill>
+                  <a:schemeClr val="lt1"/>
+                </a:solidFill>
+                <a:latin typeface="+mn-lt"/>
+                <a:ea typeface="+mn-ea"/>
+                <a:cs typeface="+mn-cs"/>
+              </a:defRPr>
+            </a:lvl4pPr>
+            <a:lvl5pPr marL="1828800" algn="l" defTabSz="914400" rtl="0" eaLnBrk="1" latinLnBrk="1" hangingPunct="1">
+              <a:defRPr sz="1800" kern="1200">
+                <a:solidFill>
+                  <a:schemeClr val="lt1"/>
+                </a:solidFill>
+                <a:latin typeface="+mn-lt"/>
+                <a:ea typeface="+mn-ea"/>
+                <a:cs typeface="+mn-cs"/>
+              </a:defRPr>
+            </a:lvl5pPr>
+            <a:lvl6pPr marL="2286000" algn="l" defTabSz="914400" rtl="0" eaLnBrk="1" latinLnBrk="1" hangingPunct="1">
+              <a:defRPr sz="1800" kern="1200">
+                <a:solidFill>
+                  <a:schemeClr val="lt1"/>
+                </a:solidFill>
+                <a:latin typeface="+mn-lt"/>
+                <a:ea typeface="+mn-ea"/>
+                <a:cs typeface="+mn-cs"/>
+              </a:defRPr>
+            </a:lvl6pPr>
+            <a:lvl7pPr marL="2743200" algn="l" defTabSz="914400" rtl="0" eaLnBrk="1" latinLnBrk="1" hangingPunct="1">
+              <a:defRPr sz="1800" kern="1200">
+                <a:solidFill>
+                  <a:schemeClr val="lt1"/>
+                </a:solidFill>
+                <a:latin typeface="+mn-lt"/>
+                <a:ea typeface="+mn-ea"/>
+                <a:cs typeface="+mn-cs"/>
+              </a:defRPr>
+            </a:lvl7pPr>
+            <a:lvl8pPr marL="3200400" algn="l" defTabSz="914400" rtl="0" eaLnBrk="1" latinLnBrk="1" hangingPunct="1">
+              <a:defRPr sz="1800" kern="1200">
+                <a:solidFill>
+                  <a:schemeClr val="lt1"/>
+                </a:solidFill>
+                <a:latin typeface="+mn-lt"/>
+                <a:ea typeface="+mn-ea"/>
+                <a:cs typeface="+mn-cs"/>
+              </a:defRPr>
+            </a:lvl8pPr>
+            <a:lvl9pPr marL="3657600" algn="l" defTabSz="914400" rtl="0" eaLnBrk="1" latinLnBrk="1" hangingPunct="1">
+              <a:defRPr sz="1800" kern="1200">
+                <a:solidFill>
+                  <a:schemeClr val="lt1"/>
+                </a:solidFill>
+                <a:latin typeface="+mn-lt"/>
+                <a:ea typeface="+mn-ea"/>
+                <a:cs typeface="+mn-cs"/>
+              </a:defRPr>
+            </a:lvl9pPr>
+          </a:lstStyle>
+          <a:p>
+            <a:r>
+              <a:rPr lang="en-US" altLang="ko-KR" sz="1400" dirty="0">
+                <a:solidFill>
+                  <a:prstClr val="black"/>
+                </a:solidFill>
+                <a:latin typeface="Courier New" pitchFamily="49" charset="0"/>
+                <a:ea typeface="맑은 고딕" pitchFamily="50" charset="-127"/>
+                <a:cs typeface="Courier New" pitchFamily="49" charset="0"/>
+              </a:rPr>
+              <a:t>…</a:t>
+            </a:r>
+          </a:p>
+          <a:p>
+            <a:r>
+              <a:rPr lang="en-US" altLang="ko-KR" sz="1400" dirty="0">
+                <a:solidFill>
+                  <a:prstClr val="black"/>
+                </a:solidFill>
+                <a:latin typeface="Courier New" pitchFamily="49" charset="0"/>
+                <a:ea typeface="맑은 고딕" pitchFamily="50" charset="-127"/>
+                <a:cs typeface="Courier New" pitchFamily="49" charset="0"/>
+              </a:rPr>
+              <a:t>        </a:t>
+            </a:r>
+            <a:r>
+              <a:rPr lang="en-US" altLang="ko-KR" sz="1400" dirty="0" err="1">
+                <a:solidFill>
+                  <a:prstClr val="black"/>
+                </a:solidFill>
+                <a:latin typeface="Courier New" pitchFamily="49" charset="0"/>
+                <a:ea typeface="맑은 고딕" pitchFamily="50" charset="-127"/>
+                <a:cs typeface="Courier New" pitchFamily="49" charset="0"/>
+              </a:rPr>
+              <a:t>execvp</a:t>
+            </a:r>
+            <a:r>
+              <a:rPr lang="en-US" altLang="ko-KR" sz="1400" dirty="0">
+                <a:solidFill>
+                  <a:prstClr val="black"/>
+                </a:solidFill>
+                <a:latin typeface="Courier New" pitchFamily="49" charset="0"/>
+                <a:ea typeface="맑은 고딕" pitchFamily="50" charset="-127"/>
+                <a:cs typeface="Courier New" pitchFamily="49" charset="0"/>
+              </a:rPr>
+              <a:t>(</a:t>
+            </a:r>
+            <a:r>
+              <a:rPr lang="en-US" altLang="ko-KR" sz="1400" dirty="0" err="1">
+                <a:solidFill>
+                  <a:prstClr val="black"/>
+                </a:solidFill>
+                <a:latin typeface="Courier New" pitchFamily="49" charset="0"/>
+                <a:ea typeface="맑은 고딕" pitchFamily="50" charset="-127"/>
+                <a:cs typeface="Courier New" pitchFamily="49" charset="0"/>
+              </a:rPr>
+              <a:t>myargs</a:t>
+            </a:r>
+            <a:r>
+              <a:rPr lang="en-US" altLang="ko-KR" sz="1400" dirty="0">
+                <a:solidFill>
+                  <a:prstClr val="black"/>
+                </a:solidFill>
+                <a:latin typeface="Courier New" pitchFamily="49" charset="0"/>
+                <a:ea typeface="맑은 고딕" pitchFamily="50" charset="-127"/>
+                <a:cs typeface="Courier New" pitchFamily="49" charset="0"/>
+              </a:rPr>
+              <a:t>[</a:t>
+            </a:r>
+            <a:r>
+              <a:rPr lang="en-US" altLang="ko-KR" sz="1400" dirty="0">
+                <a:solidFill>
+                  <a:srgbClr val="FF0000"/>
+                </a:solidFill>
+                <a:latin typeface="Courier New" pitchFamily="49" charset="0"/>
+                <a:ea typeface="맑은 고딕" pitchFamily="50" charset="-127"/>
+                <a:cs typeface="Courier New" pitchFamily="49" charset="0"/>
+              </a:rPr>
+              <a:t>0</a:t>
+            </a:r>
+            <a:r>
+              <a:rPr lang="en-US" altLang="ko-KR" sz="1400" dirty="0">
+                <a:solidFill>
+                  <a:prstClr val="black"/>
+                </a:solidFill>
+                <a:latin typeface="Courier New" pitchFamily="49" charset="0"/>
+                <a:ea typeface="맑은 고딕" pitchFamily="50" charset="-127"/>
+                <a:cs typeface="Courier New" pitchFamily="49" charset="0"/>
+              </a:rPr>
+              <a:t>], </a:t>
+            </a:r>
+            <a:r>
+              <a:rPr lang="en-US" altLang="ko-KR" sz="1400" dirty="0" err="1">
+                <a:solidFill>
+                  <a:prstClr val="black"/>
+                </a:solidFill>
+                <a:latin typeface="Courier New" pitchFamily="49" charset="0"/>
+                <a:ea typeface="맑은 고딕" pitchFamily="50" charset="-127"/>
+                <a:cs typeface="Courier New" pitchFamily="49" charset="0"/>
+              </a:rPr>
+              <a:t>myargs</a:t>
+            </a:r>
+            <a:r>
+              <a:rPr lang="en-US" altLang="ko-KR" sz="1400" dirty="0">
+                <a:solidFill>
+                  <a:prstClr val="black"/>
+                </a:solidFill>
+                <a:latin typeface="Courier New" pitchFamily="49" charset="0"/>
+                <a:ea typeface="맑은 고딕" pitchFamily="50" charset="-127"/>
+                <a:cs typeface="Courier New" pitchFamily="49" charset="0"/>
+              </a:rPr>
+              <a:t>); </a:t>
+            </a:r>
+            <a:r>
+              <a:rPr lang="en-US" altLang="ko-KR" sz="1400" dirty="0">
+                <a:solidFill>
+                  <a:srgbClr val="00B0F0"/>
+                </a:solidFill>
+                <a:latin typeface="Courier New" pitchFamily="49" charset="0"/>
+                <a:ea typeface="맑은 고딕" pitchFamily="50" charset="-127"/>
+                <a:cs typeface="Courier New" pitchFamily="49" charset="0"/>
+              </a:rPr>
+              <a:t>// runs word count</a:t>
+            </a:r>
+          </a:p>
+          <a:p>
+            <a:r>
+              <a:rPr lang="en-US" altLang="ko-KR" sz="1400" dirty="0">
+                <a:solidFill>
+                  <a:prstClr val="black"/>
+                </a:solidFill>
+                <a:latin typeface="Courier New" pitchFamily="49" charset="0"/>
+                <a:ea typeface="맑은 고딕" pitchFamily="50" charset="-127"/>
+                <a:cs typeface="Courier New" pitchFamily="49" charset="0"/>
+              </a:rPr>
+              <a:t>        </a:t>
+            </a:r>
+            <a:r>
+              <a:rPr lang="en-US" altLang="ko-KR" sz="1400" dirty="0" err="1">
+                <a:solidFill>
+                  <a:prstClr val="black"/>
+                </a:solidFill>
+                <a:latin typeface="Courier New" pitchFamily="49" charset="0"/>
+                <a:ea typeface="맑은 고딕" pitchFamily="50" charset="-127"/>
+                <a:cs typeface="Courier New" pitchFamily="49" charset="0"/>
+              </a:rPr>
+              <a:t>printf</a:t>
+            </a:r>
+            <a:r>
+              <a:rPr lang="en-US" altLang="ko-KR" sz="1400" dirty="0">
+                <a:solidFill>
+                  <a:prstClr val="black"/>
+                </a:solidFill>
+                <a:latin typeface="Courier New" pitchFamily="49" charset="0"/>
+                <a:ea typeface="맑은 고딕" pitchFamily="50" charset="-127"/>
+                <a:cs typeface="Courier New" pitchFamily="49" charset="0"/>
+              </a:rPr>
+              <a:t>("this shouldn’t print out");</a:t>
+            </a:r>
+          </a:p>
+          <a:p>
+            <a:r>
+              <a:rPr lang="en-US" altLang="ko-KR" sz="1400" dirty="0">
+                <a:solidFill>
+                  <a:prstClr val="black"/>
+                </a:solidFill>
+                <a:latin typeface="Courier New" pitchFamily="49" charset="0"/>
+                <a:ea typeface="맑은 고딕" pitchFamily="50" charset="-127"/>
+                <a:cs typeface="Courier New" pitchFamily="49" charset="0"/>
+              </a:rPr>
+              <a:t>    } </a:t>
+            </a:r>
+            <a:r>
+              <a:rPr lang="en-US" altLang="ko-KR" sz="1400" dirty="0">
+                <a:solidFill>
+                  <a:srgbClr val="F79646">
+                    <a:lumMod val="75000"/>
+                  </a:srgbClr>
+                </a:solidFill>
+                <a:latin typeface="Courier New" pitchFamily="49" charset="0"/>
+                <a:ea typeface="맑은 고딕" pitchFamily="50" charset="-127"/>
+                <a:cs typeface="Courier New" pitchFamily="49" charset="0"/>
+              </a:rPr>
+              <a:t>else</a:t>
+            </a:r>
+            <a:r>
+              <a:rPr lang="en-US" altLang="ko-KR" sz="1400" dirty="0">
+                <a:solidFill>
+                  <a:prstClr val="black"/>
+                </a:solidFill>
+                <a:latin typeface="Courier New" pitchFamily="49" charset="0"/>
+                <a:ea typeface="맑은 고딕" pitchFamily="50" charset="-127"/>
+                <a:cs typeface="Courier New" pitchFamily="49" charset="0"/>
+              </a:rPr>
+              <a:t> { 			</a:t>
+            </a:r>
+            <a:r>
+              <a:rPr lang="en-US" altLang="ko-KR" sz="1400" dirty="0">
+                <a:solidFill>
+                  <a:srgbClr val="00B0F0"/>
+                </a:solidFill>
+                <a:latin typeface="Courier New" pitchFamily="49" charset="0"/>
+                <a:ea typeface="맑은 고딕" pitchFamily="50" charset="-127"/>
+                <a:cs typeface="Courier New" pitchFamily="49" charset="0"/>
+              </a:rPr>
+              <a:t>// parent goes down this path (main)</a:t>
+            </a:r>
+          </a:p>
+          <a:p>
+            <a:r>
+              <a:rPr lang="en-US" altLang="ko-KR" sz="1400" dirty="0">
+                <a:solidFill>
+                  <a:prstClr val="black"/>
+                </a:solidFill>
+                <a:latin typeface="Courier New" pitchFamily="49" charset="0"/>
+                <a:ea typeface="맑은 고딕" pitchFamily="50" charset="-127"/>
+                <a:cs typeface="Courier New" pitchFamily="49" charset="0"/>
+              </a:rPr>
+              <a:t>        </a:t>
+            </a:r>
+            <a:r>
+              <a:rPr lang="en-US" altLang="ko-KR" sz="1400" dirty="0" err="1">
+                <a:solidFill>
+                  <a:srgbClr val="00B050"/>
+                </a:solidFill>
+                <a:latin typeface="Courier New" pitchFamily="49" charset="0"/>
+                <a:ea typeface="맑은 고딕" pitchFamily="50" charset="-127"/>
+                <a:cs typeface="Courier New" pitchFamily="49" charset="0"/>
+              </a:rPr>
+              <a:t>int</a:t>
+            </a:r>
+            <a:r>
+              <a:rPr lang="en-US" altLang="ko-KR" sz="1400" dirty="0">
+                <a:solidFill>
+                  <a:srgbClr val="00B050"/>
+                </a:solidFill>
+                <a:latin typeface="Courier New" pitchFamily="49" charset="0"/>
+                <a:ea typeface="맑은 고딕" pitchFamily="50" charset="-127"/>
+                <a:cs typeface="Courier New" pitchFamily="49" charset="0"/>
+              </a:rPr>
+              <a:t> </a:t>
+            </a:r>
+            <a:r>
+              <a:rPr lang="en-US" altLang="ko-KR" sz="1400" dirty="0" err="1">
+                <a:solidFill>
+                  <a:prstClr val="black"/>
+                </a:solidFill>
+                <a:latin typeface="Courier New" pitchFamily="49" charset="0"/>
+                <a:ea typeface="맑은 고딕" pitchFamily="50" charset="-127"/>
+                <a:cs typeface="Courier New" pitchFamily="49" charset="0"/>
+              </a:rPr>
+              <a:t>wc</a:t>
+            </a:r>
+            <a:r>
+              <a:rPr lang="en-US" altLang="ko-KR" sz="1400" dirty="0">
+                <a:solidFill>
+                  <a:prstClr val="black"/>
+                </a:solidFill>
+                <a:latin typeface="Courier New" pitchFamily="49" charset="0"/>
+                <a:ea typeface="맑은 고딕" pitchFamily="50" charset="-127"/>
+                <a:cs typeface="Courier New" pitchFamily="49" charset="0"/>
+              </a:rPr>
+              <a:t> = wait(NULL);</a:t>
+            </a:r>
+          </a:p>
+          <a:p>
+            <a:r>
+              <a:rPr lang="en-US" altLang="ko-KR" sz="1400" dirty="0">
+                <a:solidFill>
+                  <a:prstClr val="black"/>
+                </a:solidFill>
+                <a:latin typeface="Courier New" pitchFamily="49" charset="0"/>
+                <a:ea typeface="맑은 고딕" pitchFamily="50" charset="-127"/>
+                <a:cs typeface="Courier New" pitchFamily="49" charset="0"/>
+              </a:rPr>
+              <a:t>        </a:t>
+            </a:r>
+            <a:r>
+              <a:rPr lang="en-US" altLang="ko-KR" sz="1400" dirty="0" err="1">
+                <a:solidFill>
+                  <a:prstClr val="black"/>
+                </a:solidFill>
+                <a:latin typeface="Courier New" pitchFamily="49" charset="0"/>
+                <a:ea typeface="맑은 고딕" pitchFamily="50" charset="-127"/>
+                <a:cs typeface="Courier New" pitchFamily="49" charset="0"/>
+              </a:rPr>
+              <a:t>printf</a:t>
+            </a:r>
+            <a:r>
+              <a:rPr lang="en-US" altLang="ko-KR" sz="1400" dirty="0">
+                <a:solidFill>
+                  <a:prstClr val="black"/>
+                </a:solidFill>
+                <a:latin typeface="Courier New" pitchFamily="49" charset="0"/>
+                <a:ea typeface="맑은 고딕" pitchFamily="50" charset="-127"/>
+                <a:cs typeface="Courier New" pitchFamily="49" charset="0"/>
+              </a:rPr>
+              <a:t>("hello, I am parent of %d (</a:t>
+            </a:r>
+            <a:r>
+              <a:rPr lang="en-US" altLang="ko-KR" sz="1400" dirty="0" err="1">
+                <a:solidFill>
+                  <a:prstClr val="black"/>
+                </a:solidFill>
+                <a:latin typeface="Courier New" pitchFamily="49" charset="0"/>
+                <a:ea typeface="맑은 고딕" pitchFamily="50" charset="-127"/>
+                <a:cs typeface="Courier New" pitchFamily="49" charset="0"/>
+              </a:rPr>
+              <a:t>wc</a:t>
+            </a:r>
+            <a:r>
+              <a:rPr lang="en-US" altLang="ko-KR" sz="1400" dirty="0">
+                <a:solidFill>
+                  <a:prstClr val="black"/>
+                </a:solidFill>
+                <a:latin typeface="Courier New" pitchFamily="49" charset="0"/>
+                <a:ea typeface="맑은 고딕" pitchFamily="50" charset="-127"/>
+                <a:cs typeface="Courier New" pitchFamily="49" charset="0"/>
+              </a:rPr>
+              <a:t>:%d) (</a:t>
+            </a:r>
+            <a:r>
+              <a:rPr lang="en-US" altLang="ko-KR" sz="1400" dirty="0" err="1">
+                <a:solidFill>
+                  <a:prstClr val="black"/>
+                </a:solidFill>
+                <a:latin typeface="Courier New" pitchFamily="49" charset="0"/>
+                <a:ea typeface="맑은 고딕" pitchFamily="50" charset="-127"/>
+                <a:cs typeface="Courier New" pitchFamily="49" charset="0"/>
+              </a:rPr>
+              <a:t>pid</a:t>
+            </a:r>
+            <a:r>
+              <a:rPr lang="en-US" altLang="ko-KR" sz="1400" dirty="0">
+                <a:solidFill>
+                  <a:prstClr val="black"/>
+                </a:solidFill>
+                <a:latin typeface="Courier New" pitchFamily="49" charset="0"/>
+                <a:ea typeface="맑은 고딕" pitchFamily="50" charset="-127"/>
+                <a:cs typeface="Courier New" pitchFamily="49" charset="0"/>
+              </a:rPr>
+              <a:t>:%d)\n",</a:t>
+            </a:r>
+          </a:p>
+          <a:p>
+            <a:r>
+              <a:rPr lang="en-US" altLang="ko-KR" sz="1400" dirty="0">
+                <a:solidFill>
+                  <a:prstClr val="black"/>
+                </a:solidFill>
+                <a:latin typeface="Courier New" pitchFamily="49" charset="0"/>
+                <a:ea typeface="맑은 고딕" pitchFamily="50" charset="-127"/>
+                <a:cs typeface="Courier New" pitchFamily="49" charset="0"/>
+              </a:rPr>
+              <a:t>            </a:t>
+            </a:r>
+            <a:r>
+              <a:rPr lang="en-US" altLang="ko-KR" sz="1400" dirty="0" err="1">
+                <a:solidFill>
+                  <a:prstClr val="black"/>
+                </a:solidFill>
+                <a:latin typeface="Courier New" pitchFamily="49" charset="0"/>
+                <a:ea typeface="맑은 고딕" pitchFamily="50" charset="-127"/>
+                <a:cs typeface="Courier New" pitchFamily="49" charset="0"/>
+              </a:rPr>
+              <a:t>rc</a:t>
+            </a:r>
+            <a:r>
+              <a:rPr lang="en-US" altLang="ko-KR" sz="1400" dirty="0">
+                <a:solidFill>
+                  <a:prstClr val="black"/>
+                </a:solidFill>
+                <a:latin typeface="Courier New" pitchFamily="49" charset="0"/>
+                <a:ea typeface="맑은 고딕" pitchFamily="50" charset="-127"/>
+                <a:cs typeface="Courier New" pitchFamily="49" charset="0"/>
+              </a:rPr>
+              <a:t>, </a:t>
+            </a:r>
+            <a:r>
+              <a:rPr lang="en-US" altLang="ko-KR" sz="1400" dirty="0" err="1">
+                <a:solidFill>
+                  <a:prstClr val="black"/>
+                </a:solidFill>
+                <a:latin typeface="Courier New" pitchFamily="49" charset="0"/>
+                <a:ea typeface="맑은 고딕" pitchFamily="50" charset="-127"/>
+                <a:cs typeface="Courier New" pitchFamily="49" charset="0"/>
+              </a:rPr>
+              <a:t>wc</a:t>
+            </a:r>
+            <a:r>
+              <a:rPr lang="en-US" altLang="ko-KR" sz="1400" dirty="0">
+                <a:solidFill>
+                  <a:prstClr val="black"/>
+                </a:solidFill>
+                <a:latin typeface="Courier New" pitchFamily="49" charset="0"/>
+                <a:ea typeface="맑은 고딕" pitchFamily="50" charset="-127"/>
+                <a:cs typeface="Courier New" pitchFamily="49" charset="0"/>
+              </a:rPr>
+              <a:t>, (</a:t>
+            </a:r>
+            <a:r>
+              <a:rPr lang="en-US" altLang="ko-KR" sz="1400" dirty="0" err="1">
+                <a:solidFill>
+                  <a:srgbClr val="00B050"/>
+                </a:solidFill>
+                <a:latin typeface="Courier New" pitchFamily="49" charset="0"/>
+                <a:ea typeface="맑은 고딕" pitchFamily="50" charset="-127"/>
+                <a:cs typeface="Courier New" pitchFamily="49" charset="0"/>
+              </a:rPr>
+              <a:t>int</a:t>
+            </a:r>
+            <a:r>
+              <a:rPr lang="en-US" altLang="ko-KR" sz="1400" dirty="0">
+                <a:solidFill>
+                  <a:prstClr val="black"/>
+                </a:solidFill>
+                <a:latin typeface="Courier New" pitchFamily="49" charset="0"/>
+                <a:ea typeface="맑은 고딕" pitchFamily="50" charset="-127"/>
+                <a:cs typeface="Courier New" pitchFamily="49" charset="0"/>
+              </a:rPr>
+              <a:t>) </a:t>
+            </a:r>
+            <a:r>
+              <a:rPr lang="en-US" altLang="ko-KR" sz="1400" dirty="0" err="1">
+                <a:solidFill>
+                  <a:prstClr val="black"/>
+                </a:solidFill>
+                <a:latin typeface="Courier New" pitchFamily="49" charset="0"/>
+                <a:ea typeface="맑은 고딕" pitchFamily="50" charset="-127"/>
+                <a:cs typeface="Courier New" pitchFamily="49" charset="0"/>
+              </a:rPr>
+              <a:t>getpid</a:t>
+            </a:r>
+            <a:r>
+              <a:rPr lang="en-US" altLang="ko-KR" sz="1400" dirty="0">
+                <a:solidFill>
+                  <a:prstClr val="black"/>
+                </a:solidFill>
+                <a:latin typeface="Courier New" pitchFamily="49" charset="0"/>
+                <a:ea typeface="맑은 고딕" pitchFamily="50" charset="-127"/>
+                <a:cs typeface="Courier New" pitchFamily="49" charset="0"/>
+              </a:rPr>
+              <a:t>());</a:t>
+            </a:r>
+          </a:p>
+          <a:p>
+            <a:r>
+              <a:rPr lang="en-US" altLang="ko-KR" sz="1400" dirty="0">
+                <a:solidFill>
+                  <a:prstClr val="black"/>
+                </a:solidFill>
+                <a:latin typeface="Courier New" pitchFamily="49" charset="0"/>
+                <a:ea typeface="맑은 고딕" pitchFamily="50" charset="-127"/>
+                <a:cs typeface="Courier New" pitchFamily="49" charset="0"/>
+              </a:rPr>
+              <a:t>    }</a:t>
+            </a:r>
+          </a:p>
+          <a:p>
+            <a:r>
+              <a:rPr lang="en-US" altLang="ko-KR" sz="1400" dirty="0">
+                <a:solidFill>
+                  <a:prstClr val="black"/>
+                </a:solidFill>
+                <a:latin typeface="Courier New" pitchFamily="49" charset="0"/>
+                <a:ea typeface="맑은 고딕" pitchFamily="50" charset="-127"/>
+                <a:cs typeface="Courier New" pitchFamily="49" charset="0"/>
+              </a:rPr>
+              <a:t>   </a:t>
+            </a:r>
+            <a:r>
+              <a:rPr lang="en-US" altLang="ko-KR" sz="1400" dirty="0">
+                <a:solidFill>
+                  <a:srgbClr val="F79646">
+                    <a:lumMod val="75000"/>
+                  </a:srgbClr>
+                </a:solidFill>
+                <a:latin typeface="Courier New" pitchFamily="49" charset="0"/>
+                <a:ea typeface="맑은 고딕" pitchFamily="50" charset="-127"/>
+                <a:cs typeface="Courier New" pitchFamily="49" charset="0"/>
+              </a:rPr>
+              <a:t> return </a:t>
+            </a:r>
+            <a:r>
+              <a:rPr lang="en-US" altLang="ko-KR" sz="1400" dirty="0">
+                <a:solidFill>
+                  <a:srgbClr val="FF0000"/>
+                </a:solidFill>
+                <a:latin typeface="Courier New" pitchFamily="49" charset="0"/>
+                <a:ea typeface="맑은 고딕" pitchFamily="50" charset="-127"/>
+                <a:cs typeface="Courier New" pitchFamily="49" charset="0"/>
+              </a:rPr>
+              <a:t>0</a:t>
+            </a:r>
+            <a:r>
+              <a:rPr lang="en-US" altLang="ko-KR" sz="1400" dirty="0">
+                <a:solidFill>
+                  <a:prstClr val="black"/>
+                </a:solidFill>
+                <a:latin typeface="Courier New" pitchFamily="49" charset="0"/>
+                <a:ea typeface="맑은 고딕" pitchFamily="50" charset="-127"/>
+                <a:cs typeface="Courier New" pitchFamily="49" charset="0"/>
+              </a:rPr>
+              <a:t>;</a:t>
+            </a:r>
+          </a:p>
+          <a:p>
+            <a:r>
+              <a:rPr lang="en-US" altLang="ko-KR" sz="1400" dirty="0">
+                <a:solidFill>
+                  <a:prstClr val="black"/>
+                </a:solidFill>
+                <a:latin typeface="Courier New" pitchFamily="49" charset="0"/>
+                <a:ea typeface="맑은 고딕" pitchFamily="50" charset="-127"/>
+                <a:cs typeface="Courier New" pitchFamily="49" charset="0"/>
+              </a:rPr>
+              <a:t>}</a:t>
+            </a:r>
+          </a:p>
+        </p:txBody>
+      </p:sp>
+      <p:sp>
+        <p:nvSpPr>
+          <p:cNvPr id="7" name="TextBox 6"/>
+          <p:cNvSpPr txBox="1"/>
+          <p:nvPr/>
+        </p:nvSpPr>
+        <p:spPr>
+          <a:xfrm>
+            <a:off x="2063552" y="620688"/>
+            <a:ext cx="1296144" cy="338554"/>
+          </a:xfrm>
+          <a:prstGeom prst="rect">
+            <a:avLst/>
+          </a:prstGeom>
+          <a:noFill/>
+        </p:spPr>
+        <p:txBody>
+          <a:bodyPr wrap="square" rtlCol="0">
+            <a:spAutoFit/>
+          </a:bodyPr>
+          <a:lstStyle/>
+          <a:p>
+            <a:r>
+              <a:rPr lang="en-US" altLang="ko-KR" sz="1600" b="1" dirty="0">
+                <a:solidFill>
+                  <a:prstClr val="black"/>
+                </a:solidFill>
+                <a:latin typeface="맑은 고딕" pitchFamily="50" charset="-127"/>
+                <a:ea typeface="맑은 고딕" pitchFamily="50" charset="-127"/>
+              </a:rPr>
+              <a:t>p3.c (Cont.)</a:t>
+            </a:r>
+            <a:endParaRPr lang="ko-KR" altLang="en-US" sz="1600" b="1" dirty="0">
+              <a:solidFill>
+                <a:prstClr val="black"/>
+              </a:solidFill>
+              <a:latin typeface="맑은 고딕" pitchFamily="50" charset="-127"/>
+              <a:ea typeface="맑은 고딕" pitchFamily="50" charset="-127"/>
+            </a:endParaRPr>
+          </a:p>
+        </p:txBody>
+      </p:sp>
+      <p:sp>
+        <p:nvSpPr>
+          <p:cNvPr id="9" name="직사각형 8"/>
+          <p:cNvSpPr/>
+          <p:nvPr/>
+        </p:nvSpPr>
+        <p:spPr>
+          <a:xfrm>
+            <a:off x="2135560" y="3623310"/>
+            <a:ext cx="7992888" cy="1384995"/>
+          </a:xfrm>
+          <a:prstGeom prst="rect">
+            <a:avLst/>
+          </a:prstGeom>
+          <a:solidFill>
+            <a:schemeClr val="bg1"/>
+          </a:solidFill>
+          <a:ln w="12700">
+            <a:solidFill>
+              <a:schemeClr val="tx1"/>
+            </a:solidFill>
+          </a:ln>
+          <a:effectLst/>
+        </p:spPr>
+        <p:style>
+          <a:lnRef idx="3">
+            <a:schemeClr val="lt1"/>
+          </a:lnRef>
+          <a:fillRef idx="1">
+            <a:schemeClr val="accent1"/>
+          </a:fillRef>
+          <a:effectRef idx="1">
+            <a:schemeClr val="accent1"/>
+          </a:effectRef>
+          <a:fontRef idx="minor">
+            <a:schemeClr val="lt1"/>
+          </a:fontRef>
+        </p:style>
+        <p:txBody>
+          <a:bodyPr lIns="252000" rtlCol="0" anchor="ctr">
+            <a:spAutoFit/>
+          </a:bodyPr>
+          <a:lstStyle>
+            <a:defPPr>
+              <a:defRPr lang="ko-KR"/>
+            </a:defPPr>
+            <a:lvl1pPr marL="0" algn="l" defTabSz="914400" rtl="0" eaLnBrk="1" latinLnBrk="1" hangingPunct="1">
+              <a:defRPr sz="1800" kern="1200">
+                <a:solidFill>
+                  <a:schemeClr val="lt1"/>
+                </a:solidFill>
+                <a:latin typeface="+mn-lt"/>
+                <a:ea typeface="+mn-ea"/>
+                <a:cs typeface="+mn-cs"/>
+              </a:defRPr>
+            </a:lvl1pPr>
+            <a:lvl2pPr marL="457200" algn="l" defTabSz="914400" rtl="0" eaLnBrk="1" latinLnBrk="1" hangingPunct="1">
+              <a:defRPr sz="1800" kern="1200">
+                <a:solidFill>
+                  <a:schemeClr val="lt1"/>
+                </a:solidFill>
+                <a:latin typeface="+mn-lt"/>
+                <a:ea typeface="+mn-ea"/>
+                <a:cs typeface="+mn-cs"/>
+              </a:defRPr>
+            </a:lvl2pPr>
+            <a:lvl3pPr marL="914400" algn="l" defTabSz="914400" rtl="0" eaLnBrk="1" latinLnBrk="1" hangingPunct="1">
+              <a:defRPr sz="1800" kern="1200">
+                <a:solidFill>
+                  <a:schemeClr val="lt1"/>
+                </a:solidFill>
+                <a:latin typeface="+mn-lt"/>
+                <a:ea typeface="+mn-ea"/>
+                <a:cs typeface="+mn-cs"/>
+              </a:defRPr>
+            </a:lvl3pPr>
+            <a:lvl4pPr marL="1371600" algn="l" defTabSz="914400" rtl="0" eaLnBrk="1" latinLnBrk="1" hangingPunct="1">
+              <a:defRPr sz="1800" kern="1200">
+                <a:solidFill>
+                  <a:schemeClr val="lt1"/>
+                </a:solidFill>
+                <a:latin typeface="+mn-lt"/>
+                <a:ea typeface="+mn-ea"/>
+                <a:cs typeface="+mn-cs"/>
+              </a:defRPr>
+            </a:lvl4pPr>
+            <a:lvl5pPr marL="1828800" algn="l" defTabSz="914400" rtl="0" eaLnBrk="1" latinLnBrk="1" hangingPunct="1">
+              <a:defRPr sz="1800" kern="1200">
+                <a:solidFill>
+                  <a:schemeClr val="lt1"/>
+                </a:solidFill>
+                <a:latin typeface="+mn-lt"/>
+                <a:ea typeface="+mn-ea"/>
+                <a:cs typeface="+mn-cs"/>
+              </a:defRPr>
+            </a:lvl5pPr>
+            <a:lvl6pPr marL="2286000" algn="l" defTabSz="914400" rtl="0" eaLnBrk="1" latinLnBrk="1" hangingPunct="1">
+              <a:defRPr sz="1800" kern="1200">
+                <a:solidFill>
+                  <a:schemeClr val="lt1"/>
+                </a:solidFill>
+                <a:latin typeface="+mn-lt"/>
+                <a:ea typeface="+mn-ea"/>
+                <a:cs typeface="+mn-cs"/>
+              </a:defRPr>
+            </a:lvl6pPr>
+            <a:lvl7pPr marL="2743200" algn="l" defTabSz="914400" rtl="0" eaLnBrk="1" latinLnBrk="1" hangingPunct="1">
+              <a:defRPr sz="1800" kern="1200">
+                <a:solidFill>
+                  <a:schemeClr val="lt1"/>
+                </a:solidFill>
+                <a:latin typeface="+mn-lt"/>
+                <a:ea typeface="+mn-ea"/>
+                <a:cs typeface="+mn-cs"/>
+              </a:defRPr>
+            </a:lvl7pPr>
+            <a:lvl8pPr marL="3200400" algn="l" defTabSz="914400" rtl="0" eaLnBrk="1" latinLnBrk="1" hangingPunct="1">
+              <a:defRPr sz="1800" kern="1200">
+                <a:solidFill>
+                  <a:schemeClr val="lt1"/>
+                </a:solidFill>
+                <a:latin typeface="+mn-lt"/>
+                <a:ea typeface="+mn-ea"/>
+                <a:cs typeface="+mn-cs"/>
+              </a:defRPr>
+            </a:lvl8pPr>
+            <a:lvl9pPr marL="3657600" algn="l" defTabSz="914400" rtl="0" eaLnBrk="1" latinLnBrk="1" hangingPunct="1">
+              <a:defRPr sz="1800" kern="1200">
+                <a:solidFill>
+                  <a:schemeClr val="lt1"/>
+                </a:solidFill>
+                <a:latin typeface="+mn-lt"/>
+                <a:ea typeface="+mn-ea"/>
+                <a:cs typeface="+mn-cs"/>
+              </a:defRPr>
+            </a:lvl9pPr>
+          </a:lstStyle>
+          <a:p>
+            <a:r>
+              <a:rPr lang="en-US" altLang="ko-KR" sz="1400" dirty="0">
+                <a:solidFill>
+                  <a:prstClr val="black"/>
+                </a:solidFill>
+                <a:latin typeface="Courier New" pitchFamily="49" charset="0"/>
+                <a:ea typeface="맑은 고딕" pitchFamily="50" charset="-127"/>
+                <a:cs typeface="Courier New" pitchFamily="49" charset="0"/>
+              </a:rPr>
+              <a:t>prompt&gt; ./p3</a:t>
+            </a:r>
+          </a:p>
+          <a:p>
+            <a:r>
+              <a:rPr lang="en-US" altLang="ko-KR" sz="1400" dirty="0">
+                <a:solidFill>
+                  <a:prstClr val="black"/>
+                </a:solidFill>
+                <a:latin typeface="Courier New" pitchFamily="49" charset="0"/>
+                <a:ea typeface="맑은 고딕" pitchFamily="50" charset="-127"/>
+                <a:cs typeface="Courier New" pitchFamily="49" charset="0"/>
+              </a:rPr>
+              <a:t>hello world (pid:29383)</a:t>
+            </a:r>
+          </a:p>
+          <a:p>
+            <a:r>
+              <a:rPr lang="en-US" altLang="ko-KR" sz="1400" dirty="0">
+                <a:solidFill>
+                  <a:prstClr val="black"/>
+                </a:solidFill>
+                <a:latin typeface="Courier New" pitchFamily="49" charset="0"/>
+                <a:ea typeface="맑은 고딕" pitchFamily="50" charset="-127"/>
+                <a:cs typeface="Courier New" pitchFamily="49" charset="0"/>
+              </a:rPr>
+              <a:t>hello, I am child (pid:29384)</a:t>
+            </a:r>
+          </a:p>
+          <a:p>
+            <a:r>
+              <a:rPr lang="en-US" altLang="ko-KR" sz="1400" dirty="0">
+                <a:solidFill>
+                  <a:prstClr val="black"/>
+                </a:solidFill>
+                <a:latin typeface="Courier New" pitchFamily="49" charset="0"/>
+                <a:ea typeface="맑은 고딕" pitchFamily="50" charset="-127"/>
+                <a:cs typeface="Courier New" pitchFamily="49" charset="0"/>
+              </a:rPr>
+              <a:t>29 107 1030 p3.c</a:t>
+            </a:r>
+          </a:p>
+          <a:p>
+            <a:r>
+              <a:rPr lang="en-US" altLang="ko-KR" sz="1400" dirty="0">
+                <a:solidFill>
+                  <a:prstClr val="black"/>
+                </a:solidFill>
+                <a:latin typeface="Courier New" pitchFamily="49" charset="0"/>
+                <a:ea typeface="맑은 고딕" pitchFamily="50" charset="-127"/>
+                <a:cs typeface="Courier New" pitchFamily="49" charset="0"/>
+              </a:rPr>
+              <a:t>hello, I am parent of 29384 (wc:29384) (pid:29383)</a:t>
+            </a:r>
+          </a:p>
+          <a:p>
+            <a:r>
+              <a:rPr lang="en-US" altLang="ko-KR" sz="1400" dirty="0">
+                <a:solidFill>
+                  <a:prstClr val="black"/>
+                </a:solidFill>
+                <a:latin typeface="Courier New" pitchFamily="49" charset="0"/>
+                <a:ea typeface="맑은 고딕" pitchFamily="50" charset="-127"/>
+                <a:cs typeface="Courier New" pitchFamily="49" charset="0"/>
+              </a:rPr>
+              <a:t>prompt&gt;</a:t>
+            </a:r>
+            <a:endParaRPr lang="ko-KR" altLang="en-US" sz="1400" dirty="0">
+              <a:solidFill>
+                <a:prstClr val="black"/>
+              </a:solidFill>
+              <a:latin typeface="Courier New" pitchFamily="49" charset="0"/>
+              <a:ea typeface="맑은 고딕" pitchFamily="50" charset="-127"/>
+              <a:cs typeface="Courier New" pitchFamily="49" charset="0"/>
+            </a:endParaRPr>
+          </a:p>
+        </p:txBody>
+      </p:sp>
+      <p:sp>
+        <p:nvSpPr>
+          <p:cNvPr id="10" name="TextBox 9"/>
+          <p:cNvSpPr txBox="1"/>
+          <p:nvPr/>
+        </p:nvSpPr>
+        <p:spPr>
+          <a:xfrm>
+            <a:off x="2071936" y="3212976"/>
+            <a:ext cx="2655912" cy="338554"/>
+          </a:xfrm>
+          <a:prstGeom prst="rect">
+            <a:avLst/>
+          </a:prstGeom>
+          <a:noFill/>
+        </p:spPr>
+        <p:txBody>
+          <a:bodyPr wrap="square" rtlCol="0">
+            <a:spAutoFit/>
+          </a:bodyPr>
+          <a:lstStyle/>
+          <a:p>
+            <a:r>
+              <a:rPr lang="en-US" altLang="ko-KR" sz="1600" b="1" dirty="0">
+                <a:solidFill>
+                  <a:prstClr val="black"/>
+                </a:solidFill>
+                <a:latin typeface="맑은 고딕" pitchFamily="50" charset="-127"/>
+                <a:ea typeface="맑은 고딕" pitchFamily="50" charset="-127"/>
+              </a:rPr>
+              <a:t>Result</a:t>
+            </a:r>
+            <a:endParaRPr lang="ko-KR" altLang="en-US" sz="1600" b="1" dirty="0">
+              <a:solidFill>
+                <a:prstClr val="black"/>
+              </a:solidFill>
+              <a:latin typeface="맑은 고딕" pitchFamily="50" charset="-127"/>
+              <a:ea typeface="맑은 고딕" pitchFamily="50" charset="-127"/>
+            </a:endParaRPr>
+          </a:p>
+        </p:txBody>
+      </p:sp>
+      <p:sp>
+        <p:nvSpPr>
+          <p:cNvPr id="8" name="TextBox 7">
+            <a:extLst>
+              <a:ext uri="{FF2B5EF4-FFF2-40B4-BE49-F238E27FC236}">
+                <a16:creationId xmlns:a16="http://schemas.microsoft.com/office/drawing/2014/main" id="{8A1E8695-C59A-497D-9AB6-42D3AFE75241}"/>
+              </a:ext>
+            </a:extLst>
+          </p:cNvPr>
+          <p:cNvSpPr txBox="1"/>
+          <p:nvPr/>
+        </p:nvSpPr>
+        <p:spPr>
+          <a:xfrm>
+            <a:off x="695400" y="5229200"/>
+            <a:ext cx="10225136" cy="1261884"/>
+          </a:xfrm>
+          <a:prstGeom prst="rect">
+            <a:avLst/>
+          </a:prstGeom>
+          <a:noFill/>
+        </p:spPr>
+        <p:txBody>
+          <a:bodyPr wrap="square" rtlCol="0">
+            <a:spAutoFit/>
+          </a:bodyPr>
+          <a:lstStyle/>
+          <a:p>
+            <a:pPr marL="342900" indent="-342900">
+              <a:buFont typeface="Arial" panose="020B0604020202020204" pitchFamily="34" charset="0"/>
+              <a:buChar char="•"/>
+            </a:pPr>
+            <a:r>
+              <a:rPr lang="en-US" sz="1900" dirty="0">
+                <a:latin typeface="Courier New" panose="02070309020205020404" pitchFamily="49" charset="0"/>
+                <a:cs typeface="Courier New" panose="02070309020205020404" pitchFamily="49" charset="0"/>
+              </a:rPr>
+              <a:t>exec()</a:t>
+            </a:r>
+            <a:r>
+              <a:rPr lang="en-US" sz="1900" dirty="0">
+                <a:latin typeface="Oswald" pitchFamily="2" charset="0"/>
+              </a:rPr>
+              <a:t> </a:t>
+            </a:r>
+            <a:r>
+              <a:rPr lang="en-US" sz="1900" b="1" dirty="0">
+                <a:latin typeface="Oswald" pitchFamily="2" charset="0"/>
+              </a:rPr>
+              <a:t>loads</a:t>
+            </a:r>
+            <a:r>
+              <a:rPr lang="en-US" sz="1900" dirty="0">
+                <a:latin typeface="Oswald" pitchFamily="2" charset="0"/>
+              </a:rPr>
+              <a:t> the code and static data, given the name of the executable (ex.  </a:t>
+            </a:r>
+            <a:r>
+              <a:rPr lang="en-US" sz="1900" dirty="0" err="1">
+                <a:latin typeface="Courier New" panose="02070309020205020404" pitchFamily="49" charset="0"/>
+                <a:cs typeface="Courier New" panose="02070309020205020404" pitchFamily="49" charset="0"/>
+              </a:rPr>
+              <a:t>wc</a:t>
+            </a:r>
+            <a:r>
+              <a:rPr lang="en-US" sz="1900" dirty="0">
+                <a:latin typeface="Oswald" pitchFamily="2" charset="0"/>
+              </a:rPr>
+              <a:t>), into the child process’  </a:t>
+            </a:r>
+            <a:r>
+              <a:rPr lang="en-US" sz="1900" b="1" dirty="0">
+                <a:latin typeface="Oswald" pitchFamily="2" charset="0"/>
+              </a:rPr>
+              <a:t>address space</a:t>
+            </a:r>
+            <a:r>
+              <a:rPr lang="en-US" sz="1900" dirty="0">
+                <a:latin typeface="Oswald" pitchFamily="2" charset="0"/>
+              </a:rPr>
+              <a:t> which originally contains the code and static data of the parent process copied during the call to </a:t>
+            </a:r>
+            <a:r>
+              <a:rPr lang="en-US" sz="1900" dirty="0">
+                <a:latin typeface="Courier New" panose="02070309020205020404" pitchFamily="49" charset="0"/>
+                <a:cs typeface="Courier New" panose="02070309020205020404" pitchFamily="49" charset="0"/>
+              </a:rPr>
+              <a:t>fork() </a:t>
+            </a:r>
+          </a:p>
+          <a:p>
+            <a:pPr marL="342900" indent="-342900">
+              <a:buFont typeface="Arial" panose="020B0604020202020204" pitchFamily="34" charset="0"/>
+              <a:buChar char="•"/>
+            </a:pPr>
+            <a:r>
+              <a:rPr lang="en-US" sz="1900" dirty="0">
+                <a:latin typeface="Oswald" pitchFamily="2" charset="0"/>
+              </a:rPr>
+              <a:t>A successful call to </a:t>
+            </a:r>
+            <a:r>
+              <a:rPr lang="en-US" sz="1900" dirty="0">
+                <a:latin typeface="Courier New" panose="02070309020205020404" pitchFamily="49" charset="0"/>
+                <a:cs typeface="Courier New" panose="02070309020205020404" pitchFamily="49" charset="0"/>
+              </a:rPr>
+              <a:t>exec()</a:t>
+            </a:r>
+            <a:r>
+              <a:rPr lang="en-US" sz="1900" dirty="0">
+                <a:latin typeface="Oswald" pitchFamily="2" charset="0"/>
+              </a:rPr>
+              <a:t> never returns – why?</a:t>
+            </a:r>
+          </a:p>
+        </p:txBody>
+      </p:sp>
+    </p:spTree>
+    <p:extLst>
+      <p:ext uri="{BB962C8B-B14F-4D97-AF65-F5344CB8AC3E}">
+        <p14:creationId xmlns:p14="http://schemas.microsoft.com/office/powerpoint/2010/main" val="2199836585"/>
+      </p:ext>
+    </p:extLst>
+  </p:cSld>
+  <p:clrMapOvr>
+    <a:masterClrMapping/>
+  </p:clrMapOvr>
+  <p:transition>
+    <p:zoom/>
+  </p:transition>
+</p:sld>
+</file>
+
+<file path=ppt/slides/slide12.xml><?xml version="1.0" encoding="utf-8"?>
+<p:sld xmlns:a="http://schemas.openxmlformats.org/drawingml/2006/main" xmlns:r="http://schemas.openxmlformats.org/officeDocument/2006/relationships" xmlns:p="http://schemas.openxmlformats.org/presentationml/2006/main">
+  <p:cSld>
+    <p:spTree>
+      <p:nvGrpSpPr>
+        <p:cNvPr id="1" name=""/>
+        <p:cNvGrpSpPr/>
+        <p:nvPr/>
+      </p:nvGrpSpPr>
+      <p:grpSpPr>
+        <a:xfrm>
+          <a:off x="0" y="0"/>
+          <a:ext cx="0" cy="0"/>
+          <a:chOff x="0" y="0"/>
+          <a:chExt cx="0" cy="0"/>
+        </a:xfrm>
+      </p:grpSpPr>
+      <p:sp>
+        <p:nvSpPr>
+          <p:cNvPr id="3" name="Title 2">
+            <a:extLst>
+              <a:ext uri="{FF2B5EF4-FFF2-40B4-BE49-F238E27FC236}">
+                <a16:creationId xmlns:a16="http://schemas.microsoft.com/office/drawing/2014/main" id="{126B6CD7-005B-4F00-9025-7E02ADA9BE12}"/>
+              </a:ext>
+            </a:extLst>
+          </p:cNvPr>
+          <p:cNvSpPr>
+            <a:spLocks noGrp="1"/>
+          </p:cNvSpPr>
+          <p:nvPr>
+            <p:ph type="title"/>
+          </p:nvPr>
+        </p:nvSpPr>
+        <p:spPr/>
+        <p:txBody>
+          <a:bodyPr/>
+          <a:lstStyle/>
+          <a:p>
+            <a:r>
+              <a:rPr lang="en-US" dirty="0"/>
+              <a:t>Why separate fork() and exec()?</a:t>
+            </a:r>
+            <a:endParaRPr lang="en-PH" dirty="0"/>
+          </a:p>
+        </p:txBody>
+      </p:sp>
+      <p:sp>
+        <p:nvSpPr>
+          <p:cNvPr id="4" name="Content Placeholder 3">
+            <a:extLst>
+              <a:ext uri="{FF2B5EF4-FFF2-40B4-BE49-F238E27FC236}">
+                <a16:creationId xmlns:a16="http://schemas.microsoft.com/office/drawing/2014/main" id="{C6594D72-0A12-4D35-9864-9970B75A6114}"/>
+              </a:ext>
+            </a:extLst>
+          </p:cNvPr>
+          <p:cNvSpPr>
+            <a:spLocks noGrp="1"/>
+          </p:cNvSpPr>
+          <p:nvPr>
+            <p:ph idx="1"/>
+          </p:nvPr>
+        </p:nvSpPr>
+        <p:spPr/>
+        <p:txBody>
+          <a:bodyPr/>
+          <a:lstStyle/>
+          <a:p>
+            <a:r>
+              <a:rPr lang="en-US" dirty="0"/>
+              <a:t>Essential for building a </a:t>
+            </a:r>
+            <a:r>
+              <a:rPr lang="en-US" b="1" dirty="0"/>
+              <a:t>shell</a:t>
+            </a:r>
+            <a:r>
+              <a:rPr lang="en-US" dirty="0"/>
+              <a:t> – an “interface” program that accepts commands from users to access the services of the   OS</a:t>
+            </a:r>
+          </a:p>
+          <a:p>
+            <a:pPr lvl="1"/>
+            <a:r>
+              <a:rPr lang="en-US" dirty="0"/>
+              <a:t>Ex. BASH and ZSH in Linux, Command Prompt and </a:t>
+            </a:r>
+            <a:r>
+              <a:rPr lang="en-US" dirty="0" err="1"/>
+              <a:t>Powershell</a:t>
+            </a:r>
+            <a:r>
+              <a:rPr lang="en-US" dirty="0"/>
+              <a:t> in Windows</a:t>
+            </a:r>
+          </a:p>
+          <a:p>
+            <a:r>
+              <a:rPr lang="en-US" dirty="0"/>
+              <a:t>With this separation, the shell can run some code </a:t>
+            </a:r>
+            <a:r>
+              <a:rPr lang="en-US" i="1" dirty="0"/>
+              <a:t>after</a:t>
+            </a:r>
+            <a:r>
+              <a:rPr lang="en-US" dirty="0"/>
+              <a:t> the call to </a:t>
+            </a:r>
+            <a:r>
+              <a:rPr lang="en-US" dirty="0">
+                <a:latin typeface="Courier New" panose="02070309020205020404" pitchFamily="49" charset="0"/>
+                <a:cs typeface="Courier New" panose="02070309020205020404" pitchFamily="49" charset="0"/>
+              </a:rPr>
+              <a:t>fork()</a:t>
+            </a:r>
+            <a:r>
+              <a:rPr lang="en-US" dirty="0"/>
+              <a:t> but </a:t>
+            </a:r>
+            <a:r>
+              <a:rPr lang="en-US" i="1" dirty="0"/>
+              <a:t>before</a:t>
+            </a:r>
+            <a:r>
+              <a:rPr lang="en-US" dirty="0"/>
+              <a:t> the call to </a:t>
+            </a:r>
+            <a:r>
+              <a:rPr lang="en-US" dirty="0">
+                <a:latin typeface="Courier New" panose="02070309020205020404" pitchFamily="49" charset="0"/>
+                <a:cs typeface="Courier New" panose="02070309020205020404" pitchFamily="49" charset="0"/>
+              </a:rPr>
+              <a:t>exec()</a:t>
+            </a:r>
+          </a:p>
+          <a:p>
+            <a:pPr lvl="1"/>
+            <a:r>
+              <a:rPr lang="en-US" dirty="0">
+                <a:cs typeface="Courier New" panose="02070309020205020404" pitchFamily="49" charset="0"/>
+              </a:rPr>
+              <a:t>It allows the shell to alter the </a:t>
+            </a:r>
+            <a:r>
+              <a:rPr lang="en-US" b="1" dirty="0">
+                <a:cs typeface="Courier New" panose="02070309020205020404" pitchFamily="49" charset="0"/>
+              </a:rPr>
+              <a:t>environment</a:t>
+            </a:r>
+            <a:r>
+              <a:rPr lang="en-US" dirty="0">
+                <a:cs typeface="Courier New" panose="02070309020205020404" pitchFamily="49" charset="0"/>
+              </a:rPr>
+              <a:t> of the about to be run program by </a:t>
+            </a:r>
+            <a:r>
+              <a:rPr lang="en-US" dirty="0">
+                <a:latin typeface="Courier New" panose="02070309020205020404" pitchFamily="49" charset="0"/>
+                <a:cs typeface="Courier New" panose="02070309020205020404" pitchFamily="49" charset="0"/>
+              </a:rPr>
+              <a:t>exec(),</a:t>
+            </a:r>
+            <a:r>
+              <a:rPr lang="en-US" dirty="0">
+                <a:cs typeface="Courier New" panose="02070309020205020404" pitchFamily="49" charset="0"/>
+              </a:rPr>
+              <a:t> enabling more features (ex. </a:t>
+            </a:r>
+            <a:r>
+              <a:rPr lang="en-US" b="1" dirty="0">
+                <a:cs typeface="Courier New" panose="02070309020205020404" pitchFamily="49" charset="0"/>
+              </a:rPr>
+              <a:t>Pipes</a:t>
+            </a:r>
+            <a:r>
+              <a:rPr lang="en-US" dirty="0">
+                <a:cs typeface="Courier New" panose="02070309020205020404" pitchFamily="49" charset="0"/>
+              </a:rPr>
+              <a:t> and    </a:t>
+            </a:r>
+            <a:r>
+              <a:rPr lang="en-US" b="1" dirty="0">
+                <a:cs typeface="Courier New" panose="02070309020205020404" pitchFamily="49" charset="0"/>
+              </a:rPr>
+              <a:t>I/O redirection</a:t>
+            </a:r>
+            <a:r>
+              <a:rPr lang="en-US" dirty="0">
+                <a:cs typeface="Courier New" panose="02070309020205020404" pitchFamily="49" charset="0"/>
+              </a:rPr>
+              <a:t>) to be implemented</a:t>
+            </a:r>
+          </a:p>
+          <a:p>
+            <a:endParaRPr lang="en-US" dirty="0">
+              <a:cs typeface="Courier New" panose="02070309020205020404" pitchFamily="49" charset="0"/>
+            </a:endParaRPr>
+          </a:p>
+          <a:p>
+            <a:endParaRPr lang="en-US" dirty="0">
+              <a:cs typeface="Courier New" panose="02070309020205020404" pitchFamily="49" charset="0"/>
+            </a:endParaRPr>
+          </a:p>
+          <a:p>
+            <a:pPr marL="0" indent="0">
+              <a:buNone/>
+            </a:pPr>
+            <a:endParaRPr lang="en-US" dirty="0">
+              <a:cs typeface="Courier New" panose="02070309020205020404" pitchFamily="49" charset="0"/>
+            </a:endParaRPr>
+          </a:p>
+          <a:p>
+            <a:endParaRPr lang="en-PH" dirty="0"/>
+          </a:p>
+        </p:txBody>
+      </p:sp>
+    </p:spTree>
+    <p:extLst>
+      <p:ext uri="{BB962C8B-B14F-4D97-AF65-F5344CB8AC3E}">
+        <p14:creationId xmlns:p14="http://schemas.microsoft.com/office/powerpoint/2010/main" val="2992249582"/>
+      </p:ext>
+    </p:extLst>
+  </p:cSld>
+  <p:clrMapOvr>
+    <a:masterClrMapping/>
+  </p:clrMapOvr>
+  <p:transition>
+    <p:zoom/>
+  </p:transition>
+</p:sld>
+</file>
+
+<file path=ppt/slides/slide13.xml><?xml version="1.0" encoding="utf-8"?>
+<p:sld xmlns:a="http://schemas.openxmlformats.org/drawingml/2006/main" xmlns:r="http://schemas.openxmlformats.org/officeDocument/2006/relationships" xmlns:p="http://schemas.openxmlformats.org/presentationml/2006/main">
+  <p:cSld>
+    <p:spTree>
+      <p:nvGrpSpPr>
+        <p:cNvPr id="1" name=""/>
+        <p:cNvGrpSpPr/>
+        <p:nvPr/>
+      </p:nvGrpSpPr>
+      <p:grpSpPr>
+        <a:xfrm>
+          <a:off x="0" y="0"/>
+          <a:ext cx="0" cy="0"/>
+          <a:chOff x="0" y="0"/>
+          <a:chExt cx="0" cy="0"/>
+        </a:xfrm>
+      </p:grpSpPr>
+      <p:sp>
+        <p:nvSpPr>
+          <p:cNvPr id="3" name="Title 2">
+            <a:extLst>
+              <a:ext uri="{FF2B5EF4-FFF2-40B4-BE49-F238E27FC236}">
+                <a16:creationId xmlns:a16="http://schemas.microsoft.com/office/drawing/2014/main" id="{126B6CD7-005B-4F00-9025-7E02ADA9BE12}"/>
+              </a:ext>
+            </a:extLst>
+          </p:cNvPr>
+          <p:cNvSpPr>
+            <a:spLocks noGrp="1"/>
+          </p:cNvSpPr>
+          <p:nvPr>
+            <p:ph type="title"/>
+          </p:nvPr>
+        </p:nvSpPr>
+        <p:spPr/>
+        <p:txBody>
+          <a:bodyPr/>
+          <a:lstStyle/>
+          <a:p>
+            <a:r>
+              <a:rPr lang="en-US" dirty="0"/>
+              <a:t>Why separate fork() and exec()? (Cont.)</a:t>
+            </a:r>
+            <a:endParaRPr lang="en-PH" dirty="0"/>
+          </a:p>
+        </p:txBody>
+      </p:sp>
+      <p:sp>
+        <p:nvSpPr>
+          <p:cNvPr id="4" name="Content Placeholder 3">
+            <a:extLst>
+              <a:ext uri="{FF2B5EF4-FFF2-40B4-BE49-F238E27FC236}">
+                <a16:creationId xmlns:a16="http://schemas.microsoft.com/office/drawing/2014/main" id="{C6594D72-0A12-4D35-9864-9970B75A6114}"/>
+              </a:ext>
+            </a:extLst>
+          </p:cNvPr>
+          <p:cNvSpPr>
+            <a:spLocks noGrp="1"/>
+          </p:cNvSpPr>
+          <p:nvPr>
+            <p:ph idx="1"/>
+          </p:nvPr>
+        </p:nvSpPr>
+        <p:spPr/>
+        <p:txBody>
+          <a:bodyPr/>
+          <a:lstStyle/>
+          <a:p>
+            <a:r>
+              <a:rPr lang="en-US" dirty="0">
+                <a:cs typeface="Courier New" panose="02070309020205020404" pitchFamily="49" charset="0"/>
+              </a:rPr>
+              <a:t>Example: The output of </a:t>
+            </a:r>
+            <a:r>
+              <a:rPr lang="en-US" dirty="0" err="1">
+                <a:latin typeface="Courier New" panose="02070309020205020404" pitchFamily="49" charset="0"/>
+                <a:cs typeface="Courier New" panose="02070309020205020404" pitchFamily="49" charset="0"/>
+              </a:rPr>
+              <a:t>wc</a:t>
+            </a:r>
+            <a:r>
+              <a:rPr lang="en-US" dirty="0">
+                <a:latin typeface="Courier New" panose="02070309020205020404" pitchFamily="49" charset="0"/>
+                <a:cs typeface="Courier New" panose="02070309020205020404" pitchFamily="49" charset="0"/>
+              </a:rPr>
+              <a:t>,</a:t>
+            </a:r>
+            <a:r>
+              <a:rPr lang="en-US" dirty="0">
+                <a:cs typeface="Courier New" panose="02070309020205020404" pitchFamily="49" charset="0"/>
+              </a:rPr>
+              <a:t> instead of being shown in the screen is saved (</a:t>
+            </a:r>
+            <a:r>
+              <a:rPr lang="en-US" b="1" dirty="0">
+                <a:cs typeface="Courier New" panose="02070309020205020404" pitchFamily="49" charset="0"/>
+              </a:rPr>
+              <a:t>redirected</a:t>
+            </a:r>
+            <a:r>
+              <a:rPr lang="en-US" dirty="0">
+                <a:cs typeface="Courier New" panose="02070309020205020404" pitchFamily="49" charset="0"/>
+              </a:rPr>
+              <a:t>) to a text file</a:t>
+            </a:r>
+          </a:p>
+          <a:p>
+            <a:endParaRPr lang="en-US" dirty="0">
+              <a:cs typeface="Courier New" panose="02070309020205020404" pitchFamily="49" charset="0"/>
+            </a:endParaRPr>
+          </a:p>
+          <a:p>
+            <a:r>
+              <a:rPr lang="en-US" dirty="0">
+                <a:cs typeface="Courier New" panose="02070309020205020404" pitchFamily="49" charset="0"/>
+              </a:rPr>
+              <a:t>To implement this, the shell closes the STDOUT of the process after </a:t>
+            </a:r>
+            <a:r>
+              <a:rPr lang="en-US" dirty="0">
+                <a:latin typeface="Courier New" panose="02070309020205020404" pitchFamily="49" charset="0"/>
+                <a:cs typeface="Courier New" panose="02070309020205020404" pitchFamily="49" charset="0"/>
+              </a:rPr>
+              <a:t>fork() </a:t>
+            </a:r>
+            <a:r>
+              <a:rPr lang="en-US" dirty="0">
+                <a:cs typeface="Courier New" panose="02070309020205020404" pitchFamily="49" charset="0"/>
+              </a:rPr>
+              <a:t>then </a:t>
+            </a:r>
+            <a:r>
+              <a:rPr lang="en-US" dirty="0">
+                <a:latin typeface="Courier New" panose="02070309020205020404" pitchFamily="49" charset="0"/>
+                <a:cs typeface="Courier New" panose="02070309020205020404" pitchFamily="49" charset="0"/>
+              </a:rPr>
+              <a:t>open()</a:t>
+            </a:r>
+            <a:r>
+              <a:rPr lang="en-US" dirty="0">
+                <a:cs typeface="Courier New" panose="02070309020205020404" pitchFamily="49" charset="0"/>
+              </a:rPr>
+              <a:t>’s </a:t>
+            </a:r>
+            <a:r>
+              <a:rPr lang="en-US" dirty="0">
+                <a:latin typeface="Courier New" panose="02070309020205020404" pitchFamily="49" charset="0"/>
+                <a:cs typeface="Courier New" panose="02070309020205020404" pitchFamily="49" charset="0"/>
+              </a:rPr>
+              <a:t>newfile.txt</a:t>
+            </a:r>
+            <a:r>
+              <a:rPr lang="en-US" dirty="0">
+                <a:cs typeface="Courier New" panose="02070309020205020404" pitchFamily="49" charset="0"/>
+              </a:rPr>
+              <a:t>         before calling </a:t>
+            </a:r>
+            <a:r>
+              <a:rPr lang="en-US" dirty="0">
+                <a:latin typeface="Courier New" panose="02070309020205020404" pitchFamily="49" charset="0"/>
+                <a:cs typeface="Courier New" panose="02070309020205020404" pitchFamily="49" charset="0"/>
+              </a:rPr>
+              <a:t>exec()</a:t>
+            </a:r>
+          </a:p>
+          <a:p>
+            <a:r>
+              <a:rPr lang="en-US" dirty="0">
+                <a:cs typeface="Courier New" panose="02070309020205020404" pitchFamily="49" charset="0"/>
+              </a:rPr>
+              <a:t>This works because the </a:t>
+            </a:r>
+            <a:r>
+              <a:rPr lang="en-US" dirty="0">
+                <a:latin typeface="Courier New" panose="02070309020205020404" pitchFamily="49" charset="0"/>
+                <a:cs typeface="Courier New" panose="02070309020205020404" pitchFamily="49" charset="0"/>
+              </a:rPr>
+              <a:t>open() </a:t>
+            </a:r>
+            <a:r>
+              <a:rPr lang="en-US" dirty="0">
+                <a:cs typeface="Courier New" panose="02070309020205020404" pitchFamily="49" charset="0"/>
+              </a:rPr>
+              <a:t>system call starts from zero when looking for available file descriptors to use. Since          STDOUT (</a:t>
+            </a:r>
+            <a:r>
+              <a:rPr lang="en-US" dirty="0" err="1">
+                <a:cs typeface="Courier New" panose="02070309020205020404" pitchFamily="49" charset="0"/>
+              </a:rPr>
+              <a:t>fd</a:t>
+            </a:r>
+            <a:r>
+              <a:rPr lang="en-US" dirty="0">
+                <a:cs typeface="Courier New" panose="02070309020205020404" pitchFamily="49" charset="0"/>
+              </a:rPr>
+              <a:t>=1) was closed, the call to </a:t>
+            </a:r>
+            <a:r>
+              <a:rPr lang="en-US" dirty="0">
+                <a:latin typeface="Courier New" panose="02070309020205020404" pitchFamily="49" charset="0"/>
+                <a:cs typeface="Courier New" panose="02070309020205020404" pitchFamily="49" charset="0"/>
+              </a:rPr>
+              <a:t>open() </a:t>
+            </a:r>
+            <a:r>
+              <a:rPr lang="en-US" dirty="0">
+                <a:cs typeface="Courier New" panose="02070309020205020404" pitchFamily="49" charset="0"/>
+              </a:rPr>
+              <a:t>will assign </a:t>
+            </a:r>
+            <a:r>
+              <a:rPr lang="en-US" dirty="0" err="1">
+                <a:cs typeface="Courier New" panose="02070309020205020404" pitchFamily="49" charset="0"/>
+              </a:rPr>
+              <a:t>fd</a:t>
+            </a:r>
+            <a:r>
+              <a:rPr lang="en-US" dirty="0">
+                <a:cs typeface="Courier New" panose="02070309020205020404" pitchFamily="49" charset="0"/>
+              </a:rPr>
+              <a:t>=1 to </a:t>
+            </a:r>
+            <a:r>
+              <a:rPr lang="en-US" dirty="0">
+                <a:latin typeface="Courier New" panose="02070309020205020404" pitchFamily="49" charset="0"/>
+                <a:cs typeface="Courier New" panose="02070309020205020404" pitchFamily="49" charset="0"/>
+              </a:rPr>
+              <a:t>newfile.txt </a:t>
+            </a:r>
+            <a:r>
+              <a:rPr lang="en-US" dirty="0">
+                <a:cs typeface="Courier New" panose="02070309020205020404" pitchFamily="49" charset="0"/>
+              </a:rPr>
+              <a:t>and will be treated as the           STDOUT after the call to </a:t>
+            </a:r>
+            <a:r>
+              <a:rPr lang="en-US" dirty="0">
+                <a:latin typeface="Courier New" panose="02070309020205020404" pitchFamily="49" charset="0"/>
+                <a:cs typeface="Courier New" panose="02070309020205020404" pitchFamily="49" charset="0"/>
+              </a:rPr>
+              <a:t>exec()</a:t>
+            </a:r>
+          </a:p>
+          <a:p>
+            <a:r>
+              <a:rPr lang="en-US" b="1" dirty="0">
+                <a:cs typeface="Courier New" panose="02070309020205020404" pitchFamily="49" charset="0"/>
+              </a:rPr>
+              <a:t>Pipes</a:t>
+            </a:r>
+            <a:r>
+              <a:rPr lang="en-US" dirty="0">
+                <a:cs typeface="Courier New" panose="02070309020205020404" pitchFamily="49" charset="0"/>
+              </a:rPr>
+              <a:t> works in a similar manner but uses in-kernel data structures for </a:t>
+            </a:r>
+            <a:r>
+              <a:rPr lang="en-US" dirty="0" err="1">
+                <a:cs typeface="Courier New" panose="02070309020205020404" pitchFamily="49" charset="0"/>
+              </a:rPr>
+              <a:t>Interprocess</a:t>
+            </a:r>
+            <a:r>
+              <a:rPr lang="en-US" dirty="0">
+                <a:cs typeface="Courier New" panose="02070309020205020404" pitchFamily="49" charset="0"/>
+              </a:rPr>
+              <a:t> Communication (IPC) through the    </a:t>
+            </a:r>
+            <a:r>
+              <a:rPr lang="en-US" dirty="0">
+                <a:latin typeface="Courier New" panose="02070309020205020404" pitchFamily="49" charset="0"/>
+                <a:cs typeface="Courier New" panose="02070309020205020404" pitchFamily="49" charset="0"/>
+              </a:rPr>
+              <a:t>pipe()</a:t>
+            </a:r>
+            <a:r>
+              <a:rPr lang="en-US" dirty="0">
+                <a:cs typeface="Courier New" panose="02070309020205020404" pitchFamily="49" charset="0"/>
+              </a:rPr>
+              <a:t> system call</a:t>
+            </a:r>
+          </a:p>
+          <a:p>
+            <a:pPr lvl="1"/>
+            <a:r>
+              <a:rPr lang="en-US" dirty="0">
+                <a:cs typeface="Courier New" panose="02070309020205020404" pitchFamily="49" charset="0"/>
+              </a:rPr>
+              <a:t>Example: The STDOUT of </a:t>
+            </a:r>
+            <a:r>
+              <a:rPr lang="en-US" dirty="0" err="1">
+                <a:latin typeface="Courier New" panose="02070309020205020404" pitchFamily="49" charset="0"/>
+                <a:cs typeface="Courier New" panose="02070309020205020404" pitchFamily="49" charset="0"/>
+              </a:rPr>
+              <a:t>ps</a:t>
+            </a:r>
+            <a:r>
+              <a:rPr lang="en-US" dirty="0">
+                <a:cs typeface="Courier New" panose="02070309020205020404" pitchFamily="49" charset="0"/>
+              </a:rPr>
+              <a:t> is connected to the STDIN of </a:t>
+            </a:r>
+            <a:r>
+              <a:rPr lang="en-US" dirty="0">
+                <a:latin typeface="Courier New" panose="02070309020205020404" pitchFamily="49" charset="0"/>
+                <a:cs typeface="Courier New" panose="02070309020205020404" pitchFamily="49" charset="0"/>
+              </a:rPr>
+              <a:t>grep </a:t>
+            </a:r>
+            <a:r>
+              <a:rPr lang="en-US" dirty="0">
+                <a:cs typeface="Courier New" panose="02070309020205020404" pitchFamily="49" charset="0"/>
+              </a:rPr>
+              <a:t>through a pipe (the vertical bar syntax in BASH)</a:t>
+            </a:r>
+          </a:p>
+          <a:p>
+            <a:endParaRPr lang="en-US" dirty="0">
+              <a:cs typeface="Courier New" panose="02070309020205020404" pitchFamily="49" charset="0"/>
+            </a:endParaRPr>
+          </a:p>
+          <a:p>
+            <a:endParaRPr lang="en-US" dirty="0">
+              <a:cs typeface="Courier New" panose="02070309020205020404" pitchFamily="49" charset="0"/>
+            </a:endParaRPr>
+          </a:p>
+          <a:p>
+            <a:pPr marL="0" indent="0">
+              <a:buNone/>
+            </a:pPr>
+            <a:endParaRPr lang="en-US" dirty="0">
+              <a:cs typeface="Courier New" panose="02070309020205020404" pitchFamily="49" charset="0"/>
+            </a:endParaRPr>
+          </a:p>
+          <a:p>
+            <a:endParaRPr lang="en-PH" dirty="0"/>
+          </a:p>
+        </p:txBody>
+      </p:sp>
+      <p:sp>
+        <p:nvSpPr>
+          <p:cNvPr id="9" name="직사각형 7">
+            <a:extLst>
+              <a:ext uri="{FF2B5EF4-FFF2-40B4-BE49-F238E27FC236}">
+                <a16:creationId xmlns:a16="http://schemas.microsoft.com/office/drawing/2014/main" id="{8D0579E4-CDB8-4C60-80BD-F001201A1611}"/>
+              </a:ext>
+            </a:extLst>
+          </p:cNvPr>
+          <p:cNvSpPr/>
+          <p:nvPr/>
+        </p:nvSpPr>
+        <p:spPr>
+          <a:xfrm>
+            <a:off x="1919536" y="1556792"/>
+            <a:ext cx="7992888" cy="307777"/>
+          </a:xfrm>
+          <a:prstGeom prst="rect">
+            <a:avLst/>
+          </a:prstGeom>
+          <a:solidFill>
+            <a:schemeClr val="bg1"/>
+          </a:solidFill>
+          <a:ln w="12700">
+            <a:solidFill>
+              <a:schemeClr val="tx1"/>
+            </a:solidFill>
+          </a:ln>
+          <a:effectLst/>
+        </p:spPr>
+        <p:style>
+          <a:lnRef idx="3">
+            <a:schemeClr val="lt1"/>
+          </a:lnRef>
+          <a:fillRef idx="1">
+            <a:schemeClr val="accent1"/>
+          </a:fillRef>
+          <a:effectRef idx="1">
+            <a:schemeClr val="accent1"/>
+          </a:effectRef>
+          <a:fontRef idx="minor">
+            <a:schemeClr val="lt1"/>
+          </a:fontRef>
+        </p:style>
+        <p:txBody>
+          <a:bodyPr lIns="252000" rtlCol="0" anchor="ctr">
+            <a:spAutoFit/>
+          </a:bodyPr>
+          <a:lstStyle>
+            <a:defPPr>
+              <a:defRPr lang="ko-KR"/>
+            </a:defPPr>
+            <a:lvl1pPr marL="0" algn="l" defTabSz="914400" rtl="0" eaLnBrk="1" latinLnBrk="1" hangingPunct="1">
+              <a:defRPr sz="1800" kern="1200">
+                <a:solidFill>
+                  <a:schemeClr val="lt1"/>
+                </a:solidFill>
+                <a:latin typeface="+mn-lt"/>
+                <a:ea typeface="+mn-ea"/>
+                <a:cs typeface="+mn-cs"/>
+              </a:defRPr>
+            </a:lvl1pPr>
+            <a:lvl2pPr marL="457200" algn="l" defTabSz="914400" rtl="0" eaLnBrk="1" latinLnBrk="1" hangingPunct="1">
+              <a:defRPr sz="1800" kern="1200">
+                <a:solidFill>
+                  <a:schemeClr val="lt1"/>
+                </a:solidFill>
+                <a:latin typeface="+mn-lt"/>
+                <a:ea typeface="+mn-ea"/>
+                <a:cs typeface="+mn-cs"/>
+              </a:defRPr>
+            </a:lvl2pPr>
+            <a:lvl3pPr marL="914400" algn="l" defTabSz="914400" rtl="0" eaLnBrk="1" latinLnBrk="1" hangingPunct="1">
+              <a:defRPr sz="1800" kern="1200">
+                <a:solidFill>
+                  <a:schemeClr val="lt1"/>
+                </a:solidFill>
+                <a:latin typeface="+mn-lt"/>
+                <a:ea typeface="+mn-ea"/>
+                <a:cs typeface="+mn-cs"/>
+              </a:defRPr>
+            </a:lvl3pPr>
+            <a:lvl4pPr marL="1371600" algn="l" defTabSz="914400" rtl="0" eaLnBrk="1" latinLnBrk="1" hangingPunct="1">
+              <a:defRPr sz="1800" kern="1200">
+                <a:solidFill>
+                  <a:schemeClr val="lt1"/>
+                </a:solidFill>
+                <a:latin typeface="+mn-lt"/>
+                <a:ea typeface="+mn-ea"/>
+                <a:cs typeface="+mn-cs"/>
+              </a:defRPr>
+            </a:lvl4pPr>
+            <a:lvl5pPr marL="1828800" algn="l" defTabSz="914400" rtl="0" eaLnBrk="1" latinLnBrk="1" hangingPunct="1">
+              <a:defRPr sz="1800" kern="1200">
+                <a:solidFill>
+                  <a:schemeClr val="lt1"/>
+                </a:solidFill>
+                <a:latin typeface="+mn-lt"/>
+                <a:ea typeface="+mn-ea"/>
+                <a:cs typeface="+mn-cs"/>
+              </a:defRPr>
+            </a:lvl5pPr>
+            <a:lvl6pPr marL="2286000" algn="l" defTabSz="914400" rtl="0" eaLnBrk="1" latinLnBrk="1" hangingPunct="1">
+              <a:defRPr sz="1800" kern="1200">
+                <a:solidFill>
+                  <a:schemeClr val="lt1"/>
+                </a:solidFill>
+                <a:latin typeface="+mn-lt"/>
+                <a:ea typeface="+mn-ea"/>
+                <a:cs typeface="+mn-cs"/>
+              </a:defRPr>
+            </a:lvl6pPr>
+            <a:lvl7pPr marL="2743200" algn="l" defTabSz="914400" rtl="0" eaLnBrk="1" latinLnBrk="1" hangingPunct="1">
+              <a:defRPr sz="1800" kern="1200">
+                <a:solidFill>
+                  <a:schemeClr val="lt1"/>
+                </a:solidFill>
+                <a:latin typeface="+mn-lt"/>
+                <a:ea typeface="+mn-ea"/>
+                <a:cs typeface="+mn-cs"/>
+              </a:defRPr>
+            </a:lvl7pPr>
+            <a:lvl8pPr marL="3200400" algn="l" defTabSz="914400" rtl="0" eaLnBrk="1" latinLnBrk="1" hangingPunct="1">
+              <a:defRPr sz="1800" kern="1200">
+                <a:solidFill>
+                  <a:schemeClr val="lt1"/>
+                </a:solidFill>
+                <a:latin typeface="+mn-lt"/>
+                <a:ea typeface="+mn-ea"/>
+                <a:cs typeface="+mn-cs"/>
+              </a:defRPr>
+            </a:lvl8pPr>
+            <a:lvl9pPr marL="3657600" algn="l" defTabSz="914400" rtl="0" eaLnBrk="1" latinLnBrk="1" hangingPunct="1">
+              <a:defRPr sz="1800" kern="1200">
+                <a:solidFill>
+                  <a:schemeClr val="lt1"/>
+                </a:solidFill>
+                <a:latin typeface="+mn-lt"/>
+                <a:ea typeface="+mn-ea"/>
+                <a:cs typeface="+mn-cs"/>
+              </a:defRPr>
+            </a:lvl9pPr>
+          </a:lstStyle>
+          <a:p>
+            <a:r>
+              <a:rPr lang="en-US" altLang="ko-KR" sz="1400" dirty="0">
+                <a:solidFill>
+                  <a:prstClr val="black"/>
+                </a:solidFill>
+                <a:latin typeface="Courier New" pitchFamily="49" charset="0"/>
+                <a:ea typeface="맑은 고딕" pitchFamily="50" charset="-127"/>
+                <a:cs typeface="Courier New" pitchFamily="49" charset="0"/>
+              </a:rPr>
+              <a:t>prompt&gt; </a:t>
+            </a:r>
+            <a:r>
+              <a:rPr lang="en-US" altLang="ko-KR" sz="1400" dirty="0" err="1">
+                <a:solidFill>
+                  <a:prstClr val="black"/>
+                </a:solidFill>
+                <a:latin typeface="Courier New" pitchFamily="49" charset="0"/>
+                <a:ea typeface="맑은 고딕" pitchFamily="50" charset="-127"/>
+                <a:cs typeface="Courier New" pitchFamily="49" charset="0"/>
+              </a:rPr>
+              <a:t>wc</a:t>
+            </a:r>
+            <a:r>
+              <a:rPr lang="en-US" altLang="ko-KR" sz="1400" dirty="0">
+                <a:solidFill>
+                  <a:prstClr val="black"/>
+                </a:solidFill>
+                <a:latin typeface="Courier New" pitchFamily="49" charset="0"/>
+                <a:ea typeface="맑은 고딕" pitchFamily="50" charset="-127"/>
+                <a:cs typeface="Courier New" pitchFamily="49" charset="0"/>
+              </a:rPr>
+              <a:t> p3.c &gt; newfile.txt</a:t>
+            </a:r>
+            <a:endParaRPr lang="ko-KR" altLang="en-US" sz="1400" dirty="0">
+              <a:solidFill>
+                <a:prstClr val="black"/>
+              </a:solidFill>
+              <a:latin typeface="Courier New" pitchFamily="49" charset="0"/>
+              <a:ea typeface="맑은 고딕" pitchFamily="50" charset="-127"/>
+              <a:cs typeface="Courier New" pitchFamily="49" charset="0"/>
+            </a:endParaRPr>
+          </a:p>
+        </p:txBody>
+      </p:sp>
+      <p:sp>
+        <p:nvSpPr>
+          <p:cNvPr id="5" name="직사각형 7">
+            <a:extLst>
+              <a:ext uri="{FF2B5EF4-FFF2-40B4-BE49-F238E27FC236}">
+                <a16:creationId xmlns:a16="http://schemas.microsoft.com/office/drawing/2014/main" id="{A541B546-8893-4473-BFE1-D11829866532}"/>
+              </a:ext>
+            </a:extLst>
+          </p:cNvPr>
+          <p:cNvSpPr/>
+          <p:nvPr/>
+        </p:nvSpPr>
+        <p:spPr>
+          <a:xfrm>
+            <a:off x="1919536" y="5929535"/>
+            <a:ext cx="7992888" cy="307777"/>
+          </a:xfrm>
+          <a:prstGeom prst="rect">
+            <a:avLst/>
+          </a:prstGeom>
+          <a:solidFill>
+            <a:schemeClr val="bg1"/>
+          </a:solidFill>
+          <a:ln w="12700">
+            <a:solidFill>
+              <a:schemeClr val="tx1"/>
+            </a:solidFill>
+          </a:ln>
+          <a:effectLst/>
+        </p:spPr>
+        <p:style>
+          <a:lnRef idx="3">
+            <a:schemeClr val="lt1"/>
+          </a:lnRef>
+          <a:fillRef idx="1">
+            <a:schemeClr val="accent1"/>
+          </a:fillRef>
+          <a:effectRef idx="1">
+            <a:schemeClr val="accent1"/>
+          </a:effectRef>
+          <a:fontRef idx="minor">
+            <a:schemeClr val="lt1"/>
+          </a:fontRef>
+        </p:style>
+        <p:txBody>
+          <a:bodyPr lIns="252000" rtlCol="0" anchor="ctr">
+            <a:spAutoFit/>
+          </a:bodyPr>
+          <a:lstStyle>
+            <a:defPPr>
+              <a:defRPr lang="ko-KR"/>
+            </a:defPPr>
+            <a:lvl1pPr marL="0" algn="l" defTabSz="914400" rtl="0" eaLnBrk="1" latinLnBrk="1" hangingPunct="1">
+              <a:defRPr sz="1800" kern="1200">
+                <a:solidFill>
+                  <a:schemeClr val="lt1"/>
+                </a:solidFill>
+                <a:latin typeface="+mn-lt"/>
+                <a:ea typeface="+mn-ea"/>
+                <a:cs typeface="+mn-cs"/>
+              </a:defRPr>
+            </a:lvl1pPr>
+            <a:lvl2pPr marL="457200" algn="l" defTabSz="914400" rtl="0" eaLnBrk="1" latinLnBrk="1" hangingPunct="1">
+              <a:defRPr sz="1800" kern="1200">
+                <a:solidFill>
+                  <a:schemeClr val="lt1"/>
+                </a:solidFill>
+                <a:latin typeface="+mn-lt"/>
+                <a:ea typeface="+mn-ea"/>
+                <a:cs typeface="+mn-cs"/>
+              </a:defRPr>
+            </a:lvl2pPr>
+            <a:lvl3pPr marL="914400" algn="l" defTabSz="914400" rtl="0" eaLnBrk="1" latinLnBrk="1" hangingPunct="1">
+              <a:defRPr sz="1800" kern="1200">
+                <a:solidFill>
+                  <a:schemeClr val="lt1"/>
+                </a:solidFill>
+                <a:latin typeface="+mn-lt"/>
+                <a:ea typeface="+mn-ea"/>
+                <a:cs typeface="+mn-cs"/>
+              </a:defRPr>
+            </a:lvl3pPr>
+            <a:lvl4pPr marL="1371600" algn="l" defTabSz="914400" rtl="0" eaLnBrk="1" latinLnBrk="1" hangingPunct="1">
+              <a:defRPr sz="1800" kern="1200">
+                <a:solidFill>
+                  <a:schemeClr val="lt1"/>
+                </a:solidFill>
+                <a:latin typeface="+mn-lt"/>
+                <a:ea typeface="+mn-ea"/>
+                <a:cs typeface="+mn-cs"/>
+              </a:defRPr>
+            </a:lvl4pPr>
+            <a:lvl5pPr marL="1828800" algn="l" defTabSz="914400" rtl="0" eaLnBrk="1" latinLnBrk="1" hangingPunct="1">
+              <a:defRPr sz="1800" kern="1200">
+                <a:solidFill>
+                  <a:schemeClr val="lt1"/>
+                </a:solidFill>
+                <a:latin typeface="+mn-lt"/>
+                <a:ea typeface="+mn-ea"/>
+                <a:cs typeface="+mn-cs"/>
+              </a:defRPr>
+            </a:lvl5pPr>
+            <a:lvl6pPr marL="2286000" algn="l" defTabSz="914400" rtl="0" eaLnBrk="1" latinLnBrk="1" hangingPunct="1">
+              <a:defRPr sz="1800" kern="1200">
+                <a:solidFill>
+                  <a:schemeClr val="lt1"/>
+                </a:solidFill>
+                <a:latin typeface="+mn-lt"/>
+                <a:ea typeface="+mn-ea"/>
+                <a:cs typeface="+mn-cs"/>
+              </a:defRPr>
+            </a:lvl6pPr>
+            <a:lvl7pPr marL="2743200" algn="l" defTabSz="914400" rtl="0" eaLnBrk="1" latinLnBrk="1" hangingPunct="1">
+              <a:defRPr sz="1800" kern="1200">
+                <a:solidFill>
+                  <a:schemeClr val="lt1"/>
+                </a:solidFill>
+                <a:latin typeface="+mn-lt"/>
+                <a:ea typeface="+mn-ea"/>
+                <a:cs typeface="+mn-cs"/>
+              </a:defRPr>
+            </a:lvl7pPr>
+            <a:lvl8pPr marL="3200400" algn="l" defTabSz="914400" rtl="0" eaLnBrk="1" latinLnBrk="1" hangingPunct="1">
+              <a:defRPr sz="1800" kern="1200">
+                <a:solidFill>
+                  <a:schemeClr val="lt1"/>
+                </a:solidFill>
+                <a:latin typeface="+mn-lt"/>
+                <a:ea typeface="+mn-ea"/>
+                <a:cs typeface="+mn-cs"/>
+              </a:defRPr>
+            </a:lvl8pPr>
+            <a:lvl9pPr marL="3657600" algn="l" defTabSz="914400" rtl="0" eaLnBrk="1" latinLnBrk="1" hangingPunct="1">
+              <a:defRPr sz="1800" kern="1200">
+                <a:solidFill>
+                  <a:schemeClr val="lt1"/>
+                </a:solidFill>
+                <a:latin typeface="+mn-lt"/>
+                <a:ea typeface="+mn-ea"/>
+                <a:cs typeface="+mn-cs"/>
+              </a:defRPr>
+            </a:lvl9pPr>
+          </a:lstStyle>
+          <a:p>
+            <a:r>
+              <a:rPr lang="en-US" altLang="ko-KR" sz="1400" dirty="0">
+                <a:solidFill>
+                  <a:prstClr val="black"/>
+                </a:solidFill>
+                <a:latin typeface="Courier New" pitchFamily="49" charset="0"/>
+                <a:ea typeface="맑은 고딕" pitchFamily="50" charset="-127"/>
+                <a:cs typeface="Courier New" pitchFamily="49" charset="0"/>
+              </a:rPr>
+              <a:t>prompt&gt; </a:t>
+            </a:r>
+            <a:r>
+              <a:rPr lang="en-US" altLang="ko-KR" sz="1400" dirty="0" err="1">
+                <a:solidFill>
+                  <a:prstClr val="black"/>
+                </a:solidFill>
+                <a:latin typeface="Courier New" pitchFamily="49" charset="0"/>
+                <a:ea typeface="맑은 고딕" pitchFamily="50" charset="-127"/>
+                <a:cs typeface="Courier New" pitchFamily="49" charset="0"/>
+              </a:rPr>
+              <a:t>ps</a:t>
+            </a:r>
+            <a:r>
+              <a:rPr lang="en-US" altLang="ko-KR" sz="1400" dirty="0">
+                <a:solidFill>
+                  <a:prstClr val="black"/>
+                </a:solidFill>
+                <a:latin typeface="Courier New" pitchFamily="49" charset="0"/>
+                <a:ea typeface="맑은 고딕" pitchFamily="50" charset="-127"/>
+                <a:cs typeface="Courier New" pitchFamily="49" charset="0"/>
+              </a:rPr>
+              <a:t> –A | grep </a:t>
+            </a:r>
+            <a:r>
+              <a:rPr lang="en-US" altLang="ko-KR" sz="1400" dirty="0" err="1">
+                <a:solidFill>
+                  <a:prstClr val="black"/>
+                </a:solidFill>
+                <a:latin typeface="Courier New" pitchFamily="49" charset="0"/>
+                <a:ea typeface="맑은 고딕" pitchFamily="50" charset="-127"/>
+                <a:cs typeface="Courier New" pitchFamily="49" charset="0"/>
+              </a:rPr>
+              <a:t>cpu.elf</a:t>
+            </a:r>
+            <a:endParaRPr lang="ko-KR" altLang="en-US" sz="1400" dirty="0">
+              <a:solidFill>
+                <a:prstClr val="black"/>
+              </a:solidFill>
+              <a:latin typeface="Courier New" pitchFamily="49" charset="0"/>
+              <a:ea typeface="맑은 고딕" pitchFamily="50" charset="-127"/>
+              <a:cs typeface="Courier New" pitchFamily="49" charset="0"/>
+            </a:endParaRPr>
+          </a:p>
+        </p:txBody>
+      </p:sp>
+    </p:spTree>
+    <p:extLst>
+      <p:ext uri="{BB962C8B-B14F-4D97-AF65-F5344CB8AC3E}">
+        <p14:creationId xmlns:p14="http://schemas.microsoft.com/office/powerpoint/2010/main" val="4219588997"/>
+      </p:ext>
+    </p:extLst>
+  </p:cSld>
+  <p:clrMapOvr>
+    <a:masterClrMapping/>
+  </p:clrMapOvr>
+  <p:transition>
+    <p:zoom/>
+  </p:transition>
+</p:sld>
+</file>
+
+<file path=ppt/slides/slide14.xml><?xml version="1.0" encoding="utf-8"?>
+<p:sld xmlns:a="http://schemas.openxmlformats.org/drawingml/2006/main" xmlns:r="http://schemas.openxmlformats.org/officeDocument/2006/relationships" xmlns:p="http://schemas.openxmlformats.org/presentationml/2006/main">
+  <p:cSld>
+    <p:spTree>
+      <p:nvGrpSpPr>
+        <p:cNvPr id="1" name=""/>
+        <p:cNvGrpSpPr/>
+        <p:nvPr/>
+      </p:nvGrpSpPr>
+      <p:grpSpPr>
+        <a:xfrm>
+          <a:off x="0" y="0"/>
+          <a:ext cx="0" cy="0"/>
+          <a:chOff x="0" y="0"/>
+          <a:chExt cx="0" cy="0"/>
+        </a:xfrm>
+      </p:grpSpPr>
+      <p:sp>
+        <p:nvSpPr>
+          <p:cNvPr id="2" name="제목 1"/>
+          <p:cNvSpPr>
+            <a:spLocks noGrp="1"/>
+          </p:cNvSpPr>
+          <p:nvPr>
+            <p:ph type="title"/>
+          </p:nvPr>
+        </p:nvSpPr>
+        <p:spPr/>
+        <p:txBody>
+          <a:bodyPr/>
+          <a:lstStyle/>
+          <a:p>
+            <a:r>
+              <a:rPr lang="en-US" altLang="ko-KR" dirty="0"/>
+              <a:t>Implementing STDOUT redirection to a file</a:t>
             </a:r>
             <a:endParaRPr lang="ko-KR" altLang="en-US" dirty="0"/>
           </a:p>
@@ -3587,7 +6309,7 @@
 </p:sld>
 </file>
 
-<file path=ppt/slides/slide12.xml><?xml version="1.0" encoding="utf-8"?>
+<file path=ppt/slides/slide15.xml><?xml version="1.0" encoding="utf-8"?>
 <p:sld xmlns:a="http://schemas.openxmlformats.org/drawingml/2006/main" xmlns:r="http://schemas.openxmlformats.org/officeDocument/2006/relationships" xmlns:p="http://schemas.openxmlformats.org/presentationml/2006/main">
   <p:cSld>
     <p:spTree>
@@ -3621,7 +6343,7 @@
           <a:p>
             <a:r>
               <a:rPr lang="en-US" altLang="ko-KR" dirty="0"/>
-              <a:t>All of the above with redirection (Cont.)</a:t>
+              <a:t>Implementing STDOUT redirection to a file(Cont.)</a:t>
             </a:r>
             <a:endParaRPr lang="ko-KR" altLang="en-US" dirty="0"/>
           </a:p>
@@ -4774,6 +7496,445 @@
     <p:extLst>
       <p:ext uri="{BB962C8B-B14F-4D97-AF65-F5344CB8AC3E}">
         <p14:creationId xmlns:p14="http://schemas.microsoft.com/office/powerpoint/2010/main" val="1356252871"/>
+      </p:ext>
+    </p:extLst>
+  </p:cSld>
+  <p:clrMapOvr>
+    <a:masterClrMapping/>
+  </p:clrMapOvr>
+  <p:transition>
+    <p:zoom/>
+  </p:transition>
+</p:sld>
+</file>
+
+<file path=ppt/slides/slide16.xml><?xml version="1.0" encoding="utf-8"?>
+<p:sld xmlns:a="http://schemas.openxmlformats.org/drawingml/2006/main" xmlns:r="http://schemas.openxmlformats.org/officeDocument/2006/relationships" xmlns:p="http://schemas.openxmlformats.org/presentationml/2006/main">
+  <p:cSld>
+    <p:spTree>
+      <p:nvGrpSpPr>
+        <p:cNvPr id="1" name=""/>
+        <p:cNvGrpSpPr/>
+        <p:nvPr/>
+      </p:nvGrpSpPr>
+      <p:grpSpPr>
+        <a:xfrm>
+          <a:off x="0" y="0"/>
+          <a:ext cx="0" cy="0"/>
+          <a:chOff x="0" y="0"/>
+          <a:chExt cx="0" cy="0"/>
+        </a:xfrm>
+      </p:grpSpPr>
+      <p:sp>
+        <p:nvSpPr>
+          <p:cNvPr id="3" name="Title 2">
+            <a:extLst>
+              <a:ext uri="{FF2B5EF4-FFF2-40B4-BE49-F238E27FC236}">
+                <a16:creationId xmlns:a16="http://schemas.microsoft.com/office/drawing/2014/main" id="{C2AB52D2-3779-4EF4-9999-07BF269B6A4A}"/>
+              </a:ext>
+            </a:extLst>
+          </p:cNvPr>
+          <p:cNvSpPr>
+            <a:spLocks noGrp="1"/>
+          </p:cNvSpPr>
+          <p:nvPr>
+            <p:ph type="title"/>
+          </p:nvPr>
+        </p:nvSpPr>
+        <p:spPr/>
+        <p:txBody>
+          <a:bodyPr/>
+          <a:lstStyle/>
+          <a:p>
+            <a:r>
+              <a:rPr lang="en-US" dirty="0"/>
+              <a:t>Process Control and Users</a:t>
+            </a:r>
+            <a:endParaRPr lang="en-PH" dirty="0"/>
+          </a:p>
+        </p:txBody>
+      </p:sp>
+      <p:sp>
+        <p:nvSpPr>
+          <p:cNvPr id="4" name="Content Placeholder 3">
+            <a:extLst>
+              <a:ext uri="{FF2B5EF4-FFF2-40B4-BE49-F238E27FC236}">
+                <a16:creationId xmlns:a16="http://schemas.microsoft.com/office/drawing/2014/main" id="{EFFB028D-5565-4207-B59D-EDB0EA4CD155}"/>
+              </a:ext>
+            </a:extLst>
+          </p:cNvPr>
+          <p:cNvSpPr>
+            <a:spLocks noGrp="1"/>
+          </p:cNvSpPr>
+          <p:nvPr>
+            <p:ph idx="1"/>
+          </p:nvPr>
+        </p:nvSpPr>
+        <p:spPr/>
+        <p:txBody>
+          <a:bodyPr/>
+          <a:lstStyle/>
+          <a:p>
+            <a:r>
+              <a:rPr lang="en-US" dirty="0"/>
+              <a:t>There are other process-related system calls </a:t>
+            </a:r>
+          </a:p>
+          <a:p>
+            <a:r>
+              <a:rPr lang="en-US" dirty="0">
+                <a:latin typeface="Courier New" panose="02070309020205020404" pitchFamily="49" charset="0"/>
+                <a:cs typeface="Courier New" panose="02070309020205020404" pitchFamily="49" charset="0"/>
+              </a:rPr>
+              <a:t>kill() </a:t>
+            </a:r>
+            <a:r>
+              <a:rPr lang="en-US" dirty="0"/>
+              <a:t>– used to send </a:t>
+            </a:r>
+            <a:r>
+              <a:rPr lang="en-US" b="1" dirty="0"/>
+              <a:t>signals</a:t>
+            </a:r>
+            <a:r>
+              <a:rPr lang="en-US" dirty="0"/>
+              <a:t> to a process</a:t>
+            </a:r>
+          </a:p>
+          <a:p>
+            <a:pPr lvl="1"/>
+            <a:r>
+              <a:rPr lang="en-US" dirty="0">
+                <a:latin typeface="Courier New" panose="02070309020205020404" pitchFamily="49" charset="0"/>
+                <a:cs typeface="Courier New" panose="02070309020205020404" pitchFamily="49" charset="0"/>
+              </a:rPr>
+              <a:t>SIGINT</a:t>
+            </a:r>
+            <a:r>
+              <a:rPr lang="en-US" dirty="0"/>
+              <a:t> – pressing </a:t>
+            </a:r>
+            <a:r>
+              <a:rPr lang="en-US" dirty="0" err="1"/>
+              <a:t>CTRL+c</a:t>
+            </a:r>
+            <a:endParaRPr lang="en-US" dirty="0"/>
+          </a:p>
+          <a:p>
+            <a:pPr lvl="1"/>
+            <a:r>
+              <a:rPr lang="en-US" dirty="0">
+                <a:latin typeface="Courier New" panose="02070309020205020404" pitchFamily="49" charset="0"/>
+                <a:cs typeface="Courier New" panose="02070309020205020404" pitchFamily="49" charset="0"/>
+              </a:rPr>
+              <a:t>SIGSTOP</a:t>
+            </a:r>
+            <a:r>
+              <a:rPr lang="en-US" dirty="0"/>
+              <a:t> – pressing </a:t>
+            </a:r>
+            <a:r>
+              <a:rPr lang="en-US" dirty="0" err="1"/>
+              <a:t>CTRL+z</a:t>
+            </a:r>
+            <a:endParaRPr lang="en-US" dirty="0"/>
+          </a:p>
+          <a:p>
+            <a:pPr lvl="1"/>
+            <a:r>
+              <a:rPr lang="en-US" dirty="0">
+                <a:latin typeface="Courier New" panose="02070309020205020404" pitchFamily="49" charset="0"/>
+                <a:cs typeface="Courier New" panose="02070309020205020404" pitchFamily="49" charset="0"/>
+              </a:rPr>
+              <a:t>SIGCONT</a:t>
+            </a:r>
+            <a:r>
+              <a:rPr lang="en-US" dirty="0"/>
+              <a:t> – </a:t>
+            </a:r>
+            <a:r>
+              <a:rPr lang="en-US" dirty="0" err="1">
+                <a:latin typeface="Courier New" panose="02070309020205020404" pitchFamily="49" charset="0"/>
+                <a:cs typeface="Courier New" panose="02070309020205020404" pitchFamily="49" charset="0"/>
+              </a:rPr>
+              <a:t>fg</a:t>
+            </a:r>
+            <a:r>
+              <a:rPr lang="en-US" dirty="0"/>
+              <a:t> command</a:t>
+            </a:r>
+          </a:p>
+          <a:p>
+            <a:r>
+              <a:rPr lang="en-PH" dirty="0"/>
+              <a:t>Signals subsystem enable the delivery of events to processes </a:t>
+            </a:r>
+          </a:p>
+          <a:p>
+            <a:pPr lvl="1"/>
+            <a:r>
+              <a:rPr lang="en-PH" dirty="0"/>
+              <a:t>Processes and </a:t>
+            </a:r>
+            <a:r>
+              <a:rPr lang="en-PH" b="1" dirty="0"/>
+              <a:t>process groups</a:t>
+            </a:r>
+            <a:r>
+              <a:rPr lang="en-PH" dirty="0"/>
+              <a:t> can have signal handlers (via </a:t>
+            </a:r>
+            <a:r>
+              <a:rPr lang="en-PH" dirty="0">
+                <a:latin typeface="Courier New" panose="02070309020205020404" pitchFamily="49" charset="0"/>
+                <a:cs typeface="Courier New" panose="02070309020205020404" pitchFamily="49" charset="0"/>
+              </a:rPr>
+              <a:t>signal()</a:t>
+            </a:r>
+            <a:r>
+              <a:rPr lang="en-PH" dirty="0"/>
+              <a:t> system call) to perform a specific action                    whenever a specific signal is received</a:t>
+            </a:r>
+          </a:p>
+          <a:p>
+            <a:r>
+              <a:rPr lang="en-PH" dirty="0"/>
+              <a:t>Processes are associated to </a:t>
+            </a:r>
+            <a:r>
+              <a:rPr lang="en-PH" b="1" dirty="0"/>
+              <a:t>users</a:t>
+            </a:r>
+            <a:r>
+              <a:rPr lang="en-PH" dirty="0"/>
+              <a:t> in order to provide ownership and control, as well as limited security and protection</a:t>
+            </a:r>
+          </a:p>
+          <a:p>
+            <a:pPr lvl="1"/>
+            <a:r>
+              <a:rPr lang="en-PH" dirty="0" err="1">
+                <a:latin typeface="Courier New" panose="02070309020205020404" pitchFamily="49" charset="0"/>
+                <a:cs typeface="Courier New" panose="02070309020205020404" pitchFamily="49" charset="0"/>
+              </a:rPr>
+              <a:t>getuid</a:t>
+            </a:r>
+            <a:r>
+              <a:rPr lang="en-PH" dirty="0">
+                <a:latin typeface="Courier New" panose="02070309020205020404" pitchFamily="49" charset="0"/>
+                <a:cs typeface="Courier New" panose="02070309020205020404" pitchFamily="49" charset="0"/>
+              </a:rPr>
+              <a:t>()</a:t>
+            </a:r>
+            <a:r>
+              <a:rPr lang="en-PH" dirty="0"/>
+              <a:t> – system call to return the user id of the user of the process calling it</a:t>
+            </a:r>
+          </a:p>
+          <a:p>
+            <a:endParaRPr lang="en-PH" dirty="0"/>
+          </a:p>
+          <a:p>
+            <a:pPr lvl="1"/>
+            <a:endParaRPr lang="en-PH" dirty="0"/>
+          </a:p>
+        </p:txBody>
+      </p:sp>
+    </p:spTree>
+    <p:extLst>
+      <p:ext uri="{BB962C8B-B14F-4D97-AF65-F5344CB8AC3E}">
+        <p14:creationId xmlns:p14="http://schemas.microsoft.com/office/powerpoint/2010/main" val="1166319355"/>
+      </p:ext>
+    </p:extLst>
+  </p:cSld>
+  <p:clrMapOvr>
+    <a:masterClrMapping/>
+  </p:clrMapOvr>
+  <p:transition>
+    <p:zoom/>
+  </p:transition>
+</p:sld>
+</file>
+
+<file path=ppt/slides/slide17.xml><?xml version="1.0" encoding="utf-8"?>
+<p:sld xmlns:a="http://schemas.openxmlformats.org/drawingml/2006/main" xmlns:r="http://schemas.openxmlformats.org/officeDocument/2006/relationships" xmlns:p="http://schemas.openxmlformats.org/presentationml/2006/main">
+  <p:cSld>
+    <p:spTree>
+      <p:nvGrpSpPr>
+        <p:cNvPr id="1" name=""/>
+        <p:cNvGrpSpPr/>
+        <p:nvPr/>
+      </p:nvGrpSpPr>
+      <p:grpSpPr>
+        <a:xfrm>
+          <a:off x="0" y="0"/>
+          <a:ext cx="0" cy="0"/>
+          <a:chOff x="0" y="0"/>
+          <a:chExt cx="0" cy="0"/>
+        </a:xfrm>
+      </p:grpSpPr>
+      <p:sp>
+        <p:nvSpPr>
+          <p:cNvPr id="3" name="Title 2">
+            <a:extLst>
+              <a:ext uri="{FF2B5EF4-FFF2-40B4-BE49-F238E27FC236}">
+                <a16:creationId xmlns:a16="http://schemas.microsoft.com/office/drawing/2014/main" id="{A83118B8-4705-47EF-9A54-3420237E643D}"/>
+              </a:ext>
+            </a:extLst>
+          </p:cNvPr>
+          <p:cNvSpPr>
+            <a:spLocks noGrp="1"/>
+          </p:cNvSpPr>
+          <p:nvPr>
+            <p:ph type="title"/>
+          </p:nvPr>
+        </p:nvSpPr>
+        <p:spPr/>
+        <p:txBody>
+          <a:bodyPr/>
+          <a:lstStyle/>
+          <a:p>
+            <a:r>
+              <a:rPr lang="en-US" dirty="0"/>
+              <a:t>Useful programs and commands</a:t>
+            </a:r>
+            <a:endParaRPr lang="en-PH" dirty="0"/>
+          </a:p>
+        </p:txBody>
+      </p:sp>
+      <p:sp>
+        <p:nvSpPr>
+          <p:cNvPr id="4" name="Content Placeholder 3">
+            <a:extLst>
+              <a:ext uri="{FF2B5EF4-FFF2-40B4-BE49-F238E27FC236}">
+                <a16:creationId xmlns:a16="http://schemas.microsoft.com/office/drawing/2014/main" id="{4C76894C-DEB0-4C3F-AA41-9EAD2ED7FF9A}"/>
+              </a:ext>
+            </a:extLst>
+          </p:cNvPr>
+          <p:cNvSpPr>
+            <a:spLocks noGrp="1"/>
+          </p:cNvSpPr>
+          <p:nvPr>
+            <p:ph idx="1"/>
+          </p:nvPr>
+        </p:nvSpPr>
+        <p:spPr/>
+        <p:txBody>
+          <a:bodyPr/>
+          <a:lstStyle/>
+          <a:p>
+            <a:r>
+              <a:rPr lang="en-US" dirty="0">
+                <a:latin typeface="Courier New" panose="02070309020205020404" pitchFamily="49" charset="0"/>
+                <a:cs typeface="Courier New" panose="02070309020205020404" pitchFamily="49" charset="0"/>
+              </a:rPr>
+              <a:t>man </a:t>
+            </a:r>
+          </a:p>
+          <a:p>
+            <a:r>
+              <a:rPr lang="en-US" dirty="0">
+                <a:latin typeface="Courier New" panose="02070309020205020404" pitchFamily="49" charset="0"/>
+                <a:cs typeface="Courier New" panose="02070309020205020404" pitchFamily="49" charset="0"/>
+              </a:rPr>
+              <a:t>top/</a:t>
+            </a:r>
+            <a:r>
+              <a:rPr lang="en-US" dirty="0" err="1">
+                <a:latin typeface="Courier New" panose="02070309020205020404" pitchFamily="49" charset="0"/>
+                <a:cs typeface="Courier New" panose="02070309020205020404" pitchFamily="49" charset="0"/>
+              </a:rPr>
+              <a:t>htop</a:t>
+            </a:r>
+            <a:endParaRPr lang="en-US" dirty="0">
+              <a:latin typeface="Courier New" panose="02070309020205020404" pitchFamily="49" charset="0"/>
+              <a:cs typeface="Courier New" panose="02070309020205020404" pitchFamily="49" charset="0"/>
+            </a:endParaRPr>
+          </a:p>
+          <a:p>
+            <a:r>
+              <a:rPr lang="en-US" dirty="0" err="1">
+                <a:latin typeface="Courier New" panose="02070309020205020404" pitchFamily="49" charset="0"/>
+                <a:cs typeface="Courier New" panose="02070309020205020404" pitchFamily="49" charset="0"/>
+              </a:rPr>
+              <a:t>ps</a:t>
+            </a:r>
+            <a:r>
+              <a:rPr lang="en-US" dirty="0">
+                <a:latin typeface="Courier New" panose="02070309020205020404" pitchFamily="49" charset="0"/>
+                <a:cs typeface="Courier New" panose="02070309020205020404" pitchFamily="49" charset="0"/>
+              </a:rPr>
+              <a:t>/</a:t>
+            </a:r>
+            <a:r>
+              <a:rPr lang="en-US" dirty="0" err="1">
+                <a:latin typeface="Courier New" panose="02070309020205020404" pitchFamily="49" charset="0"/>
+                <a:cs typeface="Courier New" panose="02070309020205020404" pitchFamily="49" charset="0"/>
+              </a:rPr>
+              <a:t>pstree</a:t>
+            </a:r>
+            <a:endParaRPr lang="en-US" dirty="0">
+              <a:latin typeface="Courier New" panose="02070309020205020404" pitchFamily="49" charset="0"/>
+              <a:cs typeface="Courier New" panose="02070309020205020404" pitchFamily="49" charset="0"/>
+            </a:endParaRPr>
+          </a:p>
+          <a:p>
+            <a:r>
+              <a:rPr lang="en-US" dirty="0">
+                <a:latin typeface="Courier New" panose="02070309020205020404" pitchFamily="49" charset="0"/>
+                <a:cs typeface="Courier New" panose="02070309020205020404" pitchFamily="49" charset="0"/>
+              </a:rPr>
+              <a:t>kill/</a:t>
+            </a:r>
+            <a:r>
+              <a:rPr lang="en-US" dirty="0" err="1">
+                <a:latin typeface="Courier New" panose="02070309020205020404" pitchFamily="49" charset="0"/>
+                <a:cs typeface="Courier New" panose="02070309020205020404" pitchFamily="49" charset="0"/>
+              </a:rPr>
+              <a:t>killall</a:t>
+            </a:r>
+            <a:endParaRPr lang="en-US" dirty="0">
+              <a:latin typeface="Courier New" panose="02070309020205020404" pitchFamily="49" charset="0"/>
+              <a:cs typeface="Courier New" panose="02070309020205020404" pitchFamily="49" charset="0"/>
+            </a:endParaRPr>
+          </a:p>
+          <a:p>
+            <a:r>
+              <a:rPr lang="en-US" dirty="0" err="1">
+                <a:latin typeface="Courier New" panose="02070309020205020404" pitchFamily="49" charset="0"/>
+                <a:cs typeface="Courier New" panose="02070309020205020404" pitchFamily="49" charset="0"/>
+              </a:rPr>
+              <a:t>fg</a:t>
+            </a:r>
+            <a:r>
+              <a:rPr lang="en-US" dirty="0">
+                <a:latin typeface="Courier New" panose="02070309020205020404" pitchFamily="49" charset="0"/>
+                <a:cs typeface="Courier New" panose="02070309020205020404" pitchFamily="49" charset="0"/>
+              </a:rPr>
+              <a:t>/jobs</a:t>
+            </a:r>
+          </a:p>
+          <a:p>
+            <a:r>
+              <a:rPr lang="en-US" dirty="0">
+                <a:latin typeface="Courier New" panose="02070309020205020404" pitchFamily="49" charset="0"/>
+                <a:cs typeface="Courier New" panose="02070309020205020404" pitchFamily="49" charset="0"/>
+              </a:rPr>
+              <a:t>/proc</a:t>
+            </a:r>
+          </a:p>
+          <a:p>
+            <a:pPr marL="0" indent="0">
+              <a:buNone/>
+            </a:pPr>
+            <a:endParaRPr lang="en-PH" dirty="0"/>
+          </a:p>
+        </p:txBody>
+      </p:sp>
+    </p:spTree>
+    <p:extLst>
+      <p:ext uri="{BB962C8B-B14F-4D97-AF65-F5344CB8AC3E}">
+        <p14:creationId xmlns:p14="http://schemas.microsoft.com/office/powerpoint/2010/main" val="1221297737"/>
       </p:ext>
     </p:extLst>
   </p:cSld>
@@ -5155,6 +8316,141 @@
       </p:grpSpPr>
       <p:sp>
         <p:nvSpPr>
+          <p:cNvPr id="3" name="Title 2">
+            <a:extLst>
+              <a:ext uri="{FF2B5EF4-FFF2-40B4-BE49-F238E27FC236}">
+                <a16:creationId xmlns:a16="http://schemas.microsoft.com/office/drawing/2014/main" id="{504104B6-82EB-4BDE-A6E2-94F166294C25}"/>
+              </a:ext>
+            </a:extLst>
+          </p:cNvPr>
+          <p:cNvSpPr>
+            <a:spLocks noGrp="1"/>
+          </p:cNvSpPr>
+          <p:nvPr>
+            <p:ph type="title"/>
+          </p:nvPr>
+        </p:nvSpPr>
+        <p:spPr/>
+        <p:txBody>
+          <a:bodyPr/>
+          <a:lstStyle/>
+          <a:p>
+            <a:r>
+              <a:rPr lang="en-US" dirty="0"/>
+              <a:t>Process creation and control in Unix</a:t>
+            </a:r>
+            <a:endParaRPr lang="en-PH" dirty="0"/>
+          </a:p>
+        </p:txBody>
+      </p:sp>
+      <p:sp>
+        <p:nvSpPr>
+          <p:cNvPr id="4" name="Content Placeholder 3">
+            <a:extLst>
+              <a:ext uri="{FF2B5EF4-FFF2-40B4-BE49-F238E27FC236}">
+                <a16:creationId xmlns:a16="http://schemas.microsoft.com/office/drawing/2014/main" id="{39338B1B-1AEF-4980-8B7B-F0E16B17ED44}"/>
+              </a:ext>
+            </a:extLst>
+          </p:cNvPr>
+          <p:cNvSpPr>
+            <a:spLocks noGrp="1"/>
+          </p:cNvSpPr>
+          <p:nvPr>
+            <p:ph idx="1"/>
+          </p:nvPr>
+        </p:nvSpPr>
+        <p:spPr/>
+        <p:txBody>
+          <a:bodyPr/>
+          <a:lstStyle/>
+          <a:p>
+            <a:r>
+              <a:rPr lang="en-US" dirty="0"/>
+              <a:t>Use of </a:t>
+            </a:r>
+            <a:r>
+              <a:rPr lang="en-US" dirty="0">
+                <a:latin typeface="Courier New" panose="02070309020205020404" pitchFamily="49" charset="0"/>
+                <a:cs typeface="Courier New" panose="02070309020205020404" pitchFamily="49" charset="0"/>
+              </a:rPr>
+              <a:t>fork()</a:t>
+            </a:r>
+            <a:r>
+              <a:rPr lang="en-US" dirty="0"/>
+              <a:t> and </a:t>
+            </a:r>
+            <a:r>
+              <a:rPr lang="en-US" dirty="0">
+                <a:latin typeface="Courier New" panose="02070309020205020404" pitchFamily="49" charset="0"/>
+                <a:cs typeface="Courier New" panose="02070309020205020404" pitchFamily="49" charset="0"/>
+              </a:rPr>
+              <a:t>exec()</a:t>
+            </a:r>
+            <a:r>
+              <a:rPr lang="en-US" dirty="0"/>
+              <a:t> system calls</a:t>
+            </a:r>
+          </a:p>
+          <a:p>
+            <a:r>
+              <a:rPr lang="en-US" dirty="0"/>
+              <a:t>A process can wait for a process it has created using </a:t>
+            </a:r>
+            <a:r>
+              <a:rPr lang="en-US" dirty="0">
+                <a:latin typeface="Courier New" panose="02070309020205020404" pitchFamily="49" charset="0"/>
+                <a:cs typeface="Courier New" panose="02070309020205020404" pitchFamily="49" charset="0"/>
+              </a:rPr>
+              <a:t>wait() </a:t>
+            </a:r>
+            <a:r>
+              <a:rPr lang="en-US" dirty="0"/>
+              <a:t>system call</a:t>
+            </a:r>
+          </a:p>
+          <a:p>
+            <a:pPr marL="0" indent="0">
+              <a:buNone/>
+            </a:pPr>
+            <a:endParaRPr lang="en-PH" dirty="0"/>
+          </a:p>
+        </p:txBody>
+      </p:sp>
+    </p:spTree>
+    <p:extLst>
+      <p:ext uri="{BB962C8B-B14F-4D97-AF65-F5344CB8AC3E}">
+        <p14:creationId xmlns:p14="http://schemas.microsoft.com/office/powerpoint/2010/main" val="4264813871"/>
+      </p:ext>
+    </p:extLst>
+  </p:cSld>
+  <p:clrMapOvr>
+    <a:masterClrMapping/>
+  </p:clrMapOvr>
+  <p:transition>
+    <p:zoom/>
+  </p:transition>
+</p:sld>
+</file>
+
+<file path=ppt/slides/slide6.xml><?xml version="1.0" encoding="utf-8"?>
+<p:sld xmlns:a="http://schemas.openxmlformats.org/drawingml/2006/main" xmlns:r="http://schemas.openxmlformats.org/officeDocument/2006/relationships" xmlns:p="http://schemas.openxmlformats.org/presentationml/2006/main">
+  <p:cSld>
+    <p:spTree>
+      <p:nvGrpSpPr>
+        <p:cNvPr id="1" name=""/>
+        <p:cNvGrpSpPr/>
+        <p:nvPr/>
+      </p:nvGrpSpPr>
+      <p:grpSpPr>
+        <a:xfrm>
+          <a:off x="0" y="0"/>
+          <a:ext cx="0" cy="0"/>
+          <a:chOff x="0" y="0"/>
+          <a:chExt cx="0" cy="0"/>
+        </a:xfrm>
+      </p:grpSpPr>
+      <p:sp>
+        <p:nvSpPr>
           <p:cNvPr id="2" name="제목 1"/>
           <p:cNvSpPr>
             <a:spLocks noGrp="1"/>
@@ -5170,7 +8466,7 @@
           <a:p>
             <a:r>
               <a:rPr lang="en-US" altLang="ko-KR" dirty="0"/>
-              <a:t>The fork() System Call</a:t>
+              <a:t>The fork() system call</a:t>
             </a:r>
             <a:endParaRPr lang="ko-KR" altLang="en-US" dirty="0"/>
           </a:p>
@@ -5200,7 +8496,7 @@
             <a:pPr lvl="1"/>
             <a:r>
               <a:rPr lang="en-US" altLang="ko-KR" dirty="0"/>
-              <a:t>The newly-created process has its own copy of the </a:t>
+              <a:t>The newly-created process has its own private copy of the </a:t>
             </a:r>
             <a:r>
               <a:rPr lang="en-US" altLang="ko-KR" b="1" dirty="0"/>
@@ -6477,7 +9773,7 @@
 </p:sld>
 </file>
 
-<file path=ppt/slides/slide6.xml><?xml version="1.0" encoding="utf-8"?>
+<file path=ppt/slides/slide7.xml><?xml version="1.0" encoding="utf-8"?>
 <p:sld xmlns:a="http://schemas.openxmlformats.org/drawingml/2006/main" xmlns:r="http://schemas.openxmlformats.org/officeDocument/2006/relationships" xmlns:p="http://schemas.openxmlformats.org/presentationml/2006/main">
   <p:cSld>
     <p:spTree>
@@ -7026,1401 +10322,22 @@
           </a:p>
         </p:txBody>
       </p:sp>
-    </p:spTree>
-    <p:extLst>
-      <p:ext uri="{BB962C8B-B14F-4D97-AF65-F5344CB8AC3E}">
-        <p14:creationId xmlns:p14="http://schemas.microsoft.com/office/powerpoint/2010/main" val="4263464426"/>
-      </p:ext>
-    </p:extLst>
-  </p:cSld>
-  <p:clrMapOvr>
-    <a:masterClrMapping/>
-  </p:clrMapOvr>
-  <p:transition>
-    <p:zoom/>
-  </p:transition>
-</p:sld>
-</file>
-
-<file path=ppt/slides/slide7.xml><?xml version="1.0" encoding="utf-8"?>
-<p:sld xmlns:a="http://schemas.openxmlformats.org/drawingml/2006/main" xmlns:r="http://schemas.openxmlformats.org/officeDocument/2006/relationships" xmlns:p="http://schemas.openxmlformats.org/presentationml/2006/main">
-  <p:cSld>
-    <p:spTree>
-      <p:nvGrpSpPr>
-        <p:cNvPr id="1" name=""/>
-        <p:cNvGrpSpPr/>
-        <p:nvPr/>
-      </p:nvGrpSpPr>
-      <p:grpSpPr>
-        <a:xfrm>
-          <a:off x="0" y="0"/>
-          <a:ext cx="0" cy="0"/>
-          <a:chOff x="0" y="0"/>
-          <a:chExt cx="0" cy="0"/>
-        </a:xfrm>
-      </p:grpSpPr>
       <p:sp>
         <p:nvSpPr>
-          <p:cNvPr id="2" name="제목 1"/>
-          <p:cNvSpPr>
-            <a:spLocks noGrp="1"/>
-          </p:cNvSpPr>
-          <p:nvPr>
-            <p:ph type="title"/>
-          </p:nvPr>
-        </p:nvSpPr>
-        <p:spPr/>
-        <p:txBody>
-          <a:bodyPr/>
-          <a:lstStyle/>
-          <a:p>
-            <a:r>
-              <a:rPr lang="en-US" altLang="ko-KR" dirty="0"/>
-              <a:t>The wait() System Call</a:t>
-            </a:r>
-            <a:endParaRPr lang="ko-KR" altLang="en-US" dirty="0"/>
-          </a:p>
-        </p:txBody>
-      </p:sp>
-      <p:sp>
-        <p:nvSpPr>
-          <p:cNvPr id="3" name="내용 개체 틀 2"/>
-          <p:cNvSpPr>
-            <a:spLocks noGrp="1"/>
-          </p:cNvSpPr>
-          <p:nvPr>
-            <p:ph idx="1"/>
-          </p:nvPr>
-        </p:nvSpPr>
-        <p:spPr/>
-        <p:txBody>
-          <a:bodyPr/>
-          <a:lstStyle/>
-          <a:p>
-            <a:r>
-              <a:rPr lang="en-US" altLang="ko-KR" dirty="0"/>
-              <a:t>This system call won’t return until the child has run and exited.</a:t>
-            </a:r>
-            <a:endParaRPr lang="ko-KR" altLang="en-US" dirty="0"/>
-          </a:p>
-        </p:txBody>
-      </p:sp>
-      <p:sp>
-        <p:nvSpPr>
-          <p:cNvPr id="6" name="직사각형 5"/>
-          <p:cNvSpPr/>
-          <p:nvPr/>
-        </p:nvSpPr>
-        <p:spPr>
-          <a:xfrm>
-            <a:off x="2135560" y="1836108"/>
-            <a:ext cx="7992888" cy="4401205"/>
-          </a:xfrm>
-          <a:prstGeom prst="rect">
-            <a:avLst/>
-          </a:prstGeom>
-          <a:solidFill>
-            <a:schemeClr val="bg1"/>
-          </a:solidFill>
-          <a:ln w="12700">
-            <a:solidFill>
-              <a:schemeClr val="tx1"/>
-            </a:solidFill>
-          </a:ln>
-          <a:effectLst/>
-        </p:spPr>
-        <p:style>
-          <a:lnRef idx="3">
-            <a:schemeClr val="lt1"/>
-          </a:lnRef>
-          <a:fillRef idx="1">
-            <a:schemeClr val="accent1"/>
-          </a:fillRef>
-          <a:effectRef idx="1">
-            <a:schemeClr val="accent1"/>
-          </a:effectRef>
-          <a:fontRef idx="minor">
-            <a:schemeClr val="lt1"/>
-          </a:fontRef>
-        </p:style>
-        <p:txBody>
-          <a:bodyPr lIns="252000" rtlCol="0" anchor="ctr">
-            <a:spAutoFit/>
-          </a:bodyPr>
-          <a:lstStyle>
-            <a:defPPr>
-              <a:defRPr lang="ko-KR"/>
-            </a:defPPr>
-            <a:lvl1pPr marL="0" algn="l" defTabSz="914400" rtl="0" eaLnBrk="1" latinLnBrk="1" hangingPunct="1">
-              <a:defRPr sz="1800" kern="1200">
-                <a:solidFill>
-                  <a:schemeClr val="lt1"/>
-                </a:solidFill>
-                <a:latin typeface="+mn-lt"/>
-                <a:ea typeface="+mn-ea"/>
-                <a:cs typeface="+mn-cs"/>
-              </a:defRPr>
-            </a:lvl1pPr>
-            <a:lvl2pPr marL="457200" algn="l" defTabSz="914400" rtl="0" eaLnBrk="1" latinLnBrk="1" hangingPunct="1">
-              <a:defRPr sz="1800" kern="1200">
-                <a:solidFill>
-                  <a:schemeClr val="lt1"/>
-                </a:solidFill>
-                <a:latin typeface="+mn-lt"/>
-                <a:ea typeface="+mn-ea"/>
-                <a:cs typeface="+mn-cs"/>
-              </a:defRPr>
-            </a:lvl2pPr>
-            <a:lvl3pPr marL="914400" algn="l" defTabSz="914400" rtl="0" eaLnBrk="1" latinLnBrk="1" hangingPunct="1">
-              <a:defRPr sz="1800" kern="1200">
-                <a:solidFill>
-                  <a:schemeClr val="lt1"/>
-                </a:solidFill>
-                <a:latin typeface="+mn-lt"/>
-                <a:ea typeface="+mn-ea"/>
-                <a:cs typeface="+mn-cs"/>
-              </a:defRPr>
-            </a:lvl3pPr>
-            <a:lvl4pPr marL="1371600" algn="l" defTabSz="914400" rtl="0" eaLnBrk="1" latinLnBrk="1" hangingPunct="1">
-              <a:defRPr sz="1800" kern="1200">
-                <a:solidFill>
-                  <a:schemeClr val="lt1"/>
-                </a:solidFill>
-                <a:latin typeface="+mn-lt"/>
-                <a:ea typeface="+mn-ea"/>
-                <a:cs typeface="+mn-cs"/>
-              </a:defRPr>
-            </a:lvl4pPr>
-            <a:lvl5pPr marL="1828800" algn="l" defTabSz="914400" rtl="0" eaLnBrk="1" latinLnBrk="1" hangingPunct="1">
-              <a:defRPr sz="1800" kern="1200">
-                <a:solidFill>
-                  <a:schemeClr val="lt1"/>
-                </a:solidFill>
-                <a:latin typeface="+mn-lt"/>
-                <a:ea typeface="+mn-ea"/>
-                <a:cs typeface="+mn-cs"/>
-              </a:defRPr>
-            </a:lvl5pPr>
-            <a:lvl6pPr marL="2286000" algn="l" defTabSz="914400" rtl="0" eaLnBrk="1" latinLnBrk="1" hangingPunct="1">
-              <a:defRPr sz="1800" kern="1200">
-                <a:solidFill>
-                  <a:schemeClr val="lt1"/>
-                </a:solidFill>
-                <a:latin typeface="+mn-lt"/>
-                <a:ea typeface="+mn-ea"/>
-                <a:cs typeface="+mn-cs"/>
-              </a:defRPr>
-            </a:lvl6pPr>
-            <a:lvl7pPr marL="2743200" algn="l" defTabSz="914400" rtl="0" eaLnBrk="1" latinLnBrk="1" hangingPunct="1">
-              <a:defRPr sz="1800" kern="1200">
-                <a:solidFill>
-                  <a:schemeClr val="lt1"/>
-                </a:solidFill>
-                <a:latin typeface="+mn-lt"/>
-                <a:ea typeface="+mn-ea"/>
-                <a:cs typeface="+mn-cs"/>
-              </a:defRPr>
-            </a:lvl7pPr>
-            <a:lvl8pPr marL="3200400" algn="l" defTabSz="914400" rtl="0" eaLnBrk="1" latinLnBrk="1" hangingPunct="1">
-              <a:defRPr sz="1800" kern="1200">
-                <a:solidFill>
-                  <a:schemeClr val="lt1"/>
-                </a:solidFill>
-                <a:latin typeface="+mn-lt"/>
-                <a:ea typeface="+mn-ea"/>
-                <a:cs typeface="+mn-cs"/>
-              </a:defRPr>
-            </a:lvl8pPr>
-            <a:lvl9pPr marL="3657600" algn="l" defTabSz="914400" rtl="0" eaLnBrk="1" latinLnBrk="1" hangingPunct="1">
-              <a:defRPr sz="1800" kern="1200">
-                <a:solidFill>
-                  <a:schemeClr val="lt1"/>
-                </a:solidFill>
-                <a:latin typeface="+mn-lt"/>
-                <a:ea typeface="+mn-ea"/>
-                <a:cs typeface="+mn-cs"/>
-              </a:defRPr>
-            </a:lvl9pPr>
-          </a:lstStyle>
-          <a:p>
-            <a:r>
-              <a:rPr lang="en-US" altLang="ko-KR" sz="1400" dirty="0">
-                <a:solidFill>
-                  <a:prstClr val="black"/>
-                </a:solidFill>
-                <a:latin typeface="Courier New" pitchFamily="49" charset="0"/>
-                <a:ea typeface="맑은 고딕" pitchFamily="50" charset="-127"/>
-                <a:cs typeface="Courier New" pitchFamily="49" charset="0"/>
-              </a:rPr>
-              <a:t>#include &lt;</a:t>
-            </a:r>
-            <a:r>
-              <a:rPr lang="en-US" altLang="ko-KR" sz="1400" dirty="0" err="1">
-                <a:solidFill>
-                  <a:prstClr val="black"/>
-                </a:solidFill>
-                <a:latin typeface="Courier New" pitchFamily="49" charset="0"/>
-                <a:ea typeface="맑은 고딕" pitchFamily="50" charset="-127"/>
-                <a:cs typeface="Courier New" pitchFamily="49" charset="0"/>
-              </a:rPr>
-              <a:t>stdio.h</a:t>
-            </a:r>
-            <a:r>
-              <a:rPr lang="en-US" altLang="ko-KR" sz="1400" dirty="0">
-                <a:solidFill>
-                  <a:prstClr val="black"/>
-                </a:solidFill>
-                <a:latin typeface="Courier New" pitchFamily="49" charset="0"/>
-                <a:ea typeface="맑은 고딕" pitchFamily="50" charset="-127"/>
-                <a:cs typeface="Courier New" pitchFamily="49" charset="0"/>
-              </a:rPr>
-              <a:t>&gt;</a:t>
-            </a:r>
-          </a:p>
-          <a:p>
-            <a:r>
-              <a:rPr lang="en-US" altLang="ko-KR" sz="1400" dirty="0">
-                <a:solidFill>
-                  <a:prstClr val="black"/>
-                </a:solidFill>
-                <a:latin typeface="Courier New" pitchFamily="49" charset="0"/>
-                <a:ea typeface="맑은 고딕" pitchFamily="50" charset="-127"/>
-                <a:cs typeface="Courier New" pitchFamily="49" charset="0"/>
-              </a:rPr>
-              <a:t>#include &lt;</a:t>
-            </a:r>
-            <a:r>
-              <a:rPr lang="en-US" altLang="ko-KR" sz="1400" dirty="0" err="1">
-                <a:solidFill>
-                  <a:prstClr val="black"/>
-                </a:solidFill>
-                <a:latin typeface="Courier New" pitchFamily="49" charset="0"/>
-                <a:ea typeface="맑은 고딕" pitchFamily="50" charset="-127"/>
-                <a:cs typeface="Courier New" pitchFamily="49" charset="0"/>
-              </a:rPr>
-              <a:t>stdlib.h</a:t>
-            </a:r>
-            <a:r>
-              <a:rPr lang="en-US" altLang="ko-KR" sz="1400" dirty="0">
-                <a:solidFill>
-                  <a:prstClr val="black"/>
-                </a:solidFill>
-                <a:latin typeface="Courier New" pitchFamily="49" charset="0"/>
-                <a:ea typeface="맑은 고딕" pitchFamily="50" charset="-127"/>
-                <a:cs typeface="Courier New" pitchFamily="49" charset="0"/>
-              </a:rPr>
-              <a:t>&gt;</a:t>
-            </a:r>
-          </a:p>
-          <a:p>
-            <a:r>
-              <a:rPr lang="en-US" altLang="ko-KR" sz="1400" dirty="0">
-                <a:solidFill>
-                  <a:prstClr val="black"/>
-                </a:solidFill>
-                <a:latin typeface="Courier New" pitchFamily="49" charset="0"/>
-                <a:ea typeface="맑은 고딕" pitchFamily="50" charset="-127"/>
-                <a:cs typeface="Courier New" pitchFamily="49" charset="0"/>
-              </a:rPr>
-              <a:t>#include &lt;</a:t>
-            </a:r>
-            <a:r>
-              <a:rPr lang="en-US" altLang="ko-KR" sz="1400" dirty="0" err="1">
-                <a:solidFill>
-                  <a:prstClr val="black"/>
-                </a:solidFill>
-                <a:latin typeface="Courier New" pitchFamily="49" charset="0"/>
-                <a:ea typeface="맑은 고딕" pitchFamily="50" charset="-127"/>
-                <a:cs typeface="Courier New" pitchFamily="49" charset="0"/>
-              </a:rPr>
-              <a:t>unistd.h</a:t>
-            </a:r>
-            <a:r>
-              <a:rPr lang="en-US" altLang="ko-KR" sz="1400" dirty="0">
-                <a:solidFill>
-                  <a:prstClr val="black"/>
-                </a:solidFill>
-                <a:latin typeface="Courier New" pitchFamily="49" charset="0"/>
-                <a:ea typeface="맑은 고딕" pitchFamily="50" charset="-127"/>
-                <a:cs typeface="Courier New" pitchFamily="49" charset="0"/>
-              </a:rPr>
-              <a:t>&gt;</a:t>
-            </a:r>
-          </a:p>
-          <a:p>
-            <a:r>
-              <a:rPr lang="en-US" altLang="ko-KR" sz="1400" dirty="0">
-                <a:solidFill>
-                  <a:prstClr val="black"/>
-                </a:solidFill>
-                <a:latin typeface="Courier New" pitchFamily="49" charset="0"/>
-                <a:ea typeface="맑은 고딕" pitchFamily="50" charset="-127"/>
-                <a:cs typeface="Courier New" pitchFamily="49" charset="0"/>
-              </a:rPr>
-              <a:t>#include &lt;sys/</a:t>
-            </a:r>
-            <a:r>
-              <a:rPr lang="en-US" altLang="ko-KR" sz="1400" dirty="0" err="1">
-                <a:solidFill>
-                  <a:prstClr val="black"/>
-                </a:solidFill>
-                <a:latin typeface="Courier New" pitchFamily="49" charset="0"/>
-                <a:ea typeface="맑은 고딕" pitchFamily="50" charset="-127"/>
-                <a:cs typeface="Courier New" pitchFamily="49" charset="0"/>
-              </a:rPr>
-              <a:t>wait.h</a:t>
-            </a:r>
-            <a:r>
-              <a:rPr lang="en-US" altLang="ko-KR" sz="1400" dirty="0">
-                <a:solidFill>
-                  <a:prstClr val="black"/>
-                </a:solidFill>
-                <a:latin typeface="Courier New" pitchFamily="49" charset="0"/>
-                <a:ea typeface="맑은 고딕" pitchFamily="50" charset="-127"/>
-                <a:cs typeface="Courier New" pitchFamily="49" charset="0"/>
-              </a:rPr>
-              <a:t>&gt;</a:t>
-            </a:r>
-          </a:p>
-          <a:p>
-            <a:endParaRPr lang="en-US" altLang="ko-KR" sz="1400" dirty="0">
-              <a:solidFill>
-                <a:prstClr val="black"/>
-              </a:solidFill>
-              <a:latin typeface="Courier New" pitchFamily="49" charset="0"/>
-              <a:ea typeface="맑은 고딕" pitchFamily="50" charset="-127"/>
-              <a:cs typeface="Courier New" pitchFamily="49" charset="0"/>
-            </a:endParaRPr>
-          </a:p>
-          <a:p>
-            <a:r>
-              <a:rPr lang="en-US" altLang="ko-KR" sz="1400" dirty="0" err="1">
-                <a:solidFill>
-                  <a:srgbClr val="00B050"/>
-                </a:solidFill>
-                <a:latin typeface="Courier New" pitchFamily="49" charset="0"/>
-                <a:ea typeface="맑은 고딕" pitchFamily="50" charset="-127"/>
-                <a:cs typeface="Courier New" pitchFamily="49" charset="0"/>
-              </a:rPr>
-              <a:t>int</a:t>
-            </a:r>
-            <a:r>
-              <a:rPr lang="en-US" altLang="ko-KR" sz="1400" dirty="0">
-                <a:solidFill>
-                  <a:prstClr val="black"/>
-                </a:solidFill>
-                <a:latin typeface="Courier New" pitchFamily="49" charset="0"/>
-                <a:ea typeface="맑은 고딕" pitchFamily="50" charset="-127"/>
-                <a:cs typeface="Courier New" pitchFamily="49" charset="0"/>
-              </a:rPr>
-              <a:t> main(</a:t>
-            </a:r>
-            <a:r>
-              <a:rPr lang="en-US" altLang="ko-KR" sz="1400" dirty="0" err="1">
-                <a:solidFill>
-                  <a:srgbClr val="00B050"/>
-                </a:solidFill>
-                <a:latin typeface="Courier New" pitchFamily="49" charset="0"/>
-                <a:ea typeface="맑은 고딕" pitchFamily="50" charset="-127"/>
-                <a:cs typeface="Courier New" pitchFamily="49" charset="0"/>
-              </a:rPr>
-              <a:t>int</a:t>
-            </a:r>
-            <a:r>
-              <a:rPr lang="en-US" altLang="ko-KR" sz="1400" dirty="0">
-                <a:solidFill>
-                  <a:prstClr val="black"/>
-                </a:solidFill>
-                <a:latin typeface="Courier New" pitchFamily="49" charset="0"/>
-                <a:ea typeface="맑은 고딕" pitchFamily="50" charset="-127"/>
-                <a:cs typeface="Courier New" pitchFamily="49" charset="0"/>
-              </a:rPr>
-              <a:t> </a:t>
-            </a:r>
-            <a:r>
-              <a:rPr lang="en-US" altLang="ko-KR" sz="1400" dirty="0" err="1">
-                <a:solidFill>
-                  <a:prstClr val="black"/>
-                </a:solidFill>
-                <a:latin typeface="Courier New" pitchFamily="49" charset="0"/>
-                <a:ea typeface="맑은 고딕" pitchFamily="50" charset="-127"/>
-                <a:cs typeface="Courier New" pitchFamily="49" charset="0"/>
-              </a:rPr>
-              <a:t>argc</a:t>
-            </a:r>
-            <a:r>
-              <a:rPr lang="en-US" altLang="ko-KR" sz="1400" dirty="0">
-                <a:solidFill>
-                  <a:prstClr val="black"/>
-                </a:solidFill>
-                <a:latin typeface="Courier New" pitchFamily="49" charset="0"/>
-                <a:ea typeface="맑은 고딕" pitchFamily="50" charset="-127"/>
-                <a:cs typeface="Courier New" pitchFamily="49" charset="0"/>
-              </a:rPr>
-              <a:t>, </a:t>
-            </a:r>
-            <a:r>
-              <a:rPr lang="en-US" altLang="ko-KR" sz="1400" dirty="0">
-                <a:solidFill>
-                  <a:srgbClr val="00B050"/>
-                </a:solidFill>
-                <a:latin typeface="Courier New" pitchFamily="49" charset="0"/>
-                <a:ea typeface="맑은 고딕" pitchFamily="50" charset="-127"/>
-                <a:cs typeface="Courier New" pitchFamily="49" charset="0"/>
-              </a:rPr>
-              <a:t>char</a:t>
-            </a:r>
-            <a:r>
-              <a:rPr lang="en-US" altLang="ko-KR" sz="1400" dirty="0">
-                <a:solidFill>
-                  <a:prstClr val="black"/>
-                </a:solidFill>
-                <a:latin typeface="Courier New" pitchFamily="49" charset="0"/>
-                <a:ea typeface="맑은 고딕" pitchFamily="50" charset="-127"/>
-                <a:cs typeface="Courier New" pitchFamily="49" charset="0"/>
-              </a:rPr>
-              <a:t> *</a:t>
-            </a:r>
-            <a:r>
-              <a:rPr lang="en-US" altLang="ko-KR" sz="1400" dirty="0" err="1">
-                <a:solidFill>
-                  <a:prstClr val="black"/>
-                </a:solidFill>
-                <a:latin typeface="Courier New" pitchFamily="49" charset="0"/>
-                <a:ea typeface="맑은 고딕" pitchFamily="50" charset="-127"/>
-                <a:cs typeface="Courier New" pitchFamily="49" charset="0"/>
-              </a:rPr>
-              <a:t>argv</a:t>
-            </a:r>
-            <a:r>
-              <a:rPr lang="en-US" altLang="ko-KR" sz="1400" dirty="0">
-                <a:solidFill>
-                  <a:prstClr val="black"/>
-                </a:solidFill>
-                <a:latin typeface="Courier New" pitchFamily="49" charset="0"/>
-                <a:ea typeface="맑은 고딕" pitchFamily="50" charset="-127"/>
-                <a:cs typeface="Courier New" pitchFamily="49" charset="0"/>
-              </a:rPr>
-              <a:t>[]){</a:t>
-            </a:r>
-          </a:p>
-          <a:p>
-            <a:r>
-              <a:rPr lang="en-US" altLang="ko-KR" sz="1400" dirty="0">
-                <a:solidFill>
-                  <a:prstClr val="black"/>
-                </a:solidFill>
-                <a:latin typeface="Courier New" pitchFamily="49" charset="0"/>
-                <a:ea typeface="맑은 고딕" pitchFamily="50" charset="-127"/>
-                <a:cs typeface="Courier New" pitchFamily="49" charset="0"/>
-              </a:rPr>
-              <a:t>    </a:t>
-            </a:r>
-            <a:r>
-              <a:rPr lang="en-US" altLang="ko-KR" sz="1400" dirty="0" err="1">
-                <a:solidFill>
-                  <a:prstClr val="black"/>
-                </a:solidFill>
-                <a:latin typeface="Courier New" pitchFamily="49" charset="0"/>
-                <a:ea typeface="맑은 고딕" pitchFamily="50" charset="-127"/>
-                <a:cs typeface="Courier New" pitchFamily="49" charset="0"/>
-              </a:rPr>
-              <a:t>printf</a:t>
-            </a:r>
-            <a:r>
-              <a:rPr lang="en-US" altLang="ko-KR" sz="1400" dirty="0">
-                <a:solidFill>
-                  <a:prstClr val="black"/>
-                </a:solidFill>
-                <a:latin typeface="Courier New" pitchFamily="49" charset="0"/>
-                <a:ea typeface="맑은 고딕" pitchFamily="50" charset="-127"/>
-                <a:cs typeface="Courier New" pitchFamily="49" charset="0"/>
-              </a:rPr>
-              <a:t>("hello world (</a:t>
-            </a:r>
-            <a:r>
-              <a:rPr lang="en-US" altLang="ko-KR" sz="1400" dirty="0" err="1">
-                <a:solidFill>
-                  <a:prstClr val="black"/>
-                </a:solidFill>
-                <a:latin typeface="Courier New" pitchFamily="49" charset="0"/>
-                <a:ea typeface="맑은 고딕" pitchFamily="50" charset="-127"/>
-                <a:cs typeface="Courier New" pitchFamily="49" charset="0"/>
-              </a:rPr>
-              <a:t>pid</a:t>
-            </a:r>
-            <a:r>
-              <a:rPr lang="en-US" altLang="ko-KR" sz="1400" dirty="0">
-                <a:solidFill>
-                  <a:prstClr val="black"/>
-                </a:solidFill>
-                <a:latin typeface="Courier New" pitchFamily="49" charset="0"/>
-                <a:ea typeface="맑은 고딕" pitchFamily="50" charset="-127"/>
-                <a:cs typeface="Courier New" pitchFamily="49" charset="0"/>
-              </a:rPr>
-              <a:t>:%d)\n", (</a:t>
-            </a:r>
-            <a:r>
-              <a:rPr lang="en-US" altLang="ko-KR" sz="1400" dirty="0" err="1">
-                <a:solidFill>
-                  <a:srgbClr val="00B050"/>
-                </a:solidFill>
-                <a:latin typeface="Courier New" pitchFamily="49" charset="0"/>
-                <a:ea typeface="맑은 고딕" pitchFamily="50" charset="-127"/>
-                <a:cs typeface="Courier New" pitchFamily="49" charset="0"/>
-              </a:rPr>
-              <a:t>int</a:t>
-            </a:r>
-            <a:r>
-              <a:rPr lang="en-US" altLang="ko-KR" sz="1400" dirty="0">
-                <a:solidFill>
-                  <a:prstClr val="black"/>
-                </a:solidFill>
-                <a:latin typeface="Courier New" pitchFamily="49" charset="0"/>
-                <a:ea typeface="맑은 고딕" pitchFamily="50" charset="-127"/>
-                <a:cs typeface="Courier New" pitchFamily="49" charset="0"/>
-              </a:rPr>
-              <a:t>) </a:t>
-            </a:r>
-            <a:r>
-              <a:rPr lang="en-US" altLang="ko-KR" sz="1400" dirty="0" err="1">
-                <a:solidFill>
-                  <a:prstClr val="black"/>
-                </a:solidFill>
-                <a:latin typeface="Courier New" pitchFamily="49" charset="0"/>
-                <a:ea typeface="맑은 고딕" pitchFamily="50" charset="-127"/>
-                <a:cs typeface="Courier New" pitchFamily="49" charset="0"/>
-              </a:rPr>
-              <a:t>getpid</a:t>
-            </a:r>
-            <a:r>
-              <a:rPr lang="en-US" altLang="ko-KR" sz="1400" dirty="0">
-                <a:solidFill>
-                  <a:prstClr val="black"/>
-                </a:solidFill>
-                <a:latin typeface="Courier New" pitchFamily="49" charset="0"/>
-                <a:ea typeface="맑은 고딕" pitchFamily="50" charset="-127"/>
-                <a:cs typeface="Courier New" pitchFamily="49" charset="0"/>
-              </a:rPr>
-              <a:t>());</a:t>
-            </a:r>
-          </a:p>
-          <a:p>
-            <a:r>
-              <a:rPr lang="en-US" altLang="ko-KR" sz="1400" dirty="0">
-                <a:solidFill>
-                  <a:prstClr val="black"/>
-                </a:solidFill>
-                <a:latin typeface="Courier New" pitchFamily="49" charset="0"/>
-                <a:ea typeface="맑은 고딕" pitchFamily="50" charset="-127"/>
-                <a:cs typeface="Courier New" pitchFamily="49" charset="0"/>
-              </a:rPr>
-              <a:t>    </a:t>
-            </a:r>
-            <a:r>
-              <a:rPr lang="en-US" altLang="ko-KR" sz="1400" dirty="0" err="1">
-                <a:solidFill>
-                  <a:srgbClr val="00B050"/>
-                </a:solidFill>
-                <a:latin typeface="Courier New" pitchFamily="49" charset="0"/>
-                <a:ea typeface="맑은 고딕" pitchFamily="50" charset="-127"/>
-                <a:cs typeface="Courier New" pitchFamily="49" charset="0"/>
-              </a:rPr>
-              <a:t>int</a:t>
-            </a:r>
-            <a:r>
-              <a:rPr lang="en-US" altLang="ko-KR" sz="1400" dirty="0">
-                <a:solidFill>
-                  <a:prstClr val="black"/>
-                </a:solidFill>
-                <a:latin typeface="Courier New" pitchFamily="49" charset="0"/>
-                <a:ea typeface="맑은 고딕" pitchFamily="50" charset="-127"/>
-                <a:cs typeface="Courier New" pitchFamily="49" charset="0"/>
-              </a:rPr>
-              <a:t> </a:t>
-            </a:r>
-            <a:r>
-              <a:rPr lang="en-US" altLang="ko-KR" sz="1400" dirty="0" err="1">
-                <a:solidFill>
-                  <a:prstClr val="black"/>
-                </a:solidFill>
-                <a:latin typeface="Courier New" pitchFamily="49" charset="0"/>
-                <a:ea typeface="맑은 고딕" pitchFamily="50" charset="-127"/>
-                <a:cs typeface="Courier New" pitchFamily="49" charset="0"/>
-              </a:rPr>
-              <a:t>rc</a:t>
-            </a:r>
-            <a:r>
-              <a:rPr lang="en-US" altLang="ko-KR" sz="1400" dirty="0">
-                <a:solidFill>
-                  <a:prstClr val="black"/>
-                </a:solidFill>
-                <a:latin typeface="Courier New" pitchFamily="49" charset="0"/>
-                <a:ea typeface="맑은 고딕" pitchFamily="50" charset="-127"/>
-                <a:cs typeface="Courier New" pitchFamily="49" charset="0"/>
-              </a:rPr>
-              <a:t> = fork();</a:t>
-            </a:r>
-          </a:p>
-          <a:p>
-            <a:r>
-              <a:rPr lang="en-US" altLang="ko-KR" sz="1400" dirty="0">
-                <a:solidFill>
-                  <a:prstClr val="black"/>
-                </a:solidFill>
-                <a:latin typeface="Courier New" pitchFamily="49" charset="0"/>
-                <a:ea typeface="맑은 고딕" pitchFamily="50" charset="-127"/>
-                <a:cs typeface="Courier New" pitchFamily="49" charset="0"/>
-              </a:rPr>
-              <a:t>    </a:t>
-            </a:r>
-            <a:r>
-              <a:rPr lang="en-US" altLang="ko-KR" sz="1400" dirty="0">
-                <a:solidFill>
-                  <a:srgbClr val="F79646">
-                    <a:lumMod val="75000"/>
-                  </a:srgbClr>
-                </a:solidFill>
-                <a:latin typeface="Courier New" pitchFamily="49" charset="0"/>
-                <a:ea typeface="맑은 고딕" pitchFamily="50" charset="-127"/>
-                <a:cs typeface="Courier New" pitchFamily="49" charset="0"/>
-              </a:rPr>
-              <a:t>if</a:t>
-            </a:r>
-            <a:r>
-              <a:rPr lang="en-US" altLang="ko-KR" sz="1400" dirty="0">
-                <a:solidFill>
-                  <a:prstClr val="black"/>
-                </a:solidFill>
-                <a:latin typeface="Courier New" pitchFamily="49" charset="0"/>
-                <a:ea typeface="맑은 고딕" pitchFamily="50" charset="-127"/>
-                <a:cs typeface="Courier New" pitchFamily="49" charset="0"/>
-              </a:rPr>
-              <a:t> (</a:t>
-            </a:r>
-            <a:r>
-              <a:rPr lang="en-US" altLang="ko-KR" sz="1400" dirty="0" err="1">
-                <a:solidFill>
-                  <a:prstClr val="black"/>
-                </a:solidFill>
-                <a:latin typeface="Courier New" pitchFamily="49" charset="0"/>
-                <a:ea typeface="맑은 고딕" pitchFamily="50" charset="-127"/>
-                <a:cs typeface="Courier New" pitchFamily="49" charset="0"/>
-              </a:rPr>
-              <a:t>rc</a:t>
-            </a:r>
-            <a:r>
-              <a:rPr lang="en-US" altLang="ko-KR" sz="1400" dirty="0">
-                <a:solidFill>
-                  <a:prstClr val="black"/>
-                </a:solidFill>
-                <a:latin typeface="Courier New" pitchFamily="49" charset="0"/>
-                <a:ea typeface="맑은 고딕" pitchFamily="50" charset="-127"/>
-                <a:cs typeface="Courier New" pitchFamily="49" charset="0"/>
-              </a:rPr>
-              <a:t> &lt; </a:t>
-            </a:r>
-            <a:r>
-              <a:rPr lang="en-US" altLang="ko-KR" sz="1400" dirty="0">
-                <a:solidFill>
-                  <a:srgbClr val="FF0000"/>
-                </a:solidFill>
-                <a:latin typeface="Courier New" pitchFamily="49" charset="0"/>
-                <a:ea typeface="맑은 고딕" pitchFamily="50" charset="-127"/>
-                <a:cs typeface="Courier New" pitchFamily="49" charset="0"/>
-              </a:rPr>
-              <a:t>0</a:t>
-            </a:r>
-            <a:r>
-              <a:rPr lang="en-US" altLang="ko-KR" sz="1400" dirty="0">
-                <a:solidFill>
-                  <a:prstClr val="black"/>
-                </a:solidFill>
-                <a:latin typeface="Courier New" pitchFamily="49" charset="0"/>
-                <a:ea typeface="맑은 고딕" pitchFamily="50" charset="-127"/>
-                <a:cs typeface="Courier New" pitchFamily="49" charset="0"/>
-              </a:rPr>
-              <a:t>) { 	</a:t>
-            </a:r>
-            <a:r>
-              <a:rPr lang="en-US" altLang="ko-KR" sz="1400" dirty="0">
-                <a:solidFill>
-                  <a:srgbClr val="00B0F0"/>
-                </a:solidFill>
-                <a:latin typeface="Courier New" pitchFamily="49" charset="0"/>
-                <a:ea typeface="맑은 고딕" pitchFamily="50" charset="-127"/>
-                <a:cs typeface="Courier New" pitchFamily="49" charset="0"/>
-              </a:rPr>
-              <a:t>// fork failed; exit</a:t>
-            </a:r>
-          </a:p>
-          <a:p>
-            <a:r>
-              <a:rPr lang="en-US" altLang="ko-KR" sz="1400" dirty="0">
-                <a:solidFill>
-                  <a:prstClr val="black"/>
-                </a:solidFill>
-                <a:latin typeface="Courier New" pitchFamily="49" charset="0"/>
-                <a:ea typeface="맑은 고딕" pitchFamily="50" charset="-127"/>
-                <a:cs typeface="Courier New" pitchFamily="49" charset="0"/>
-              </a:rPr>
-              <a:t>        </a:t>
-            </a:r>
-            <a:r>
-              <a:rPr lang="en-US" altLang="ko-KR" sz="1400" dirty="0" err="1">
-                <a:solidFill>
-                  <a:prstClr val="black"/>
-                </a:solidFill>
-                <a:latin typeface="Courier New" pitchFamily="49" charset="0"/>
-                <a:ea typeface="맑은 고딕" pitchFamily="50" charset="-127"/>
-                <a:cs typeface="Courier New" pitchFamily="49" charset="0"/>
-              </a:rPr>
-              <a:t>fprintf</a:t>
-            </a:r>
-            <a:r>
-              <a:rPr lang="en-US" altLang="ko-KR" sz="1400" dirty="0">
-                <a:solidFill>
-                  <a:prstClr val="black"/>
-                </a:solidFill>
-                <a:latin typeface="Courier New" pitchFamily="49" charset="0"/>
-                <a:ea typeface="맑은 고딕" pitchFamily="50" charset="-127"/>
-                <a:cs typeface="Courier New" pitchFamily="49" charset="0"/>
-              </a:rPr>
-              <a:t>(</a:t>
-            </a:r>
-            <a:r>
-              <a:rPr lang="en-US" altLang="ko-KR" sz="1400" dirty="0" err="1">
-                <a:solidFill>
-                  <a:prstClr val="black"/>
-                </a:solidFill>
-                <a:latin typeface="Courier New" pitchFamily="49" charset="0"/>
-                <a:ea typeface="맑은 고딕" pitchFamily="50" charset="-127"/>
-                <a:cs typeface="Courier New" pitchFamily="49" charset="0"/>
-              </a:rPr>
-              <a:t>stderr</a:t>
-            </a:r>
-            <a:r>
-              <a:rPr lang="en-US" altLang="ko-KR" sz="1400" dirty="0">
-                <a:solidFill>
-                  <a:prstClr val="black"/>
-                </a:solidFill>
-                <a:latin typeface="Courier New" pitchFamily="49" charset="0"/>
-                <a:ea typeface="맑은 고딕" pitchFamily="50" charset="-127"/>
-                <a:cs typeface="Courier New" pitchFamily="49" charset="0"/>
-              </a:rPr>
-              <a:t>, "fork failed\n");</a:t>
-            </a:r>
-          </a:p>
-          <a:p>
-            <a:r>
-              <a:rPr lang="en-US" altLang="ko-KR" sz="1400" dirty="0">
-                <a:solidFill>
-                  <a:prstClr val="black"/>
-                </a:solidFill>
-                <a:latin typeface="Courier New" pitchFamily="49" charset="0"/>
-                <a:ea typeface="맑은 고딕" pitchFamily="50" charset="-127"/>
-                <a:cs typeface="Courier New" pitchFamily="49" charset="0"/>
-              </a:rPr>
-              <a:t>        exit(1);</a:t>
-            </a:r>
-          </a:p>
-          <a:p>
-            <a:r>
-              <a:rPr lang="en-US" altLang="ko-KR" sz="1400" dirty="0">
-                <a:solidFill>
-                  <a:prstClr val="black"/>
-                </a:solidFill>
-                <a:latin typeface="Courier New" pitchFamily="49" charset="0"/>
-                <a:ea typeface="맑은 고딕" pitchFamily="50" charset="-127"/>
-                <a:cs typeface="Courier New" pitchFamily="49" charset="0"/>
-              </a:rPr>
-              <a:t>    } </a:t>
-            </a:r>
-            <a:r>
-              <a:rPr lang="en-US" altLang="ko-KR" sz="1400" dirty="0">
-                <a:solidFill>
-                  <a:srgbClr val="F79646">
-                    <a:lumMod val="75000"/>
-                  </a:srgbClr>
-                </a:solidFill>
-                <a:latin typeface="Courier New" pitchFamily="49" charset="0"/>
-                <a:ea typeface="맑은 고딕" pitchFamily="50" charset="-127"/>
-                <a:cs typeface="Courier New" pitchFamily="49" charset="0"/>
-              </a:rPr>
-              <a:t>else if </a:t>
-            </a:r>
-            <a:r>
-              <a:rPr lang="en-US" altLang="ko-KR" sz="1400" dirty="0">
-                <a:solidFill>
-                  <a:prstClr val="black"/>
-                </a:solidFill>
-                <a:latin typeface="Courier New" pitchFamily="49" charset="0"/>
-                <a:ea typeface="맑은 고딕" pitchFamily="50" charset="-127"/>
-                <a:cs typeface="Courier New" pitchFamily="49" charset="0"/>
-              </a:rPr>
-              <a:t>(</a:t>
-            </a:r>
-            <a:r>
-              <a:rPr lang="en-US" altLang="ko-KR" sz="1400" dirty="0" err="1">
-                <a:solidFill>
-                  <a:prstClr val="black"/>
-                </a:solidFill>
-                <a:latin typeface="Courier New" pitchFamily="49" charset="0"/>
-                <a:ea typeface="맑은 고딕" pitchFamily="50" charset="-127"/>
-                <a:cs typeface="Courier New" pitchFamily="49" charset="0"/>
-              </a:rPr>
-              <a:t>rc</a:t>
-            </a:r>
-            <a:r>
-              <a:rPr lang="en-US" altLang="ko-KR" sz="1400" dirty="0">
-                <a:solidFill>
-                  <a:prstClr val="black"/>
-                </a:solidFill>
-                <a:latin typeface="Courier New" pitchFamily="49" charset="0"/>
-                <a:ea typeface="맑은 고딕" pitchFamily="50" charset="-127"/>
-                <a:cs typeface="Courier New" pitchFamily="49" charset="0"/>
-              </a:rPr>
-              <a:t> == </a:t>
-            </a:r>
-            <a:r>
-              <a:rPr lang="en-US" altLang="ko-KR" sz="1400" dirty="0">
-                <a:solidFill>
-                  <a:srgbClr val="FF0000"/>
-                </a:solidFill>
-                <a:latin typeface="Courier New" pitchFamily="49" charset="0"/>
-                <a:ea typeface="맑은 고딕" pitchFamily="50" charset="-127"/>
-                <a:cs typeface="Courier New" pitchFamily="49" charset="0"/>
-              </a:rPr>
-              <a:t>0</a:t>
-            </a:r>
-            <a:r>
-              <a:rPr lang="en-US" altLang="ko-KR" sz="1400" dirty="0">
-                <a:solidFill>
-                  <a:prstClr val="black"/>
-                </a:solidFill>
-                <a:latin typeface="Courier New" pitchFamily="49" charset="0"/>
-                <a:ea typeface="맑은 고딕" pitchFamily="50" charset="-127"/>
-                <a:cs typeface="Courier New" pitchFamily="49" charset="0"/>
-              </a:rPr>
-              <a:t>) { </a:t>
-            </a:r>
-            <a:r>
-              <a:rPr lang="en-US" altLang="ko-KR" sz="1400" dirty="0">
-                <a:solidFill>
-                  <a:srgbClr val="00B0F0"/>
-                </a:solidFill>
-                <a:latin typeface="Courier New" pitchFamily="49" charset="0"/>
-                <a:ea typeface="맑은 고딕" pitchFamily="50" charset="-127"/>
-                <a:cs typeface="Courier New" pitchFamily="49" charset="0"/>
-              </a:rPr>
-              <a:t>// child (new process)</a:t>
-            </a:r>
-          </a:p>
-          <a:p>
-            <a:r>
-              <a:rPr lang="en-US" altLang="ko-KR" sz="1400" dirty="0">
-                <a:solidFill>
-                  <a:prstClr val="black"/>
-                </a:solidFill>
-                <a:latin typeface="Courier New" pitchFamily="49" charset="0"/>
-                <a:ea typeface="맑은 고딕" pitchFamily="50" charset="-127"/>
-                <a:cs typeface="Courier New" pitchFamily="49" charset="0"/>
-              </a:rPr>
-              <a:t>        </a:t>
-            </a:r>
-            <a:r>
-              <a:rPr lang="en-US" altLang="ko-KR" sz="1400" dirty="0" err="1">
-                <a:solidFill>
-                  <a:prstClr val="black"/>
-                </a:solidFill>
-                <a:latin typeface="Courier New" pitchFamily="49" charset="0"/>
-                <a:ea typeface="맑은 고딕" pitchFamily="50" charset="-127"/>
-                <a:cs typeface="Courier New" pitchFamily="49" charset="0"/>
-              </a:rPr>
-              <a:t>printf</a:t>
-            </a:r>
-            <a:r>
-              <a:rPr lang="en-US" altLang="ko-KR" sz="1400" dirty="0">
-                <a:solidFill>
-                  <a:prstClr val="black"/>
-                </a:solidFill>
-                <a:latin typeface="Courier New" pitchFamily="49" charset="0"/>
-                <a:ea typeface="맑은 고딕" pitchFamily="50" charset="-127"/>
-                <a:cs typeface="Courier New" pitchFamily="49" charset="0"/>
-              </a:rPr>
-              <a:t>("hello, I am child (</a:t>
-            </a:r>
-            <a:r>
-              <a:rPr lang="en-US" altLang="ko-KR" sz="1400" dirty="0" err="1">
-                <a:solidFill>
-                  <a:prstClr val="black"/>
-                </a:solidFill>
-                <a:latin typeface="Courier New" pitchFamily="49" charset="0"/>
-                <a:ea typeface="맑은 고딕" pitchFamily="50" charset="-127"/>
-                <a:cs typeface="Courier New" pitchFamily="49" charset="0"/>
-              </a:rPr>
-              <a:t>pid</a:t>
-            </a:r>
-            <a:r>
-              <a:rPr lang="en-US" altLang="ko-KR" sz="1400" dirty="0">
-                <a:solidFill>
-                  <a:prstClr val="black"/>
-                </a:solidFill>
-                <a:latin typeface="Courier New" pitchFamily="49" charset="0"/>
-                <a:ea typeface="맑은 고딕" pitchFamily="50" charset="-127"/>
-                <a:cs typeface="Courier New" pitchFamily="49" charset="0"/>
-              </a:rPr>
-              <a:t>:%d)\n", (</a:t>
-            </a:r>
-            <a:r>
-              <a:rPr lang="en-US" altLang="ko-KR" sz="1400" dirty="0" err="1">
-                <a:solidFill>
-                  <a:prstClr val="black"/>
-                </a:solidFill>
-                <a:latin typeface="Courier New" pitchFamily="49" charset="0"/>
-                <a:ea typeface="맑은 고딕" pitchFamily="50" charset="-127"/>
-                <a:cs typeface="Courier New" pitchFamily="49" charset="0"/>
-              </a:rPr>
-              <a:t>int</a:t>
-            </a:r>
-            <a:r>
-              <a:rPr lang="en-US" altLang="ko-KR" sz="1400" dirty="0">
-                <a:solidFill>
-                  <a:prstClr val="black"/>
-                </a:solidFill>
-                <a:latin typeface="Courier New" pitchFamily="49" charset="0"/>
-                <a:ea typeface="맑은 고딕" pitchFamily="50" charset="-127"/>
-                <a:cs typeface="Courier New" pitchFamily="49" charset="0"/>
-              </a:rPr>
-              <a:t>) </a:t>
-            </a:r>
-            <a:r>
-              <a:rPr lang="en-US" altLang="ko-KR" sz="1400" dirty="0" err="1">
-                <a:solidFill>
-                  <a:prstClr val="black"/>
-                </a:solidFill>
-                <a:latin typeface="Courier New" pitchFamily="49" charset="0"/>
-                <a:ea typeface="맑은 고딕" pitchFamily="50" charset="-127"/>
-                <a:cs typeface="Courier New" pitchFamily="49" charset="0"/>
-              </a:rPr>
-              <a:t>getpid</a:t>
-            </a:r>
-            <a:r>
-              <a:rPr lang="en-US" altLang="ko-KR" sz="1400" dirty="0">
-                <a:solidFill>
-                  <a:prstClr val="black"/>
-                </a:solidFill>
-                <a:latin typeface="Courier New" pitchFamily="49" charset="0"/>
-                <a:ea typeface="맑은 고딕" pitchFamily="50" charset="-127"/>
-                <a:cs typeface="Courier New" pitchFamily="49" charset="0"/>
-              </a:rPr>
-              <a:t>());</a:t>
-            </a:r>
-          </a:p>
-          <a:p>
-            <a:r>
-              <a:rPr lang="en-US" altLang="ko-KR" sz="1400" dirty="0">
-                <a:solidFill>
-                  <a:prstClr val="black"/>
-                </a:solidFill>
-                <a:latin typeface="Courier New" pitchFamily="49" charset="0"/>
-                <a:ea typeface="맑은 고딕" pitchFamily="50" charset="-127"/>
-                <a:cs typeface="Courier New" pitchFamily="49" charset="0"/>
-              </a:rPr>
-              <a:t>    } </a:t>
-            </a:r>
-            <a:r>
-              <a:rPr lang="en-US" altLang="ko-KR" sz="1400" dirty="0">
-                <a:solidFill>
-                  <a:srgbClr val="F79646">
-                    <a:lumMod val="75000"/>
-                  </a:srgbClr>
-                </a:solidFill>
-                <a:latin typeface="Courier New" pitchFamily="49" charset="0"/>
-                <a:ea typeface="맑은 고딕" pitchFamily="50" charset="-127"/>
-                <a:cs typeface="Courier New" pitchFamily="49" charset="0"/>
-              </a:rPr>
-              <a:t>else</a:t>
-            </a:r>
-            <a:r>
-              <a:rPr lang="en-US" altLang="ko-KR" sz="1400" dirty="0">
-                <a:solidFill>
-                  <a:prstClr val="black"/>
-                </a:solidFill>
-                <a:latin typeface="Courier New" pitchFamily="49" charset="0"/>
-                <a:ea typeface="맑은 고딕" pitchFamily="50" charset="-127"/>
-                <a:cs typeface="Courier New" pitchFamily="49" charset="0"/>
-              </a:rPr>
-              <a:t> { 		</a:t>
-            </a:r>
-            <a:r>
-              <a:rPr lang="en-US" altLang="ko-KR" sz="1400" dirty="0">
-                <a:solidFill>
-                  <a:srgbClr val="00B0F0"/>
-                </a:solidFill>
-                <a:latin typeface="Courier New" pitchFamily="49" charset="0"/>
-                <a:ea typeface="맑은 고딕" pitchFamily="50" charset="-127"/>
-                <a:cs typeface="Courier New" pitchFamily="49" charset="0"/>
-              </a:rPr>
-              <a:t>// parent goes down this path (main)</a:t>
-            </a:r>
-          </a:p>
-          <a:p>
-            <a:r>
-              <a:rPr lang="en-US" altLang="ko-KR" sz="1400" dirty="0">
-                <a:solidFill>
-                  <a:prstClr val="black"/>
-                </a:solidFill>
-                <a:latin typeface="Courier New" pitchFamily="49" charset="0"/>
-                <a:ea typeface="맑은 고딕" pitchFamily="50" charset="-127"/>
-                <a:cs typeface="Courier New" pitchFamily="49" charset="0"/>
-              </a:rPr>
-              <a:t>        </a:t>
-            </a:r>
-            <a:r>
-              <a:rPr lang="en-US" altLang="ko-KR" sz="1400" dirty="0" err="1">
-                <a:solidFill>
-                  <a:srgbClr val="00B050"/>
-                </a:solidFill>
-                <a:latin typeface="Courier New" pitchFamily="49" charset="0"/>
-                <a:ea typeface="맑은 고딕" pitchFamily="50" charset="-127"/>
-                <a:cs typeface="Courier New" pitchFamily="49" charset="0"/>
-              </a:rPr>
-              <a:t>int</a:t>
-            </a:r>
-            <a:r>
-              <a:rPr lang="en-US" altLang="ko-KR" sz="1400" dirty="0">
-                <a:solidFill>
-                  <a:prstClr val="black"/>
-                </a:solidFill>
-                <a:latin typeface="Courier New" pitchFamily="49" charset="0"/>
-                <a:ea typeface="맑은 고딕" pitchFamily="50" charset="-127"/>
-                <a:cs typeface="Courier New" pitchFamily="49" charset="0"/>
-              </a:rPr>
-              <a:t> </a:t>
-            </a:r>
-            <a:r>
-              <a:rPr lang="en-US" altLang="ko-KR" sz="1400" dirty="0" err="1">
-                <a:solidFill>
-                  <a:prstClr val="black"/>
-                </a:solidFill>
-                <a:latin typeface="Courier New" pitchFamily="49" charset="0"/>
-                <a:ea typeface="맑은 고딕" pitchFamily="50" charset="-127"/>
-                <a:cs typeface="Courier New" pitchFamily="49" charset="0"/>
-              </a:rPr>
-              <a:t>wc</a:t>
-            </a:r>
-            <a:r>
-              <a:rPr lang="en-US" altLang="ko-KR" sz="1400" dirty="0">
-                <a:solidFill>
-                  <a:prstClr val="black"/>
-                </a:solidFill>
-                <a:latin typeface="Courier New" pitchFamily="49" charset="0"/>
-                <a:ea typeface="맑은 고딕" pitchFamily="50" charset="-127"/>
-                <a:cs typeface="Courier New" pitchFamily="49" charset="0"/>
-              </a:rPr>
-              <a:t> = wait(</a:t>
-            </a:r>
-            <a:r>
-              <a:rPr lang="en-US" altLang="ko-KR" sz="1400" dirty="0">
-                <a:solidFill>
-                  <a:srgbClr val="FF0000"/>
-                </a:solidFill>
-                <a:latin typeface="Courier New" pitchFamily="49" charset="0"/>
-                <a:ea typeface="맑은 고딕" pitchFamily="50" charset="-127"/>
-                <a:cs typeface="Courier New" pitchFamily="49" charset="0"/>
-              </a:rPr>
-              <a:t>NULL</a:t>
-            </a:r>
-            <a:r>
-              <a:rPr lang="en-US" altLang="ko-KR" sz="1400" dirty="0">
-                <a:solidFill>
-                  <a:prstClr val="black"/>
-                </a:solidFill>
-                <a:latin typeface="Courier New" pitchFamily="49" charset="0"/>
-                <a:ea typeface="맑은 고딕" pitchFamily="50" charset="-127"/>
-                <a:cs typeface="Courier New" pitchFamily="49" charset="0"/>
-              </a:rPr>
-              <a:t>);</a:t>
-            </a:r>
-          </a:p>
-          <a:p>
-            <a:r>
-              <a:rPr lang="en-US" altLang="ko-KR" sz="1400" dirty="0">
-                <a:solidFill>
-                  <a:prstClr val="black"/>
-                </a:solidFill>
-                <a:latin typeface="Courier New" pitchFamily="49" charset="0"/>
-                <a:ea typeface="맑은 고딕" pitchFamily="50" charset="-127"/>
-                <a:cs typeface="Courier New" pitchFamily="49" charset="0"/>
-              </a:rPr>
-              <a:t>        </a:t>
-            </a:r>
-            <a:r>
-              <a:rPr lang="en-US" altLang="ko-KR" sz="1400" dirty="0" err="1">
-                <a:solidFill>
-                  <a:prstClr val="black"/>
-                </a:solidFill>
-                <a:latin typeface="Courier New" pitchFamily="49" charset="0"/>
-                <a:ea typeface="맑은 고딕" pitchFamily="50" charset="-127"/>
-                <a:cs typeface="Courier New" pitchFamily="49" charset="0"/>
-              </a:rPr>
-              <a:t>printf</a:t>
-            </a:r>
-            <a:r>
-              <a:rPr lang="en-US" altLang="ko-KR" sz="1400" dirty="0">
-                <a:solidFill>
-                  <a:prstClr val="black"/>
-                </a:solidFill>
-                <a:latin typeface="Courier New" pitchFamily="49" charset="0"/>
-                <a:ea typeface="맑은 고딕" pitchFamily="50" charset="-127"/>
-                <a:cs typeface="Courier New" pitchFamily="49" charset="0"/>
-              </a:rPr>
-              <a:t>("hello, I am parent of %d (</a:t>
-            </a:r>
-            <a:r>
-              <a:rPr lang="en-US" altLang="ko-KR" sz="1400" dirty="0" err="1">
-                <a:solidFill>
-                  <a:prstClr val="black"/>
-                </a:solidFill>
-                <a:latin typeface="Courier New" pitchFamily="49" charset="0"/>
-                <a:ea typeface="맑은 고딕" pitchFamily="50" charset="-127"/>
-                <a:cs typeface="Courier New" pitchFamily="49" charset="0"/>
-              </a:rPr>
-              <a:t>wc</a:t>
-            </a:r>
-            <a:r>
-              <a:rPr lang="en-US" altLang="ko-KR" sz="1400" dirty="0">
-                <a:solidFill>
-                  <a:prstClr val="black"/>
-                </a:solidFill>
-                <a:latin typeface="Courier New" pitchFamily="49" charset="0"/>
-                <a:ea typeface="맑은 고딕" pitchFamily="50" charset="-127"/>
-                <a:cs typeface="Courier New" pitchFamily="49" charset="0"/>
-              </a:rPr>
-              <a:t>:%d) (</a:t>
-            </a:r>
-            <a:r>
-              <a:rPr lang="en-US" altLang="ko-KR" sz="1400" dirty="0" err="1">
-                <a:solidFill>
-                  <a:prstClr val="black"/>
-                </a:solidFill>
-                <a:latin typeface="Courier New" pitchFamily="49" charset="0"/>
-                <a:ea typeface="맑은 고딕" pitchFamily="50" charset="-127"/>
-                <a:cs typeface="Courier New" pitchFamily="49" charset="0"/>
-              </a:rPr>
-              <a:t>pid</a:t>
-            </a:r>
-            <a:r>
-              <a:rPr lang="en-US" altLang="ko-KR" sz="1400" dirty="0">
-                <a:solidFill>
-                  <a:prstClr val="black"/>
-                </a:solidFill>
-                <a:latin typeface="Courier New" pitchFamily="49" charset="0"/>
-                <a:ea typeface="맑은 고딕" pitchFamily="50" charset="-127"/>
-                <a:cs typeface="Courier New" pitchFamily="49" charset="0"/>
-              </a:rPr>
-              <a:t>:%d)\n",</a:t>
-            </a:r>
-          </a:p>
-          <a:p>
-            <a:r>
-              <a:rPr lang="en-US" altLang="ko-KR" sz="1400" dirty="0">
-                <a:solidFill>
-                  <a:prstClr val="black"/>
-                </a:solidFill>
-                <a:latin typeface="Courier New" pitchFamily="49" charset="0"/>
-                <a:ea typeface="맑은 고딕" pitchFamily="50" charset="-127"/>
-                <a:cs typeface="Courier New" pitchFamily="49" charset="0"/>
-              </a:rPr>
-              <a:t>        </a:t>
-            </a:r>
-            <a:r>
-              <a:rPr lang="en-US" altLang="ko-KR" sz="1400" dirty="0" err="1">
-                <a:solidFill>
-                  <a:prstClr val="black"/>
-                </a:solidFill>
-                <a:latin typeface="Courier New" pitchFamily="49" charset="0"/>
-                <a:ea typeface="맑은 고딕" pitchFamily="50" charset="-127"/>
-                <a:cs typeface="Courier New" pitchFamily="49" charset="0"/>
-              </a:rPr>
-              <a:t>rc</a:t>
-            </a:r>
-            <a:r>
-              <a:rPr lang="en-US" altLang="ko-KR" sz="1400" dirty="0">
-                <a:solidFill>
-                  <a:prstClr val="black"/>
-                </a:solidFill>
-                <a:latin typeface="Courier New" pitchFamily="49" charset="0"/>
-                <a:ea typeface="맑은 고딕" pitchFamily="50" charset="-127"/>
-                <a:cs typeface="Courier New" pitchFamily="49" charset="0"/>
-              </a:rPr>
-              <a:t>, </a:t>
-            </a:r>
-            <a:r>
-              <a:rPr lang="en-US" altLang="ko-KR" sz="1400" dirty="0" err="1">
-                <a:solidFill>
-                  <a:prstClr val="black"/>
-                </a:solidFill>
-                <a:latin typeface="Courier New" pitchFamily="49" charset="0"/>
-                <a:ea typeface="맑은 고딕" pitchFamily="50" charset="-127"/>
-                <a:cs typeface="Courier New" pitchFamily="49" charset="0"/>
-              </a:rPr>
-              <a:t>wc</a:t>
-            </a:r>
-            <a:r>
-              <a:rPr lang="en-US" altLang="ko-KR" sz="1400" dirty="0">
-                <a:solidFill>
-                  <a:prstClr val="black"/>
-                </a:solidFill>
-                <a:latin typeface="Courier New" pitchFamily="49" charset="0"/>
-                <a:ea typeface="맑은 고딕" pitchFamily="50" charset="-127"/>
-                <a:cs typeface="Courier New" pitchFamily="49" charset="0"/>
-              </a:rPr>
-              <a:t>, (</a:t>
-            </a:r>
-            <a:r>
-              <a:rPr lang="en-US" altLang="ko-KR" sz="1400" dirty="0" err="1">
-                <a:solidFill>
-                  <a:prstClr val="black"/>
-                </a:solidFill>
-                <a:latin typeface="Courier New" pitchFamily="49" charset="0"/>
-                <a:ea typeface="맑은 고딕" pitchFamily="50" charset="-127"/>
-                <a:cs typeface="Courier New" pitchFamily="49" charset="0"/>
-              </a:rPr>
-              <a:t>int</a:t>
-            </a:r>
-            <a:r>
-              <a:rPr lang="en-US" altLang="ko-KR" sz="1400" dirty="0">
-                <a:solidFill>
-                  <a:prstClr val="black"/>
-                </a:solidFill>
-                <a:latin typeface="Courier New" pitchFamily="49" charset="0"/>
-                <a:ea typeface="맑은 고딕" pitchFamily="50" charset="-127"/>
-                <a:cs typeface="Courier New" pitchFamily="49" charset="0"/>
-              </a:rPr>
-              <a:t>) </a:t>
-            </a:r>
-            <a:r>
-              <a:rPr lang="en-US" altLang="ko-KR" sz="1400" dirty="0" err="1">
-                <a:solidFill>
-                  <a:prstClr val="black"/>
-                </a:solidFill>
-                <a:latin typeface="Courier New" pitchFamily="49" charset="0"/>
-                <a:ea typeface="맑은 고딕" pitchFamily="50" charset="-127"/>
-                <a:cs typeface="Courier New" pitchFamily="49" charset="0"/>
-              </a:rPr>
-              <a:t>getpid</a:t>
-            </a:r>
-            <a:r>
-              <a:rPr lang="en-US" altLang="ko-KR" sz="1400" dirty="0">
-                <a:solidFill>
-                  <a:prstClr val="black"/>
-                </a:solidFill>
-                <a:latin typeface="Courier New" pitchFamily="49" charset="0"/>
-                <a:ea typeface="맑은 고딕" pitchFamily="50" charset="-127"/>
-                <a:cs typeface="Courier New" pitchFamily="49" charset="0"/>
-              </a:rPr>
-              <a:t>());</a:t>
-            </a:r>
-          </a:p>
-          <a:p>
-            <a:r>
-              <a:rPr lang="en-US" altLang="ko-KR" sz="1400" dirty="0">
-                <a:solidFill>
-                  <a:prstClr val="black"/>
-                </a:solidFill>
-                <a:latin typeface="Courier New" pitchFamily="49" charset="0"/>
-                <a:ea typeface="맑은 고딕" pitchFamily="50" charset="-127"/>
-                <a:cs typeface="Courier New" pitchFamily="49" charset="0"/>
-              </a:rPr>
-              <a:t>    }</a:t>
-            </a:r>
-          </a:p>
-          <a:p>
-            <a:r>
-              <a:rPr lang="en-US" altLang="ko-KR" sz="1400" dirty="0">
-                <a:solidFill>
-                  <a:prstClr val="black"/>
-                </a:solidFill>
-                <a:latin typeface="Courier New" pitchFamily="49" charset="0"/>
-                <a:ea typeface="맑은 고딕" pitchFamily="50" charset="-127"/>
-                <a:cs typeface="Courier New" pitchFamily="49" charset="0"/>
-              </a:rPr>
-              <a:t>    </a:t>
-            </a:r>
-            <a:r>
-              <a:rPr lang="en-US" altLang="ko-KR" sz="1400" dirty="0">
-                <a:solidFill>
-                  <a:srgbClr val="F79646">
-                    <a:lumMod val="75000"/>
-                  </a:srgbClr>
-                </a:solidFill>
-                <a:latin typeface="Courier New" pitchFamily="49" charset="0"/>
-                <a:ea typeface="맑은 고딕" pitchFamily="50" charset="-127"/>
-                <a:cs typeface="Courier New" pitchFamily="49" charset="0"/>
-              </a:rPr>
-              <a:t>return</a:t>
-            </a:r>
-            <a:r>
-              <a:rPr lang="en-US" altLang="ko-KR" sz="1400" dirty="0">
-                <a:solidFill>
-                  <a:prstClr val="black"/>
-                </a:solidFill>
-                <a:latin typeface="Courier New" pitchFamily="49" charset="0"/>
-                <a:ea typeface="맑은 고딕" pitchFamily="50" charset="-127"/>
-                <a:cs typeface="Courier New" pitchFamily="49" charset="0"/>
-              </a:rPr>
-              <a:t> </a:t>
-            </a:r>
-            <a:r>
-              <a:rPr lang="en-US" altLang="ko-KR" sz="1400" dirty="0">
-                <a:solidFill>
-                  <a:srgbClr val="FF0000"/>
-                </a:solidFill>
-                <a:latin typeface="Courier New" pitchFamily="49" charset="0"/>
-                <a:ea typeface="맑은 고딕" pitchFamily="50" charset="-127"/>
-                <a:cs typeface="Courier New" pitchFamily="49" charset="0"/>
-              </a:rPr>
-              <a:t>0</a:t>
-            </a:r>
-            <a:r>
-              <a:rPr lang="en-US" altLang="ko-KR" sz="1400" dirty="0">
-                <a:solidFill>
-                  <a:prstClr val="black"/>
-                </a:solidFill>
-                <a:latin typeface="Courier New" pitchFamily="49" charset="0"/>
-                <a:ea typeface="맑은 고딕" pitchFamily="50" charset="-127"/>
-                <a:cs typeface="Courier New" pitchFamily="49" charset="0"/>
-              </a:rPr>
-              <a:t>;</a:t>
-            </a:r>
-          </a:p>
-          <a:p>
-            <a:r>
-              <a:rPr lang="en-US" altLang="ko-KR" sz="1400" dirty="0">
-                <a:solidFill>
-                  <a:prstClr val="black"/>
-                </a:solidFill>
-                <a:latin typeface="Courier New" pitchFamily="49" charset="0"/>
-                <a:ea typeface="맑은 고딕" pitchFamily="50" charset="-127"/>
-                <a:cs typeface="Courier New" pitchFamily="49" charset="0"/>
-              </a:rPr>
-              <a:t>}</a:t>
-            </a:r>
-          </a:p>
-        </p:txBody>
-      </p:sp>
-      <p:sp>
-        <p:nvSpPr>
-          <p:cNvPr id="7" name="TextBox 6"/>
+          <p:cNvPr id="4" name="TextBox 3">
+            <a:extLst>
+              <a:ext uri="{FF2B5EF4-FFF2-40B4-BE49-F238E27FC236}">
+                <a16:creationId xmlns:a16="http://schemas.microsoft.com/office/drawing/2014/main" id="{3AE943FB-57B1-4848-8DF2-D24EE3BAC280}"/>
+              </a:ext>
+            </a:extLst>
+          </p:cNvPr>
           <p:cNvSpPr txBox="1"/>
           <p:nvPr/>
         </p:nvSpPr>
         <p:spPr>
           <a:xfrm>
-            <a:off x="2063552" y="1506270"/>
-            <a:ext cx="720080" cy="338554"/>
+            <a:off x="911424" y="4129044"/>
+            <a:ext cx="10225136" cy="2431435"/>
           </a:xfrm>
           <a:prstGeom prst="rect">
             <a:avLst/>
@@ -8433,22 +10350,251 @@
           </a:bodyPr>
           <a:lstStyle/>
           <a:p>
-            <a:r>
-              <a:rPr lang="en-US" altLang="ko-KR" sz="1600" b="1" dirty="0">
-                <a:solidFill>
-                  <a:prstClr val="black"/>
-                </a:solidFill>
-                <a:latin typeface="맑은 고딕" pitchFamily="50" charset="-127"/>
-                <a:ea typeface="맑은 고딕" pitchFamily="50" charset="-127"/>
-              </a:rPr>
-              <a:t>p2.c</a:t>
-            </a:r>
-            <a:endParaRPr lang="ko-KR" altLang="en-US" sz="1600" b="1" dirty="0">
-              <a:solidFill>
-                <a:prstClr val="black"/>
-              </a:solidFill>
-              <a:latin typeface="맑은 고딕" pitchFamily="50" charset="-127"/>
-              <a:ea typeface="맑은 고딕" pitchFamily="50" charset="-127"/>
+            <a:pPr marL="342900" indent="-342900">
+              <a:buFont typeface="Arial" panose="020B0604020202020204" pitchFamily="34" charset="0"/>
+              <a:buChar char="•"/>
+            </a:pPr>
+            <a:r>
+              <a:rPr lang="en-US" sz="1900" dirty="0">
+                <a:latin typeface="Oswald" pitchFamily="2" charset="0"/>
+              </a:rPr>
+              <a:t>The “original” p1 process prints its PID  which is 29146 – the </a:t>
+            </a:r>
+            <a:r>
+              <a:rPr lang="en-US" sz="1900" dirty="0">
+                <a:solidFill>
+                  <a:schemeClr val="accent6">
+                    <a:lumMod val="75000"/>
+                  </a:schemeClr>
+                </a:solidFill>
+                <a:latin typeface="Oswald" pitchFamily="2" charset="0"/>
+              </a:rPr>
+              <a:t>parent</a:t>
+            </a:r>
+            <a:r>
+              <a:rPr lang="en-US" sz="1900" dirty="0">
+                <a:latin typeface="Oswald" pitchFamily="2" charset="0"/>
+              </a:rPr>
+              <a:t> process </a:t>
+            </a:r>
+          </a:p>
+          <a:p>
+            <a:pPr marL="342900" indent="-342900">
+              <a:buFont typeface="Arial" panose="020B0604020202020204" pitchFamily="34" charset="0"/>
+              <a:buChar char="•"/>
+            </a:pPr>
+            <a:r>
+              <a:rPr lang="en-US" sz="1900" dirty="0">
+                <a:latin typeface="Oswald" pitchFamily="2" charset="0"/>
+              </a:rPr>
+              <a:t>Then a call to </a:t>
+            </a:r>
+            <a:r>
+              <a:rPr lang="en-US" sz="1900" dirty="0">
+                <a:latin typeface="Courier New" panose="02070309020205020404" pitchFamily="49" charset="0"/>
+                <a:cs typeface="Courier New" panose="02070309020205020404" pitchFamily="49" charset="0"/>
+              </a:rPr>
+              <a:t>fork()</a:t>
+            </a:r>
+            <a:r>
+              <a:rPr lang="en-US" sz="1900" dirty="0">
+                <a:latin typeface="Oswald" pitchFamily="2" charset="0"/>
+              </a:rPr>
+              <a:t> is made which creates a new process with PID 29417 that is (almost) similar to  the   parent process – the </a:t>
+            </a:r>
+            <a:r>
+              <a:rPr lang="en-US" sz="1900" dirty="0">
+                <a:solidFill>
+                  <a:schemeClr val="accent6">
+                    <a:lumMod val="75000"/>
+                  </a:schemeClr>
+                </a:solidFill>
+                <a:latin typeface="Oswald" pitchFamily="2" charset="0"/>
+              </a:rPr>
+              <a:t>child</a:t>
+            </a:r>
+            <a:r>
+              <a:rPr lang="en-US" sz="1900" dirty="0">
+                <a:latin typeface="Oswald" pitchFamily="2" charset="0"/>
+              </a:rPr>
+              <a:t> process</a:t>
+            </a:r>
+          </a:p>
+          <a:p>
+            <a:pPr marL="342900" indent="-342900">
+              <a:buFont typeface="Arial" panose="020B0604020202020204" pitchFamily="34" charset="0"/>
+              <a:buChar char="•"/>
+            </a:pPr>
+            <a:r>
+              <a:rPr lang="en-US" sz="1900" dirty="0">
+                <a:latin typeface="Oswald" pitchFamily="2" charset="0"/>
+              </a:rPr>
+              <a:t>Notice that the child process began execution after the call to </a:t>
+            </a:r>
+            <a:r>
+              <a:rPr lang="en-US" sz="1900" dirty="0">
+                <a:latin typeface="Courier New" panose="02070309020205020404" pitchFamily="49" charset="0"/>
+                <a:cs typeface="Courier New" panose="02070309020205020404" pitchFamily="49" charset="0"/>
+              </a:rPr>
+              <a:t>fork() </a:t>
+            </a:r>
+            <a:r>
+              <a:rPr lang="en-US" sz="1900" dirty="0">
+                <a:latin typeface="Oswald" pitchFamily="2" charset="0"/>
+              </a:rPr>
+              <a:t>instead of at the start of </a:t>
+            </a:r>
+            <a:r>
+              <a:rPr lang="en-US" sz="1900" dirty="0">
+                <a:latin typeface="Courier New" panose="02070309020205020404" pitchFamily="49" charset="0"/>
+                <a:cs typeface="Courier New" panose="02070309020205020404" pitchFamily="49" charset="0"/>
+              </a:rPr>
+              <a:t>main()</a:t>
+            </a:r>
+          </a:p>
+          <a:p>
+            <a:pPr marL="342900" indent="-342900">
+              <a:buFont typeface="Arial" panose="020B0604020202020204" pitchFamily="34" charset="0"/>
+              <a:buChar char="•"/>
+            </a:pPr>
+            <a:r>
+              <a:rPr lang="en-US" sz="1900" dirty="0">
+                <a:latin typeface="Oswald" pitchFamily="2" charset="0"/>
+              </a:rPr>
+              <a:t>The child process has its own private </a:t>
+            </a:r>
+            <a:r>
+              <a:rPr lang="en-US" sz="1900" b="1" dirty="0">
+                <a:latin typeface="Oswald" pitchFamily="2" charset="0"/>
+              </a:rPr>
+              <a:t>address space</a:t>
+            </a:r>
+            <a:r>
+              <a:rPr lang="en-US" sz="1900" dirty="0">
+                <a:latin typeface="Oswald" pitchFamily="2" charset="0"/>
+              </a:rPr>
+              <a:t>, </a:t>
+            </a:r>
+            <a:r>
+              <a:rPr lang="en-US" sz="1900" b="1" dirty="0">
+                <a:latin typeface="Oswald" pitchFamily="2" charset="0"/>
+              </a:rPr>
+              <a:t>registers</a:t>
+            </a:r>
+            <a:r>
+              <a:rPr lang="en-US" sz="1900" dirty="0">
+                <a:latin typeface="Oswald" pitchFamily="2" charset="0"/>
+              </a:rPr>
+              <a:t>, and </a:t>
+            </a:r>
+            <a:r>
+              <a:rPr lang="en-US" sz="1900" b="1" dirty="0">
+                <a:latin typeface="Oswald" pitchFamily="2" charset="0"/>
+              </a:rPr>
+              <a:t>PC </a:t>
+            </a:r>
+            <a:r>
+              <a:rPr lang="en-US" sz="1900" dirty="0">
+                <a:latin typeface="Oswald" pitchFamily="2" charset="0"/>
+              </a:rPr>
+              <a:t>which is</a:t>
+            </a:r>
+            <a:r>
+              <a:rPr lang="en-US" sz="1900" b="1" dirty="0">
+                <a:latin typeface="Oswald" pitchFamily="2" charset="0"/>
+              </a:rPr>
+              <a:t> </a:t>
+            </a:r>
+            <a:r>
+              <a:rPr lang="en-US" sz="1900" dirty="0">
+                <a:latin typeface="Oswald" pitchFamily="2" charset="0"/>
+              </a:rPr>
+              <a:t>different from parent         process</a:t>
+            </a:r>
+            <a:endParaRPr lang="en-US" sz="1900" b="1" dirty="0">
+              <a:latin typeface="Oswald" pitchFamily="2" charset="0"/>
+            </a:endParaRPr>
+          </a:p>
+          <a:p>
+            <a:pPr marL="342900" indent="-342900">
+              <a:buFont typeface="Arial" panose="020B0604020202020204" pitchFamily="34" charset="0"/>
+              <a:buChar char="•"/>
+            </a:pPr>
+            <a:r>
+              <a:rPr lang="en-US" sz="1900" dirty="0">
+                <a:latin typeface="Courier New" panose="02070309020205020404" pitchFamily="49" charset="0"/>
+                <a:cs typeface="Courier New" panose="02070309020205020404" pitchFamily="49" charset="0"/>
+              </a:rPr>
+              <a:t>fork()</a:t>
+            </a:r>
+            <a:r>
+              <a:rPr lang="en-US" sz="1900" b="1" dirty="0">
+                <a:latin typeface="Oswald" pitchFamily="2" charset="0"/>
+              </a:rPr>
+              <a:t> </a:t>
+            </a:r>
+            <a:r>
+              <a:rPr lang="en-US" sz="1900" dirty="0">
+                <a:latin typeface="Oswald" pitchFamily="2" charset="0"/>
+              </a:rPr>
+              <a:t>returns </a:t>
+            </a:r>
+            <a:r>
+              <a:rPr lang="en-US" sz="1900" b="1" dirty="0">
+                <a:latin typeface="Oswald" pitchFamily="2" charset="0"/>
+              </a:rPr>
+              <a:t>zero(0)</a:t>
+            </a:r>
+            <a:r>
+              <a:rPr lang="en-US" sz="1900" dirty="0">
+                <a:latin typeface="Oswald" pitchFamily="2" charset="0"/>
+              </a:rPr>
+              <a:t> to the child process and the </a:t>
+            </a:r>
+            <a:r>
+              <a:rPr lang="en-US" sz="1900" b="1" dirty="0">
+                <a:latin typeface="Oswald" pitchFamily="2" charset="0"/>
+              </a:rPr>
+              <a:t>child PID </a:t>
+            </a:r>
+            <a:r>
+              <a:rPr lang="en-US" sz="1900" dirty="0">
+                <a:latin typeface="Oswald" pitchFamily="2" charset="0"/>
+              </a:rPr>
+              <a:t>to the parent process</a:t>
+            </a:r>
+          </a:p>
+          <a:p>
+            <a:pPr marL="342900" indent="-342900">
+              <a:buFont typeface="Arial" panose="020B0604020202020204" pitchFamily="34" charset="0"/>
+              <a:buChar char="•"/>
+            </a:pPr>
+            <a:r>
+              <a:rPr lang="en-US" sz="1900" dirty="0">
+                <a:latin typeface="Oswald" pitchFamily="2" charset="0"/>
+              </a:rPr>
+              <a:t>The order of execution of the parent and child processes is </a:t>
+            </a:r>
+            <a:r>
+              <a:rPr lang="en-US" sz="1900" b="1" dirty="0">
+                <a:latin typeface="Oswald" pitchFamily="2" charset="0"/>
+              </a:rPr>
+              <a:t>non-deterministic</a:t>
+            </a:r>
+            <a:r>
+              <a:rPr lang="en-US" sz="1900" dirty="0">
+                <a:latin typeface="Oswald" pitchFamily="2" charset="0"/>
+              </a:rPr>
+              <a:t>, dependent on the </a:t>
+            </a:r>
+            <a:r>
+              <a:rPr lang="en-US" sz="1900" b="1" dirty="0">
+                <a:latin typeface="Oswald" pitchFamily="2" charset="0"/>
+              </a:rPr>
+              <a:t>scheduler</a:t>
+            </a:r>
+            <a:endParaRPr lang="en-PH" sz="1900" dirty="0">
+              <a:latin typeface="Oswald" pitchFamily="2" charset="0"/>
             </a:endParaRPr>
           </a:p>
         </p:txBody>
@@ -8456,7 +10602,7 @@
     </p:spTree>
     <p:extLst>
       <p:ext uri="{BB962C8B-B14F-4D97-AF65-F5344CB8AC3E}">
-        <p14:creationId xmlns:p14="http://schemas.microsoft.com/office/powerpoint/2010/main" val="4068106546"/>
+        <p14:creationId xmlns:p14="http://schemas.microsoft.com/office/powerpoint/2010/main" val="4263464426"/>
       </p:ext>
     </p:extLst>
   </p:cSld>
@@ -8503,7 +10649,1448 @@
           <a:p>
             <a:r>
               <a:rPr lang="en-US" altLang="ko-KR" dirty="0"/>
-              <a:t>The wait() System Call (Cont.)</a:t>
+              <a:t>The wait() system call</a:t>
+            </a:r>
+            <a:endParaRPr lang="ko-KR" altLang="en-US" dirty="0"/>
+          </a:p>
+        </p:txBody>
+      </p:sp>
+      <p:sp>
+        <p:nvSpPr>
+          <p:cNvPr id="3" name="내용 개체 틀 2"/>
+          <p:cNvSpPr>
+            <a:spLocks noGrp="1"/>
+          </p:cNvSpPr>
+          <p:nvPr>
+            <p:ph idx="1"/>
+          </p:nvPr>
+        </p:nvSpPr>
+        <p:spPr/>
+        <p:txBody>
+          <a:bodyPr/>
+          <a:lstStyle/>
+          <a:p>
+            <a:r>
+              <a:rPr lang="en-US" altLang="ko-KR" dirty="0"/>
+              <a:t>Allows the parent process to </a:t>
+            </a:r>
+            <a:r>
+              <a:rPr lang="en-US" altLang="ko-KR" u="sng" dirty="0"/>
+              <a:t>wait</a:t>
+            </a:r>
+            <a:r>
+              <a:rPr lang="en-US" altLang="ko-KR" dirty="0"/>
+              <a:t> for the child process to finish first before continuing/terminating</a:t>
+            </a:r>
+          </a:p>
+          <a:p>
+            <a:r>
+              <a:rPr lang="en-US" altLang="ko-KR" dirty="0"/>
+              <a:t>This system call won’t return until the child has run and exited</a:t>
+            </a:r>
+            <a:endParaRPr lang="ko-KR" altLang="en-US" dirty="0"/>
+          </a:p>
+        </p:txBody>
+      </p:sp>
+      <p:sp>
+        <p:nvSpPr>
+          <p:cNvPr id="6" name="직사각형 5"/>
+          <p:cNvSpPr/>
+          <p:nvPr/>
+        </p:nvSpPr>
+        <p:spPr>
+          <a:xfrm>
+            <a:off x="2135560" y="2124139"/>
+            <a:ext cx="7992888" cy="4401205"/>
+          </a:xfrm>
+          <a:prstGeom prst="rect">
+            <a:avLst/>
+          </a:prstGeom>
+          <a:solidFill>
+            <a:schemeClr val="bg1"/>
+          </a:solidFill>
+          <a:ln w="12700">
+            <a:solidFill>
+              <a:schemeClr val="tx1"/>
+            </a:solidFill>
+          </a:ln>
+          <a:effectLst/>
+        </p:spPr>
+        <p:style>
+          <a:lnRef idx="3">
+            <a:schemeClr val="lt1"/>
+          </a:lnRef>
+          <a:fillRef idx="1">
+            <a:schemeClr val="accent1"/>
+          </a:fillRef>
+          <a:effectRef idx="1">
+            <a:schemeClr val="accent1"/>
+          </a:effectRef>
+          <a:fontRef idx="minor">
+            <a:schemeClr val="lt1"/>
+          </a:fontRef>
+        </p:style>
+        <p:txBody>
+          <a:bodyPr lIns="252000" rtlCol="0" anchor="ctr">
+            <a:spAutoFit/>
+          </a:bodyPr>
+          <a:lstStyle>
+            <a:defPPr>
+              <a:defRPr lang="ko-KR"/>
+            </a:defPPr>
+            <a:lvl1pPr marL="0" algn="l" defTabSz="914400" rtl="0" eaLnBrk="1" latinLnBrk="1" hangingPunct="1">
+              <a:defRPr sz="1800" kern="1200">
+                <a:solidFill>
+                  <a:schemeClr val="lt1"/>
+                </a:solidFill>
+                <a:latin typeface="+mn-lt"/>
+                <a:ea typeface="+mn-ea"/>
+                <a:cs typeface="+mn-cs"/>
+              </a:defRPr>
+            </a:lvl1pPr>
+            <a:lvl2pPr marL="457200" algn="l" defTabSz="914400" rtl="0" eaLnBrk="1" latinLnBrk="1" hangingPunct="1">
+              <a:defRPr sz="1800" kern="1200">
+                <a:solidFill>
+                  <a:schemeClr val="lt1"/>
+                </a:solidFill>
+                <a:latin typeface="+mn-lt"/>
+                <a:ea typeface="+mn-ea"/>
+                <a:cs typeface="+mn-cs"/>
+              </a:defRPr>
+            </a:lvl2pPr>
+            <a:lvl3pPr marL="914400" algn="l" defTabSz="914400" rtl="0" eaLnBrk="1" latinLnBrk="1" hangingPunct="1">
+              <a:defRPr sz="1800" kern="1200">
+                <a:solidFill>
+                  <a:schemeClr val="lt1"/>
+                </a:solidFill>
+                <a:latin typeface="+mn-lt"/>
+                <a:ea typeface="+mn-ea"/>
+                <a:cs typeface="+mn-cs"/>
+              </a:defRPr>
+            </a:lvl3pPr>
+            <a:lvl4pPr marL="1371600" algn="l" defTabSz="914400" rtl="0" eaLnBrk="1" latinLnBrk="1" hangingPunct="1">
+              <a:defRPr sz="1800" kern="1200">
+                <a:solidFill>
+                  <a:schemeClr val="lt1"/>
+                </a:solidFill>
+                <a:latin typeface="+mn-lt"/>
+                <a:ea typeface="+mn-ea"/>
+                <a:cs typeface="+mn-cs"/>
+              </a:defRPr>
+            </a:lvl4pPr>
+            <a:lvl5pPr marL="1828800" algn="l" defTabSz="914400" rtl="0" eaLnBrk="1" latinLnBrk="1" hangingPunct="1">
+              <a:defRPr sz="1800" kern="1200">
+                <a:solidFill>
+                  <a:schemeClr val="lt1"/>
+                </a:solidFill>
+                <a:latin typeface="+mn-lt"/>
+                <a:ea typeface="+mn-ea"/>
+                <a:cs typeface="+mn-cs"/>
+              </a:defRPr>
+            </a:lvl5pPr>
+            <a:lvl6pPr marL="2286000" algn="l" defTabSz="914400" rtl="0" eaLnBrk="1" latinLnBrk="1" hangingPunct="1">
+              <a:defRPr sz="1800" kern="1200">
+                <a:solidFill>
+                  <a:schemeClr val="lt1"/>
+                </a:solidFill>
+                <a:latin typeface="+mn-lt"/>
+                <a:ea typeface="+mn-ea"/>
+                <a:cs typeface="+mn-cs"/>
+              </a:defRPr>
+            </a:lvl6pPr>
+            <a:lvl7pPr marL="2743200" algn="l" defTabSz="914400" rtl="0" eaLnBrk="1" latinLnBrk="1" hangingPunct="1">
+              <a:defRPr sz="1800" kern="1200">
+                <a:solidFill>
+                  <a:schemeClr val="lt1"/>
+                </a:solidFill>
+                <a:latin typeface="+mn-lt"/>
+                <a:ea typeface="+mn-ea"/>
+                <a:cs typeface="+mn-cs"/>
+              </a:defRPr>
+            </a:lvl7pPr>
+            <a:lvl8pPr marL="3200400" algn="l" defTabSz="914400" rtl="0" eaLnBrk="1" latinLnBrk="1" hangingPunct="1">
+              <a:defRPr sz="1800" kern="1200">
+                <a:solidFill>
+                  <a:schemeClr val="lt1"/>
+                </a:solidFill>
+                <a:latin typeface="+mn-lt"/>
+                <a:ea typeface="+mn-ea"/>
+                <a:cs typeface="+mn-cs"/>
+              </a:defRPr>
+            </a:lvl8pPr>
+            <a:lvl9pPr marL="3657600" algn="l" defTabSz="914400" rtl="0" eaLnBrk="1" latinLnBrk="1" hangingPunct="1">
+              <a:defRPr sz="1800" kern="1200">
+                <a:solidFill>
+                  <a:schemeClr val="lt1"/>
+                </a:solidFill>
+                <a:latin typeface="+mn-lt"/>
+                <a:ea typeface="+mn-ea"/>
+                <a:cs typeface="+mn-cs"/>
+              </a:defRPr>
+            </a:lvl9pPr>
+          </a:lstStyle>
+          <a:p>
+            <a:r>
+              <a:rPr lang="en-US" altLang="ko-KR" sz="1400" dirty="0">
+                <a:solidFill>
+                  <a:prstClr val="black"/>
+                </a:solidFill>
+                <a:latin typeface="Courier New" pitchFamily="49" charset="0"/>
+                <a:ea typeface="맑은 고딕" pitchFamily="50" charset="-127"/>
+                <a:cs typeface="Courier New" pitchFamily="49" charset="0"/>
+              </a:rPr>
+              <a:t>#include &lt;</a:t>
+            </a:r>
+            <a:r>
+              <a:rPr lang="en-US" altLang="ko-KR" sz="1400" dirty="0" err="1">
+                <a:solidFill>
+                  <a:prstClr val="black"/>
+                </a:solidFill>
+                <a:latin typeface="Courier New" pitchFamily="49" charset="0"/>
+                <a:ea typeface="맑은 고딕" pitchFamily="50" charset="-127"/>
+                <a:cs typeface="Courier New" pitchFamily="49" charset="0"/>
+              </a:rPr>
+              <a:t>stdio.h</a:t>
+            </a:r>
+            <a:r>
+              <a:rPr lang="en-US" altLang="ko-KR" sz="1400" dirty="0">
+                <a:solidFill>
+                  <a:prstClr val="black"/>
+                </a:solidFill>
+                <a:latin typeface="Courier New" pitchFamily="49" charset="0"/>
+                <a:ea typeface="맑은 고딕" pitchFamily="50" charset="-127"/>
+                <a:cs typeface="Courier New" pitchFamily="49" charset="0"/>
+              </a:rPr>
+              <a:t>&gt;</a:t>
+            </a:r>
+          </a:p>
+          <a:p>
+            <a:r>
+              <a:rPr lang="en-US" altLang="ko-KR" sz="1400" dirty="0">
+                <a:solidFill>
+                  <a:prstClr val="black"/>
+                </a:solidFill>
+                <a:latin typeface="Courier New" pitchFamily="49" charset="0"/>
+                <a:ea typeface="맑은 고딕" pitchFamily="50" charset="-127"/>
+                <a:cs typeface="Courier New" pitchFamily="49" charset="0"/>
+              </a:rPr>
+              <a:t>#include &lt;</a:t>
+            </a:r>
+            <a:r>
+              <a:rPr lang="en-US" altLang="ko-KR" sz="1400" dirty="0" err="1">
+                <a:solidFill>
+                  <a:prstClr val="black"/>
+                </a:solidFill>
+                <a:latin typeface="Courier New" pitchFamily="49" charset="0"/>
+                <a:ea typeface="맑은 고딕" pitchFamily="50" charset="-127"/>
+                <a:cs typeface="Courier New" pitchFamily="49" charset="0"/>
+              </a:rPr>
+              <a:t>stdlib.h</a:t>
+            </a:r>
+            <a:r>
+              <a:rPr lang="en-US" altLang="ko-KR" sz="1400" dirty="0">
+                <a:solidFill>
+                  <a:prstClr val="black"/>
+                </a:solidFill>
+                <a:latin typeface="Courier New" pitchFamily="49" charset="0"/>
+                <a:ea typeface="맑은 고딕" pitchFamily="50" charset="-127"/>
+                <a:cs typeface="Courier New" pitchFamily="49" charset="0"/>
+              </a:rPr>
+              <a:t>&gt;</a:t>
+            </a:r>
+          </a:p>
+          <a:p>
+            <a:r>
+              <a:rPr lang="en-US" altLang="ko-KR" sz="1400" dirty="0">
+                <a:solidFill>
+                  <a:prstClr val="black"/>
+                </a:solidFill>
+                <a:latin typeface="Courier New" pitchFamily="49" charset="0"/>
+                <a:ea typeface="맑은 고딕" pitchFamily="50" charset="-127"/>
+                <a:cs typeface="Courier New" pitchFamily="49" charset="0"/>
+              </a:rPr>
+              <a:t>#include &lt;</a:t>
+            </a:r>
+            <a:r>
+              <a:rPr lang="en-US" altLang="ko-KR" sz="1400" dirty="0" err="1">
+                <a:solidFill>
+                  <a:prstClr val="black"/>
+                </a:solidFill>
+                <a:latin typeface="Courier New" pitchFamily="49" charset="0"/>
+                <a:ea typeface="맑은 고딕" pitchFamily="50" charset="-127"/>
+                <a:cs typeface="Courier New" pitchFamily="49" charset="0"/>
+              </a:rPr>
+              <a:t>unistd.h</a:t>
+            </a:r>
+            <a:r>
+              <a:rPr lang="en-US" altLang="ko-KR" sz="1400" dirty="0">
+                <a:solidFill>
+                  <a:prstClr val="black"/>
+                </a:solidFill>
+                <a:latin typeface="Courier New" pitchFamily="49" charset="0"/>
+                <a:ea typeface="맑은 고딕" pitchFamily="50" charset="-127"/>
+                <a:cs typeface="Courier New" pitchFamily="49" charset="0"/>
+              </a:rPr>
+              <a:t>&gt;</a:t>
+            </a:r>
+          </a:p>
+          <a:p>
+            <a:r>
+              <a:rPr lang="en-US" altLang="ko-KR" sz="1400" dirty="0">
+                <a:solidFill>
+                  <a:prstClr val="black"/>
+                </a:solidFill>
+                <a:latin typeface="Courier New" pitchFamily="49" charset="0"/>
+                <a:ea typeface="맑은 고딕" pitchFamily="50" charset="-127"/>
+                <a:cs typeface="Courier New" pitchFamily="49" charset="0"/>
+              </a:rPr>
+              <a:t>#include &lt;sys/</a:t>
+            </a:r>
+            <a:r>
+              <a:rPr lang="en-US" altLang="ko-KR" sz="1400" dirty="0" err="1">
+                <a:solidFill>
+                  <a:prstClr val="black"/>
+                </a:solidFill>
+                <a:latin typeface="Courier New" pitchFamily="49" charset="0"/>
+                <a:ea typeface="맑은 고딕" pitchFamily="50" charset="-127"/>
+                <a:cs typeface="Courier New" pitchFamily="49" charset="0"/>
+              </a:rPr>
+              <a:t>wait.h</a:t>
+            </a:r>
+            <a:r>
+              <a:rPr lang="en-US" altLang="ko-KR" sz="1400" dirty="0">
+                <a:solidFill>
+                  <a:prstClr val="black"/>
+                </a:solidFill>
+                <a:latin typeface="Courier New" pitchFamily="49" charset="0"/>
+                <a:ea typeface="맑은 고딕" pitchFamily="50" charset="-127"/>
+                <a:cs typeface="Courier New" pitchFamily="49" charset="0"/>
+              </a:rPr>
+              <a:t>&gt;</a:t>
+            </a:r>
+          </a:p>
+          <a:p>
+            <a:endParaRPr lang="en-US" altLang="ko-KR" sz="1400" dirty="0">
+              <a:solidFill>
+                <a:prstClr val="black"/>
+              </a:solidFill>
+              <a:latin typeface="Courier New" pitchFamily="49" charset="0"/>
+              <a:ea typeface="맑은 고딕" pitchFamily="50" charset="-127"/>
+              <a:cs typeface="Courier New" pitchFamily="49" charset="0"/>
+            </a:endParaRPr>
+          </a:p>
+          <a:p>
+            <a:r>
+              <a:rPr lang="en-US" altLang="ko-KR" sz="1400" dirty="0" err="1">
+                <a:solidFill>
+                  <a:srgbClr val="00B050"/>
+                </a:solidFill>
+                <a:latin typeface="Courier New" pitchFamily="49" charset="0"/>
+                <a:ea typeface="맑은 고딕" pitchFamily="50" charset="-127"/>
+                <a:cs typeface="Courier New" pitchFamily="49" charset="0"/>
+              </a:rPr>
+              <a:t>int</a:t>
+            </a:r>
+            <a:r>
+              <a:rPr lang="en-US" altLang="ko-KR" sz="1400" dirty="0">
+                <a:solidFill>
+                  <a:prstClr val="black"/>
+                </a:solidFill>
+                <a:latin typeface="Courier New" pitchFamily="49" charset="0"/>
+                <a:ea typeface="맑은 고딕" pitchFamily="50" charset="-127"/>
+                <a:cs typeface="Courier New" pitchFamily="49" charset="0"/>
+              </a:rPr>
+              <a:t> main(</a:t>
+            </a:r>
+            <a:r>
+              <a:rPr lang="en-US" altLang="ko-KR" sz="1400" dirty="0" err="1">
+                <a:solidFill>
+                  <a:srgbClr val="00B050"/>
+                </a:solidFill>
+                <a:latin typeface="Courier New" pitchFamily="49" charset="0"/>
+                <a:ea typeface="맑은 고딕" pitchFamily="50" charset="-127"/>
+                <a:cs typeface="Courier New" pitchFamily="49" charset="0"/>
+              </a:rPr>
+              <a:t>int</a:t>
+            </a:r>
+            <a:r>
+              <a:rPr lang="en-US" altLang="ko-KR" sz="1400" dirty="0">
+                <a:solidFill>
+                  <a:prstClr val="black"/>
+                </a:solidFill>
+                <a:latin typeface="Courier New" pitchFamily="49" charset="0"/>
+                <a:ea typeface="맑은 고딕" pitchFamily="50" charset="-127"/>
+                <a:cs typeface="Courier New" pitchFamily="49" charset="0"/>
+              </a:rPr>
+              <a:t> </a:t>
+            </a:r>
+            <a:r>
+              <a:rPr lang="en-US" altLang="ko-KR" sz="1400" dirty="0" err="1">
+                <a:solidFill>
+                  <a:prstClr val="black"/>
+                </a:solidFill>
+                <a:latin typeface="Courier New" pitchFamily="49" charset="0"/>
+                <a:ea typeface="맑은 고딕" pitchFamily="50" charset="-127"/>
+                <a:cs typeface="Courier New" pitchFamily="49" charset="0"/>
+              </a:rPr>
+              <a:t>argc</a:t>
+            </a:r>
+            <a:r>
+              <a:rPr lang="en-US" altLang="ko-KR" sz="1400" dirty="0">
+                <a:solidFill>
+                  <a:prstClr val="black"/>
+                </a:solidFill>
+                <a:latin typeface="Courier New" pitchFamily="49" charset="0"/>
+                <a:ea typeface="맑은 고딕" pitchFamily="50" charset="-127"/>
+                <a:cs typeface="Courier New" pitchFamily="49" charset="0"/>
+              </a:rPr>
+              <a:t>, </a:t>
+            </a:r>
+            <a:r>
+              <a:rPr lang="en-US" altLang="ko-KR" sz="1400" dirty="0">
+                <a:solidFill>
+                  <a:srgbClr val="00B050"/>
+                </a:solidFill>
+                <a:latin typeface="Courier New" pitchFamily="49" charset="0"/>
+                <a:ea typeface="맑은 고딕" pitchFamily="50" charset="-127"/>
+                <a:cs typeface="Courier New" pitchFamily="49" charset="0"/>
+              </a:rPr>
+              <a:t>char</a:t>
+            </a:r>
+            <a:r>
+              <a:rPr lang="en-US" altLang="ko-KR" sz="1400" dirty="0">
+                <a:solidFill>
+                  <a:prstClr val="black"/>
+                </a:solidFill>
+                <a:latin typeface="Courier New" pitchFamily="49" charset="0"/>
+                <a:ea typeface="맑은 고딕" pitchFamily="50" charset="-127"/>
+                <a:cs typeface="Courier New" pitchFamily="49" charset="0"/>
+              </a:rPr>
+              <a:t> *</a:t>
+            </a:r>
+            <a:r>
+              <a:rPr lang="en-US" altLang="ko-KR" sz="1400" dirty="0" err="1">
+                <a:solidFill>
+                  <a:prstClr val="black"/>
+                </a:solidFill>
+                <a:latin typeface="Courier New" pitchFamily="49" charset="0"/>
+                <a:ea typeface="맑은 고딕" pitchFamily="50" charset="-127"/>
+                <a:cs typeface="Courier New" pitchFamily="49" charset="0"/>
+              </a:rPr>
+              <a:t>argv</a:t>
+            </a:r>
+            <a:r>
+              <a:rPr lang="en-US" altLang="ko-KR" sz="1400" dirty="0">
+                <a:solidFill>
+                  <a:prstClr val="black"/>
+                </a:solidFill>
+                <a:latin typeface="Courier New" pitchFamily="49" charset="0"/>
+                <a:ea typeface="맑은 고딕" pitchFamily="50" charset="-127"/>
+                <a:cs typeface="Courier New" pitchFamily="49" charset="0"/>
+              </a:rPr>
+              <a:t>[]){</a:t>
+            </a:r>
+          </a:p>
+          <a:p>
+            <a:r>
+              <a:rPr lang="en-US" altLang="ko-KR" sz="1400" dirty="0">
+                <a:solidFill>
+                  <a:prstClr val="black"/>
+                </a:solidFill>
+                <a:latin typeface="Courier New" pitchFamily="49" charset="0"/>
+                <a:ea typeface="맑은 고딕" pitchFamily="50" charset="-127"/>
+                <a:cs typeface="Courier New" pitchFamily="49" charset="0"/>
+              </a:rPr>
+              <a:t>    </a:t>
+            </a:r>
+            <a:r>
+              <a:rPr lang="en-US" altLang="ko-KR" sz="1400" dirty="0" err="1">
+                <a:solidFill>
+                  <a:prstClr val="black"/>
+                </a:solidFill>
+                <a:latin typeface="Courier New" pitchFamily="49" charset="0"/>
+                <a:ea typeface="맑은 고딕" pitchFamily="50" charset="-127"/>
+                <a:cs typeface="Courier New" pitchFamily="49" charset="0"/>
+              </a:rPr>
+              <a:t>printf</a:t>
+            </a:r>
+            <a:r>
+              <a:rPr lang="en-US" altLang="ko-KR" sz="1400" dirty="0">
+                <a:solidFill>
+                  <a:prstClr val="black"/>
+                </a:solidFill>
+                <a:latin typeface="Courier New" pitchFamily="49" charset="0"/>
+                <a:ea typeface="맑은 고딕" pitchFamily="50" charset="-127"/>
+                <a:cs typeface="Courier New" pitchFamily="49" charset="0"/>
+              </a:rPr>
+              <a:t>("hello world (</a:t>
+            </a:r>
+            <a:r>
+              <a:rPr lang="en-US" altLang="ko-KR" sz="1400" dirty="0" err="1">
+                <a:solidFill>
+                  <a:prstClr val="black"/>
+                </a:solidFill>
+                <a:latin typeface="Courier New" pitchFamily="49" charset="0"/>
+                <a:ea typeface="맑은 고딕" pitchFamily="50" charset="-127"/>
+                <a:cs typeface="Courier New" pitchFamily="49" charset="0"/>
+              </a:rPr>
+              <a:t>pid</a:t>
+            </a:r>
+            <a:r>
+              <a:rPr lang="en-US" altLang="ko-KR" sz="1400" dirty="0">
+                <a:solidFill>
+                  <a:prstClr val="black"/>
+                </a:solidFill>
+                <a:latin typeface="Courier New" pitchFamily="49" charset="0"/>
+                <a:ea typeface="맑은 고딕" pitchFamily="50" charset="-127"/>
+                <a:cs typeface="Courier New" pitchFamily="49" charset="0"/>
+              </a:rPr>
+              <a:t>:%d)\n", (</a:t>
+            </a:r>
+            <a:r>
+              <a:rPr lang="en-US" altLang="ko-KR" sz="1400" dirty="0" err="1">
+                <a:solidFill>
+                  <a:srgbClr val="00B050"/>
+                </a:solidFill>
+                <a:latin typeface="Courier New" pitchFamily="49" charset="0"/>
+                <a:ea typeface="맑은 고딕" pitchFamily="50" charset="-127"/>
+                <a:cs typeface="Courier New" pitchFamily="49" charset="0"/>
+              </a:rPr>
+              <a:t>int</a:t>
+            </a:r>
+            <a:r>
+              <a:rPr lang="en-US" altLang="ko-KR" sz="1400" dirty="0">
+                <a:solidFill>
+                  <a:prstClr val="black"/>
+                </a:solidFill>
+                <a:latin typeface="Courier New" pitchFamily="49" charset="0"/>
+                <a:ea typeface="맑은 고딕" pitchFamily="50" charset="-127"/>
+                <a:cs typeface="Courier New" pitchFamily="49" charset="0"/>
+              </a:rPr>
+              <a:t>) </a:t>
+            </a:r>
+            <a:r>
+              <a:rPr lang="en-US" altLang="ko-KR" sz="1400" dirty="0" err="1">
+                <a:solidFill>
+                  <a:prstClr val="black"/>
+                </a:solidFill>
+                <a:latin typeface="Courier New" pitchFamily="49" charset="0"/>
+                <a:ea typeface="맑은 고딕" pitchFamily="50" charset="-127"/>
+                <a:cs typeface="Courier New" pitchFamily="49" charset="0"/>
+              </a:rPr>
+              <a:t>getpid</a:t>
+            </a:r>
+            <a:r>
+              <a:rPr lang="en-US" altLang="ko-KR" sz="1400" dirty="0">
+                <a:solidFill>
+                  <a:prstClr val="black"/>
+                </a:solidFill>
+                <a:latin typeface="Courier New" pitchFamily="49" charset="0"/>
+                <a:ea typeface="맑은 고딕" pitchFamily="50" charset="-127"/>
+                <a:cs typeface="Courier New" pitchFamily="49" charset="0"/>
+              </a:rPr>
+              <a:t>());</a:t>
+            </a:r>
+          </a:p>
+          <a:p>
+            <a:r>
+              <a:rPr lang="en-US" altLang="ko-KR" sz="1400" dirty="0">
+                <a:solidFill>
+                  <a:prstClr val="black"/>
+                </a:solidFill>
+                <a:latin typeface="Courier New" pitchFamily="49" charset="0"/>
+                <a:ea typeface="맑은 고딕" pitchFamily="50" charset="-127"/>
+                <a:cs typeface="Courier New" pitchFamily="49" charset="0"/>
+              </a:rPr>
+              <a:t>    </a:t>
+            </a:r>
+            <a:r>
+              <a:rPr lang="en-US" altLang="ko-KR" sz="1400" dirty="0" err="1">
+                <a:solidFill>
+                  <a:srgbClr val="00B050"/>
+                </a:solidFill>
+                <a:latin typeface="Courier New" pitchFamily="49" charset="0"/>
+                <a:ea typeface="맑은 고딕" pitchFamily="50" charset="-127"/>
+                <a:cs typeface="Courier New" pitchFamily="49" charset="0"/>
+              </a:rPr>
+              <a:t>int</a:t>
+            </a:r>
+            <a:r>
+              <a:rPr lang="en-US" altLang="ko-KR" sz="1400" dirty="0">
+                <a:solidFill>
+                  <a:prstClr val="black"/>
+                </a:solidFill>
+                <a:latin typeface="Courier New" pitchFamily="49" charset="0"/>
+                <a:ea typeface="맑은 고딕" pitchFamily="50" charset="-127"/>
+                <a:cs typeface="Courier New" pitchFamily="49" charset="0"/>
+              </a:rPr>
+              <a:t> </a:t>
+            </a:r>
+            <a:r>
+              <a:rPr lang="en-US" altLang="ko-KR" sz="1400" dirty="0" err="1">
+                <a:solidFill>
+                  <a:prstClr val="black"/>
+                </a:solidFill>
+                <a:latin typeface="Courier New" pitchFamily="49" charset="0"/>
+                <a:ea typeface="맑은 고딕" pitchFamily="50" charset="-127"/>
+                <a:cs typeface="Courier New" pitchFamily="49" charset="0"/>
+              </a:rPr>
+              <a:t>rc</a:t>
+            </a:r>
+            <a:r>
+              <a:rPr lang="en-US" altLang="ko-KR" sz="1400" dirty="0">
+                <a:solidFill>
+                  <a:prstClr val="black"/>
+                </a:solidFill>
+                <a:latin typeface="Courier New" pitchFamily="49" charset="0"/>
+                <a:ea typeface="맑은 고딕" pitchFamily="50" charset="-127"/>
+                <a:cs typeface="Courier New" pitchFamily="49" charset="0"/>
+              </a:rPr>
+              <a:t> = fork();</a:t>
+            </a:r>
+          </a:p>
+          <a:p>
+            <a:r>
+              <a:rPr lang="en-US" altLang="ko-KR" sz="1400" dirty="0">
+                <a:solidFill>
+                  <a:prstClr val="black"/>
+                </a:solidFill>
+                <a:latin typeface="Courier New" pitchFamily="49" charset="0"/>
+                <a:ea typeface="맑은 고딕" pitchFamily="50" charset="-127"/>
+                <a:cs typeface="Courier New" pitchFamily="49" charset="0"/>
+              </a:rPr>
+              <a:t>    </a:t>
+            </a:r>
+            <a:r>
+              <a:rPr lang="en-US" altLang="ko-KR" sz="1400" dirty="0">
+                <a:solidFill>
+                  <a:srgbClr val="F79646">
+                    <a:lumMod val="75000"/>
+                  </a:srgbClr>
+                </a:solidFill>
+                <a:latin typeface="Courier New" pitchFamily="49" charset="0"/>
+                <a:ea typeface="맑은 고딕" pitchFamily="50" charset="-127"/>
+                <a:cs typeface="Courier New" pitchFamily="49" charset="0"/>
+              </a:rPr>
+              <a:t>if</a:t>
+            </a:r>
+            <a:r>
+              <a:rPr lang="en-US" altLang="ko-KR" sz="1400" dirty="0">
+                <a:solidFill>
+                  <a:prstClr val="black"/>
+                </a:solidFill>
+                <a:latin typeface="Courier New" pitchFamily="49" charset="0"/>
+                <a:ea typeface="맑은 고딕" pitchFamily="50" charset="-127"/>
+                <a:cs typeface="Courier New" pitchFamily="49" charset="0"/>
+              </a:rPr>
+              <a:t> (</a:t>
+            </a:r>
+            <a:r>
+              <a:rPr lang="en-US" altLang="ko-KR" sz="1400" dirty="0" err="1">
+                <a:solidFill>
+                  <a:prstClr val="black"/>
+                </a:solidFill>
+                <a:latin typeface="Courier New" pitchFamily="49" charset="0"/>
+                <a:ea typeface="맑은 고딕" pitchFamily="50" charset="-127"/>
+                <a:cs typeface="Courier New" pitchFamily="49" charset="0"/>
+              </a:rPr>
+              <a:t>rc</a:t>
+            </a:r>
+            <a:r>
+              <a:rPr lang="en-US" altLang="ko-KR" sz="1400" dirty="0">
+                <a:solidFill>
+                  <a:prstClr val="black"/>
+                </a:solidFill>
+                <a:latin typeface="Courier New" pitchFamily="49" charset="0"/>
+                <a:ea typeface="맑은 고딕" pitchFamily="50" charset="-127"/>
+                <a:cs typeface="Courier New" pitchFamily="49" charset="0"/>
+              </a:rPr>
+              <a:t> &lt; </a:t>
+            </a:r>
+            <a:r>
+              <a:rPr lang="en-US" altLang="ko-KR" sz="1400" dirty="0">
+                <a:solidFill>
+                  <a:srgbClr val="FF0000"/>
+                </a:solidFill>
+                <a:latin typeface="Courier New" pitchFamily="49" charset="0"/>
+                <a:ea typeface="맑은 고딕" pitchFamily="50" charset="-127"/>
+                <a:cs typeface="Courier New" pitchFamily="49" charset="0"/>
+              </a:rPr>
+              <a:t>0</a:t>
+            </a:r>
+            <a:r>
+              <a:rPr lang="en-US" altLang="ko-KR" sz="1400" dirty="0">
+                <a:solidFill>
+                  <a:prstClr val="black"/>
+                </a:solidFill>
+                <a:latin typeface="Courier New" pitchFamily="49" charset="0"/>
+                <a:ea typeface="맑은 고딕" pitchFamily="50" charset="-127"/>
+                <a:cs typeface="Courier New" pitchFamily="49" charset="0"/>
+              </a:rPr>
+              <a:t>) { 	</a:t>
+            </a:r>
+            <a:r>
+              <a:rPr lang="en-US" altLang="ko-KR" sz="1400" dirty="0">
+                <a:solidFill>
+                  <a:srgbClr val="00B0F0"/>
+                </a:solidFill>
+                <a:latin typeface="Courier New" pitchFamily="49" charset="0"/>
+                <a:ea typeface="맑은 고딕" pitchFamily="50" charset="-127"/>
+                <a:cs typeface="Courier New" pitchFamily="49" charset="0"/>
+              </a:rPr>
+              <a:t>// fork failed; exit</a:t>
+            </a:r>
+          </a:p>
+          <a:p>
+            <a:r>
+              <a:rPr lang="en-US" altLang="ko-KR" sz="1400" dirty="0">
+                <a:solidFill>
+                  <a:prstClr val="black"/>
+                </a:solidFill>
+                <a:latin typeface="Courier New" pitchFamily="49" charset="0"/>
+                <a:ea typeface="맑은 고딕" pitchFamily="50" charset="-127"/>
+                <a:cs typeface="Courier New" pitchFamily="49" charset="0"/>
+              </a:rPr>
+              <a:t>        </a:t>
+            </a:r>
+            <a:r>
+              <a:rPr lang="en-US" altLang="ko-KR" sz="1400" dirty="0" err="1">
+                <a:solidFill>
+                  <a:prstClr val="black"/>
+                </a:solidFill>
+                <a:latin typeface="Courier New" pitchFamily="49" charset="0"/>
+                <a:ea typeface="맑은 고딕" pitchFamily="50" charset="-127"/>
+                <a:cs typeface="Courier New" pitchFamily="49" charset="0"/>
+              </a:rPr>
+              <a:t>fprintf</a:t>
+            </a:r>
+            <a:r>
+              <a:rPr lang="en-US" altLang="ko-KR" sz="1400" dirty="0">
+                <a:solidFill>
+                  <a:prstClr val="black"/>
+                </a:solidFill>
+                <a:latin typeface="Courier New" pitchFamily="49" charset="0"/>
+                <a:ea typeface="맑은 고딕" pitchFamily="50" charset="-127"/>
+                <a:cs typeface="Courier New" pitchFamily="49" charset="0"/>
+              </a:rPr>
+              <a:t>(</a:t>
+            </a:r>
+            <a:r>
+              <a:rPr lang="en-US" altLang="ko-KR" sz="1400" dirty="0" err="1">
+                <a:solidFill>
+                  <a:prstClr val="black"/>
+                </a:solidFill>
+                <a:latin typeface="Courier New" pitchFamily="49" charset="0"/>
+                <a:ea typeface="맑은 고딕" pitchFamily="50" charset="-127"/>
+                <a:cs typeface="Courier New" pitchFamily="49" charset="0"/>
+              </a:rPr>
+              <a:t>stderr</a:t>
+            </a:r>
+            <a:r>
+              <a:rPr lang="en-US" altLang="ko-KR" sz="1400" dirty="0">
+                <a:solidFill>
+                  <a:prstClr val="black"/>
+                </a:solidFill>
+                <a:latin typeface="Courier New" pitchFamily="49" charset="0"/>
+                <a:ea typeface="맑은 고딕" pitchFamily="50" charset="-127"/>
+                <a:cs typeface="Courier New" pitchFamily="49" charset="0"/>
+              </a:rPr>
+              <a:t>, "fork failed\n");</a:t>
+            </a:r>
+          </a:p>
+          <a:p>
+            <a:r>
+              <a:rPr lang="en-US" altLang="ko-KR" sz="1400" dirty="0">
+                <a:solidFill>
+                  <a:prstClr val="black"/>
+                </a:solidFill>
+                <a:latin typeface="Courier New" pitchFamily="49" charset="0"/>
+                <a:ea typeface="맑은 고딕" pitchFamily="50" charset="-127"/>
+                <a:cs typeface="Courier New" pitchFamily="49" charset="0"/>
+              </a:rPr>
+              <a:t>        exit(1);</a:t>
+            </a:r>
+          </a:p>
+          <a:p>
+            <a:r>
+              <a:rPr lang="en-US" altLang="ko-KR" sz="1400" dirty="0">
+                <a:solidFill>
+                  <a:prstClr val="black"/>
+                </a:solidFill>
+                <a:latin typeface="Courier New" pitchFamily="49" charset="0"/>
+                <a:ea typeface="맑은 고딕" pitchFamily="50" charset="-127"/>
+                <a:cs typeface="Courier New" pitchFamily="49" charset="0"/>
+              </a:rPr>
+              <a:t>    } </a:t>
+            </a:r>
+            <a:r>
+              <a:rPr lang="en-US" altLang="ko-KR" sz="1400" dirty="0">
+                <a:solidFill>
+                  <a:srgbClr val="F79646">
+                    <a:lumMod val="75000"/>
+                  </a:srgbClr>
+                </a:solidFill>
+                <a:latin typeface="Courier New" pitchFamily="49" charset="0"/>
+                <a:ea typeface="맑은 고딕" pitchFamily="50" charset="-127"/>
+                <a:cs typeface="Courier New" pitchFamily="49" charset="0"/>
+              </a:rPr>
+              <a:t>else if </a:t>
+            </a:r>
+            <a:r>
+              <a:rPr lang="en-US" altLang="ko-KR" sz="1400" dirty="0">
+                <a:solidFill>
+                  <a:prstClr val="black"/>
+                </a:solidFill>
+                <a:latin typeface="Courier New" pitchFamily="49" charset="0"/>
+                <a:ea typeface="맑은 고딕" pitchFamily="50" charset="-127"/>
+                <a:cs typeface="Courier New" pitchFamily="49" charset="0"/>
+              </a:rPr>
+              <a:t>(</a:t>
+            </a:r>
+            <a:r>
+              <a:rPr lang="en-US" altLang="ko-KR" sz="1400" dirty="0" err="1">
+                <a:solidFill>
+                  <a:prstClr val="black"/>
+                </a:solidFill>
+                <a:latin typeface="Courier New" pitchFamily="49" charset="0"/>
+                <a:ea typeface="맑은 고딕" pitchFamily="50" charset="-127"/>
+                <a:cs typeface="Courier New" pitchFamily="49" charset="0"/>
+              </a:rPr>
+              <a:t>rc</a:t>
+            </a:r>
+            <a:r>
+              <a:rPr lang="en-US" altLang="ko-KR" sz="1400" dirty="0">
+                <a:solidFill>
+                  <a:prstClr val="black"/>
+                </a:solidFill>
+                <a:latin typeface="Courier New" pitchFamily="49" charset="0"/>
+                <a:ea typeface="맑은 고딕" pitchFamily="50" charset="-127"/>
+                <a:cs typeface="Courier New" pitchFamily="49" charset="0"/>
+              </a:rPr>
+              <a:t> == </a:t>
+            </a:r>
+            <a:r>
+              <a:rPr lang="en-US" altLang="ko-KR" sz="1400" dirty="0">
+                <a:solidFill>
+                  <a:srgbClr val="FF0000"/>
+                </a:solidFill>
+                <a:latin typeface="Courier New" pitchFamily="49" charset="0"/>
+                <a:ea typeface="맑은 고딕" pitchFamily="50" charset="-127"/>
+                <a:cs typeface="Courier New" pitchFamily="49" charset="0"/>
+              </a:rPr>
+              <a:t>0</a:t>
+            </a:r>
+            <a:r>
+              <a:rPr lang="en-US" altLang="ko-KR" sz="1400" dirty="0">
+                <a:solidFill>
+                  <a:prstClr val="black"/>
+                </a:solidFill>
+                <a:latin typeface="Courier New" pitchFamily="49" charset="0"/>
+                <a:ea typeface="맑은 고딕" pitchFamily="50" charset="-127"/>
+                <a:cs typeface="Courier New" pitchFamily="49" charset="0"/>
+              </a:rPr>
+              <a:t>) { </a:t>
+            </a:r>
+            <a:r>
+              <a:rPr lang="en-US" altLang="ko-KR" sz="1400" dirty="0">
+                <a:solidFill>
+                  <a:srgbClr val="00B0F0"/>
+                </a:solidFill>
+                <a:latin typeface="Courier New" pitchFamily="49" charset="0"/>
+                <a:ea typeface="맑은 고딕" pitchFamily="50" charset="-127"/>
+                <a:cs typeface="Courier New" pitchFamily="49" charset="0"/>
+              </a:rPr>
+              <a:t>// child (new process)</a:t>
+            </a:r>
+          </a:p>
+          <a:p>
+            <a:r>
+              <a:rPr lang="en-US" altLang="ko-KR" sz="1400" dirty="0">
+                <a:solidFill>
+                  <a:prstClr val="black"/>
+                </a:solidFill>
+                <a:latin typeface="Courier New" pitchFamily="49" charset="0"/>
+                <a:ea typeface="맑은 고딕" pitchFamily="50" charset="-127"/>
+                <a:cs typeface="Courier New" pitchFamily="49" charset="0"/>
+              </a:rPr>
+              <a:t>        </a:t>
+            </a:r>
+            <a:r>
+              <a:rPr lang="en-US" altLang="ko-KR" sz="1400" dirty="0" err="1">
+                <a:solidFill>
+                  <a:prstClr val="black"/>
+                </a:solidFill>
+                <a:latin typeface="Courier New" pitchFamily="49" charset="0"/>
+                <a:ea typeface="맑은 고딕" pitchFamily="50" charset="-127"/>
+                <a:cs typeface="Courier New" pitchFamily="49" charset="0"/>
+              </a:rPr>
+              <a:t>printf</a:t>
+            </a:r>
+            <a:r>
+              <a:rPr lang="en-US" altLang="ko-KR" sz="1400" dirty="0">
+                <a:solidFill>
+                  <a:prstClr val="black"/>
+                </a:solidFill>
+                <a:latin typeface="Courier New" pitchFamily="49" charset="0"/>
+                <a:ea typeface="맑은 고딕" pitchFamily="50" charset="-127"/>
+                <a:cs typeface="Courier New" pitchFamily="49" charset="0"/>
+              </a:rPr>
+              <a:t>("hello, I am child (</a:t>
+            </a:r>
+            <a:r>
+              <a:rPr lang="en-US" altLang="ko-KR" sz="1400" dirty="0" err="1">
+                <a:solidFill>
+                  <a:prstClr val="black"/>
+                </a:solidFill>
+                <a:latin typeface="Courier New" pitchFamily="49" charset="0"/>
+                <a:ea typeface="맑은 고딕" pitchFamily="50" charset="-127"/>
+                <a:cs typeface="Courier New" pitchFamily="49" charset="0"/>
+              </a:rPr>
+              <a:t>pid</a:t>
+            </a:r>
+            <a:r>
+              <a:rPr lang="en-US" altLang="ko-KR" sz="1400" dirty="0">
+                <a:solidFill>
+                  <a:prstClr val="black"/>
+                </a:solidFill>
+                <a:latin typeface="Courier New" pitchFamily="49" charset="0"/>
+                <a:ea typeface="맑은 고딕" pitchFamily="50" charset="-127"/>
+                <a:cs typeface="Courier New" pitchFamily="49" charset="0"/>
+              </a:rPr>
+              <a:t>:%d)\n", (</a:t>
+            </a:r>
+            <a:r>
+              <a:rPr lang="en-US" altLang="ko-KR" sz="1400" dirty="0" err="1">
+                <a:solidFill>
+                  <a:prstClr val="black"/>
+                </a:solidFill>
+                <a:latin typeface="Courier New" pitchFamily="49" charset="0"/>
+                <a:ea typeface="맑은 고딕" pitchFamily="50" charset="-127"/>
+                <a:cs typeface="Courier New" pitchFamily="49" charset="0"/>
+              </a:rPr>
+              <a:t>int</a:t>
+            </a:r>
+            <a:r>
+              <a:rPr lang="en-US" altLang="ko-KR" sz="1400" dirty="0">
+                <a:solidFill>
+                  <a:prstClr val="black"/>
+                </a:solidFill>
+                <a:latin typeface="Courier New" pitchFamily="49" charset="0"/>
+                <a:ea typeface="맑은 고딕" pitchFamily="50" charset="-127"/>
+                <a:cs typeface="Courier New" pitchFamily="49" charset="0"/>
+              </a:rPr>
+              <a:t>) </a:t>
+            </a:r>
+            <a:r>
+              <a:rPr lang="en-US" altLang="ko-KR" sz="1400" dirty="0" err="1">
+                <a:solidFill>
+                  <a:prstClr val="black"/>
+                </a:solidFill>
+                <a:latin typeface="Courier New" pitchFamily="49" charset="0"/>
+                <a:ea typeface="맑은 고딕" pitchFamily="50" charset="-127"/>
+                <a:cs typeface="Courier New" pitchFamily="49" charset="0"/>
+              </a:rPr>
+              <a:t>getpid</a:t>
+            </a:r>
+            <a:r>
+              <a:rPr lang="en-US" altLang="ko-KR" sz="1400" dirty="0">
+                <a:solidFill>
+                  <a:prstClr val="black"/>
+                </a:solidFill>
+                <a:latin typeface="Courier New" pitchFamily="49" charset="0"/>
+                <a:ea typeface="맑은 고딕" pitchFamily="50" charset="-127"/>
+                <a:cs typeface="Courier New" pitchFamily="49" charset="0"/>
+              </a:rPr>
+              <a:t>());</a:t>
+            </a:r>
+          </a:p>
+          <a:p>
+            <a:r>
+              <a:rPr lang="en-US" altLang="ko-KR" sz="1400" dirty="0">
+                <a:solidFill>
+                  <a:prstClr val="black"/>
+                </a:solidFill>
+                <a:latin typeface="Courier New" pitchFamily="49" charset="0"/>
+                <a:ea typeface="맑은 고딕" pitchFamily="50" charset="-127"/>
+                <a:cs typeface="Courier New" pitchFamily="49" charset="0"/>
+              </a:rPr>
+              <a:t>    } </a:t>
+            </a:r>
+            <a:r>
+              <a:rPr lang="en-US" altLang="ko-KR" sz="1400" dirty="0">
+                <a:solidFill>
+                  <a:srgbClr val="F79646">
+                    <a:lumMod val="75000"/>
+                  </a:srgbClr>
+                </a:solidFill>
+                <a:latin typeface="Courier New" pitchFamily="49" charset="0"/>
+                <a:ea typeface="맑은 고딕" pitchFamily="50" charset="-127"/>
+                <a:cs typeface="Courier New" pitchFamily="49" charset="0"/>
+              </a:rPr>
+              <a:t>else</a:t>
+            </a:r>
+            <a:r>
+              <a:rPr lang="en-US" altLang="ko-KR" sz="1400" dirty="0">
+                <a:solidFill>
+                  <a:prstClr val="black"/>
+                </a:solidFill>
+                <a:latin typeface="Courier New" pitchFamily="49" charset="0"/>
+                <a:ea typeface="맑은 고딕" pitchFamily="50" charset="-127"/>
+                <a:cs typeface="Courier New" pitchFamily="49" charset="0"/>
+              </a:rPr>
+              <a:t> { 		</a:t>
+            </a:r>
+            <a:r>
+              <a:rPr lang="en-US" altLang="ko-KR" sz="1400" dirty="0">
+                <a:solidFill>
+                  <a:srgbClr val="00B0F0"/>
+                </a:solidFill>
+                <a:latin typeface="Courier New" pitchFamily="49" charset="0"/>
+                <a:ea typeface="맑은 고딕" pitchFamily="50" charset="-127"/>
+                <a:cs typeface="Courier New" pitchFamily="49" charset="0"/>
+              </a:rPr>
+              <a:t>// parent goes down this path (main)</a:t>
+            </a:r>
+          </a:p>
+          <a:p>
+            <a:r>
+              <a:rPr lang="en-US" altLang="ko-KR" sz="1400" dirty="0">
+                <a:solidFill>
+                  <a:prstClr val="black"/>
+                </a:solidFill>
+                <a:latin typeface="Courier New" pitchFamily="49" charset="0"/>
+                <a:ea typeface="맑은 고딕" pitchFamily="50" charset="-127"/>
+                <a:cs typeface="Courier New" pitchFamily="49" charset="0"/>
+              </a:rPr>
+              <a:t>        </a:t>
+            </a:r>
+            <a:r>
+              <a:rPr lang="en-US" altLang="ko-KR" sz="1400" dirty="0" err="1">
+                <a:solidFill>
+                  <a:srgbClr val="00B050"/>
+                </a:solidFill>
+                <a:latin typeface="Courier New" pitchFamily="49" charset="0"/>
+                <a:ea typeface="맑은 고딕" pitchFamily="50" charset="-127"/>
+                <a:cs typeface="Courier New" pitchFamily="49" charset="0"/>
+              </a:rPr>
+              <a:t>int</a:t>
+            </a:r>
+            <a:r>
+              <a:rPr lang="en-US" altLang="ko-KR" sz="1400" dirty="0">
+                <a:solidFill>
+                  <a:prstClr val="black"/>
+                </a:solidFill>
+                <a:latin typeface="Courier New" pitchFamily="49" charset="0"/>
+                <a:ea typeface="맑은 고딕" pitchFamily="50" charset="-127"/>
+                <a:cs typeface="Courier New" pitchFamily="49" charset="0"/>
+              </a:rPr>
+              <a:t> </a:t>
+            </a:r>
+            <a:r>
+              <a:rPr lang="en-US" altLang="ko-KR" sz="1400" dirty="0" err="1">
+                <a:solidFill>
+                  <a:prstClr val="black"/>
+                </a:solidFill>
+                <a:latin typeface="Courier New" pitchFamily="49" charset="0"/>
+                <a:ea typeface="맑은 고딕" pitchFamily="50" charset="-127"/>
+                <a:cs typeface="Courier New" pitchFamily="49" charset="0"/>
+              </a:rPr>
+              <a:t>wc</a:t>
+            </a:r>
+            <a:r>
+              <a:rPr lang="en-US" altLang="ko-KR" sz="1400" dirty="0">
+                <a:solidFill>
+                  <a:prstClr val="black"/>
+                </a:solidFill>
+                <a:latin typeface="Courier New" pitchFamily="49" charset="0"/>
+                <a:ea typeface="맑은 고딕" pitchFamily="50" charset="-127"/>
+                <a:cs typeface="Courier New" pitchFamily="49" charset="0"/>
+              </a:rPr>
+              <a:t> = wait(</a:t>
+            </a:r>
+            <a:r>
+              <a:rPr lang="en-US" altLang="ko-KR" sz="1400" dirty="0">
+                <a:solidFill>
+                  <a:srgbClr val="FF0000"/>
+                </a:solidFill>
+                <a:latin typeface="Courier New" pitchFamily="49" charset="0"/>
+                <a:ea typeface="맑은 고딕" pitchFamily="50" charset="-127"/>
+                <a:cs typeface="Courier New" pitchFamily="49" charset="0"/>
+              </a:rPr>
+              <a:t>NULL</a:t>
+            </a:r>
+            <a:r>
+              <a:rPr lang="en-US" altLang="ko-KR" sz="1400" dirty="0">
+                <a:solidFill>
+                  <a:prstClr val="black"/>
+                </a:solidFill>
+                <a:latin typeface="Courier New" pitchFamily="49" charset="0"/>
+                <a:ea typeface="맑은 고딕" pitchFamily="50" charset="-127"/>
+                <a:cs typeface="Courier New" pitchFamily="49" charset="0"/>
+              </a:rPr>
+              <a:t>);</a:t>
+            </a:r>
+          </a:p>
+          <a:p>
+            <a:r>
+              <a:rPr lang="en-US" altLang="ko-KR" sz="1400" dirty="0">
+                <a:solidFill>
+                  <a:prstClr val="black"/>
+                </a:solidFill>
+                <a:latin typeface="Courier New" pitchFamily="49" charset="0"/>
+                <a:ea typeface="맑은 고딕" pitchFamily="50" charset="-127"/>
+                <a:cs typeface="Courier New" pitchFamily="49" charset="0"/>
+              </a:rPr>
+              <a:t>        </a:t>
+            </a:r>
+            <a:r>
+              <a:rPr lang="en-US" altLang="ko-KR" sz="1400" dirty="0" err="1">
+                <a:solidFill>
+                  <a:prstClr val="black"/>
+                </a:solidFill>
+                <a:latin typeface="Courier New" pitchFamily="49" charset="0"/>
+                <a:ea typeface="맑은 고딕" pitchFamily="50" charset="-127"/>
+                <a:cs typeface="Courier New" pitchFamily="49" charset="0"/>
+              </a:rPr>
+              <a:t>printf</a:t>
+            </a:r>
+            <a:r>
+              <a:rPr lang="en-US" altLang="ko-KR" sz="1400" dirty="0">
+                <a:solidFill>
+                  <a:prstClr val="black"/>
+                </a:solidFill>
+                <a:latin typeface="Courier New" pitchFamily="49" charset="0"/>
+                <a:ea typeface="맑은 고딕" pitchFamily="50" charset="-127"/>
+                <a:cs typeface="Courier New" pitchFamily="49" charset="0"/>
+              </a:rPr>
+              <a:t>("hello, I am parent of %d (</a:t>
+            </a:r>
+            <a:r>
+              <a:rPr lang="en-US" altLang="ko-KR" sz="1400" dirty="0" err="1">
+                <a:solidFill>
+                  <a:prstClr val="black"/>
+                </a:solidFill>
+                <a:latin typeface="Courier New" pitchFamily="49" charset="0"/>
+                <a:ea typeface="맑은 고딕" pitchFamily="50" charset="-127"/>
+                <a:cs typeface="Courier New" pitchFamily="49" charset="0"/>
+              </a:rPr>
+              <a:t>wc</a:t>
+            </a:r>
+            <a:r>
+              <a:rPr lang="en-US" altLang="ko-KR" sz="1400" dirty="0">
+                <a:solidFill>
+                  <a:prstClr val="black"/>
+                </a:solidFill>
+                <a:latin typeface="Courier New" pitchFamily="49" charset="0"/>
+                <a:ea typeface="맑은 고딕" pitchFamily="50" charset="-127"/>
+                <a:cs typeface="Courier New" pitchFamily="49" charset="0"/>
+              </a:rPr>
+              <a:t>:%d) (</a:t>
+            </a:r>
+            <a:r>
+              <a:rPr lang="en-US" altLang="ko-KR" sz="1400" dirty="0" err="1">
+                <a:solidFill>
+                  <a:prstClr val="black"/>
+                </a:solidFill>
+                <a:latin typeface="Courier New" pitchFamily="49" charset="0"/>
+                <a:ea typeface="맑은 고딕" pitchFamily="50" charset="-127"/>
+                <a:cs typeface="Courier New" pitchFamily="49" charset="0"/>
+              </a:rPr>
+              <a:t>pid</a:t>
+            </a:r>
+            <a:r>
+              <a:rPr lang="en-US" altLang="ko-KR" sz="1400" dirty="0">
+                <a:solidFill>
+                  <a:prstClr val="black"/>
+                </a:solidFill>
+                <a:latin typeface="Courier New" pitchFamily="49" charset="0"/>
+                <a:ea typeface="맑은 고딕" pitchFamily="50" charset="-127"/>
+                <a:cs typeface="Courier New" pitchFamily="49" charset="0"/>
+              </a:rPr>
+              <a:t>:%d)\n",</a:t>
+            </a:r>
+          </a:p>
+          <a:p>
+            <a:r>
+              <a:rPr lang="en-US" altLang="ko-KR" sz="1400" dirty="0">
+                <a:solidFill>
+                  <a:prstClr val="black"/>
+                </a:solidFill>
+                <a:latin typeface="Courier New" pitchFamily="49" charset="0"/>
+                <a:ea typeface="맑은 고딕" pitchFamily="50" charset="-127"/>
+                <a:cs typeface="Courier New" pitchFamily="49" charset="0"/>
+              </a:rPr>
+              <a:t>        </a:t>
+            </a:r>
+            <a:r>
+              <a:rPr lang="en-US" altLang="ko-KR" sz="1400" dirty="0" err="1">
+                <a:solidFill>
+                  <a:prstClr val="black"/>
+                </a:solidFill>
+                <a:latin typeface="Courier New" pitchFamily="49" charset="0"/>
+                <a:ea typeface="맑은 고딕" pitchFamily="50" charset="-127"/>
+                <a:cs typeface="Courier New" pitchFamily="49" charset="0"/>
+              </a:rPr>
+              <a:t>rc</a:t>
+            </a:r>
+            <a:r>
+              <a:rPr lang="en-US" altLang="ko-KR" sz="1400" dirty="0">
+                <a:solidFill>
+                  <a:prstClr val="black"/>
+                </a:solidFill>
+                <a:latin typeface="Courier New" pitchFamily="49" charset="0"/>
+                <a:ea typeface="맑은 고딕" pitchFamily="50" charset="-127"/>
+                <a:cs typeface="Courier New" pitchFamily="49" charset="0"/>
+              </a:rPr>
+              <a:t>, </a:t>
+            </a:r>
+            <a:r>
+              <a:rPr lang="en-US" altLang="ko-KR" sz="1400" dirty="0" err="1">
+                <a:solidFill>
+                  <a:prstClr val="black"/>
+                </a:solidFill>
+                <a:latin typeface="Courier New" pitchFamily="49" charset="0"/>
+                <a:ea typeface="맑은 고딕" pitchFamily="50" charset="-127"/>
+                <a:cs typeface="Courier New" pitchFamily="49" charset="0"/>
+              </a:rPr>
+              <a:t>wc</a:t>
+            </a:r>
+            <a:r>
+              <a:rPr lang="en-US" altLang="ko-KR" sz="1400" dirty="0">
+                <a:solidFill>
+                  <a:prstClr val="black"/>
+                </a:solidFill>
+                <a:latin typeface="Courier New" pitchFamily="49" charset="0"/>
+                <a:ea typeface="맑은 고딕" pitchFamily="50" charset="-127"/>
+                <a:cs typeface="Courier New" pitchFamily="49" charset="0"/>
+              </a:rPr>
+              <a:t>, (</a:t>
+            </a:r>
+            <a:r>
+              <a:rPr lang="en-US" altLang="ko-KR" sz="1400" dirty="0" err="1">
+                <a:solidFill>
+                  <a:prstClr val="black"/>
+                </a:solidFill>
+                <a:latin typeface="Courier New" pitchFamily="49" charset="0"/>
+                <a:ea typeface="맑은 고딕" pitchFamily="50" charset="-127"/>
+                <a:cs typeface="Courier New" pitchFamily="49" charset="0"/>
+              </a:rPr>
+              <a:t>int</a:t>
+            </a:r>
+            <a:r>
+              <a:rPr lang="en-US" altLang="ko-KR" sz="1400" dirty="0">
+                <a:solidFill>
+                  <a:prstClr val="black"/>
+                </a:solidFill>
+                <a:latin typeface="Courier New" pitchFamily="49" charset="0"/>
+                <a:ea typeface="맑은 고딕" pitchFamily="50" charset="-127"/>
+                <a:cs typeface="Courier New" pitchFamily="49" charset="0"/>
+              </a:rPr>
+              <a:t>) </a:t>
+            </a:r>
+            <a:r>
+              <a:rPr lang="en-US" altLang="ko-KR" sz="1400" dirty="0" err="1">
+                <a:solidFill>
+                  <a:prstClr val="black"/>
+                </a:solidFill>
+                <a:latin typeface="Courier New" pitchFamily="49" charset="0"/>
+                <a:ea typeface="맑은 고딕" pitchFamily="50" charset="-127"/>
+                <a:cs typeface="Courier New" pitchFamily="49" charset="0"/>
+              </a:rPr>
+              <a:t>getpid</a:t>
+            </a:r>
+            <a:r>
+              <a:rPr lang="en-US" altLang="ko-KR" sz="1400" dirty="0">
+                <a:solidFill>
+                  <a:prstClr val="black"/>
+                </a:solidFill>
+                <a:latin typeface="Courier New" pitchFamily="49" charset="0"/>
+                <a:ea typeface="맑은 고딕" pitchFamily="50" charset="-127"/>
+                <a:cs typeface="Courier New" pitchFamily="49" charset="0"/>
+              </a:rPr>
+              <a:t>());</a:t>
+            </a:r>
+          </a:p>
+          <a:p>
+            <a:r>
+              <a:rPr lang="en-US" altLang="ko-KR" sz="1400" dirty="0">
+                <a:solidFill>
+                  <a:prstClr val="black"/>
+                </a:solidFill>
+                <a:latin typeface="Courier New" pitchFamily="49" charset="0"/>
+                <a:ea typeface="맑은 고딕" pitchFamily="50" charset="-127"/>
+                <a:cs typeface="Courier New" pitchFamily="49" charset="0"/>
+              </a:rPr>
+              <a:t>    }</a:t>
+            </a:r>
+          </a:p>
+          <a:p>
+            <a:r>
+              <a:rPr lang="en-US" altLang="ko-KR" sz="1400" dirty="0">
+                <a:solidFill>
+                  <a:prstClr val="black"/>
+                </a:solidFill>
+                <a:latin typeface="Courier New" pitchFamily="49" charset="0"/>
+                <a:ea typeface="맑은 고딕" pitchFamily="50" charset="-127"/>
+                <a:cs typeface="Courier New" pitchFamily="49" charset="0"/>
+              </a:rPr>
+              <a:t>    </a:t>
+            </a:r>
+            <a:r>
+              <a:rPr lang="en-US" altLang="ko-KR" sz="1400" dirty="0">
+                <a:solidFill>
+                  <a:srgbClr val="F79646">
+                    <a:lumMod val="75000"/>
+                  </a:srgbClr>
+                </a:solidFill>
+                <a:latin typeface="Courier New" pitchFamily="49" charset="0"/>
+                <a:ea typeface="맑은 고딕" pitchFamily="50" charset="-127"/>
+                <a:cs typeface="Courier New" pitchFamily="49" charset="0"/>
+              </a:rPr>
+              <a:t>return</a:t>
+            </a:r>
+            <a:r>
+              <a:rPr lang="en-US" altLang="ko-KR" sz="1400" dirty="0">
+                <a:solidFill>
+                  <a:prstClr val="black"/>
+                </a:solidFill>
+                <a:latin typeface="Courier New" pitchFamily="49" charset="0"/>
+                <a:ea typeface="맑은 고딕" pitchFamily="50" charset="-127"/>
+                <a:cs typeface="Courier New" pitchFamily="49" charset="0"/>
+              </a:rPr>
+              <a:t> </a:t>
+            </a:r>
+            <a:r>
+              <a:rPr lang="en-US" altLang="ko-KR" sz="1400" dirty="0">
+                <a:solidFill>
+                  <a:srgbClr val="FF0000"/>
+                </a:solidFill>
+                <a:latin typeface="Courier New" pitchFamily="49" charset="0"/>
+                <a:ea typeface="맑은 고딕" pitchFamily="50" charset="-127"/>
+                <a:cs typeface="Courier New" pitchFamily="49" charset="0"/>
+              </a:rPr>
+              <a:t>0</a:t>
+            </a:r>
+            <a:r>
+              <a:rPr lang="en-US" altLang="ko-KR" sz="1400" dirty="0">
+                <a:solidFill>
+                  <a:prstClr val="black"/>
+                </a:solidFill>
+                <a:latin typeface="Courier New" pitchFamily="49" charset="0"/>
+                <a:ea typeface="맑은 고딕" pitchFamily="50" charset="-127"/>
+                <a:cs typeface="Courier New" pitchFamily="49" charset="0"/>
+              </a:rPr>
+              <a:t>;</a:t>
+            </a:r>
+          </a:p>
+          <a:p>
+            <a:r>
+              <a:rPr lang="en-US" altLang="ko-KR" sz="1400" dirty="0">
+                <a:solidFill>
+                  <a:prstClr val="black"/>
+                </a:solidFill>
+                <a:latin typeface="Courier New" pitchFamily="49" charset="0"/>
+                <a:ea typeface="맑은 고딕" pitchFamily="50" charset="-127"/>
+                <a:cs typeface="Courier New" pitchFamily="49" charset="0"/>
+              </a:rPr>
+              <a:t>}</a:t>
+            </a:r>
+          </a:p>
+        </p:txBody>
+      </p:sp>
+      <p:sp>
+        <p:nvSpPr>
+          <p:cNvPr id="7" name="TextBox 6"/>
+          <p:cNvSpPr txBox="1"/>
+          <p:nvPr/>
+        </p:nvSpPr>
+        <p:spPr>
+          <a:xfrm>
+            <a:off x="2063552" y="1844824"/>
+            <a:ext cx="720080" cy="338554"/>
+          </a:xfrm>
+          <a:prstGeom prst="rect">
+            <a:avLst/>
+          </a:prstGeom>
+          <a:noFill/>
+        </p:spPr>
+        <p:txBody>
+          <a:bodyPr wrap="square" rtlCol="0">
+            <a:spAutoFit/>
+          </a:bodyPr>
+          <a:lstStyle/>
+          <a:p>
+            <a:r>
+              <a:rPr lang="en-US" altLang="ko-KR" sz="1600" b="1" dirty="0">
+                <a:solidFill>
+                  <a:prstClr val="black"/>
+                </a:solidFill>
+                <a:latin typeface="맑은 고딕" pitchFamily="50" charset="-127"/>
+                <a:ea typeface="맑은 고딕" pitchFamily="50" charset="-127"/>
+              </a:rPr>
+              <a:t>p2.c</a:t>
+            </a:r>
+            <a:endParaRPr lang="ko-KR" altLang="en-US" sz="1600" b="1" dirty="0">
+              <a:solidFill>
+                <a:prstClr val="black"/>
+              </a:solidFill>
+              <a:latin typeface="맑은 고딕" pitchFamily="50" charset="-127"/>
+              <a:ea typeface="맑은 고딕" pitchFamily="50" charset="-127"/>
+            </a:endParaRPr>
+          </a:p>
+        </p:txBody>
+      </p:sp>
+    </p:spTree>
+    <p:extLst>
+      <p:ext uri="{BB962C8B-B14F-4D97-AF65-F5344CB8AC3E}">
+        <p14:creationId xmlns:p14="http://schemas.microsoft.com/office/powerpoint/2010/main" val="4068106546"/>
+      </p:ext>
+    </p:extLst>
+  </p:cSld>
+  <p:clrMapOvr>
+    <a:masterClrMapping/>
+  </p:clrMapOvr>
+  <p:transition>
+    <p:zoom/>
+  </p:transition>
+</p:sld>
+</file>
+
+<file path=ppt/slides/slide9.xml><?xml version="1.0" encoding="utf-8"?>
+<p:sld xmlns:a="http://schemas.openxmlformats.org/drawingml/2006/main" xmlns:r="http://schemas.openxmlformats.org/officeDocument/2006/relationships" xmlns:p="http://schemas.openxmlformats.org/presentationml/2006/main">
+  <p:cSld>
+    <p:spTree>
+      <p:nvGrpSpPr>
+        <p:cNvPr id="1" name=""/>
+        <p:cNvGrpSpPr/>
+        <p:nvPr/>
+      </p:nvGrpSpPr>
+      <p:grpSpPr>
+        <a:xfrm>
+          <a:off x="0" y="0"/>
+          <a:ext cx="0" cy="0"/>
+          <a:chOff x="0" y="0"/>
+          <a:chExt cx="0" cy="0"/>
+        </a:xfrm>
+      </p:grpSpPr>
+      <p:sp>
+        <p:nvSpPr>
+          <p:cNvPr id="2" name="제목 1"/>
+          <p:cNvSpPr>
+            <a:spLocks noGrp="1"/>
+          </p:cNvSpPr>
+          <p:nvPr>
+            <p:ph type="title"/>
+          </p:nvPr>
+        </p:nvSpPr>
+        <p:spPr/>
+        <p:txBody>
+          <a:bodyPr/>
+          <a:lstStyle/>
+          <a:p>
+            <a:r>
+              <a:rPr lang="en-US" altLang="ko-KR" dirty="0"/>
+              <a:t>The wait() system call (Cont.)</a:t>
             </a:r>
             <a:endParaRPr lang="ko-KR" altLang="en-US" dirty="0"/>
           </a:p>
@@ -8763,1428 +12350,22 @@
           </a:p>
         </p:txBody>
       </p:sp>
-    </p:spTree>
-    <p:extLst>
-      <p:ext uri="{BB962C8B-B14F-4D97-AF65-F5344CB8AC3E}">
-        <p14:creationId xmlns:p14="http://schemas.microsoft.com/office/powerpoint/2010/main" val="3503101229"/>
-      </p:ext>
-    </p:extLst>
-  </p:cSld>
-  <p:clrMapOvr>
-    <a:masterClrMapping/>
-  </p:clrMapOvr>
-  <p:transition>
-    <p:zoom/>
-  </p:transition>
-</p:sld>
-</file>
-
-<file path=ppt/slides/slide9.xml><?xml version="1.0" encoding="utf-8"?>
-<p:sld xmlns:a="http://schemas.openxmlformats.org/drawingml/2006/main" xmlns:r="http://schemas.openxmlformats.org/officeDocument/2006/relationships" xmlns:p="http://schemas.openxmlformats.org/presentationml/2006/main">
-  <p:cSld>
-    <p:spTree>
-      <p:nvGrpSpPr>
-        <p:cNvPr id="1" name=""/>
-        <p:cNvGrpSpPr/>
-        <p:nvPr/>
-      </p:nvGrpSpPr>
-      <p:grpSpPr>
-        <a:xfrm>
-          <a:off x="0" y="0"/>
-          <a:ext cx="0" cy="0"/>
-          <a:chOff x="0" y="0"/>
-          <a:chExt cx="0" cy="0"/>
-        </a:xfrm>
-      </p:grpSpPr>
       <p:sp>
         <p:nvSpPr>
-          <p:cNvPr id="2" name="제목 1"/>
-          <p:cNvSpPr>
-            <a:spLocks noGrp="1"/>
-          </p:cNvSpPr>
-          <p:nvPr>
-            <p:ph type="title"/>
-          </p:nvPr>
-        </p:nvSpPr>
-        <p:spPr/>
-        <p:txBody>
-          <a:bodyPr/>
-          <a:lstStyle/>
-          <a:p>
-            <a:r>
-              <a:rPr lang="en-US" altLang="ko-KR" dirty="0"/>
-              <a:t>The exec() System Call</a:t>
-            </a:r>
-            <a:endParaRPr lang="ko-KR" altLang="en-US" dirty="0"/>
-          </a:p>
-        </p:txBody>
-      </p:sp>
-      <p:sp>
-        <p:nvSpPr>
-          <p:cNvPr id="3" name="내용 개체 틀 2"/>
-          <p:cNvSpPr>
-            <a:spLocks noGrp="1"/>
-          </p:cNvSpPr>
-          <p:nvPr>
-            <p:ph idx="1"/>
-          </p:nvPr>
-        </p:nvSpPr>
-        <p:spPr/>
-        <p:txBody>
-          <a:bodyPr/>
-          <a:lstStyle/>
-          <a:p>
-            <a:r>
-              <a:rPr lang="en-US" altLang="ko-KR" dirty="0"/>
-              <a:t>Run a program that is different from the calling program</a:t>
-            </a:r>
-            <a:endParaRPr lang="ko-KR" altLang="en-US" dirty="0"/>
-          </a:p>
-        </p:txBody>
-      </p:sp>
-      <p:sp>
-        <p:nvSpPr>
-          <p:cNvPr id="6" name="직사각형 5"/>
-          <p:cNvSpPr/>
-          <p:nvPr/>
-        </p:nvSpPr>
-        <p:spPr>
-          <a:xfrm>
-            <a:off x="2135560" y="1844825"/>
-            <a:ext cx="7992888" cy="4185761"/>
-          </a:xfrm>
-          <a:prstGeom prst="rect">
-            <a:avLst/>
-          </a:prstGeom>
-          <a:solidFill>
-            <a:schemeClr val="bg1"/>
-          </a:solidFill>
-          <a:ln w="12700">
-            <a:solidFill>
-              <a:schemeClr val="tx1"/>
-            </a:solidFill>
-          </a:ln>
-          <a:effectLst/>
-        </p:spPr>
-        <p:style>
-          <a:lnRef idx="3">
-            <a:schemeClr val="lt1"/>
-          </a:lnRef>
-          <a:fillRef idx="1">
-            <a:schemeClr val="accent1"/>
-          </a:fillRef>
-          <a:effectRef idx="1">
-            <a:schemeClr val="accent1"/>
-          </a:effectRef>
-          <a:fontRef idx="minor">
-            <a:schemeClr val="lt1"/>
-          </a:fontRef>
-        </p:style>
-        <p:txBody>
-          <a:bodyPr lIns="252000" rtlCol="0" anchor="ctr">
-            <a:spAutoFit/>
-          </a:bodyPr>
-          <a:lstStyle>
-            <a:defPPr>
-              <a:defRPr lang="ko-KR"/>
-            </a:defPPr>
-            <a:lvl1pPr marL="0" algn="l" defTabSz="914400" rtl="0" eaLnBrk="1" latinLnBrk="1" hangingPunct="1">
-              <a:defRPr sz="1800" kern="1200">
-                <a:solidFill>
-                  <a:schemeClr val="lt1"/>
-                </a:solidFill>
-                <a:latin typeface="+mn-lt"/>
-                <a:ea typeface="+mn-ea"/>
-                <a:cs typeface="+mn-cs"/>
-              </a:defRPr>
-            </a:lvl1pPr>
-            <a:lvl2pPr marL="457200" algn="l" defTabSz="914400" rtl="0" eaLnBrk="1" latinLnBrk="1" hangingPunct="1">
-              <a:defRPr sz="1800" kern="1200">
-                <a:solidFill>
-                  <a:schemeClr val="lt1"/>
-                </a:solidFill>
-                <a:latin typeface="+mn-lt"/>
-                <a:ea typeface="+mn-ea"/>
-                <a:cs typeface="+mn-cs"/>
-              </a:defRPr>
-            </a:lvl2pPr>
-            <a:lvl3pPr marL="914400" algn="l" defTabSz="914400" rtl="0" eaLnBrk="1" latinLnBrk="1" hangingPunct="1">
-              <a:defRPr sz="1800" kern="1200">
-                <a:solidFill>
-                  <a:schemeClr val="lt1"/>
-                </a:solidFill>
-                <a:latin typeface="+mn-lt"/>
-                <a:ea typeface="+mn-ea"/>
-                <a:cs typeface="+mn-cs"/>
-              </a:defRPr>
-            </a:lvl3pPr>
-            <a:lvl4pPr marL="1371600" algn="l" defTabSz="914400" rtl="0" eaLnBrk="1" latinLnBrk="1" hangingPunct="1">
-              <a:defRPr sz="1800" kern="1200">
-                <a:solidFill>
-                  <a:schemeClr val="lt1"/>
-                </a:solidFill>
-                <a:latin typeface="+mn-lt"/>
-                <a:ea typeface="+mn-ea"/>
-                <a:cs typeface="+mn-cs"/>
-              </a:defRPr>
-            </a:lvl4pPr>
-            <a:lvl5pPr marL="1828800" algn="l" defTabSz="914400" rtl="0" eaLnBrk="1" latinLnBrk="1" hangingPunct="1">
-              <a:defRPr sz="1800" kern="1200">
-                <a:solidFill>
-                  <a:schemeClr val="lt1"/>
-                </a:solidFill>
-                <a:latin typeface="+mn-lt"/>
-                <a:ea typeface="+mn-ea"/>
-                <a:cs typeface="+mn-cs"/>
-              </a:defRPr>
-            </a:lvl5pPr>
-            <a:lvl6pPr marL="2286000" algn="l" defTabSz="914400" rtl="0" eaLnBrk="1" latinLnBrk="1" hangingPunct="1">
-              <a:defRPr sz="1800" kern="1200">
-                <a:solidFill>
-                  <a:schemeClr val="lt1"/>
-                </a:solidFill>
-                <a:latin typeface="+mn-lt"/>
-                <a:ea typeface="+mn-ea"/>
-                <a:cs typeface="+mn-cs"/>
-              </a:defRPr>
-            </a:lvl6pPr>
-            <a:lvl7pPr marL="2743200" algn="l" defTabSz="914400" rtl="0" eaLnBrk="1" latinLnBrk="1" hangingPunct="1">
-              <a:defRPr sz="1800" kern="1200">
-                <a:solidFill>
-                  <a:schemeClr val="lt1"/>
-                </a:solidFill>
-                <a:latin typeface="+mn-lt"/>
-                <a:ea typeface="+mn-ea"/>
-                <a:cs typeface="+mn-cs"/>
-              </a:defRPr>
-            </a:lvl7pPr>
-            <a:lvl8pPr marL="3200400" algn="l" defTabSz="914400" rtl="0" eaLnBrk="1" latinLnBrk="1" hangingPunct="1">
-              <a:defRPr sz="1800" kern="1200">
-                <a:solidFill>
-                  <a:schemeClr val="lt1"/>
-                </a:solidFill>
-                <a:latin typeface="+mn-lt"/>
-                <a:ea typeface="+mn-ea"/>
-                <a:cs typeface="+mn-cs"/>
-              </a:defRPr>
-            </a:lvl8pPr>
-            <a:lvl9pPr marL="3657600" algn="l" defTabSz="914400" rtl="0" eaLnBrk="1" latinLnBrk="1" hangingPunct="1">
-              <a:defRPr sz="1800" kern="1200">
-                <a:solidFill>
-                  <a:schemeClr val="lt1"/>
-                </a:solidFill>
-                <a:latin typeface="+mn-lt"/>
-                <a:ea typeface="+mn-ea"/>
-                <a:cs typeface="+mn-cs"/>
-              </a:defRPr>
-            </a:lvl9pPr>
-          </a:lstStyle>
-          <a:p>
-            <a:r>
-              <a:rPr lang="en-US" altLang="ko-KR" sz="1400" dirty="0">
-                <a:solidFill>
-                  <a:prstClr val="black"/>
-                </a:solidFill>
-                <a:latin typeface="Courier New" pitchFamily="49" charset="0"/>
-                <a:ea typeface="맑은 고딕" pitchFamily="50" charset="-127"/>
-                <a:cs typeface="Courier New" pitchFamily="49" charset="0"/>
-              </a:rPr>
-              <a:t>#include &lt;</a:t>
-            </a:r>
-            <a:r>
-              <a:rPr lang="en-US" altLang="ko-KR" sz="1400" dirty="0" err="1">
-                <a:solidFill>
-                  <a:prstClr val="black"/>
-                </a:solidFill>
-                <a:latin typeface="Courier New" pitchFamily="49" charset="0"/>
-                <a:ea typeface="맑은 고딕" pitchFamily="50" charset="-127"/>
-                <a:cs typeface="Courier New" pitchFamily="49" charset="0"/>
-              </a:rPr>
-              <a:t>stdio.h</a:t>
-            </a:r>
-            <a:r>
-              <a:rPr lang="en-US" altLang="ko-KR" sz="1400" dirty="0">
-                <a:solidFill>
-                  <a:prstClr val="black"/>
-                </a:solidFill>
-                <a:latin typeface="Courier New" pitchFamily="49" charset="0"/>
-                <a:ea typeface="맑은 고딕" pitchFamily="50" charset="-127"/>
-                <a:cs typeface="Courier New" pitchFamily="49" charset="0"/>
-              </a:rPr>
-              <a:t>&gt;</a:t>
-            </a:r>
-          </a:p>
-          <a:p>
-            <a:r>
-              <a:rPr lang="en-US" altLang="ko-KR" sz="1400" dirty="0">
-                <a:solidFill>
-                  <a:prstClr val="black"/>
-                </a:solidFill>
-                <a:latin typeface="Courier New" pitchFamily="49" charset="0"/>
-                <a:ea typeface="맑은 고딕" pitchFamily="50" charset="-127"/>
-                <a:cs typeface="Courier New" pitchFamily="49" charset="0"/>
-              </a:rPr>
-              <a:t>#include &lt;</a:t>
-            </a:r>
-            <a:r>
-              <a:rPr lang="en-US" altLang="ko-KR" sz="1400" dirty="0" err="1">
-                <a:solidFill>
-                  <a:prstClr val="black"/>
-                </a:solidFill>
-                <a:latin typeface="Courier New" pitchFamily="49" charset="0"/>
-                <a:ea typeface="맑은 고딕" pitchFamily="50" charset="-127"/>
-                <a:cs typeface="Courier New" pitchFamily="49" charset="0"/>
-              </a:rPr>
-              <a:t>stdlib.h</a:t>
-            </a:r>
-            <a:r>
-              <a:rPr lang="en-US" altLang="ko-KR" sz="1400" dirty="0">
-                <a:solidFill>
-                  <a:prstClr val="black"/>
-                </a:solidFill>
-                <a:latin typeface="Courier New" pitchFamily="49" charset="0"/>
-                <a:ea typeface="맑은 고딕" pitchFamily="50" charset="-127"/>
-                <a:cs typeface="Courier New" pitchFamily="49" charset="0"/>
-              </a:rPr>
-              <a:t>&gt;</a:t>
-            </a:r>
-          </a:p>
-          <a:p>
-            <a:r>
-              <a:rPr lang="en-US" altLang="ko-KR" sz="1400" dirty="0">
-                <a:solidFill>
-                  <a:prstClr val="black"/>
-                </a:solidFill>
-                <a:latin typeface="Courier New" pitchFamily="49" charset="0"/>
-                <a:ea typeface="맑은 고딕" pitchFamily="50" charset="-127"/>
-                <a:cs typeface="Courier New" pitchFamily="49" charset="0"/>
-              </a:rPr>
-              <a:t>#include &lt;</a:t>
-            </a:r>
-            <a:r>
-              <a:rPr lang="en-US" altLang="ko-KR" sz="1400" dirty="0" err="1">
-                <a:solidFill>
-                  <a:prstClr val="black"/>
-                </a:solidFill>
-                <a:latin typeface="Courier New" pitchFamily="49" charset="0"/>
-                <a:ea typeface="맑은 고딕" pitchFamily="50" charset="-127"/>
-                <a:cs typeface="Courier New" pitchFamily="49" charset="0"/>
-              </a:rPr>
-              <a:t>unistd.h</a:t>
-            </a:r>
-            <a:r>
-              <a:rPr lang="en-US" altLang="ko-KR" sz="1400" dirty="0">
-                <a:solidFill>
-                  <a:prstClr val="black"/>
-                </a:solidFill>
-                <a:latin typeface="Courier New" pitchFamily="49" charset="0"/>
-                <a:ea typeface="맑은 고딕" pitchFamily="50" charset="-127"/>
-                <a:cs typeface="Courier New" pitchFamily="49" charset="0"/>
-              </a:rPr>
-              <a:t>&gt;</a:t>
-            </a:r>
-          </a:p>
-          <a:p>
-            <a:r>
-              <a:rPr lang="en-US" altLang="ko-KR" sz="1400" dirty="0">
-                <a:solidFill>
-                  <a:prstClr val="black"/>
-                </a:solidFill>
-                <a:latin typeface="Courier New" pitchFamily="49" charset="0"/>
-                <a:ea typeface="맑은 고딕" pitchFamily="50" charset="-127"/>
-                <a:cs typeface="Courier New" pitchFamily="49" charset="0"/>
-              </a:rPr>
-              <a:t>#include &lt;</a:t>
-            </a:r>
-            <a:r>
-              <a:rPr lang="en-US" altLang="ko-KR" sz="1400" dirty="0" err="1">
-                <a:solidFill>
-                  <a:prstClr val="black"/>
-                </a:solidFill>
-                <a:latin typeface="Courier New" pitchFamily="49" charset="0"/>
-                <a:ea typeface="맑은 고딕" pitchFamily="50" charset="-127"/>
-                <a:cs typeface="Courier New" pitchFamily="49" charset="0"/>
-              </a:rPr>
-              <a:t>string.h</a:t>
-            </a:r>
-            <a:r>
-              <a:rPr lang="en-US" altLang="ko-KR" sz="1400" dirty="0">
-                <a:solidFill>
-                  <a:prstClr val="black"/>
-                </a:solidFill>
-                <a:latin typeface="Courier New" pitchFamily="49" charset="0"/>
-                <a:ea typeface="맑은 고딕" pitchFamily="50" charset="-127"/>
-                <a:cs typeface="Courier New" pitchFamily="49" charset="0"/>
-              </a:rPr>
-              <a:t>&gt;</a:t>
-            </a:r>
-          </a:p>
-          <a:p>
-            <a:r>
-              <a:rPr lang="en-US" altLang="ko-KR" sz="1400" dirty="0">
-                <a:solidFill>
-                  <a:prstClr val="black"/>
-                </a:solidFill>
-                <a:latin typeface="Courier New" pitchFamily="49" charset="0"/>
-                <a:ea typeface="맑은 고딕" pitchFamily="50" charset="-127"/>
-                <a:cs typeface="Courier New" pitchFamily="49" charset="0"/>
-              </a:rPr>
-              <a:t>#include &lt;sys/</a:t>
-            </a:r>
-            <a:r>
-              <a:rPr lang="en-US" altLang="ko-KR" sz="1400" dirty="0" err="1">
-                <a:solidFill>
-                  <a:prstClr val="black"/>
-                </a:solidFill>
-                <a:latin typeface="Courier New" pitchFamily="49" charset="0"/>
-                <a:ea typeface="맑은 고딕" pitchFamily="50" charset="-127"/>
-                <a:cs typeface="Courier New" pitchFamily="49" charset="0"/>
-              </a:rPr>
-              <a:t>wait.h</a:t>
-            </a:r>
-            <a:r>
-              <a:rPr lang="en-US" altLang="ko-KR" sz="1400" dirty="0">
-                <a:solidFill>
-                  <a:prstClr val="black"/>
-                </a:solidFill>
-                <a:latin typeface="Courier New" pitchFamily="49" charset="0"/>
-                <a:ea typeface="맑은 고딕" pitchFamily="50" charset="-127"/>
-                <a:cs typeface="Courier New" pitchFamily="49" charset="0"/>
-              </a:rPr>
-              <a:t>&gt;</a:t>
-            </a:r>
-          </a:p>
-          <a:p>
-            <a:endParaRPr lang="en-US" altLang="ko-KR" sz="1400" dirty="0">
-              <a:solidFill>
-                <a:prstClr val="black"/>
-              </a:solidFill>
-              <a:latin typeface="Courier New" pitchFamily="49" charset="0"/>
-              <a:ea typeface="맑은 고딕" pitchFamily="50" charset="-127"/>
-              <a:cs typeface="Courier New" pitchFamily="49" charset="0"/>
-            </a:endParaRPr>
-          </a:p>
-          <a:p>
-            <a:r>
-              <a:rPr lang="en-US" altLang="ko-KR" sz="1400" dirty="0" err="1">
-                <a:solidFill>
-                  <a:srgbClr val="00B050"/>
-                </a:solidFill>
-                <a:latin typeface="Courier New" pitchFamily="49" charset="0"/>
-                <a:ea typeface="맑은 고딕" pitchFamily="50" charset="-127"/>
-                <a:cs typeface="Courier New" pitchFamily="49" charset="0"/>
-              </a:rPr>
-              <a:t>int</a:t>
-            </a:r>
-            <a:r>
-              <a:rPr lang="en-US" altLang="ko-KR" sz="1400" dirty="0">
-                <a:solidFill>
-                  <a:prstClr val="black"/>
-                </a:solidFill>
-                <a:latin typeface="Courier New" pitchFamily="49" charset="0"/>
-                <a:ea typeface="맑은 고딕" pitchFamily="50" charset="-127"/>
-                <a:cs typeface="Courier New" pitchFamily="49" charset="0"/>
-              </a:rPr>
-              <a:t> main(</a:t>
-            </a:r>
-            <a:r>
-              <a:rPr lang="en-US" altLang="ko-KR" sz="1400" dirty="0" err="1">
-                <a:solidFill>
-                  <a:srgbClr val="00B050"/>
-                </a:solidFill>
-                <a:latin typeface="Courier New" pitchFamily="49" charset="0"/>
-                <a:ea typeface="맑은 고딕" pitchFamily="50" charset="-127"/>
-                <a:cs typeface="Courier New" pitchFamily="49" charset="0"/>
-              </a:rPr>
-              <a:t>int</a:t>
-            </a:r>
-            <a:r>
-              <a:rPr lang="en-US" altLang="ko-KR" sz="1400" dirty="0">
-                <a:solidFill>
-                  <a:prstClr val="black"/>
-                </a:solidFill>
-                <a:latin typeface="Courier New" pitchFamily="49" charset="0"/>
-                <a:ea typeface="맑은 고딕" pitchFamily="50" charset="-127"/>
-                <a:cs typeface="Courier New" pitchFamily="49" charset="0"/>
-              </a:rPr>
-              <a:t> </a:t>
-            </a:r>
-            <a:r>
-              <a:rPr lang="en-US" altLang="ko-KR" sz="1400" dirty="0" err="1">
-                <a:solidFill>
-                  <a:prstClr val="black"/>
-                </a:solidFill>
-                <a:latin typeface="Courier New" pitchFamily="49" charset="0"/>
-                <a:ea typeface="맑은 고딕" pitchFamily="50" charset="-127"/>
-                <a:cs typeface="Courier New" pitchFamily="49" charset="0"/>
-              </a:rPr>
-              <a:t>argc</a:t>
-            </a:r>
-            <a:r>
-              <a:rPr lang="en-US" altLang="ko-KR" sz="1400" dirty="0">
-                <a:solidFill>
-                  <a:prstClr val="black"/>
-                </a:solidFill>
-                <a:latin typeface="Courier New" pitchFamily="49" charset="0"/>
-                <a:ea typeface="맑은 고딕" pitchFamily="50" charset="-127"/>
-                <a:cs typeface="Courier New" pitchFamily="49" charset="0"/>
-              </a:rPr>
-              <a:t>, </a:t>
-            </a:r>
-            <a:r>
-              <a:rPr lang="en-US" altLang="ko-KR" sz="1400" dirty="0">
-                <a:solidFill>
-                  <a:srgbClr val="00B050"/>
-                </a:solidFill>
-                <a:latin typeface="Courier New" pitchFamily="49" charset="0"/>
-                <a:ea typeface="맑은 고딕" pitchFamily="50" charset="-127"/>
-                <a:cs typeface="Courier New" pitchFamily="49" charset="0"/>
-              </a:rPr>
-              <a:t>char </a:t>
-            </a:r>
-            <a:r>
-              <a:rPr lang="en-US" altLang="ko-KR" sz="1400" dirty="0">
-                <a:solidFill>
-                  <a:prstClr val="black"/>
-                </a:solidFill>
-                <a:latin typeface="Courier New" pitchFamily="49" charset="0"/>
-                <a:ea typeface="맑은 고딕" pitchFamily="50" charset="-127"/>
-                <a:cs typeface="Courier New" pitchFamily="49" charset="0"/>
-              </a:rPr>
-              <a:t>*</a:t>
-            </a:r>
-            <a:r>
-              <a:rPr lang="en-US" altLang="ko-KR" sz="1400" dirty="0" err="1">
-                <a:solidFill>
-                  <a:prstClr val="black"/>
-                </a:solidFill>
-                <a:latin typeface="Courier New" pitchFamily="49" charset="0"/>
-                <a:ea typeface="맑은 고딕" pitchFamily="50" charset="-127"/>
-                <a:cs typeface="Courier New" pitchFamily="49" charset="0"/>
-              </a:rPr>
-              <a:t>argv</a:t>
-            </a:r>
-            <a:r>
-              <a:rPr lang="en-US" altLang="ko-KR" sz="1400" dirty="0">
-                <a:solidFill>
-                  <a:prstClr val="black"/>
-                </a:solidFill>
-                <a:latin typeface="Courier New" pitchFamily="49" charset="0"/>
-                <a:ea typeface="맑은 고딕" pitchFamily="50" charset="-127"/>
-                <a:cs typeface="Courier New" pitchFamily="49" charset="0"/>
-              </a:rPr>
-              <a:t>[]){</a:t>
-            </a:r>
-          </a:p>
-          <a:p>
-            <a:r>
-              <a:rPr lang="en-US" altLang="ko-KR" sz="1400" dirty="0">
-                <a:solidFill>
-                  <a:prstClr val="black"/>
-                </a:solidFill>
-                <a:latin typeface="Courier New" pitchFamily="49" charset="0"/>
-                <a:ea typeface="맑은 고딕" pitchFamily="50" charset="-127"/>
-                <a:cs typeface="Courier New" pitchFamily="49" charset="0"/>
-              </a:rPr>
-              <a:t>    </a:t>
-            </a:r>
-            <a:r>
-              <a:rPr lang="en-US" altLang="ko-KR" sz="1400" dirty="0" err="1">
-                <a:solidFill>
-                  <a:prstClr val="black"/>
-                </a:solidFill>
-                <a:latin typeface="Courier New" pitchFamily="49" charset="0"/>
-                <a:ea typeface="맑은 고딕" pitchFamily="50" charset="-127"/>
-                <a:cs typeface="Courier New" pitchFamily="49" charset="0"/>
-              </a:rPr>
-              <a:t>printf</a:t>
-            </a:r>
-            <a:r>
-              <a:rPr lang="en-US" altLang="ko-KR" sz="1400" dirty="0">
-                <a:solidFill>
-                  <a:prstClr val="black"/>
-                </a:solidFill>
-                <a:latin typeface="Courier New" pitchFamily="49" charset="0"/>
-                <a:ea typeface="맑은 고딕" pitchFamily="50" charset="-127"/>
-                <a:cs typeface="Courier New" pitchFamily="49" charset="0"/>
-              </a:rPr>
-              <a:t>("hello world (</a:t>
-            </a:r>
-            <a:r>
-              <a:rPr lang="en-US" altLang="ko-KR" sz="1400" dirty="0" err="1">
-                <a:solidFill>
-                  <a:prstClr val="black"/>
-                </a:solidFill>
-                <a:latin typeface="Courier New" pitchFamily="49" charset="0"/>
-                <a:ea typeface="맑은 고딕" pitchFamily="50" charset="-127"/>
-                <a:cs typeface="Courier New" pitchFamily="49" charset="0"/>
-              </a:rPr>
-              <a:t>pid</a:t>
-            </a:r>
-            <a:r>
-              <a:rPr lang="en-US" altLang="ko-KR" sz="1400" dirty="0">
-                <a:solidFill>
-                  <a:prstClr val="black"/>
-                </a:solidFill>
-                <a:latin typeface="Courier New" pitchFamily="49" charset="0"/>
-                <a:ea typeface="맑은 고딕" pitchFamily="50" charset="-127"/>
-                <a:cs typeface="Courier New" pitchFamily="49" charset="0"/>
-              </a:rPr>
-              <a:t>:%d)\n", (</a:t>
-            </a:r>
-            <a:r>
-              <a:rPr lang="en-US" altLang="ko-KR" sz="1400" dirty="0" err="1">
-                <a:solidFill>
-                  <a:srgbClr val="00B050"/>
-                </a:solidFill>
-                <a:latin typeface="Courier New" pitchFamily="49" charset="0"/>
-                <a:ea typeface="맑은 고딕" pitchFamily="50" charset="-127"/>
-                <a:cs typeface="Courier New" pitchFamily="49" charset="0"/>
-              </a:rPr>
-              <a:t>int</a:t>
-            </a:r>
-            <a:r>
-              <a:rPr lang="en-US" altLang="ko-KR" sz="1400" dirty="0">
-                <a:solidFill>
-                  <a:prstClr val="black"/>
-                </a:solidFill>
-                <a:latin typeface="Courier New" pitchFamily="49" charset="0"/>
-                <a:ea typeface="맑은 고딕" pitchFamily="50" charset="-127"/>
-                <a:cs typeface="Courier New" pitchFamily="49" charset="0"/>
-              </a:rPr>
-              <a:t>) </a:t>
-            </a:r>
-            <a:r>
-              <a:rPr lang="en-US" altLang="ko-KR" sz="1400" dirty="0" err="1">
-                <a:solidFill>
-                  <a:prstClr val="black"/>
-                </a:solidFill>
-                <a:latin typeface="Courier New" pitchFamily="49" charset="0"/>
-                <a:ea typeface="맑은 고딕" pitchFamily="50" charset="-127"/>
-                <a:cs typeface="Courier New" pitchFamily="49" charset="0"/>
-              </a:rPr>
-              <a:t>getpid</a:t>
-            </a:r>
-            <a:r>
-              <a:rPr lang="en-US" altLang="ko-KR" sz="1400" dirty="0">
-                <a:solidFill>
-                  <a:prstClr val="black"/>
-                </a:solidFill>
-                <a:latin typeface="Courier New" pitchFamily="49" charset="0"/>
-                <a:ea typeface="맑은 고딕" pitchFamily="50" charset="-127"/>
-                <a:cs typeface="Courier New" pitchFamily="49" charset="0"/>
-              </a:rPr>
-              <a:t>());</a:t>
-            </a:r>
-          </a:p>
-          <a:p>
-            <a:r>
-              <a:rPr lang="en-US" altLang="ko-KR" sz="1400" dirty="0">
-                <a:solidFill>
-                  <a:prstClr val="black"/>
-                </a:solidFill>
-                <a:latin typeface="Courier New" pitchFamily="49" charset="0"/>
-                <a:ea typeface="맑은 고딕" pitchFamily="50" charset="-127"/>
-                <a:cs typeface="Courier New" pitchFamily="49" charset="0"/>
-              </a:rPr>
-              <a:t>    </a:t>
-            </a:r>
-            <a:r>
-              <a:rPr lang="en-US" altLang="ko-KR" sz="1400" dirty="0" err="1">
-                <a:solidFill>
-                  <a:srgbClr val="00B050"/>
-                </a:solidFill>
-                <a:latin typeface="Courier New" pitchFamily="49" charset="0"/>
-                <a:ea typeface="맑은 고딕" pitchFamily="50" charset="-127"/>
-                <a:cs typeface="Courier New" pitchFamily="49" charset="0"/>
-              </a:rPr>
-              <a:t>int</a:t>
-            </a:r>
-            <a:r>
-              <a:rPr lang="en-US" altLang="ko-KR" sz="1400" dirty="0">
-                <a:solidFill>
-                  <a:prstClr val="black"/>
-                </a:solidFill>
-                <a:latin typeface="Courier New" pitchFamily="49" charset="0"/>
-                <a:ea typeface="맑은 고딕" pitchFamily="50" charset="-127"/>
-                <a:cs typeface="Courier New" pitchFamily="49" charset="0"/>
-              </a:rPr>
-              <a:t> </a:t>
-            </a:r>
-            <a:r>
-              <a:rPr lang="en-US" altLang="ko-KR" sz="1400" dirty="0" err="1">
-                <a:solidFill>
-                  <a:prstClr val="black"/>
-                </a:solidFill>
-                <a:latin typeface="Courier New" pitchFamily="49" charset="0"/>
-                <a:ea typeface="맑은 고딕" pitchFamily="50" charset="-127"/>
-                <a:cs typeface="Courier New" pitchFamily="49" charset="0"/>
-              </a:rPr>
-              <a:t>rc</a:t>
-            </a:r>
-            <a:r>
-              <a:rPr lang="en-US" altLang="ko-KR" sz="1400" dirty="0">
-                <a:solidFill>
-                  <a:prstClr val="black"/>
-                </a:solidFill>
-                <a:latin typeface="Courier New" pitchFamily="49" charset="0"/>
-                <a:ea typeface="맑은 고딕" pitchFamily="50" charset="-127"/>
-                <a:cs typeface="Courier New" pitchFamily="49" charset="0"/>
-              </a:rPr>
-              <a:t> = fork();</a:t>
-            </a:r>
-          </a:p>
-          <a:p>
-            <a:r>
-              <a:rPr lang="en-US" altLang="ko-KR" sz="1400" dirty="0">
-                <a:solidFill>
-                  <a:prstClr val="black"/>
-                </a:solidFill>
-                <a:latin typeface="Courier New" pitchFamily="49" charset="0"/>
-                <a:ea typeface="맑은 고딕" pitchFamily="50" charset="-127"/>
-                <a:cs typeface="Courier New" pitchFamily="49" charset="0"/>
-              </a:rPr>
-              <a:t>    </a:t>
-            </a:r>
-            <a:r>
-              <a:rPr lang="en-US" altLang="ko-KR" sz="1400" dirty="0">
-                <a:solidFill>
-                  <a:srgbClr val="F79646">
-                    <a:lumMod val="75000"/>
-                  </a:srgbClr>
-                </a:solidFill>
-                <a:latin typeface="Courier New" pitchFamily="49" charset="0"/>
-                <a:ea typeface="맑은 고딕" pitchFamily="50" charset="-127"/>
-                <a:cs typeface="Courier New" pitchFamily="49" charset="0"/>
-              </a:rPr>
-              <a:t>if</a:t>
-            </a:r>
-            <a:r>
-              <a:rPr lang="en-US" altLang="ko-KR" sz="1400" dirty="0">
-                <a:solidFill>
-                  <a:prstClr val="black"/>
-                </a:solidFill>
-                <a:latin typeface="Courier New" pitchFamily="49" charset="0"/>
-                <a:ea typeface="맑은 고딕" pitchFamily="50" charset="-127"/>
-                <a:cs typeface="Courier New" pitchFamily="49" charset="0"/>
-              </a:rPr>
-              <a:t> (</a:t>
-            </a:r>
-            <a:r>
-              <a:rPr lang="en-US" altLang="ko-KR" sz="1400" dirty="0" err="1">
-                <a:solidFill>
-                  <a:prstClr val="black"/>
-                </a:solidFill>
-                <a:latin typeface="Courier New" pitchFamily="49" charset="0"/>
-                <a:ea typeface="맑은 고딕" pitchFamily="50" charset="-127"/>
-                <a:cs typeface="Courier New" pitchFamily="49" charset="0"/>
-              </a:rPr>
-              <a:t>rc</a:t>
-            </a:r>
-            <a:r>
-              <a:rPr lang="en-US" altLang="ko-KR" sz="1400" dirty="0">
-                <a:solidFill>
-                  <a:prstClr val="black"/>
-                </a:solidFill>
-                <a:latin typeface="Courier New" pitchFamily="49" charset="0"/>
-                <a:ea typeface="맑은 고딕" pitchFamily="50" charset="-127"/>
-                <a:cs typeface="Courier New" pitchFamily="49" charset="0"/>
-              </a:rPr>
-              <a:t> &lt; </a:t>
-            </a:r>
-            <a:r>
-              <a:rPr lang="en-US" altLang="ko-KR" sz="1400" dirty="0">
-                <a:solidFill>
-                  <a:srgbClr val="FF0000"/>
-                </a:solidFill>
-                <a:latin typeface="Courier New" pitchFamily="49" charset="0"/>
-                <a:ea typeface="맑은 고딕" pitchFamily="50" charset="-127"/>
-                <a:cs typeface="Courier New" pitchFamily="49" charset="0"/>
-              </a:rPr>
-              <a:t>0</a:t>
-            </a:r>
-            <a:r>
-              <a:rPr lang="en-US" altLang="ko-KR" sz="1400" dirty="0">
-                <a:solidFill>
-                  <a:prstClr val="black"/>
-                </a:solidFill>
-                <a:latin typeface="Courier New" pitchFamily="49" charset="0"/>
-                <a:ea typeface="맑은 고딕" pitchFamily="50" charset="-127"/>
-                <a:cs typeface="Courier New" pitchFamily="49" charset="0"/>
-              </a:rPr>
-              <a:t>) { 		</a:t>
-            </a:r>
-            <a:r>
-              <a:rPr lang="en-US" altLang="ko-KR" sz="1400" dirty="0">
-                <a:solidFill>
-                  <a:srgbClr val="00B0F0"/>
-                </a:solidFill>
-                <a:latin typeface="Courier New" pitchFamily="49" charset="0"/>
-                <a:ea typeface="맑은 고딕" pitchFamily="50" charset="-127"/>
-                <a:cs typeface="Courier New" pitchFamily="49" charset="0"/>
-              </a:rPr>
-              <a:t>// fork failed; exit</a:t>
-            </a:r>
-          </a:p>
-          <a:p>
-            <a:r>
-              <a:rPr lang="en-US" altLang="ko-KR" sz="1400" dirty="0">
-                <a:solidFill>
-                  <a:prstClr val="black"/>
-                </a:solidFill>
-                <a:latin typeface="Courier New" pitchFamily="49" charset="0"/>
-                <a:ea typeface="맑은 고딕" pitchFamily="50" charset="-127"/>
-                <a:cs typeface="Courier New" pitchFamily="49" charset="0"/>
-              </a:rPr>
-              <a:t>        </a:t>
-            </a:r>
-            <a:r>
-              <a:rPr lang="en-US" altLang="ko-KR" sz="1400" dirty="0" err="1">
-                <a:solidFill>
-                  <a:prstClr val="black"/>
-                </a:solidFill>
-                <a:latin typeface="Courier New" pitchFamily="49" charset="0"/>
-                <a:ea typeface="맑은 고딕" pitchFamily="50" charset="-127"/>
-                <a:cs typeface="Courier New" pitchFamily="49" charset="0"/>
-              </a:rPr>
-              <a:t>fprintf</a:t>
-            </a:r>
-            <a:r>
-              <a:rPr lang="en-US" altLang="ko-KR" sz="1400" dirty="0">
-                <a:solidFill>
-                  <a:prstClr val="black"/>
-                </a:solidFill>
-                <a:latin typeface="Courier New" pitchFamily="49" charset="0"/>
-                <a:ea typeface="맑은 고딕" pitchFamily="50" charset="-127"/>
-                <a:cs typeface="Courier New" pitchFamily="49" charset="0"/>
-              </a:rPr>
-              <a:t>(</a:t>
-            </a:r>
-            <a:r>
-              <a:rPr lang="en-US" altLang="ko-KR" sz="1400" dirty="0" err="1">
-                <a:solidFill>
-                  <a:prstClr val="black"/>
-                </a:solidFill>
-                <a:latin typeface="Courier New" pitchFamily="49" charset="0"/>
-                <a:ea typeface="맑은 고딕" pitchFamily="50" charset="-127"/>
-                <a:cs typeface="Courier New" pitchFamily="49" charset="0"/>
-              </a:rPr>
-              <a:t>stderr</a:t>
-            </a:r>
-            <a:r>
-              <a:rPr lang="en-US" altLang="ko-KR" sz="1400" dirty="0">
-                <a:solidFill>
-                  <a:prstClr val="black"/>
-                </a:solidFill>
-                <a:latin typeface="Courier New" pitchFamily="49" charset="0"/>
-                <a:ea typeface="맑은 고딕" pitchFamily="50" charset="-127"/>
-                <a:cs typeface="Courier New" pitchFamily="49" charset="0"/>
-              </a:rPr>
-              <a:t>, "fork failed\n");</a:t>
-            </a:r>
-          </a:p>
-          <a:p>
-            <a:r>
-              <a:rPr lang="en-US" altLang="ko-KR" sz="1400" dirty="0">
-                <a:solidFill>
-                  <a:prstClr val="black"/>
-                </a:solidFill>
-                <a:latin typeface="Courier New" pitchFamily="49" charset="0"/>
-                <a:ea typeface="맑은 고딕" pitchFamily="50" charset="-127"/>
-                <a:cs typeface="Courier New" pitchFamily="49" charset="0"/>
-              </a:rPr>
-              <a:t>        exit(</a:t>
-            </a:r>
-            <a:r>
-              <a:rPr lang="en-US" altLang="ko-KR" sz="1400" dirty="0">
-                <a:solidFill>
-                  <a:srgbClr val="FF0000"/>
-                </a:solidFill>
-                <a:latin typeface="Courier New" pitchFamily="49" charset="0"/>
-                <a:ea typeface="맑은 고딕" pitchFamily="50" charset="-127"/>
-                <a:cs typeface="Courier New" pitchFamily="49" charset="0"/>
-              </a:rPr>
-              <a:t>1</a:t>
-            </a:r>
-            <a:r>
-              <a:rPr lang="en-US" altLang="ko-KR" sz="1400" dirty="0">
-                <a:solidFill>
-                  <a:prstClr val="black"/>
-                </a:solidFill>
-                <a:latin typeface="Courier New" pitchFamily="49" charset="0"/>
-                <a:ea typeface="맑은 고딕" pitchFamily="50" charset="-127"/>
-                <a:cs typeface="Courier New" pitchFamily="49" charset="0"/>
-              </a:rPr>
-              <a:t>);</a:t>
-            </a:r>
-          </a:p>
-          <a:p>
-            <a:r>
-              <a:rPr lang="en-US" altLang="ko-KR" sz="1400" dirty="0">
-                <a:solidFill>
-                  <a:prstClr val="black"/>
-                </a:solidFill>
-                <a:latin typeface="Courier New" pitchFamily="49" charset="0"/>
-                <a:ea typeface="맑은 고딕" pitchFamily="50" charset="-127"/>
-                <a:cs typeface="Courier New" pitchFamily="49" charset="0"/>
-              </a:rPr>
-              <a:t>    } </a:t>
-            </a:r>
-            <a:r>
-              <a:rPr lang="en-US" altLang="ko-KR" sz="1400" dirty="0">
-                <a:solidFill>
-                  <a:srgbClr val="F79646">
-                    <a:lumMod val="75000"/>
-                  </a:srgbClr>
-                </a:solidFill>
-                <a:latin typeface="Courier New" pitchFamily="49" charset="0"/>
-                <a:ea typeface="맑은 고딕" pitchFamily="50" charset="-127"/>
-                <a:cs typeface="Courier New" pitchFamily="49" charset="0"/>
-              </a:rPr>
-              <a:t>else if </a:t>
-            </a:r>
-            <a:r>
-              <a:rPr lang="en-US" altLang="ko-KR" sz="1400" dirty="0">
-                <a:solidFill>
-                  <a:prstClr val="black"/>
-                </a:solidFill>
-                <a:latin typeface="Courier New" pitchFamily="49" charset="0"/>
-                <a:ea typeface="맑은 고딕" pitchFamily="50" charset="-127"/>
-                <a:cs typeface="Courier New" pitchFamily="49" charset="0"/>
-              </a:rPr>
-              <a:t>(</a:t>
-            </a:r>
-            <a:r>
-              <a:rPr lang="en-US" altLang="ko-KR" sz="1400" dirty="0" err="1">
-                <a:solidFill>
-                  <a:prstClr val="black"/>
-                </a:solidFill>
-                <a:latin typeface="Courier New" pitchFamily="49" charset="0"/>
-                <a:ea typeface="맑은 고딕" pitchFamily="50" charset="-127"/>
-                <a:cs typeface="Courier New" pitchFamily="49" charset="0"/>
-              </a:rPr>
-              <a:t>rc</a:t>
-            </a:r>
-            <a:r>
-              <a:rPr lang="en-US" altLang="ko-KR" sz="1400" dirty="0">
-                <a:solidFill>
-                  <a:prstClr val="black"/>
-                </a:solidFill>
-                <a:latin typeface="Courier New" pitchFamily="49" charset="0"/>
-                <a:ea typeface="맑은 고딕" pitchFamily="50" charset="-127"/>
-                <a:cs typeface="Courier New" pitchFamily="49" charset="0"/>
-              </a:rPr>
-              <a:t> == </a:t>
-            </a:r>
-            <a:r>
-              <a:rPr lang="en-US" altLang="ko-KR" sz="1400" dirty="0">
-                <a:solidFill>
-                  <a:srgbClr val="FF0000"/>
-                </a:solidFill>
-                <a:latin typeface="Courier New" pitchFamily="49" charset="0"/>
-                <a:ea typeface="맑은 고딕" pitchFamily="50" charset="-127"/>
-                <a:cs typeface="Courier New" pitchFamily="49" charset="0"/>
-              </a:rPr>
-              <a:t>0</a:t>
-            </a:r>
-            <a:r>
-              <a:rPr lang="en-US" altLang="ko-KR" sz="1400" dirty="0">
-                <a:solidFill>
-                  <a:prstClr val="black"/>
-                </a:solidFill>
-                <a:latin typeface="Courier New" pitchFamily="49" charset="0"/>
-                <a:ea typeface="맑은 고딕" pitchFamily="50" charset="-127"/>
-                <a:cs typeface="Courier New" pitchFamily="49" charset="0"/>
-              </a:rPr>
-              <a:t>) { 	</a:t>
-            </a:r>
-            <a:r>
-              <a:rPr lang="en-US" altLang="ko-KR" sz="1400" dirty="0">
-                <a:solidFill>
-                  <a:srgbClr val="00B0F0"/>
-                </a:solidFill>
-                <a:latin typeface="Courier New" pitchFamily="49" charset="0"/>
-                <a:ea typeface="맑은 고딕" pitchFamily="50" charset="-127"/>
-                <a:cs typeface="Courier New" pitchFamily="49" charset="0"/>
-              </a:rPr>
-              <a:t>// child (new process)</a:t>
-            </a:r>
-          </a:p>
-          <a:p>
-            <a:r>
-              <a:rPr lang="en-US" altLang="ko-KR" sz="1400" dirty="0">
-                <a:solidFill>
-                  <a:prstClr val="black"/>
-                </a:solidFill>
-                <a:latin typeface="Courier New" pitchFamily="49" charset="0"/>
-                <a:ea typeface="맑은 고딕" pitchFamily="50" charset="-127"/>
-                <a:cs typeface="Courier New" pitchFamily="49" charset="0"/>
-              </a:rPr>
-              <a:t>        </a:t>
-            </a:r>
-            <a:r>
-              <a:rPr lang="en-US" altLang="ko-KR" sz="1400" dirty="0" err="1">
-                <a:solidFill>
-                  <a:prstClr val="black"/>
-                </a:solidFill>
-                <a:latin typeface="Courier New" pitchFamily="49" charset="0"/>
-                <a:ea typeface="맑은 고딕" pitchFamily="50" charset="-127"/>
-                <a:cs typeface="Courier New" pitchFamily="49" charset="0"/>
-              </a:rPr>
-              <a:t>printf</a:t>
-            </a:r>
-            <a:r>
-              <a:rPr lang="en-US" altLang="ko-KR" sz="1400" dirty="0">
-                <a:solidFill>
-                  <a:prstClr val="black"/>
-                </a:solidFill>
-                <a:latin typeface="Courier New" pitchFamily="49" charset="0"/>
-                <a:ea typeface="맑은 고딕" pitchFamily="50" charset="-127"/>
-                <a:cs typeface="Courier New" pitchFamily="49" charset="0"/>
-              </a:rPr>
-              <a:t>("hello, I am child (</a:t>
-            </a:r>
-            <a:r>
-              <a:rPr lang="en-US" altLang="ko-KR" sz="1400" dirty="0" err="1">
-                <a:solidFill>
-                  <a:prstClr val="black"/>
-                </a:solidFill>
-                <a:latin typeface="Courier New" pitchFamily="49" charset="0"/>
-                <a:ea typeface="맑은 고딕" pitchFamily="50" charset="-127"/>
-                <a:cs typeface="Courier New" pitchFamily="49" charset="0"/>
-              </a:rPr>
-              <a:t>pid</a:t>
-            </a:r>
-            <a:r>
-              <a:rPr lang="en-US" altLang="ko-KR" sz="1400" dirty="0">
-                <a:solidFill>
-                  <a:prstClr val="black"/>
-                </a:solidFill>
-                <a:latin typeface="Courier New" pitchFamily="49" charset="0"/>
-                <a:ea typeface="맑은 고딕" pitchFamily="50" charset="-127"/>
-                <a:cs typeface="Courier New" pitchFamily="49" charset="0"/>
-              </a:rPr>
-              <a:t>:%d)\n", (</a:t>
-            </a:r>
-            <a:r>
-              <a:rPr lang="en-US" altLang="ko-KR" sz="1400" dirty="0" err="1">
-                <a:solidFill>
-                  <a:srgbClr val="00B050"/>
-                </a:solidFill>
-                <a:latin typeface="Courier New" pitchFamily="49" charset="0"/>
-                <a:ea typeface="맑은 고딕" pitchFamily="50" charset="-127"/>
-                <a:cs typeface="Courier New" pitchFamily="49" charset="0"/>
-              </a:rPr>
-              <a:t>int</a:t>
-            </a:r>
-            <a:r>
-              <a:rPr lang="en-US" altLang="ko-KR" sz="1400" dirty="0">
-                <a:solidFill>
-                  <a:prstClr val="black"/>
-                </a:solidFill>
-                <a:latin typeface="Courier New" pitchFamily="49" charset="0"/>
-                <a:ea typeface="맑은 고딕" pitchFamily="50" charset="-127"/>
-                <a:cs typeface="Courier New" pitchFamily="49" charset="0"/>
-              </a:rPr>
-              <a:t>) </a:t>
-            </a:r>
-            <a:r>
-              <a:rPr lang="en-US" altLang="ko-KR" sz="1400" dirty="0" err="1">
-                <a:solidFill>
-                  <a:prstClr val="black"/>
-                </a:solidFill>
-                <a:latin typeface="Courier New" pitchFamily="49" charset="0"/>
-                <a:ea typeface="맑은 고딕" pitchFamily="50" charset="-127"/>
-                <a:cs typeface="Courier New" pitchFamily="49" charset="0"/>
-              </a:rPr>
-              <a:t>getpid</a:t>
-            </a:r>
-            <a:r>
-              <a:rPr lang="en-US" altLang="ko-KR" sz="1400" dirty="0">
-                <a:solidFill>
-                  <a:prstClr val="black"/>
-                </a:solidFill>
-                <a:latin typeface="Courier New" pitchFamily="49" charset="0"/>
-                <a:ea typeface="맑은 고딕" pitchFamily="50" charset="-127"/>
-                <a:cs typeface="Courier New" pitchFamily="49" charset="0"/>
-              </a:rPr>
-              <a:t>());</a:t>
-            </a:r>
-          </a:p>
-          <a:p>
-            <a:r>
-              <a:rPr lang="en-US" altLang="ko-KR" sz="1400" dirty="0">
-                <a:solidFill>
-                  <a:prstClr val="black"/>
-                </a:solidFill>
-                <a:latin typeface="Courier New" pitchFamily="49" charset="0"/>
-                <a:ea typeface="맑은 고딕" pitchFamily="50" charset="-127"/>
-                <a:cs typeface="Courier New" pitchFamily="49" charset="0"/>
-              </a:rPr>
-              <a:t>        char *</a:t>
-            </a:r>
-            <a:r>
-              <a:rPr lang="en-US" altLang="ko-KR" sz="1400" dirty="0" err="1">
-                <a:solidFill>
-                  <a:prstClr val="black"/>
-                </a:solidFill>
-                <a:latin typeface="Courier New" pitchFamily="49" charset="0"/>
-                <a:ea typeface="맑은 고딕" pitchFamily="50" charset="-127"/>
-                <a:cs typeface="Courier New" pitchFamily="49" charset="0"/>
-              </a:rPr>
-              <a:t>myargs</a:t>
-            </a:r>
-            <a:r>
-              <a:rPr lang="en-US" altLang="ko-KR" sz="1400" dirty="0">
-                <a:solidFill>
-                  <a:prstClr val="black"/>
-                </a:solidFill>
-                <a:latin typeface="Courier New" pitchFamily="49" charset="0"/>
-                <a:ea typeface="맑은 고딕" pitchFamily="50" charset="-127"/>
-                <a:cs typeface="Courier New" pitchFamily="49" charset="0"/>
-              </a:rPr>
-              <a:t>[</a:t>
-            </a:r>
-            <a:r>
-              <a:rPr lang="en-US" altLang="ko-KR" sz="1400" dirty="0">
-                <a:solidFill>
-                  <a:srgbClr val="FF0000"/>
-                </a:solidFill>
-                <a:latin typeface="Courier New" pitchFamily="49" charset="0"/>
-                <a:ea typeface="맑은 고딕" pitchFamily="50" charset="-127"/>
-                <a:cs typeface="Courier New" pitchFamily="49" charset="0"/>
-              </a:rPr>
-              <a:t>3</a:t>
-            </a:r>
-            <a:r>
-              <a:rPr lang="en-US" altLang="ko-KR" sz="1400" dirty="0">
-                <a:solidFill>
-                  <a:prstClr val="black"/>
-                </a:solidFill>
-                <a:latin typeface="Courier New" pitchFamily="49" charset="0"/>
-                <a:ea typeface="맑은 고딕" pitchFamily="50" charset="-127"/>
-                <a:cs typeface="Courier New" pitchFamily="49" charset="0"/>
-              </a:rPr>
-              <a:t>];</a:t>
-            </a:r>
-          </a:p>
-          <a:p>
-            <a:r>
-              <a:rPr lang="en-US" altLang="ko-KR" sz="1400" dirty="0">
-                <a:solidFill>
-                  <a:prstClr val="black"/>
-                </a:solidFill>
-                <a:latin typeface="Courier New" pitchFamily="49" charset="0"/>
-                <a:ea typeface="맑은 고딕" pitchFamily="50" charset="-127"/>
-                <a:cs typeface="Courier New" pitchFamily="49" charset="0"/>
-              </a:rPr>
-              <a:t>        </a:t>
-            </a:r>
-            <a:r>
-              <a:rPr lang="en-US" altLang="ko-KR" sz="1400" dirty="0" err="1">
-                <a:solidFill>
-                  <a:prstClr val="black"/>
-                </a:solidFill>
-                <a:latin typeface="Courier New" pitchFamily="49" charset="0"/>
-                <a:ea typeface="맑은 고딕" pitchFamily="50" charset="-127"/>
-                <a:cs typeface="Courier New" pitchFamily="49" charset="0"/>
-              </a:rPr>
-              <a:t>myargs</a:t>
-            </a:r>
-            <a:r>
-              <a:rPr lang="en-US" altLang="ko-KR" sz="1400" dirty="0">
-                <a:solidFill>
-                  <a:prstClr val="black"/>
-                </a:solidFill>
-                <a:latin typeface="Courier New" pitchFamily="49" charset="0"/>
-                <a:ea typeface="맑은 고딕" pitchFamily="50" charset="-127"/>
-                <a:cs typeface="Courier New" pitchFamily="49" charset="0"/>
-              </a:rPr>
-              <a:t>[</a:t>
-            </a:r>
-            <a:r>
-              <a:rPr lang="en-US" altLang="ko-KR" sz="1400" dirty="0">
-                <a:solidFill>
-                  <a:srgbClr val="FF0000"/>
-                </a:solidFill>
-                <a:latin typeface="Courier New" pitchFamily="49" charset="0"/>
-                <a:ea typeface="맑은 고딕" pitchFamily="50" charset="-127"/>
-                <a:cs typeface="Courier New" pitchFamily="49" charset="0"/>
-              </a:rPr>
-              <a:t>0</a:t>
-            </a:r>
-            <a:r>
-              <a:rPr lang="en-US" altLang="ko-KR" sz="1400" dirty="0">
-                <a:solidFill>
-                  <a:prstClr val="black"/>
-                </a:solidFill>
-                <a:latin typeface="Courier New" pitchFamily="49" charset="0"/>
-                <a:ea typeface="맑은 고딕" pitchFamily="50" charset="-127"/>
-                <a:cs typeface="Courier New" pitchFamily="49" charset="0"/>
-              </a:rPr>
-              <a:t>] = </a:t>
-            </a:r>
-            <a:r>
-              <a:rPr lang="en-US" altLang="ko-KR" sz="1400" dirty="0" err="1">
-                <a:solidFill>
-                  <a:prstClr val="black"/>
-                </a:solidFill>
-                <a:latin typeface="Courier New" pitchFamily="49" charset="0"/>
-                <a:ea typeface="맑은 고딕" pitchFamily="50" charset="-127"/>
-                <a:cs typeface="Courier New" pitchFamily="49" charset="0"/>
-              </a:rPr>
-              <a:t>strdup</a:t>
-            </a:r>
-            <a:r>
-              <a:rPr lang="en-US" altLang="ko-KR" sz="1400" dirty="0">
-                <a:solidFill>
-                  <a:prstClr val="black"/>
-                </a:solidFill>
-                <a:latin typeface="Courier New" pitchFamily="49" charset="0"/>
-                <a:ea typeface="맑은 고딕" pitchFamily="50" charset="-127"/>
-                <a:cs typeface="Courier New" pitchFamily="49" charset="0"/>
-              </a:rPr>
-              <a:t>("</a:t>
-            </a:r>
-            <a:r>
-              <a:rPr lang="en-US" altLang="ko-KR" sz="1400" dirty="0" err="1">
-                <a:solidFill>
-                  <a:prstClr val="black"/>
-                </a:solidFill>
-                <a:latin typeface="Courier New" pitchFamily="49" charset="0"/>
-                <a:ea typeface="맑은 고딕" pitchFamily="50" charset="-127"/>
-                <a:cs typeface="Courier New" pitchFamily="49" charset="0"/>
-              </a:rPr>
-              <a:t>wc</a:t>
-            </a:r>
-            <a:r>
-              <a:rPr lang="en-US" altLang="ko-KR" sz="1400" dirty="0">
-                <a:solidFill>
-                  <a:prstClr val="black"/>
-                </a:solidFill>
-                <a:latin typeface="Courier New" pitchFamily="49" charset="0"/>
-                <a:ea typeface="맑은 고딕" pitchFamily="50" charset="-127"/>
-                <a:cs typeface="Courier New" pitchFamily="49" charset="0"/>
-              </a:rPr>
-              <a:t>"); 		</a:t>
-            </a:r>
-            <a:r>
-              <a:rPr lang="en-US" altLang="ko-KR" sz="1400" dirty="0">
-                <a:solidFill>
-                  <a:srgbClr val="00B0F0"/>
-                </a:solidFill>
-                <a:latin typeface="Courier New" pitchFamily="49" charset="0"/>
-                <a:ea typeface="맑은 고딕" pitchFamily="50" charset="-127"/>
-                <a:cs typeface="Courier New" pitchFamily="49" charset="0"/>
-              </a:rPr>
-              <a:t>// program: "</a:t>
-            </a:r>
-            <a:r>
-              <a:rPr lang="en-US" altLang="ko-KR" sz="1400" dirty="0" err="1">
-                <a:solidFill>
-                  <a:srgbClr val="00B0F0"/>
-                </a:solidFill>
-                <a:latin typeface="Courier New" pitchFamily="49" charset="0"/>
-                <a:ea typeface="맑은 고딕" pitchFamily="50" charset="-127"/>
-                <a:cs typeface="Courier New" pitchFamily="49" charset="0"/>
-              </a:rPr>
-              <a:t>wc</a:t>
-            </a:r>
-            <a:r>
-              <a:rPr lang="en-US" altLang="ko-KR" sz="1400" dirty="0">
-                <a:solidFill>
-                  <a:srgbClr val="00B0F0"/>
-                </a:solidFill>
-                <a:latin typeface="Courier New" pitchFamily="49" charset="0"/>
-                <a:ea typeface="맑은 고딕" pitchFamily="50" charset="-127"/>
-                <a:cs typeface="Courier New" pitchFamily="49" charset="0"/>
-              </a:rPr>
-              <a:t>" (word count)</a:t>
-            </a:r>
-          </a:p>
-          <a:p>
-            <a:r>
-              <a:rPr lang="en-US" altLang="ko-KR" sz="1400" dirty="0">
-                <a:solidFill>
-                  <a:prstClr val="black"/>
-                </a:solidFill>
-                <a:latin typeface="Courier New" pitchFamily="49" charset="0"/>
-                <a:ea typeface="맑은 고딕" pitchFamily="50" charset="-127"/>
-                <a:cs typeface="Courier New" pitchFamily="49" charset="0"/>
-              </a:rPr>
-              <a:t>        </a:t>
-            </a:r>
-            <a:r>
-              <a:rPr lang="en-US" altLang="ko-KR" sz="1400" dirty="0" err="1">
-                <a:solidFill>
-                  <a:prstClr val="black"/>
-                </a:solidFill>
-                <a:latin typeface="Courier New" pitchFamily="49" charset="0"/>
-                <a:ea typeface="맑은 고딕" pitchFamily="50" charset="-127"/>
-                <a:cs typeface="Courier New" pitchFamily="49" charset="0"/>
-              </a:rPr>
-              <a:t>myargs</a:t>
-            </a:r>
-            <a:r>
-              <a:rPr lang="en-US" altLang="ko-KR" sz="1400" dirty="0">
-                <a:solidFill>
-                  <a:prstClr val="black"/>
-                </a:solidFill>
-                <a:latin typeface="Courier New" pitchFamily="49" charset="0"/>
-                <a:ea typeface="맑은 고딕" pitchFamily="50" charset="-127"/>
-                <a:cs typeface="Courier New" pitchFamily="49" charset="0"/>
-              </a:rPr>
-              <a:t>[</a:t>
-            </a:r>
-            <a:r>
-              <a:rPr lang="en-US" altLang="ko-KR" sz="1400" dirty="0">
-                <a:solidFill>
-                  <a:srgbClr val="FF0000"/>
-                </a:solidFill>
-                <a:latin typeface="Courier New" pitchFamily="49" charset="0"/>
-                <a:ea typeface="맑은 고딕" pitchFamily="50" charset="-127"/>
-                <a:cs typeface="Courier New" pitchFamily="49" charset="0"/>
-              </a:rPr>
-              <a:t>1</a:t>
-            </a:r>
-            <a:r>
-              <a:rPr lang="en-US" altLang="ko-KR" sz="1400" dirty="0">
-                <a:solidFill>
-                  <a:prstClr val="black"/>
-                </a:solidFill>
-                <a:latin typeface="Courier New" pitchFamily="49" charset="0"/>
-                <a:ea typeface="맑은 고딕" pitchFamily="50" charset="-127"/>
-                <a:cs typeface="Courier New" pitchFamily="49" charset="0"/>
-              </a:rPr>
-              <a:t>] = </a:t>
-            </a:r>
-            <a:r>
-              <a:rPr lang="en-US" altLang="ko-KR" sz="1400" dirty="0" err="1">
-                <a:solidFill>
-                  <a:prstClr val="black"/>
-                </a:solidFill>
-                <a:latin typeface="Courier New" pitchFamily="49" charset="0"/>
-                <a:ea typeface="맑은 고딕" pitchFamily="50" charset="-127"/>
-                <a:cs typeface="Courier New" pitchFamily="49" charset="0"/>
-              </a:rPr>
-              <a:t>strdup</a:t>
-            </a:r>
-            <a:r>
-              <a:rPr lang="en-US" altLang="ko-KR" sz="1400" dirty="0">
-                <a:solidFill>
-                  <a:prstClr val="black"/>
-                </a:solidFill>
-                <a:latin typeface="Courier New" pitchFamily="49" charset="0"/>
-                <a:ea typeface="맑은 고딕" pitchFamily="50" charset="-127"/>
-                <a:cs typeface="Courier New" pitchFamily="49" charset="0"/>
-              </a:rPr>
-              <a:t>("p3.c"); 	</a:t>
-            </a:r>
-            <a:r>
-              <a:rPr lang="en-US" altLang="ko-KR" sz="1400" dirty="0">
-                <a:solidFill>
-                  <a:srgbClr val="00B0F0"/>
-                </a:solidFill>
-                <a:latin typeface="Courier New" pitchFamily="49" charset="0"/>
-                <a:ea typeface="맑은 고딕" pitchFamily="50" charset="-127"/>
-                <a:cs typeface="Courier New" pitchFamily="49" charset="0"/>
-              </a:rPr>
-              <a:t>// argument: file to count</a:t>
-            </a:r>
-          </a:p>
-          <a:p>
-            <a:r>
-              <a:rPr lang="en-US" altLang="ko-KR" sz="1400" dirty="0">
-                <a:solidFill>
-                  <a:prstClr val="black"/>
-                </a:solidFill>
-                <a:latin typeface="Courier New" pitchFamily="49" charset="0"/>
-                <a:ea typeface="맑은 고딕" pitchFamily="50" charset="-127"/>
-                <a:cs typeface="Courier New" pitchFamily="49" charset="0"/>
-              </a:rPr>
-              <a:t>        </a:t>
-            </a:r>
-            <a:r>
-              <a:rPr lang="en-US" altLang="ko-KR" sz="1400" dirty="0" err="1">
-                <a:solidFill>
-                  <a:prstClr val="black"/>
-                </a:solidFill>
-                <a:latin typeface="Courier New" pitchFamily="49" charset="0"/>
-                <a:ea typeface="맑은 고딕" pitchFamily="50" charset="-127"/>
-                <a:cs typeface="Courier New" pitchFamily="49" charset="0"/>
-              </a:rPr>
-              <a:t>myargs</a:t>
-            </a:r>
-            <a:r>
-              <a:rPr lang="en-US" altLang="ko-KR" sz="1400" dirty="0">
-                <a:solidFill>
-                  <a:prstClr val="black"/>
-                </a:solidFill>
-                <a:latin typeface="Courier New" pitchFamily="49" charset="0"/>
-                <a:ea typeface="맑은 고딕" pitchFamily="50" charset="-127"/>
-                <a:cs typeface="Courier New" pitchFamily="49" charset="0"/>
-              </a:rPr>
-              <a:t>[</a:t>
-            </a:r>
-            <a:r>
-              <a:rPr lang="en-US" altLang="ko-KR" sz="1400" dirty="0">
-                <a:solidFill>
-                  <a:srgbClr val="FF0000"/>
-                </a:solidFill>
-                <a:latin typeface="Courier New" pitchFamily="49" charset="0"/>
-                <a:ea typeface="맑은 고딕" pitchFamily="50" charset="-127"/>
-                <a:cs typeface="Courier New" pitchFamily="49" charset="0"/>
-              </a:rPr>
-              <a:t>2</a:t>
-            </a:r>
-            <a:r>
-              <a:rPr lang="en-US" altLang="ko-KR" sz="1400" dirty="0">
-                <a:solidFill>
-                  <a:prstClr val="black"/>
-                </a:solidFill>
-                <a:latin typeface="Courier New" pitchFamily="49" charset="0"/>
-                <a:ea typeface="맑은 고딕" pitchFamily="50" charset="-127"/>
-                <a:cs typeface="Courier New" pitchFamily="49" charset="0"/>
-              </a:rPr>
-              <a:t>] = NULL; 		</a:t>
-            </a:r>
-            <a:r>
-              <a:rPr lang="en-US" altLang="ko-KR" sz="1400" dirty="0">
-                <a:solidFill>
-                  <a:srgbClr val="00B0F0"/>
-                </a:solidFill>
-                <a:latin typeface="Courier New" pitchFamily="49" charset="0"/>
-                <a:ea typeface="맑은 고딕" pitchFamily="50" charset="-127"/>
-                <a:cs typeface="Courier New" pitchFamily="49" charset="0"/>
-              </a:rPr>
-              <a:t>// marks end of array</a:t>
-            </a:r>
-          </a:p>
-          <a:p>
-            <a:r>
-              <a:rPr lang="en-US" altLang="ko-KR" sz="1400" dirty="0">
-                <a:solidFill>
-                  <a:prstClr val="black"/>
-                </a:solidFill>
-                <a:latin typeface="Courier New" pitchFamily="49" charset="0"/>
-                <a:ea typeface="맑은 고딕" pitchFamily="50" charset="-127"/>
-                <a:cs typeface="Courier New" pitchFamily="49" charset="0"/>
-              </a:rPr>
-              <a:t>        …</a:t>
-            </a:r>
-          </a:p>
-        </p:txBody>
-      </p:sp>
-      <p:sp>
-        <p:nvSpPr>
-          <p:cNvPr id="7" name="TextBox 6"/>
+          <p:cNvPr id="5" name="TextBox 4">
+            <a:extLst>
+              <a:ext uri="{FF2B5EF4-FFF2-40B4-BE49-F238E27FC236}">
+                <a16:creationId xmlns:a16="http://schemas.microsoft.com/office/drawing/2014/main" id="{5F57EB65-C099-488E-BD92-66FA74C18491}"/>
+              </a:ext>
+            </a:extLst>
+          </p:cNvPr>
           <p:cNvSpPr txBox="1"/>
           <p:nvPr/>
         </p:nvSpPr>
         <p:spPr>
           <a:xfrm>
-            <a:off x="2063552" y="1506270"/>
-            <a:ext cx="720080" cy="338554"/>
+            <a:off x="911424" y="3140968"/>
+            <a:ext cx="10225136" cy="1261884"/>
           </a:xfrm>
           <a:prstGeom prst="rect">
             <a:avLst/>
@@ -10197,22 +12378,81 @@
           </a:bodyPr>
           <a:lstStyle/>
           <a:p>
-            <a:r>
-              <a:rPr lang="en-US" altLang="ko-KR" sz="1600" b="1" dirty="0">
-                <a:solidFill>
-                  <a:prstClr val="black"/>
-                </a:solidFill>
-                <a:latin typeface="맑은 고딕" pitchFamily="50" charset="-127"/>
-                <a:ea typeface="맑은 고딕" pitchFamily="50" charset="-127"/>
-              </a:rPr>
-              <a:t>p3.c</a:t>
-            </a:r>
-            <a:endParaRPr lang="ko-KR" altLang="en-US" sz="1600" b="1" dirty="0">
-              <a:solidFill>
-                <a:prstClr val="black"/>
-              </a:solidFill>
-              <a:latin typeface="맑은 고딕" pitchFamily="50" charset="-127"/>
-              <a:ea typeface="맑은 고딕" pitchFamily="50" charset="-127"/>
+            <a:pPr marL="342900" indent="-342900">
+              <a:buFont typeface="Arial" panose="020B0604020202020204" pitchFamily="34" charset="0"/>
+              <a:buChar char="•"/>
+            </a:pPr>
+            <a:r>
+              <a:rPr lang="en-US" sz="1900" dirty="0">
+                <a:latin typeface="Oswald" pitchFamily="2" charset="0"/>
+              </a:rPr>
+              <a:t>Adding the call to </a:t>
+            </a:r>
+            <a:r>
+              <a:rPr lang="en-US" sz="1900" dirty="0">
+                <a:latin typeface="Courier New" panose="02070309020205020404" pitchFamily="49" charset="0"/>
+                <a:cs typeface="Courier New" panose="02070309020205020404" pitchFamily="49" charset="0"/>
+              </a:rPr>
+              <a:t>wait()</a:t>
+            </a:r>
+            <a:r>
+              <a:rPr lang="en-US" sz="1900" dirty="0">
+                <a:latin typeface="Oswald" pitchFamily="2" charset="0"/>
+              </a:rPr>
+              <a:t> on the code block for the parent process guarantees that the child process will     finish first before the parent process – thus </a:t>
+            </a:r>
+            <a:r>
+              <a:rPr lang="en-US" sz="1900" b="1" dirty="0">
+                <a:latin typeface="Oswald" pitchFamily="2" charset="0"/>
+              </a:rPr>
+              <a:t>deterministic</a:t>
+            </a:r>
+            <a:r>
+              <a:rPr lang="en-US" sz="1900" dirty="0">
+                <a:latin typeface="Oswald" pitchFamily="2" charset="0"/>
+              </a:rPr>
+              <a:t> order of execution</a:t>
+            </a:r>
+          </a:p>
+          <a:p>
+            <a:pPr marL="342900" indent="-342900">
+              <a:buFont typeface="Arial" panose="020B0604020202020204" pitchFamily="34" charset="0"/>
+              <a:buChar char="•"/>
+            </a:pPr>
+            <a:r>
+              <a:rPr lang="en-US" sz="1900" dirty="0">
+                <a:latin typeface="Oswald" pitchFamily="2" charset="0"/>
+              </a:rPr>
+              <a:t>Even if right after the call to </a:t>
+            </a:r>
+            <a:r>
+              <a:rPr lang="en-US" sz="1900" dirty="0">
+                <a:latin typeface="Courier New" panose="02070309020205020404" pitchFamily="49" charset="0"/>
+                <a:cs typeface="Courier New" panose="02070309020205020404" pitchFamily="49" charset="0"/>
+              </a:rPr>
+              <a:t>fork()</a:t>
+            </a:r>
+            <a:r>
+              <a:rPr lang="en-US" sz="1900" dirty="0">
+                <a:latin typeface="Oswald" pitchFamily="2" charset="0"/>
+              </a:rPr>
+              <a:t> the parent process is selected by the scheduler, it will not proceed      with its execution because of the </a:t>
+            </a:r>
+            <a:r>
+              <a:rPr lang="en-US" sz="1900" dirty="0">
+                <a:latin typeface="Courier New" panose="02070309020205020404" pitchFamily="49" charset="0"/>
+                <a:cs typeface="Courier New" panose="02070309020205020404" pitchFamily="49" charset="0"/>
+              </a:rPr>
+              <a:t>wait() </a:t>
+            </a:r>
+            <a:r>
+              <a:rPr lang="en-US" sz="1900" dirty="0">
+                <a:latin typeface="Oswald" pitchFamily="2" charset="0"/>
+              </a:rPr>
+              <a:t>call which will not return until the child process has finished</a:t>
+            </a:r>
+            <a:endParaRPr lang="en-PH" sz="1900" dirty="0">
+              <a:latin typeface="Oswald" pitchFamily="2" charset="0"/>
             </a:endParaRPr>
           </a:p>
         </p:txBody>
@@ -10220,7 +12460,7 @@
     </p:spTree>
     <p:extLst>
       <p:ext uri="{BB962C8B-B14F-4D97-AF65-F5344CB8AC3E}">
-        <p14:creationId xmlns:p14="http://schemas.microsoft.com/office/powerpoint/2010/main" val="684598283"/>
+        <p14:creationId xmlns:p14="http://schemas.microsoft.com/office/powerpoint/2010/main" val="3503101229"/>
       </p:ext>
     </p:extLst>
   </p:cSld>
